--- a/Hanjun/Pictures.pptx
+++ b/Hanjun/Pictures.pptx
@@ -8,6 +8,9 @@
     <p:sldId id="256" r:id="rId2"/>
     <p:sldId id="257" r:id="rId3"/>
     <p:sldId id="258" r:id="rId4"/>
+    <p:sldId id="259" r:id="rId5"/>
+    <p:sldId id="260" r:id="rId6"/>
+    <p:sldId id="261" r:id="rId7"/>
   </p:sldIdLst>
   <p:sldSz cx="12188825" cy="6858000"/>
   <p:notesSz cx="6858000" cy="9144000"/>
@@ -2604,6 +2607,13 @@
         </dgm:presLayoutVars>
       </dgm:prSet>
       <dgm:spPr/>
+      <dgm:t>
+        <a:bodyPr/>
+        <a:lstStyle/>
+        <a:p>
+          <a:endParaRPr lang="en-US"/>
+        </a:p>
+      </dgm:t>
     </dgm:pt>
     <dgm:pt modelId="{4816EE39-F7FD-C449-9FCD-34B413ED62EA}" type="pres">
       <dgm:prSet presAssocID="{DF3FB880-98CC-AE4C-B2D3-D29F70E8E0F7}" presName="hierRoot1" presStyleCnt="0"/>
@@ -2624,6 +2634,13 @@
         </dgm:presLayoutVars>
       </dgm:prSet>
       <dgm:spPr/>
+      <dgm:t>
+        <a:bodyPr/>
+        <a:lstStyle/>
+        <a:p>
+          <a:endParaRPr lang="en-US"/>
+        </a:p>
+      </dgm:t>
     </dgm:pt>
     <dgm:pt modelId="{13693349-FCE2-3B43-8F7F-C0A4EB2FCED4}" type="pres">
       <dgm:prSet presAssocID="{DF3FB880-98CC-AE4C-B2D3-D29F70E8E0F7}" presName="hierChild2" presStyleCnt="0"/>
@@ -2632,6 +2649,13 @@
     <dgm:pt modelId="{16FEB5DB-22AE-B84E-B249-449411AA4C69}" type="pres">
       <dgm:prSet presAssocID="{2E63064A-4A4C-9641-BDE0-CD69F0B7281F}" presName="Name10" presStyleLbl="parChTrans1D2" presStyleIdx="0" presStyleCnt="3"/>
       <dgm:spPr/>
+      <dgm:t>
+        <a:bodyPr/>
+        <a:lstStyle/>
+        <a:p>
+          <a:endParaRPr lang="en-US"/>
+        </a:p>
+      </dgm:t>
     </dgm:pt>
     <dgm:pt modelId="{3312BD21-8A47-7841-81EF-C00F8A1DB0BE}" type="pres">
       <dgm:prSet presAssocID="{6FA54D7D-C7A5-7145-BF48-73CB07219F1B}" presName="hierRoot2" presStyleCnt="0"/>
@@ -2667,6 +2691,13 @@
     <dgm:pt modelId="{B01322DC-5434-704A-8BDF-92BD17E30C89}" type="pres">
       <dgm:prSet presAssocID="{8098FDC3-3B41-384A-AEF8-433BC959CAF6}" presName="Name10" presStyleLbl="parChTrans1D2" presStyleIdx="1" presStyleCnt="3"/>
       <dgm:spPr/>
+      <dgm:t>
+        <a:bodyPr/>
+        <a:lstStyle/>
+        <a:p>
+          <a:endParaRPr lang="en-US"/>
+        </a:p>
+      </dgm:t>
     </dgm:pt>
     <dgm:pt modelId="{69CA54E1-F210-8D4E-B395-D5A61EBFC8FA}" type="pres">
       <dgm:prSet presAssocID="{40D8D4DD-8958-D943-8101-21B4FFCC7764}" presName="hierRoot2" presStyleCnt="0"/>
@@ -2687,6 +2718,13 @@
         </dgm:presLayoutVars>
       </dgm:prSet>
       <dgm:spPr/>
+      <dgm:t>
+        <a:bodyPr/>
+        <a:lstStyle/>
+        <a:p>
+          <a:endParaRPr lang="en-US"/>
+        </a:p>
+      </dgm:t>
     </dgm:pt>
     <dgm:pt modelId="{1BFAEB18-89E3-6943-84DB-8B88DD8038C6}" type="pres">
       <dgm:prSet presAssocID="{40D8D4DD-8958-D943-8101-21B4FFCC7764}" presName="hierChild3" presStyleCnt="0"/>
@@ -2695,6 +2733,13 @@
     <dgm:pt modelId="{69962CF5-C51E-C644-84B3-2A9BFF7A981A}" type="pres">
       <dgm:prSet presAssocID="{2FF0D8F5-91EA-C241-B9BF-ADE6006A6020}" presName="Name17" presStyleLbl="parChTrans1D3" presStyleIdx="0" presStyleCnt="2"/>
       <dgm:spPr/>
+      <dgm:t>
+        <a:bodyPr/>
+        <a:lstStyle/>
+        <a:p>
+          <a:endParaRPr lang="en-US"/>
+        </a:p>
+      </dgm:t>
     </dgm:pt>
     <dgm:pt modelId="{831111A8-7D05-7C40-836C-EFA7D8DAE70B}" type="pres">
       <dgm:prSet presAssocID="{F545322B-757B-1A40-9112-ED0C8CB179EC}" presName="hierRoot3" presStyleCnt="0"/>
@@ -2730,6 +2775,13 @@
     <dgm:pt modelId="{78574E83-CB77-7F4A-9E6A-3361934EFA8F}" type="pres">
       <dgm:prSet presAssocID="{8D2095E0-CDB1-9F43-9D24-9B9806BF124E}" presName="Name10" presStyleLbl="parChTrans1D2" presStyleIdx="2" presStyleCnt="3"/>
       <dgm:spPr/>
+      <dgm:t>
+        <a:bodyPr/>
+        <a:lstStyle/>
+        <a:p>
+          <a:endParaRPr lang="en-US"/>
+        </a:p>
+      </dgm:t>
     </dgm:pt>
     <dgm:pt modelId="{4469BF53-D27D-9C4F-BF97-30F64EC2BF75}" type="pres">
       <dgm:prSet presAssocID="{C2FEB2BD-A3A2-C54D-B25E-B6883BE4E8DA}" presName="hierRoot2" presStyleCnt="0"/>
@@ -2750,6 +2802,13 @@
         </dgm:presLayoutVars>
       </dgm:prSet>
       <dgm:spPr/>
+      <dgm:t>
+        <a:bodyPr/>
+        <a:lstStyle/>
+        <a:p>
+          <a:endParaRPr lang="en-US"/>
+        </a:p>
+      </dgm:t>
     </dgm:pt>
     <dgm:pt modelId="{BBEDCFDA-92C4-944F-879C-8CA27F3B8243}" type="pres">
       <dgm:prSet presAssocID="{C2FEB2BD-A3A2-C54D-B25E-B6883BE4E8DA}" presName="hierChild3" presStyleCnt="0"/>
@@ -2758,6 +2817,13 @@
     <dgm:pt modelId="{4D711DB5-5059-C249-A0CA-0881BE6F7A9B}" type="pres">
       <dgm:prSet presAssocID="{0477B496-20CF-A043-9F18-8FD076A840F5}" presName="Name17" presStyleLbl="parChTrans1D3" presStyleIdx="1" presStyleCnt="2"/>
       <dgm:spPr/>
+      <dgm:t>
+        <a:bodyPr/>
+        <a:lstStyle/>
+        <a:p>
+          <a:endParaRPr lang="en-US"/>
+        </a:p>
+      </dgm:t>
     </dgm:pt>
     <dgm:pt modelId="{524AA773-6D98-8E45-92A9-852659C9F3E8}" type="pres">
       <dgm:prSet presAssocID="{DF71AC67-622D-884E-900E-376A026E276B}" presName="hierRoot3" presStyleCnt="0"/>
@@ -2792,24 +2858,24 @@
     </dgm:pt>
   </dgm:ptLst>
   <dgm:cxnLst>
+    <dgm:cxn modelId="{625CF4B4-9658-B046-A97D-932A809AF159}" type="presOf" srcId="{40D8D4DD-8958-D943-8101-21B4FFCC7764}" destId="{C2A2A724-9EDD-1941-83AB-87E1E8D0A453}" srcOrd="0" destOrd="0" presId="urn:microsoft.com/office/officeart/2005/8/layout/hierarchy1"/>
+    <dgm:cxn modelId="{CFD0E06C-0358-DB48-B8F4-704EEC160472}" type="presOf" srcId="{2E63064A-4A4C-9641-BDE0-CD69F0B7281F}" destId="{16FEB5DB-22AE-B84E-B249-449411AA4C69}" srcOrd="0" destOrd="0" presId="urn:microsoft.com/office/officeart/2005/8/layout/hierarchy1"/>
+    <dgm:cxn modelId="{881EC2C5-8E9B-0840-9522-489D835624BE}" type="presOf" srcId="{0477B496-20CF-A043-9F18-8FD076A840F5}" destId="{4D711DB5-5059-C249-A0CA-0881BE6F7A9B}" srcOrd="0" destOrd="0" presId="urn:microsoft.com/office/officeart/2005/8/layout/hierarchy1"/>
+    <dgm:cxn modelId="{1B8EDCAC-2297-EE44-B57E-3526226EF21D}" srcId="{DF3FB880-98CC-AE4C-B2D3-D29F70E8E0F7}" destId="{40D8D4DD-8958-D943-8101-21B4FFCC7764}" srcOrd="1" destOrd="0" parTransId="{8098FDC3-3B41-384A-AEF8-433BC959CAF6}" sibTransId="{5E07BC0F-E2BD-AC42-90A8-E9ED1AA848DA}"/>
+    <dgm:cxn modelId="{125D4D96-AE0A-6349-B06C-9C48FFCB94B9}" srcId="{DF3FB880-98CC-AE4C-B2D3-D29F70E8E0F7}" destId="{6FA54D7D-C7A5-7145-BF48-73CB07219F1B}" srcOrd="0" destOrd="0" parTransId="{2E63064A-4A4C-9641-BDE0-CD69F0B7281F}" sibTransId="{145650F2-D1FE-A54E-A48E-D160CDE76109}"/>
+    <dgm:cxn modelId="{86EA1ABF-80B2-6242-A67B-A0E66E0B1078}" type="presOf" srcId="{E830BCC4-089A-414E-9868-A78979C2F02F}" destId="{0718CDEE-6EFE-EC46-BA7E-93E4500B48B8}" srcOrd="0" destOrd="0" presId="urn:microsoft.com/office/officeart/2005/8/layout/hierarchy1"/>
+    <dgm:cxn modelId="{1C36F2B1-0151-9246-A903-E88E5DD5DD9A}" type="presOf" srcId="{8098FDC3-3B41-384A-AEF8-433BC959CAF6}" destId="{B01322DC-5434-704A-8BDF-92BD17E30C89}" srcOrd="0" destOrd="0" presId="urn:microsoft.com/office/officeart/2005/8/layout/hierarchy1"/>
+    <dgm:cxn modelId="{8AEDA4B3-21E1-6543-B717-0A84F2E10AEE}" srcId="{DF3FB880-98CC-AE4C-B2D3-D29F70E8E0F7}" destId="{C2FEB2BD-A3A2-C54D-B25E-B6883BE4E8DA}" srcOrd="2" destOrd="0" parTransId="{8D2095E0-CDB1-9F43-9D24-9B9806BF124E}" sibTransId="{666CCF41-2858-BD43-96C4-9032D73A68CC}"/>
+    <dgm:cxn modelId="{6D440625-B999-2943-955B-A9AA7AABA13A}" type="presOf" srcId="{DF71AC67-622D-884E-900E-376A026E276B}" destId="{7736642E-27B1-E642-9519-D1B3003A1FBB}" srcOrd="0" destOrd="0" presId="urn:microsoft.com/office/officeart/2005/8/layout/hierarchy1"/>
+    <dgm:cxn modelId="{07ED2AC4-603F-B84F-BB90-0FB8E84E0EDC}" type="presOf" srcId="{F545322B-757B-1A40-9112-ED0C8CB179EC}" destId="{0C3A2859-3D3F-4144-B030-728A557600D6}" srcOrd="0" destOrd="0" presId="urn:microsoft.com/office/officeart/2005/8/layout/hierarchy1"/>
+    <dgm:cxn modelId="{562256CB-6453-1041-9F91-C6CE00619699}" type="presOf" srcId="{8D2095E0-CDB1-9F43-9D24-9B9806BF124E}" destId="{78574E83-CB77-7F4A-9E6A-3361934EFA8F}" srcOrd="0" destOrd="0" presId="urn:microsoft.com/office/officeart/2005/8/layout/hierarchy1"/>
     <dgm:cxn modelId="{19DAA818-3359-0D4F-A57C-B30840C2C832}" type="presOf" srcId="{6FA54D7D-C7A5-7145-BF48-73CB07219F1B}" destId="{F1809678-1024-7742-859D-326A72F8B505}" srcOrd="0" destOrd="0" presId="urn:microsoft.com/office/officeart/2005/8/layout/hierarchy1"/>
-    <dgm:cxn modelId="{1B8EDCAC-2297-EE44-B57E-3526226EF21D}" srcId="{DF3FB880-98CC-AE4C-B2D3-D29F70E8E0F7}" destId="{40D8D4DD-8958-D943-8101-21B4FFCC7764}" srcOrd="1" destOrd="0" parTransId="{8098FDC3-3B41-384A-AEF8-433BC959CAF6}" sibTransId="{5E07BC0F-E2BD-AC42-90A8-E9ED1AA848DA}"/>
-    <dgm:cxn modelId="{6D440625-B999-2943-955B-A9AA7AABA13A}" type="presOf" srcId="{DF71AC67-622D-884E-900E-376A026E276B}" destId="{7736642E-27B1-E642-9519-D1B3003A1FBB}" srcOrd="0" destOrd="0" presId="urn:microsoft.com/office/officeart/2005/8/layout/hierarchy1"/>
-    <dgm:cxn modelId="{86EA1ABF-80B2-6242-A67B-A0E66E0B1078}" type="presOf" srcId="{E830BCC4-089A-414E-9868-A78979C2F02F}" destId="{0718CDEE-6EFE-EC46-BA7E-93E4500B48B8}" srcOrd="0" destOrd="0" presId="urn:microsoft.com/office/officeart/2005/8/layout/hierarchy1"/>
-    <dgm:cxn modelId="{881EC2C5-8E9B-0840-9522-489D835624BE}" type="presOf" srcId="{0477B496-20CF-A043-9F18-8FD076A840F5}" destId="{4D711DB5-5059-C249-A0CA-0881BE6F7A9B}" srcOrd="0" destOrd="0" presId="urn:microsoft.com/office/officeart/2005/8/layout/hierarchy1"/>
-    <dgm:cxn modelId="{8AEDA4B3-21E1-6543-B717-0A84F2E10AEE}" srcId="{DF3FB880-98CC-AE4C-B2D3-D29F70E8E0F7}" destId="{C2FEB2BD-A3A2-C54D-B25E-B6883BE4E8DA}" srcOrd="2" destOrd="0" parTransId="{8D2095E0-CDB1-9F43-9D24-9B9806BF124E}" sibTransId="{666CCF41-2858-BD43-96C4-9032D73A68CC}"/>
+    <dgm:cxn modelId="{6DA4239E-DED0-BE42-BBB5-777A4D2A39B6}" srcId="{40D8D4DD-8958-D943-8101-21B4FFCC7764}" destId="{F545322B-757B-1A40-9112-ED0C8CB179EC}" srcOrd="0" destOrd="0" parTransId="{2FF0D8F5-91EA-C241-B9BF-ADE6006A6020}" sibTransId="{290180ED-0057-4445-B357-F616665236F7}"/>
+    <dgm:cxn modelId="{5D13FDC3-8870-3140-8A68-E4BEA50FF9E7}" type="presOf" srcId="{DF3FB880-98CC-AE4C-B2D3-D29F70E8E0F7}" destId="{CAA7041C-BA83-AE43-9E4E-A17DD94D9EAA}" srcOrd="0" destOrd="0" presId="urn:microsoft.com/office/officeart/2005/8/layout/hierarchy1"/>
+    <dgm:cxn modelId="{6F88F1E6-5918-EB46-89F8-A37EABB5C5E5}" srcId="{E830BCC4-089A-414E-9868-A78979C2F02F}" destId="{DF3FB880-98CC-AE4C-B2D3-D29F70E8E0F7}" srcOrd="0" destOrd="0" parTransId="{D8BF11AB-83F3-E24F-ACB0-70A6D7280329}" sibTransId="{B5A531AE-1A31-134B-AC85-1FEE826F04E5}"/>
+    <dgm:cxn modelId="{8D6461C4-31EC-A647-90EE-B6DC18C85834}" type="presOf" srcId="{2FF0D8F5-91EA-C241-B9BF-ADE6006A6020}" destId="{69962CF5-C51E-C644-84B3-2A9BFF7A981A}" srcOrd="0" destOrd="0" presId="urn:microsoft.com/office/officeart/2005/8/layout/hierarchy1"/>
+    <dgm:cxn modelId="{545EF1B9-A8F6-364D-9C60-8A94BFA31E5F}" type="presOf" srcId="{C2FEB2BD-A3A2-C54D-B25E-B6883BE4E8DA}" destId="{9601ACE7-737C-9C4C-A0B3-FB7836E44905}" srcOrd="0" destOrd="0" presId="urn:microsoft.com/office/officeart/2005/8/layout/hierarchy1"/>
     <dgm:cxn modelId="{6973D5E1-2DF8-514A-BC55-98D016FFA9CE}" srcId="{C2FEB2BD-A3A2-C54D-B25E-B6883BE4E8DA}" destId="{DF71AC67-622D-884E-900E-376A026E276B}" srcOrd="0" destOrd="0" parTransId="{0477B496-20CF-A043-9F18-8FD076A840F5}" sibTransId="{3697DAD7-80CC-BD40-80F8-E827EF626714}"/>
-    <dgm:cxn modelId="{6DA4239E-DED0-BE42-BBB5-777A4D2A39B6}" srcId="{40D8D4DD-8958-D943-8101-21B4FFCC7764}" destId="{F545322B-757B-1A40-9112-ED0C8CB179EC}" srcOrd="0" destOrd="0" parTransId="{2FF0D8F5-91EA-C241-B9BF-ADE6006A6020}" sibTransId="{290180ED-0057-4445-B357-F616665236F7}"/>
-    <dgm:cxn modelId="{625CF4B4-9658-B046-A97D-932A809AF159}" type="presOf" srcId="{40D8D4DD-8958-D943-8101-21B4FFCC7764}" destId="{C2A2A724-9EDD-1941-83AB-87E1E8D0A453}" srcOrd="0" destOrd="0" presId="urn:microsoft.com/office/officeart/2005/8/layout/hierarchy1"/>
-    <dgm:cxn modelId="{125D4D96-AE0A-6349-B06C-9C48FFCB94B9}" srcId="{DF3FB880-98CC-AE4C-B2D3-D29F70E8E0F7}" destId="{6FA54D7D-C7A5-7145-BF48-73CB07219F1B}" srcOrd="0" destOrd="0" parTransId="{2E63064A-4A4C-9641-BDE0-CD69F0B7281F}" sibTransId="{145650F2-D1FE-A54E-A48E-D160CDE76109}"/>
-    <dgm:cxn modelId="{8D6461C4-31EC-A647-90EE-B6DC18C85834}" type="presOf" srcId="{2FF0D8F5-91EA-C241-B9BF-ADE6006A6020}" destId="{69962CF5-C51E-C644-84B3-2A9BFF7A981A}" srcOrd="0" destOrd="0" presId="urn:microsoft.com/office/officeart/2005/8/layout/hierarchy1"/>
-    <dgm:cxn modelId="{07ED2AC4-603F-B84F-BB90-0FB8E84E0EDC}" type="presOf" srcId="{F545322B-757B-1A40-9112-ED0C8CB179EC}" destId="{0C3A2859-3D3F-4144-B030-728A557600D6}" srcOrd="0" destOrd="0" presId="urn:microsoft.com/office/officeart/2005/8/layout/hierarchy1"/>
-    <dgm:cxn modelId="{CFD0E06C-0358-DB48-B8F4-704EEC160472}" type="presOf" srcId="{2E63064A-4A4C-9641-BDE0-CD69F0B7281F}" destId="{16FEB5DB-22AE-B84E-B249-449411AA4C69}" srcOrd="0" destOrd="0" presId="urn:microsoft.com/office/officeart/2005/8/layout/hierarchy1"/>
-    <dgm:cxn modelId="{6F88F1E6-5918-EB46-89F8-A37EABB5C5E5}" srcId="{E830BCC4-089A-414E-9868-A78979C2F02F}" destId="{DF3FB880-98CC-AE4C-B2D3-D29F70E8E0F7}" srcOrd="0" destOrd="0" parTransId="{D8BF11AB-83F3-E24F-ACB0-70A6D7280329}" sibTransId="{B5A531AE-1A31-134B-AC85-1FEE826F04E5}"/>
-    <dgm:cxn modelId="{562256CB-6453-1041-9F91-C6CE00619699}" type="presOf" srcId="{8D2095E0-CDB1-9F43-9D24-9B9806BF124E}" destId="{78574E83-CB77-7F4A-9E6A-3361934EFA8F}" srcOrd="0" destOrd="0" presId="urn:microsoft.com/office/officeart/2005/8/layout/hierarchy1"/>
-    <dgm:cxn modelId="{1C36F2B1-0151-9246-A903-E88E5DD5DD9A}" type="presOf" srcId="{8098FDC3-3B41-384A-AEF8-433BC959CAF6}" destId="{B01322DC-5434-704A-8BDF-92BD17E30C89}" srcOrd="0" destOrd="0" presId="urn:microsoft.com/office/officeart/2005/8/layout/hierarchy1"/>
-    <dgm:cxn modelId="{545EF1B9-A8F6-364D-9C60-8A94BFA31E5F}" type="presOf" srcId="{C2FEB2BD-A3A2-C54D-B25E-B6883BE4E8DA}" destId="{9601ACE7-737C-9C4C-A0B3-FB7836E44905}" srcOrd="0" destOrd="0" presId="urn:microsoft.com/office/officeart/2005/8/layout/hierarchy1"/>
-    <dgm:cxn modelId="{5D13FDC3-8870-3140-8A68-E4BEA50FF9E7}" type="presOf" srcId="{DF3FB880-98CC-AE4C-B2D3-D29F70E8E0F7}" destId="{CAA7041C-BA83-AE43-9E4E-A17DD94D9EAA}" srcOrd="0" destOrd="0" presId="urn:microsoft.com/office/officeart/2005/8/layout/hierarchy1"/>
     <dgm:cxn modelId="{53FEC09E-7048-9B4B-8ACE-6C62904839B0}" type="presParOf" srcId="{0718CDEE-6EFE-EC46-BA7E-93E4500B48B8}" destId="{4816EE39-F7FD-C449-9FCD-34B413ED62EA}" srcOrd="0" destOrd="0" presId="urn:microsoft.com/office/officeart/2005/8/layout/hierarchy1"/>
     <dgm:cxn modelId="{484AC514-97EF-0248-AEDE-28D631FCFBB5}" type="presParOf" srcId="{4816EE39-F7FD-C449-9FCD-34B413ED62EA}" destId="{DDE19CA3-7489-FD48-9211-DD6ABCD45367}" srcOrd="0" destOrd="0" presId="urn:microsoft.com/office/officeart/2005/8/layout/hierarchy1"/>
     <dgm:cxn modelId="{1721BB63-E555-9B42-882C-FE0D6FAA419B}" type="presParOf" srcId="{DDE19CA3-7489-FD48-9211-DD6ABCD45367}" destId="{E31F7611-22B3-994E-83AE-3243F7D3C10A}" srcOrd="0" destOrd="0" presId="urn:microsoft.com/office/officeart/2005/8/layout/hierarchy1"/>
@@ -3138,6 +3204,13 @@
         </dgm:presLayoutVars>
       </dgm:prSet>
       <dgm:spPr/>
+      <dgm:t>
+        <a:bodyPr/>
+        <a:lstStyle/>
+        <a:p>
+          <a:endParaRPr lang="en-US"/>
+        </a:p>
+      </dgm:t>
     </dgm:pt>
     <dgm:pt modelId="{4816EE39-F7FD-C449-9FCD-34B413ED62EA}" type="pres">
       <dgm:prSet presAssocID="{DF3FB880-98CC-AE4C-B2D3-D29F70E8E0F7}" presName="hierRoot1" presStyleCnt="0"/>
@@ -3173,6 +3246,13 @@
     <dgm:pt modelId="{16FEB5DB-22AE-B84E-B249-449411AA4C69}" type="pres">
       <dgm:prSet presAssocID="{2E63064A-4A4C-9641-BDE0-CD69F0B7281F}" presName="Name10" presStyleLbl="parChTrans1D2" presStyleIdx="0" presStyleCnt="4"/>
       <dgm:spPr/>
+      <dgm:t>
+        <a:bodyPr/>
+        <a:lstStyle/>
+        <a:p>
+          <a:endParaRPr lang="en-US"/>
+        </a:p>
+      </dgm:t>
     </dgm:pt>
     <dgm:pt modelId="{3312BD21-8A47-7841-81EF-C00F8A1DB0BE}" type="pres">
       <dgm:prSet presAssocID="{6FA54D7D-C7A5-7145-BF48-73CB07219F1B}" presName="hierRoot2" presStyleCnt="0"/>
@@ -3208,6 +3288,13 @@
     <dgm:pt modelId="{C9D69C65-0446-D04D-B85E-933299B3E37C}" type="pres">
       <dgm:prSet presAssocID="{52814203-FC50-6941-A551-2CA881487607}" presName="Name17" presStyleLbl="parChTrans1D3" presStyleIdx="0" presStyleCnt="1"/>
       <dgm:spPr/>
+      <dgm:t>
+        <a:bodyPr/>
+        <a:lstStyle/>
+        <a:p>
+          <a:endParaRPr lang="en-US"/>
+        </a:p>
+      </dgm:t>
     </dgm:pt>
     <dgm:pt modelId="{87172076-A40C-B346-8261-9B57FE4BBFB5}" type="pres">
       <dgm:prSet presAssocID="{203F49AA-2A82-ED46-BEAE-97B7FE6A2C67}" presName="hierRoot3" presStyleCnt="0"/>
@@ -3243,6 +3330,13 @@
     <dgm:pt modelId="{B01322DC-5434-704A-8BDF-92BD17E30C89}" type="pres">
       <dgm:prSet presAssocID="{8098FDC3-3B41-384A-AEF8-433BC959CAF6}" presName="Name10" presStyleLbl="parChTrans1D2" presStyleIdx="1" presStyleCnt="4"/>
       <dgm:spPr/>
+      <dgm:t>
+        <a:bodyPr/>
+        <a:lstStyle/>
+        <a:p>
+          <a:endParaRPr lang="en-US"/>
+        </a:p>
+      </dgm:t>
     </dgm:pt>
     <dgm:pt modelId="{69CA54E1-F210-8D4E-B395-D5A61EBFC8FA}" type="pres">
       <dgm:prSet presAssocID="{40D8D4DD-8958-D943-8101-21B4FFCC7764}" presName="hierRoot2" presStyleCnt="0"/>
@@ -3278,6 +3372,13 @@
     <dgm:pt modelId="{78574E83-CB77-7F4A-9E6A-3361934EFA8F}" type="pres">
       <dgm:prSet presAssocID="{8D2095E0-CDB1-9F43-9D24-9B9806BF124E}" presName="Name10" presStyleLbl="parChTrans1D2" presStyleIdx="2" presStyleCnt="4"/>
       <dgm:spPr/>
+      <dgm:t>
+        <a:bodyPr/>
+        <a:lstStyle/>
+        <a:p>
+          <a:endParaRPr lang="en-US"/>
+        </a:p>
+      </dgm:t>
     </dgm:pt>
     <dgm:pt modelId="{4469BF53-D27D-9C4F-BF97-30F64EC2BF75}" type="pres">
       <dgm:prSet presAssocID="{C2FEB2BD-A3A2-C54D-B25E-B6883BE4E8DA}" presName="hierRoot2" presStyleCnt="0"/>
@@ -3313,6 +3414,13 @@
     <dgm:pt modelId="{6445EC56-4472-144C-84FC-0AC1BB7203BB}" type="pres">
       <dgm:prSet presAssocID="{0477B496-20CF-A043-9F18-8FD076A840F5}" presName="Name10" presStyleLbl="parChTrans1D2" presStyleIdx="3" presStyleCnt="4"/>
       <dgm:spPr/>
+      <dgm:t>
+        <a:bodyPr/>
+        <a:lstStyle/>
+        <a:p>
+          <a:endParaRPr lang="en-US"/>
+        </a:p>
+      </dgm:t>
     </dgm:pt>
     <dgm:pt modelId="{11B38BF1-48E8-AF4C-9B21-088CC612241D}" type="pres">
       <dgm:prSet presAssocID="{DF71AC67-622D-884E-900E-376A026E276B}" presName="hierRoot2" presStyleCnt="0"/>
@@ -3347,24 +3455,24 @@
     </dgm:pt>
   </dgm:ptLst>
   <dgm:cxnLst>
-    <dgm:cxn modelId="{ABE6F54F-22AC-0F4B-8729-0DFB2B861053}" type="presOf" srcId="{0477B496-20CF-A043-9F18-8FD076A840F5}" destId="{6445EC56-4472-144C-84FC-0AC1BB7203BB}" srcOrd="0" destOrd="0" presId="urn:microsoft.com/office/officeart/2005/8/layout/hierarchy1"/>
-    <dgm:cxn modelId="{58CF400A-D1A5-974F-8EA1-7C2BF6000F66}" type="presOf" srcId="{40D8D4DD-8958-D943-8101-21B4FFCC7764}" destId="{C2A2A724-9EDD-1941-83AB-87E1E8D0A453}" srcOrd="0" destOrd="0" presId="urn:microsoft.com/office/officeart/2005/8/layout/hierarchy1"/>
-    <dgm:cxn modelId="{DDDE44A9-C22E-C844-BB3B-C4A01883AD3D}" type="presOf" srcId="{52814203-FC50-6941-A551-2CA881487607}" destId="{C9D69C65-0446-D04D-B85E-933299B3E37C}" srcOrd="0" destOrd="0" presId="urn:microsoft.com/office/officeart/2005/8/layout/hierarchy1"/>
-    <dgm:cxn modelId="{E6ECC4C6-CF1A-3641-BE54-E863AB0A97BF}" type="presOf" srcId="{DF71AC67-622D-884E-900E-376A026E276B}" destId="{DDCF3CA6-F35C-8541-B0F7-97F266BE5ED6}" srcOrd="0" destOrd="0" presId="urn:microsoft.com/office/officeart/2005/8/layout/hierarchy1"/>
-    <dgm:cxn modelId="{1B8EDCAC-2297-EE44-B57E-3526226EF21D}" srcId="{DF3FB880-98CC-AE4C-B2D3-D29F70E8E0F7}" destId="{40D8D4DD-8958-D943-8101-21B4FFCC7764}" srcOrd="1" destOrd="0" parTransId="{8098FDC3-3B41-384A-AEF8-433BC959CAF6}" sibTransId="{5E07BC0F-E2BD-AC42-90A8-E9ED1AA848DA}"/>
-    <dgm:cxn modelId="{4C1BB765-2335-4B49-9BB4-1EC83825279C}" type="presOf" srcId="{6FA54D7D-C7A5-7145-BF48-73CB07219F1B}" destId="{F1809678-1024-7742-859D-326A72F8B505}" srcOrd="0" destOrd="0" presId="urn:microsoft.com/office/officeart/2005/8/layout/hierarchy1"/>
-    <dgm:cxn modelId="{125D4D96-AE0A-6349-B06C-9C48FFCB94B9}" srcId="{DF3FB880-98CC-AE4C-B2D3-D29F70E8E0F7}" destId="{6FA54D7D-C7A5-7145-BF48-73CB07219F1B}" srcOrd="0" destOrd="0" parTransId="{2E63064A-4A4C-9641-BDE0-CD69F0B7281F}" sibTransId="{145650F2-D1FE-A54E-A48E-D160CDE76109}"/>
-    <dgm:cxn modelId="{6F88F1E6-5918-EB46-89F8-A37EABB5C5E5}" srcId="{E830BCC4-089A-414E-9868-A78979C2F02F}" destId="{DF3FB880-98CC-AE4C-B2D3-D29F70E8E0F7}" srcOrd="0" destOrd="0" parTransId="{D8BF11AB-83F3-E24F-ACB0-70A6D7280329}" sibTransId="{B5A531AE-1A31-134B-AC85-1FEE826F04E5}"/>
-    <dgm:cxn modelId="{C1D3BAA9-D424-1547-8129-426DEEE450BC}" type="presOf" srcId="{DF3FB880-98CC-AE4C-B2D3-D29F70E8E0F7}" destId="{CAA7041C-BA83-AE43-9E4E-A17DD94D9EAA}" srcOrd="0" destOrd="0" presId="urn:microsoft.com/office/officeart/2005/8/layout/hierarchy1"/>
+    <dgm:cxn modelId="{012E3438-48B2-F446-9FE4-DDC5CF4D5582}" type="presOf" srcId="{8098FDC3-3B41-384A-AEF8-433BC959CAF6}" destId="{B01322DC-5434-704A-8BDF-92BD17E30C89}" srcOrd="0" destOrd="0" presId="urn:microsoft.com/office/officeart/2005/8/layout/hierarchy1"/>
     <dgm:cxn modelId="{A8A8C756-74A4-0143-A940-D9F46800C109}" type="presOf" srcId="{E830BCC4-089A-414E-9868-A78979C2F02F}" destId="{0718CDEE-6EFE-EC46-BA7E-93E4500B48B8}" srcOrd="0" destOrd="0" presId="urn:microsoft.com/office/officeart/2005/8/layout/hierarchy1"/>
     <dgm:cxn modelId="{1D33916D-B7FE-3340-843E-CB898E013C1C}" type="presOf" srcId="{8D2095E0-CDB1-9F43-9D24-9B9806BF124E}" destId="{78574E83-CB77-7F4A-9E6A-3361934EFA8F}" srcOrd="0" destOrd="0" presId="urn:microsoft.com/office/officeart/2005/8/layout/hierarchy1"/>
-    <dgm:cxn modelId="{012E3438-48B2-F446-9FE4-DDC5CF4D5582}" type="presOf" srcId="{8098FDC3-3B41-384A-AEF8-433BC959CAF6}" destId="{B01322DC-5434-704A-8BDF-92BD17E30C89}" srcOrd="0" destOrd="0" presId="urn:microsoft.com/office/officeart/2005/8/layout/hierarchy1"/>
     <dgm:cxn modelId="{430B6B5C-7849-3B4C-B831-BF49C77F24F8}" type="presOf" srcId="{203F49AA-2A82-ED46-BEAE-97B7FE6A2C67}" destId="{CFB70D26-8342-B944-85F2-D6457124F05C}" srcOrd="0" destOrd="0" presId="urn:microsoft.com/office/officeart/2005/8/layout/hierarchy1"/>
+    <dgm:cxn modelId="{E6ECC4C6-CF1A-3641-BE54-E863AB0A97BF}" type="presOf" srcId="{DF71AC67-622D-884E-900E-376A026E276B}" destId="{DDCF3CA6-F35C-8541-B0F7-97F266BE5ED6}" srcOrd="0" destOrd="0" presId="urn:microsoft.com/office/officeart/2005/8/layout/hierarchy1"/>
+    <dgm:cxn modelId="{125D4D96-AE0A-6349-B06C-9C48FFCB94B9}" srcId="{DF3FB880-98CC-AE4C-B2D3-D29F70E8E0F7}" destId="{6FA54D7D-C7A5-7145-BF48-73CB07219F1B}" srcOrd="0" destOrd="0" parTransId="{2E63064A-4A4C-9641-BDE0-CD69F0B7281F}" sibTransId="{145650F2-D1FE-A54E-A48E-D160CDE76109}"/>
+    <dgm:cxn modelId="{4C1BB765-2335-4B49-9BB4-1EC83825279C}" type="presOf" srcId="{6FA54D7D-C7A5-7145-BF48-73CB07219F1B}" destId="{F1809678-1024-7742-859D-326A72F8B505}" srcOrd="0" destOrd="0" presId="urn:microsoft.com/office/officeart/2005/8/layout/hierarchy1"/>
+    <dgm:cxn modelId="{DDDE44A9-C22E-C844-BB3B-C4A01883AD3D}" type="presOf" srcId="{52814203-FC50-6941-A551-2CA881487607}" destId="{C9D69C65-0446-D04D-B85E-933299B3E37C}" srcOrd="0" destOrd="0" presId="urn:microsoft.com/office/officeart/2005/8/layout/hierarchy1"/>
+    <dgm:cxn modelId="{58CF400A-D1A5-974F-8EA1-7C2BF6000F66}" type="presOf" srcId="{40D8D4DD-8958-D943-8101-21B4FFCC7764}" destId="{C2A2A724-9EDD-1941-83AB-87E1E8D0A453}" srcOrd="0" destOrd="0" presId="urn:microsoft.com/office/officeart/2005/8/layout/hierarchy1"/>
+    <dgm:cxn modelId="{8AEDA4B3-21E1-6543-B717-0A84F2E10AEE}" srcId="{DF3FB880-98CC-AE4C-B2D3-D29F70E8E0F7}" destId="{C2FEB2BD-A3A2-C54D-B25E-B6883BE4E8DA}" srcOrd="2" destOrd="0" parTransId="{8D2095E0-CDB1-9F43-9D24-9B9806BF124E}" sibTransId="{666CCF41-2858-BD43-96C4-9032D73A68CC}"/>
+    <dgm:cxn modelId="{C1D3BAA9-D424-1547-8129-426DEEE450BC}" type="presOf" srcId="{DF3FB880-98CC-AE4C-B2D3-D29F70E8E0F7}" destId="{CAA7041C-BA83-AE43-9E4E-A17DD94D9EAA}" srcOrd="0" destOrd="0" presId="urn:microsoft.com/office/officeart/2005/8/layout/hierarchy1"/>
+    <dgm:cxn modelId="{6F88F1E6-5918-EB46-89F8-A37EABB5C5E5}" srcId="{E830BCC4-089A-414E-9868-A78979C2F02F}" destId="{DF3FB880-98CC-AE4C-B2D3-D29F70E8E0F7}" srcOrd="0" destOrd="0" parTransId="{D8BF11AB-83F3-E24F-ACB0-70A6D7280329}" sibTransId="{B5A531AE-1A31-134B-AC85-1FEE826F04E5}"/>
+    <dgm:cxn modelId="{9670098B-4E5A-C14F-8BF6-954419E99E63}" srcId="{6FA54D7D-C7A5-7145-BF48-73CB07219F1B}" destId="{203F49AA-2A82-ED46-BEAE-97B7FE6A2C67}" srcOrd="0" destOrd="0" parTransId="{52814203-FC50-6941-A551-2CA881487607}" sibTransId="{1AE15777-F3D1-B142-9910-BE2FA2238BDC}"/>
+    <dgm:cxn modelId="{1B8EDCAC-2297-EE44-B57E-3526226EF21D}" srcId="{DF3FB880-98CC-AE4C-B2D3-D29F70E8E0F7}" destId="{40D8D4DD-8958-D943-8101-21B4FFCC7764}" srcOrd="1" destOrd="0" parTransId="{8098FDC3-3B41-384A-AEF8-433BC959CAF6}" sibTransId="{5E07BC0F-E2BD-AC42-90A8-E9ED1AA848DA}"/>
     <dgm:cxn modelId="{6973D5E1-2DF8-514A-BC55-98D016FFA9CE}" srcId="{DF3FB880-98CC-AE4C-B2D3-D29F70E8E0F7}" destId="{DF71AC67-622D-884E-900E-376A026E276B}" srcOrd="3" destOrd="0" parTransId="{0477B496-20CF-A043-9F18-8FD076A840F5}" sibTransId="{3697DAD7-80CC-BD40-80F8-E827EF626714}"/>
+    <dgm:cxn modelId="{B19FF627-D951-9A42-9A13-24ABA4A70CDA}" type="presOf" srcId="{C2FEB2BD-A3A2-C54D-B25E-B6883BE4E8DA}" destId="{9601ACE7-737C-9C4C-A0B3-FB7836E44905}" srcOrd="0" destOrd="0" presId="urn:microsoft.com/office/officeart/2005/8/layout/hierarchy1"/>
+    <dgm:cxn modelId="{ABE6F54F-22AC-0F4B-8729-0DFB2B861053}" type="presOf" srcId="{0477B496-20CF-A043-9F18-8FD076A840F5}" destId="{6445EC56-4472-144C-84FC-0AC1BB7203BB}" srcOrd="0" destOrd="0" presId="urn:microsoft.com/office/officeart/2005/8/layout/hierarchy1"/>
     <dgm:cxn modelId="{67B13B27-532C-4341-8AA2-87E779AC5416}" type="presOf" srcId="{2E63064A-4A4C-9641-BDE0-CD69F0B7281F}" destId="{16FEB5DB-22AE-B84E-B249-449411AA4C69}" srcOrd="0" destOrd="0" presId="urn:microsoft.com/office/officeart/2005/8/layout/hierarchy1"/>
-    <dgm:cxn modelId="{9670098B-4E5A-C14F-8BF6-954419E99E63}" srcId="{6FA54D7D-C7A5-7145-BF48-73CB07219F1B}" destId="{203F49AA-2A82-ED46-BEAE-97B7FE6A2C67}" srcOrd="0" destOrd="0" parTransId="{52814203-FC50-6941-A551-2CA881487607}" sibTransId="{1AE15777-F3D1-B142-9910-BE2FA2238BDC}"/>
-    <dgm:cxn modelId="{8AEDA4B3-21E1-6543-B717-0A84F2E10AEE}" srcId="{DF3FB880-98CC-AE4C-B2D3-D29F70E8E0F7}" destId="{C2FEB2BD-A3A2-C54D-B25E-B6883BE4E8DA}" srcOrd="2" destOrd="0" parTransId="{8D2095E0-CDB1-9F43-9D24-9B9806BF124E}" sibTransId="{666CCF41-2858-BD43-96C4-9032D73A68CC}"/>
-    <dgm:cxn modelId="{B19FF627-D951-9A42-9A13-24ABA4A70CDA}" type="presOf" srcId="{C2FEB2BD-A3A2-C54D-B25E-B6883BE4E8DA}" destId="{9601ACE7-737C-9C4C-A0B3-FB7836E44905}" srcOrd="0" destOrd="0" presId="urn:microsoft.com/office/officeart/2005/8/layout/hierarchy1"/>
     <dgm:cxn modelId="{772FD565-1492-B64F-A6E8-A45D9365DA0A}" type="presParOf" srcId="{0718CDEE-6EFE-EC46-BA7E-93E4500B48B8}" destId="{4816EE39-F7FD-C449-9FCD-34B413ED62EA}" srcOrd="0" destOrd="0" presId="urn:microsoft.com/office/officeart/2005/8/layout/hierarchy1"/>
     <dgm:cxn modelId="{77C16C02-0FE6-884A-8462-BAE5A0568527}" type="presParOf" srcId="{4816EE39-F7FD-C449-9FCD-34B413ED62EA}" destId="{DDE19CA3-7489-FD48-9211-DD6ABCD45367}" srcOrd="0" destOrd="0" presId="urn:microsoft.com/office/officeart/2005/8/layout/hierarchy1"/>
     <dgm:cxn modelId="{0CB80F60-8A26-A242-8BE1-CF743A2C5C6F}" type="presParOf" srcId="{DDE19CA3-7489-FD48-9211-DD6ABCD45367}" destId="{E31F7611-22B3-994E-83AE-3243F7D3C10A}" srcOrd="0" destOrd="0" presId="urn:microsoft.com/office/officeart/2005/8/layout/hierarchy1"/>
@@ -3562,6 +3670,13 @@
         </dgm:presLayoutVars>
       </dgm:prSet>
       <dgm:spPr/>
+      <dgm:t>
+        <a:bodyPr/>
+        <a:lstStyle/>
+        <a:p>
+          <a:endParaRPr lang="en-US"/>
+        </a:p>
+      </dgm:t>
     </dgm:pt>
     <dgm:pt modelId="{B93F5319-F4EB-2340-85FD-37C7B5220832}" type="pres">
       <dgm:prSet presAssocID="{86BCE5C5-5C21-5D43-B428-15B3E78B43BA}" presName="hierRoot1" presStyleCnt="0"/>
@@ -3597,6 +3712,13 @@
     <dgm:pt modelId="{7A0B26B8-EFCA-F74C-B108-297CE9EA6737}" type="pres">
       <dgm:prSet presAssocID="{A84A5179-3A3B-8C4A-BC11-A983E87925BC}" presName="Name10" presStyleLbl="parChTrans1D2" presStyleIdx="0" presStyleCnt="2"/>
       <dgm:spPr/>
+      <dgm:t>
+        <a:bodyPr/>
+        <a:lstStyle/>
+        <a:p>
+          <a:endParaRPr lang="en-US"/>
+        </a:p>
+      </dgm:t>
     </dgm:pt>
     <dgm:pt modelId="{FF895D2E-106D-564A-9D3A-8FE806D41546}" type="pres">
       <dgm:prSet presAssocID="{A49098FB-650D-3F4A-ABE9-C22CD6EC1E00}" presName="hierRoot2" presStyleCnt="0"/>
@@ -3632,6 +3754,13 @@
     <dgm:pt modelId="{316AB364-B566-4E40-ABCB-44F5EDF973A1}" type="pres">
       <dgm:prSet presAssocID="{90387720-14F9-1742-909A-1F5DAC2C193F}" presName="Name10" presStyleLbl="parChTrans1D2" presStyleIdx="1" presStyleCnt="2"/>
       <dgm:spPr/>
+      <dgm:t>
+        <a:bodyPr/>
+        <a:lstStyle/>
+        <a:p>
+          <a:endParaRPr lang="en-US"/>
+        </a:p>
+      </dgm:t>
     </dgm:pt>
     <dgm:pt modelId="{7C1B620A-0BE3-C540-9FBC-C3E03E268BBF}" type="pres">
       <dgm:prSet presAssocID="{BF32A659-1C80-944C-B03E-04C86854E611}" presName="hierRoot2" presStyleCnt="0"/>
@@ -3666,15 +3795,15 @@
     </dgm:pt>
   </dgm:ptLst>
   <dgm:cxnLst>
+    <dgm:cxn modelId="{14217F75-4761-7146-A100-B90F3887F756}" type="presOf" srcId="{90387720-14F9-1742-909A-1F5DAC2C193F}" destId="{316AB364-B566-4E40-ABCB-44F5EDF973A1}" srcOrd="0" destOrd="0" presId="urn:microsoft.com/office/officeart/2005/8/layout/hierarchy1"/>
+    <dgm:cxn modelId="{2479F9E5-3AFD-B247-B23F-DBF4F0B65EC9}" type="presOf" srcId="{86BCE5C5-5C21-5D43-B428-15B3E78B43BA}" destId="{5450C18E-8C11-1B4D-82BD-6E9A6875A0D1}" srcOrd="0" destOrd="0" presId="urn:microsoft.com/office/officeart/2005/8/layout/hierarchy1"/>
+    <dgm:cxn modelId="{114AFB61-499D-0547-9328-D766A6C67C9F}" type="presOf" srcId="{DDD83D00-133B-4246-95E0-220C55AD3767}" destId="{6020C115-634C-B744-BDF3-4BA02D99386A}" srcOrd="0" destOrd="0" presId="urn:microsoft.com/office/officeart/2005/8/layout/hierarchy1"/>
     <dgm:cxn modelId="{3C8B66E9-5555-6F4D-A1DD-37A27E51BC38}" type="presOf" srcId="{A84A5179-3A3B-8C4A-BC11-A983E87925BC}" destId="{7A0B26B8-EFCA-F74C-B108-297CE9EA6737}" srcOrd="0" destOrd="0" presId="urn:microsoft.com/office/officeart/2005/8/layout/hierarchy1"/>
     <dgm:cxn modelId="{45368392-31F7-9643-928E-E3DDE1400394}" type="presOf" srcId="{BF32A659-1C80-944C-B03E-04C86854E611}" destId="{3D99DD3E-FD6B-E44E-9E3C-06B25A7F1665}" srcOrd="0" destOrd="0" presId="urn:microsoft.com/office/officeart/2005/8/layout/hierarchy1"/>
+    <dgm:cxn modelId="{BBC92D4B-E63E-304C-97D3-AFF0B0AF8722}" srcId="{DDD83D00-133B-4246-95E0-220C55AD3767}" destId="{86BCE5C5-5C21-5D43-B428-15B3E78B43BA}" srcOrd="0" destOrd="0" parTransId="{E158E332-28B8-CF45-8E0C-4CE4DC933F60}" sibTransId="{F2AD8D3F-6579-664E-838C-C55798E23302}"/>
+    <dgm:cxn modelId="{E943AD4D-0863-854F-8494-41D3392CC885}" srcId="{86BCE5C5-5C21-5D43-B428-15B3E78B43BA}" destId="{BF32A659-1C80-944C-B03E-04C86854E611}" srcOrd="1" destOrd="0" parTransId="{90387720-14F9-1742-909A-1F5DAC2C193F}" sibTransId="{DBE408F5-5307-5648-B2EA-81AFC5335F89}"/>
+    <dgm:cxn modelId="{90A7FB6F-ADDA-1E46-8F32-6FC0F6882437}" srcId="{86BCE5C5-5C21-5D43-B428-15B3E78B43BA}" destId="{A49098FB-650D-3F4A-ABE9-C22CD6EC1E00}" srcOrd="0" destOrd="0" parTransId="{A84A5179-3A3B-8C4A-BC11-A983E87925BC}" sibTransId="{4B80E5AD-296E-FD4D-B080-EE09647E3A5E}"/>
     <dgm:cxn modelId="{CC729023-FAE0-474C-A70B-DEFAD12852F7}" type="presOf" srcId="{A49098FB-650D-3F4A-ABE9-C22CD6EC1E00}" destId="{A4A9C704-938A-934B-9B51-8C244E771A38}" srcOrd="0" destOrd="0" presId="urn:microsoft.com/office/officeart/2005/8/layout/hierarchy1"/>
-    <dgm:cxn modelId="{2479F9E5-3AFD-B247-B23F-DBF4F0B65EC9}" type="presOf" srcId="{86BCE5C5-5C21-5D43-B428-15B3E78B43BA}" destId="{5450C18E-8C11-1B4D-82BD-6E9A6875A0D1}" srcOrd="0" destOrd="0" presId="urn:microsoft.com/office/officeart/2005/8/layout/hierarchy1"/>
-    <dgm:cxn modelId="{90A7FB6F-ADDA-1E46-8F32-6FC0F6882437}" srcId="{86BCE5C5-5C21-5D43-B428-15B3E78B43BA}" destId="{A49098FB-650D-3F4A-ABE9-C22CD6EC1E00}" srcOrd="0" destOrd="0" parTransId="{A84A5179-3A3B-8C4A-BC11-A983E87925BC}" sibTransId="{4B80E5AD-296E-FD4D-B080-EE09647E3A5E}"/>
-    <dgm:cxn modelId="{14217F75-4761-7146-A100-B90F3887F756}" type="presOf" srcId="{90387720-14F9-1742-909A-1F5DAC2C193F}" destId="{316AB364-B566-4E40-ABCB-44F5EDF973A1}" srcOrd="0" destOrd="0" presId="urn:microsoft.com/office/officeart/2005/8/layout/hierarchy1"/>
-    <dgm:cxn modelId="{E943AD4D-0863-854F-8494-41D3392CC885}" srcId="{86BCE5C5-5C21-5D43-B428-15B3E78B43BA}" destId="{BF32A659-1C80-944C-B03E-04C86854E611}" srcOrd="1" destOrd="0" parTransId="{90387720-14F9-1742-909A-1F5DAC2C193F}" sibTransId="{DBE408F5-5307-5648-B2EA-81AFC5335F89}"/>
-    <dgm:cxn modelId="{BBC92D4B-E63E-304C-97D3-AFF0B0AF8722}" srcId="{DDD83D00-133B-4246-95E0-220C55AD3767}" destId="{86BCE5C5-5C21-5D43-B428-15B3E78B43BA}" srcOrd="0" destOrd="0" parTransId="{E158E332-28B8-CF45-8E0C-4CE4DC933F60}" sibTransId="{F2AD8D3F-6579-664E-838C-C55798E23302}"/>
-    <dgm:cxn modelId="{114AFB61-499D-0547-9328-D766A6C67C9F}" type="presOf" srcId="{DDD83D00-133B-4246-95E0-220C55AD3767}" destId="{6020C115-634C-B744-BDF3-4BA02D99386A}" srcOrd="0" destOrd="0" presId="urn:microsoft.com/office/officeart/2005/8/layout/hierarchy1"/>
     <dgm:cxn modelId="{D4B948B4-6326-DC4B-8585-DBF55C3AE485}" type="presParOf" srcId="{6020C115-634C-B744-BDF3-4BA02D99386A}" destId="{B93F5319-F4EB-2340-85FD-37C7B5220832}" srcOrd="0" destOrd="0" presId="urn:microsoft.com/office/officeart/2005/8/layout/hierarchy1"/>
     <dgm:cxn modelId="{16CB64C9-C06C-844F-9D99-131489823B36}" type="presParOf" srcId="{B93F5319-F4EB-2340-85FD-37C7B5220832}" destId="{E8737A66-6224-4A4A-B999-011781FA0B03}" srcOrd="0" destOrd="0" presId="urn:microsoft.com/office/officeart/2005/8/layout/hierarchy1"/>
     <dgm:cxn modelId="{0E84750D-EED1-9B46-A284-62BC306834F8}" type="presParOf" srcId="{E8737A66-6224-4A4A-B999-011781FA0B03}" destId="{E973F6AD-4F34-5F4F-B448-08322B807D32}" srcOrd="0" destOrd="0" presId="urn:microsoft.com/office/officeart/2005/8/layout/hierarchy1"/>
@@ -12118,7 +12247,7 @@
             <a:fld id="{28E80666-FB37-4B36-9149-507F3B0178E3}" type="datetimeFigureOut">
               <a:rPr lang="en-US" smtClean="0"/>
               <a:pPr/>
-              <a:t>5/30/14</a:t>
+              <a:t>5/31/14</a:t>
             </a:fld>
             <a:endParaRPr lang="en-US"/>
           </a:p>
@@ -12345,7 +12474,7 @@
           <a:p>
             <a:fld id="{1AB06FFE-816C-C24B-BA4C-A21B0446977D}" type="datetimeFigureOut">
               <a:rPr lang="en-US" smtClean="0"/>
-              <a:t>5/30/14</a:t>
+              <a:t>5/31/14</a:t>
             </a:fld>
             <a:endParaRPr lang="en-US"/>
           </a:p>
@@ -12520,7 +12649,7 @@
           <a:p>
             <a:fld id="{1AB06FFE-816C-C24B-BA4C-A21B0446977D}" type="datetimeFigureOut">
               <a:rPr lang="en-US" smtClean="0"/>
-              <a:t>5/30/14</a:t>
+              <a:t>5/31/14</a:t>
             </a:fld>
             <a:endParaRPr lang="en-US"/>
           </a:p>
@@ -12685,7 +12814,7 @@
           <a:p>
             <a:fld id="{1AB06FFE-816C-C24B-BA4C-A21B0446977D}" type="datetimeFigureOut">
               <a:rPr lang="en-US" smtClean="0"/>
-              <a:t>5/30/14</a:t>
+              <a:t>5/31/14</a:t>
             </a:fld>
             <a:endParaRPr lang="en-US"/>
           </a:p>
@@ -12927,7 +13056,7 @@
             <a:fld id="{28E80666-FB37-4B36-9149-507F3B0178E3}" type="datetimeFigureOut">
               <a:rPr lang="en-US" smtClean="0"/>
               <a:pPr/>
-              <a:t>5/30/14</a:t>
+              <a:t>5/31/14</a:t>
             </a:fld>
             <a:endParaRPr lang="en-US"/>
           </a:p>
@@ -13041,7 +13170,7 @@
           <a:p>
             <a:fld id="{1AB06FFE-816C-C24B-BA4C-A21B0446977D}" type="datetimeFigureOut">
               <a:rPr lang="en-US" smtClean="0"/>
-              <a:t>5/30/14</a:t>
+              <a:t>5/31/14</a:t>
             </a:fld>
             <a:endParaRPr lang="en-US"/>
           </a:p>
@@ -13418,7 +13547,7 @@
           <a:p>
             <a:fld id="{1AB06FFE-816C-C24B-BA4C-A21B0446977D}" type="datetimeFigureOut">
               <a:rPr lang="en-US" smtClean="0"/>
-              <a:t>5/30/14</a:t>
+              <a:t>5/31/14</a:t>
             </a:fld>
             <a:endParaRPr lang="en-US"/>
           </a:p>
@@ -19063,7 +19192,7 @@
           <a:p>
             <a:fld id="{1AB06FFE-816C-C24B-BA4C-A21B0446977D}" type="datetimeFigureOut">
               <a:rPr lang="en-US" smtClean="0"/>
-              <a:t>5/30/14</a:t>
+              <a:t>5/31/14</a:t>
             </a:fld>
             <a:endParaRPr lang="en-US"/>
           </a:p>
@@ -19153,7 +19282,7 @@
           <a:p>
             <a:fld id="{1AB06FFE-816C-C24B-BA4C-A21B0446977D}" type="datetimeFigureOut">
               <a:rPr lang="en-US" smtClean="0"/>
-              <a:t>5/30/14</a:t>
+              <a:t>5/31/14</a:t>
             </a:fld>
             <a:endParaRPr lang="en-US"/>
           </a:p>
@@ -19425,7 +19554,7 @@
           <a:p>
             <a:fld id="{1AB06FFE-816C-C24B-BA4C-A21B0446977D}" type="datetimeFigureOut">
               <a:rPr lang="en-US" smtClean="0"/>
-              <a:t>5/30/14</a:t>
+              <a:t>5/31/14</a:t>
             </a:fld>
             <a:endParaRPr lang="en-US"/>
           </a:p>
@@ -19734,7 +19863,7 @@
           <a:p>
             <a:fld id="{1AB06FFE-816C-C24B-BA4C-A21B0446977D}" type="datetimeFigureOut">
               <a:rPr lang="en-US" smtClean="0"/>
-              <a:t>5/30/14</a:t>
+              <a:t>5/31/14</a:t>
             </a:fld>
             <a:endParaRPr lang="en-US"/>
           </a:p>
@@ -19971,7 +20100,7 @@
           <a:p>
             <a:fld id="{1AB06FFE-816C-C24B-BA4C-A21B0446977D}" type="datetimeFigureOut">
               <a:rPr lang="en-US" smtClean="0"/>
-              <a:t>5/30/14</a:t>
+              <a:t>5/31/14</a:t>
             </a:fld>
             <a:endParaRPr lang="en-US"/>
           </a:p>
@@ -20501,11 +20630,11 @@
   <p:clrMapOvr>
     <a:masterClrMapping/>
   </p:clrMapOvr>
-  <mc:AlternateContent xmlns:mc="http://schemas.openxmlformats.org/markup-compatibility/2006">
-    <mc:Choice xmlns:p14="http://schemas.microsoft.com/office/powerpoint/2010/main" Requires="p14">
+  <mc:AlternateContent xmlns:mc="http://schemas.openxmlformats.org/markup-compatibility/2006" xmlns:p14="http://schemas.microsoft.com/office/powerpoint/2010/main">
+    <mc:Choice Requires="p14">
       <p:transition spd="slow" p14:dur="2000"/>
     </mc:Choice>
-    <mc:Fallback>
+    <mc:Fallback xmlns="">
       <p:transition xmlns:p14="http://schemas.microsoft.com/office/powerpoint/2010/main" spd="slow"/>
     </mc:Fallback>
   </mc:AlternateContent>
@@ -20607,6 +20736,7131 @@
     <p:extLst>
       <p:ext uri="{BB962C8B-B14F-4D97-AF65-F5344CB8AC3E}">
         <p14:creationId xmlns:p14="http://schemas.microsoft.com/office/powerpoint/2010/main" val="2953885068"/>
+      </p:ext>
+    </p:extLst>
+  </p:cSld>
+  <p:clrMapOvr>
+    <a:masterClrMapping/>
+  </p:clrMapOvr>
+</p:sld>
+</file>
+
+<file path=ppt/slides/slide4.xml><?xml version="1.0" encoding="utf-8"?>
+<p:sld xmlns:a="http://schemas.openxmlformats.org/drawingml/2006/main" xmlns:r="http://schemas.openxmlformats.org/officeDocument/2006/relationships" xmlns:p="http://schemas.openxmlformats.org/presentationml/2006/main">
+  <p:cSld>
+    <p:spTree>
+      <p:nvGrpSpPr>
+        <p:cNvPr id="1" name=""/>
+        <p:cNvGrpSpPr/>
+        <p:nvPr/>
+      </p:nvGrpSpPr>
+      <p:grpSpPr>
+        <a:xfrm>
+          <a:off x="0" y="0"/>
+          <a:ext cx="0" cy="0"/>
+          <a:chOff x="0" y="0"/>
+          <a:chExt cx="0" cy="0"/>
+        </a:xfrm>
+      </p:grpSpPr>
+      <p:cxnSp>
+        <p:nvCxnSpPr>
+          <p:cNvPr id="3" name="Straight Arrow Connector 2"/>
+          <p:cNvCxnSpPr/>
+          <p:nvPr/>
+        </p:nvCxnSpPr>
+        <p:spPr>
+          <a:xfrm>
+            <a:off x="1270000" y="5359400"/>
+            <a:ext cx="8890000" cy="0"/>
+          </a:xfrm>
+          <a:prstGeom prst="straightConnector1">
+            <a:avLst/>
+          </a:prstGeom>
+          <a:ln w="63500">
+            <a:tailEnd type="arrow"/>
+          </a:ln>
+        </p:spPr>
+        <p:style>
+          <a:lnRef idx="2">
+            <a:schemeClr val="accent1"/>
+          </a:lnRef>
+          <a:fillRef idx="0">
+            <a:schemeClr val="accent1"/>
+          </a:fillRef>
+          <a:effectRef idx="1">
+            <a:schemeClr val="accent1"/>
+          </a:effectRef>
+          <a:fontRef idx="minor">
+            <a:schemeClr val="tx1"/>
+          </a:fontRef>
+        </p:style>
+      </p:cxnSp>
+      <p:cxnSp>
+        <p:nvCxnSpPr>
+          <p:cNvPr id="5" name="Straight Arrow Connector 4"/>
+          <p:cNvCxnSpPr/>
+          <p:nvPr/>
+        </p:nvCxnSpPr>
+        <p:spPr>
+          <a:xfrm>
+            <a:off x="1270000" y="5778500"/>
+            <a:ext cx="8890000" cy="0"/>
+          </a:xfrm>
+          <a:prstGeom prst="straightConnector1">
+            <a:avLst/>
+          </a:prstGeom>
+          <a:ln w="63500">
+            <a:tailEnd type="arrow"/>
+          </a:ln>
+        </p:spPr>
+        <p:style>
+          <a:lnRef idx="2">
+            <a:schemeClr val="accent1"/>
+          </a:lnRef>
+          <a:fillRef idx="0">
+            <a:schemeClr val="accent1"/>
+          </a:fillRef>
+          <a:effectRef idx="1">
+            <a:schemeClr val="accent1"/>
+          </a:effectRef>
+          <a:fontRef idx="minor">
+            <a:schemeClr val="tx1"/>
+          </a:fontRef>
+        </p:style>
+      </p:cxnSp>
+      <p:sp>
+        <p:nvSpPr>
+          <p:cNvPr id="6" name="TextBox 5"/>
+          <p:cNvSpPr txBox="1"/>
+          <p:nvPr/>
+        </p:nvSpPr>
+        <p:spPr>
+          <a:xfrm>
+            <a:off x="359483" y="5995769"/>
+            <a:ext cx="1107996" cy="461665"/>
+          </a:xfrm>
+          <a:prstGeom prst="rect">
+            <a:avLst/>
+          </a:prstGeom>
+          <a:noFill/>
+        </p:spPr>
+        <p:txBody>
+          <a:bodyPr wrap="none" rtlCol="0">
+            <a:spAutoFit/>
+          </a:bodyPr>
+          <a:lstStyle/>
+          <a:p>
+            <a:r>
+              <a:rPr lang="zh-CN" altLang="en-US" sz="2400" dirty="0" smtClean="0"/>
+              <a:t>数据流</a:t>
+            </a:r>
+            <a:endParaRPr lang="en-US" sz="2800" dirty="0"/>
+          </a:p>
+        </p:txBody>
+      </p:sp>
+      <p:grpSp>
+        <p:nvGrpSpPr>
+          <p:cNvPr id="45" name="Group 44"/>
+          <p:cNvGrpSpPr/>
+          <p:nvPr/>
+        </p:nvGrpSpPr>
+        <p:grpSpPr>
+          <a:xfrm>
+            <a:off x="960967" y="2592169"/>
+            <a:ext cx="1910140" cy="1878231"/>
+            <a:chOff x="1163260" y="2350869"/>
+            <a:chExt cx="1910140" cy="1878231"/>
+          </a:xfrm>
+        </p:grpSpPr>
+        <p:sp>
+          <p:nvSpPr>
+            <p:cNvPr id="8" name="Rectangle 7"/>
+            <p:cNvSpPr/>
+            <p:nvPr/>
+          </p:nvSpPr>
+          <p:spPr>
+            <a:xfrm>
+              <a:off x="1163260" y="2350869"/>
+              <a:ext cx="1910140" cy="1878231"/>
+            </a:xfrm>
+            <a:prstGeom prst="rect">
+              <a:avLst/>
+            </a:prstGeom>
+            <a:noFill/>
+          </p:spPr>
+          <p:style>
+            <a:lnRef idx="1">
+              <a:schemeClr val="accent1"/>
+            </a:lnRef>
+            <a:fillRef idx="3">
+              <a:schemeClr val="accent1"/>
+            </a:fillRef>
+            <a:effectRef idx="2">
+              <a:schemeClr val="accent1"/>
+            </a:effectRef>
+            <a:fontRef idx="minor">
+              <a:schemeClr val="lt1"/>
+            </a:fontRef>
+          </p:style>
+          <p:txBody>
+            <a:bodyPr rtlCol="0" anchor="ctr"/>
+            <a:lstStyle/>
+            <a:p>
+              <a:pPr algn="ctr"/>
+              <a:endParaRPr lang="en-US"/>
+            </a:p>
+          </p:txBody>
+        </p:sp>
+        <p:cxnSp>
+          <p:nvCxnSpPr>
+            <p:cNvPr id="10" name="Straight Connector 9"/>
+            <p:cNvCxnSpPr/>
+            <p:nvPr/>
+          </p:nvCxnSpPr>
+          <p:spPr>
+            <a:xfrm>
+              <a:off x="1823660" y="2667000"/>
+              <a:ext cx="525840" cy="0"/>
+            </a:xfrm>
+            <a:prstGeom prst="line">
+              <a:avLst/>
+            </a:prstGeom>
+            <a:ln w="63500"/>
+          </p:spPr>
+          <p:style>
+            <a:lnRef idx="2">
+              <a:schemeClr val="accent1"/>
+            </a:lnRef>
+            <a:fillRef idx="0">
+              <a:schemeClr val="accent1"/>
+            </a:fillRef>
+            <a:effectRef idx="1">
+              <a:schemeClr val="accent1"/>
+            </a:effectRef>
+            <a:fontRef idx="minor">
+              <a:schemeClr val="tx1"/>
+            </a:fontRef>
+          </p:style>
+        </p:cxnSp>
+        <p:cxnSp>
+          <p:nvCxnSpPr>
+            <p:cNvPr id="11" name="Straight Connector 10"/>
+            <p:cNvCxnSpPr/>
+            <p:nvPr/>
+          </p:nvCxnSpPr>
+          <p:spPr>
+            <a:xfrm>
+              <a:off x="1667933" y="3187700"/>
+              <a:ext cx="905934" cy="0"/>
+            </a:xfrm>
+            <a:prstGeom prst="line">
+              <a:avLst/>
+            </a:prstGeom>
+            <a:ln w="63500"/>
+          </p:spPr>
+          <p:style>
+            <a:lnRef idx="2">
+              <a:schemeClr val="accent1"/>
+            </a:lnRef>
+            <a:fillRef idx="0">
+              <a:schemeClr val="accent1"/>
+            </a:fillRef>
+            <a:effectRef idx="1">
+              <a:schemeClr val="accent1"/>
+            </a:effectRef>
+            <a:fontRef idx="minor">
+              <a:schemeClr val="tx1"/>
+            </a:fontRef>
+          </p:style>
+        </p:cxnSp>
+        <p:cxnSp>
+          <p:nvCxnSpPr>
+            <p:cNvPr id="12" name="Straight Connector 11"/>
+            <p:cNvCxnSpPr/>
+            <p:nvPr/>
+          </p:nvCxnSpPr>
+          <p:spPr>
+            <a:xfrm>
+              <a:off x="1443567" y="3733800"/>
+              <a:ext cx="1320800" cy="0"/>
+            </a:xfrm>
+            <a:prstGeom prst="line">
+              <a:avLst/>
+            </a:prstGeom>
+            <a:ln w="63500"/>
+          </p:spPr>
+          <p:style>
+            <a:lnRef idx="2">
+              <a:schemeClr val="accent1"/>
+            </a:lnRef>
+            <a:fillRef idx="0">
+              <a:schemeClr val="accent1"/>
+            </a:fillRef>
+            <a:effectRef idx="1">
+              <a:schemeClr val="accent1"/>
+            </a:effectRef>
+            <a:fontRef idx="minor">
+              <a:schemeClr val="tx1"/>
+            </a:fontRef>
+          </p:style>
+        </p:cxnSp>
+        <p:cxnSp>
+          <p:nvCxnSpPr>
+            <p:cNvPr id="18" name="Straight Connector 17"/>
+            <p:cNvCxnSpPr/>
+            <p:nvPr/>
+          </p:nvCxnSpPr>
+          <p:spPr>
+            <a:xfrm>
+              <a:off x="1917700" y="2667000"/>
+              <a:ext cx="177800" cy="508000"/>
+            </a:xfrm>
+            <a:prstGeom prst="line">
+              <a:avLst/>
+            </a:prstGeom>
+            <a:ln>
+              <a:solidFill>
+                <a:srgbClr val="0000FF"/>
+              </a:solidFill>
+            </a:ln>
+          </p:spPr>
+          <p:style>
+            <a:lnRef idx="2">
+              <a:schemeClr val="accent1"/>
+            </a:lnRef>
+            <a:fillRef idx="0">
+              <a:schemeClr val="accent1"/>
+            </a:fillRef>
+            <a:effectRef idx="1">
+              <a:schemeClr val="accent1"/>
+            </a:effectRef>
+            <a:fontRef idx="minor">
+              <a:schemeClr val="tx1"/>
+            </a:fontRef>
+          </p:style>
+        </p:cxnSp>
+        <p:cxnSp>
+          <p:nvCxnSpPr>
+            <p:cNvPr id="20" name="Straight Connector 19"/>
+            <p:cNvCxnSpPr/>
+            <p:nvPr/>
+          </p:nvCxnSpPr>
+          <p:spPr>
+            <a:xfrm>
+              <a:off x="1752600" y="3175000"/>
+              <a:ext cx="431800" cy="508000"/>
+            </a:xfrm>
+            <a:prstGeom prst="line">
+              <a:avLst/>
+            </a:prstGeom>
+            <a:ln>
+              <a:solidFill>
+                <a:srgbClr val="0000FF"/>
+              </a:solidFill>
+            </a:ln>
+          </p:spPr>
+          <p:style>
+            <a:lnRef idx="2">
+              <a:schemeClr val="accent1"/>
+            </a:lnRef>
+            <a:fillRef idx="0">
+              <a:schemeClr val="accent1"/>
+            </a:fillRef>
+            <a:effectRef idx="1">
+              <a:schemeClr val="accent1"/>
+            </a:effectRef>
+            <a:fontRef idx="minor">
+              <a:schemeClr val="tx1"/>
+            </a:fontRef>
+          </p:style>
+        </p:cxnSp>
+        <p:cxnSp>
+          <p:nvCxnSpPr>
+            <p:cNvPr id="21" name="Straight Connector 20"/>
+            <p:cNvCxnSpPr/>
+            <p:nvPr/>
+          </p:nvCxnSpPr>
+          <p:spPr>
+            <a:xfrm>
+              <a:off x="1917700" y="3175000"/>
+              <a:ext cx="431800" cy="508000"/>
+            </a:xfrm>
+            <a:prstGeom prst="line">
+              <a:avLst/>
+            </a:prstGeom>
+            <a:ln>
+              <a:solidFill>
+                <a:srgbClr val="0000FF"/>
+              </a:solidFill>
+            </a:ln>
+          </p:spPr>
+          <p:style>
+            <a:lnRef idx="2">
+              <a:schemeClr val="accent1"/>
+            </a:lnRef>
+            <a:fillRef idx="0">
+              <a:schemeClr val="accent1"/>
+            </a:fillRef>
+            <a:effectRef idx="1">
+              <a:schemeClr val="accent1"/>
+            </a:effectRef>
+            <a:fontRef idx="minor">
+              <a:schemeClr val="tx1"/>
+            </a:fontRef>
+          </p:style>
+        </p:cxnSp>
+        <p:cxnSp>
+          <p:nvCxnSpPr>
+            <p:cNvPr id="22" name="Straight Connector 21"/>
+            <p:cNvCxnSpPr/>
+            <p:nvPr/>
+          </p:nvCxnSpPr>
+          <p:spPr>
+            <a:xfrm>
+              <a:off x="2095500" y="3175000"/>
+              <a:ext cx="431800" cy="508000"/>
+            </a:xfrm>
+            <a:prstGeom prst="line">
+              <a:avLst/>
+            </a:prstGeom>
+            <a:ln>
+              <a:solidFill>
+                <a:srgbClr val="0000FF"/>
+              </a:solidFill>
+            </a:ln>
+          </p:spPr>
+          <p:style>
+            <a:lnRef idx="2">
+              <a:schemeClr val="accent1"/>
+            </a:lnRef>
+            <a:fillRef idx="0">
+              <a:schemeClr val="accent1"/>
+            </a:fillRef>
+            <a:effectRef idx="1">
+              <a:schemeClr val="accent1"/>
+            </a:effectRef>
+            <a:fontRef idx="minor">
+              <a:schemeClr val="tx1"/>
+            </a:fontRef>
+          </p:style>
+        </p:cxnSp>
+        <p:cxnSp>
+          <p:nvCxnSpPr>
+            <p:cNvPr id="23" name="Straight Connector 22"/>
+            <p:cNvCxnSpPr/>
+            <p:nvPr/>
+          </p:nvCxnSpPr>
+          <p:spPr>
+            <a:xfrm>
+              <a:off x="2247900" y="3175000"/>
+              <a:ext cx="431800" cy="508000"/>
+            </a:xfrm>
+            <a:prstGeom prst="line">
+              <a:avLst/>
+            </a:prstGeom>
+            <a:ln>
+              <a:solidFill>
+                <a:srgbClr val="0000FF"/>
+              </a:solidFill>
+            </a:ln>
+          </p:spPr>
+          <p:style>
+            <a:lnRef idx="2">
+              <a:schemeClr val="accent1"/>
+            </a:lnRef>
+            <a:fillRef idx="0">
+              <a:schemeClr val="accent1"/>
+            </a:fillRef>
+            <a:effectRef idx="1">
+              <a:schemeClr val="accent1"/>
+            </a:effectRef>
+            <a:fontRef idx="minor">
+              <a:schemeClr val="tx1"/>
+            </a:fontRef>
+          </p:style>
+        </p:cxnSp>
+        <p:cxnSp>
+          <p:nvCxnSpPr>
+            <p:cNvPr id="24" name="Straight Connector 23"/>
+            <p:cNvCxnSpPr/>
+            <p:nvPr/>
+          </p:nvCxnSpPr>
+          <p:spPr>
+            <a:xfrm flipH="1">
+              <a:off x="2032000" y="2667000"/>
+              <a:ext cx="317500" cy="508000"/>
+            </a:xfrm>
+            <a:prstGeom prst="line">
+              <a:avLst/>
+            </a:prstGeom>
+            <a:ln>
+              <a:solidFill>
+                <a:srgbClr val="0000FF"/>
+              </a:solidFill>
+            </a:ln>
+          </p:spPr>
+          <p:style>
+            <a:lnRef idx="2">
+              <a:schemeClr val="accent1"/>
+            </a:lnRef>
+            <a:fillRef idx="0">
+              <a:schemeClr val="accent1"/>
+            </a:fillRef>
+            <a:effectRef idx="1">
+              <a:schemeClr val="accent1"/>
+            </a:effectRef>
+            <a:fontRef idx="minor">
+              <a:schemeClr val="tx1"/>
+            </a:fontRef>
+          </p:style>
+        </p:cxnSp>
+        <p:cxnSp>
+          <p:nvCxnSpPr>
+            <p:cNvPr id="28" name="Straight Connector 27"/>
+            <p:cNvCxnSpPr/>
+            <p:nvPr/>
+          </p:nvCxnSpPr>
+          <p:spPr>
+            <a:xfrm flipH="1">
+              <a:off x="1549400" y="3175000"/>
+              <a:ext cx="508000" cy="508000"/>
+            </a:xfrm>
+            <a:prstGeom prst="line">
+              <a:avLst/>
+            </a:prstGeom>
+            <a:ln>
+              <a:solidFill>
+                <a:srgbClr val="0000FF"/>
+              </a:solidFill>
+            </a:ln>
+          </p:spPr>
+          <p:style>
+            <a:lnRef idx="2">
+              <a:schemeClr val="accent1"/>
+            </a:lnRef>
+            <a:fillRef idx="0">
+              <a:schemeClr val="accent1"/>
+            </a:fillRef>
+            <a:effectRef idx="1">
+              <a:schemeClr val="accent1"/>
+            </a:effectRef>
+            <a:fontRef idx="minor">
+              <a:schemeClr val="tx1"/>
+            </a:fontRef>
+          </p:style>
+        </p:cxnSp>
+        <p:cxnSp>
+          <p:nvCxnSpPr>
+            <p:cNvPr id="29" name="Straight Connector 28"/>
+            <p:cNvCxnSpPr/>
+            <p:nvPr/>
+          </p:nvCxnSpPr>
+          <p:spPr>
+            <a:xfrm flipH="1">
+              <a:off x="1701800" y="3175000"/>
+              <a:ext cx="508000" cy="508000"/>
+            </a:xfrm>
+            <a:prstGeom prst="line">
+              <a:avLst/>
+            </a:prstGeom>
+            <a:ln>
+              <a:solidFill>
+                <a:srgbClr val="0000FF"/>
+              </a:solidFill>
+            </a:ln>
+          </p:spPr>
+          <p:style>
+            <a:lnRef idx="2">
+              <a:schemeClr val="accent1"/>
+            </a:lnRef>
+            <a:fillRef idx="0">
+              <a:schemeClr val="accent1"/>
+            </a:fillRef>
+            <a:effectRef idx="1">
+              <a:schemeClr val="accent1"/>
+            </a:effectRef>
+            <a:fontRef idx="minor">
+              <a:schemeClr val="tx1"/>
+            </a:fontRef>
+          </p:style>
+        </p:cxnSp>
+        <p:cxnSp>
+          <p:nvCxnSpPr>
+            <p:cNvPr id="30" name="Straight Connector 29"/>
+            <p:cNvCxnSpPr/>
+            <p:nvPr/>
+          </p:nvCxnSpPr>
+          <p:spPr>
+            <a:xfrm flipH="1">
+              <a:off x="1803400" y="3225800"/>
+              <a:ext cx="508000" cy="508000"/>
+            </a:xfrm>
+            <a:prstGeom prst="line">
+              <a:avLst/>
+            </a:prstGeom>
+            <a:ln>
+              <a:solidFill>
+                <a:srgbClr val="0000FF"/>
+              </a:solidFill>
+            </a:ln>
+          </p:spPr>
+          <p:style>
+            <a:lnRef idx="2">
+              <a:schemeClr val="accent1"/>
+            </a:lnRef>
+            <a:fillRef idx="0">
+              <a:schemeClr val="accent1"/>
+            </a:fillRef>
+            <a:effectRef idx="1">
+              <a:schemeClr val="accent1"/>
+            </a:effectRef>
+            <a:fontRef idx="minor">
+              <a:schemeClr val="tx1"/>
+            </a:fontRef>
+          </p:style>
+        </p:cxnSp>
+        <p:cxnSp>
+          <p:nvCxnSpPr>
+            <p:cNvPr id="31" name="Straight Connector 30"/>
+            <p:cNvCxnSpPr/>
+            <p:nvPr/>
+          </p:nvCxnSpPr>
+          <p:spPr>
+            <a:xfrm flipH="1">
+              <a:off x="1943100" y="3213100"/>
+              <a:ext cx="508000" cy="508000"/>
+            </a:xfrm>
+            <a:prstGeom prst="line">
+              <a:avLst/>
+            </a:prstGeom>
+            <a:ln>
+              <a:solidFill>
+                <a:srgbClr val="0000FF"/>
+              </a:solidFill>
+            </a:ln>
+          </p:spPr>
+          <p:style>
+            <a:lnRef idx="2">
+              <a:schemeClr val="accent1"/>
+            </a:lnRef>
+            <a:fillRef idx="0">
+              <a:schemeClr val="accent1"/>
+            </a:fillRef>
+            <a:effectRef idx="1">
+              <a:schemeClr val="accent1"/>
+            </a:effectRef>
+            <a:fontRef idx="minor">
+              <a:schemeClr val="tx1"/>
+            </a:fontRef>
+          </p:style>
+        </p:cxnSp>
+        <p:cxnSp>
+          <p:nvCxnSpPr>
+            <p:cNvPr id="33" name="Straight Connector 32"/>
+            <p:cNvCxnSpPr/>
+            <p:nvPr/>
+          </p:nvCxnSpPr>
+          <p:spPr>
+            <a:xfrm>
+              <a:off x="2070100" y="2679700"/>
+              <a:ext cx="177800" cy="508000"/>
+            </a:xfrm>
+            <a:prstGeom prst="line">
+              <a:avLst/>
+            </a:prstGeom>
+            <a:ln>
+              <a:solidFill>
+                <a:srgbClr val="0000FF"/>
+              </a:solidFill>
+            </a:ln>
+          </p:spPr>
+          <p:style>
+            <a:lnRef idx="2">
+              <a:schemeClr val="accent1"/>
+            </a:lnRef>
+            <a:fillRef idx="0">
+              <a:schemeClr val="accent1"/>
+            </a:fillRef>
+            <a:effectRef idx="1">
+              <a:schemeClr val="accent1"/>
+            </a:effectRef>
+            <a:fontRef idx="minor">
+              <a:schemeClr val="tx1"/>
+            </a:fontRef>
+          </p:style>
+        </p:cxnSp>
+        <p:cxnSp>
+          <p:nvCxnSpPr>
+            <p:cNvPr id="34" name="Straight Connector 33"/>
+            <p:cNvCxnSpPr/>
+            <p:nvPr/>
+          </p:nvCxnSpPr>
+          <p:spPr>
+            <a:xfrm>
+              <a:off x="2209800" y="2667000"/>
+              <a:ext cx="177800" cy="508000"/>
+            </a:xfrm>
+            <a:prstGeom prst="line">
+              <a:avLst/>
+            </a:prstGeom>
+            <a:ln>
+              <a:solidFill>
+                <a:srgbClr val="0000FF"/>
+              </a:solidFill>
+            </a:ln>
+          </p:spPr>
+          <p:style>
+            <a:lnRef idx="2">
+              <a:schemeClr val="accent1"/>
+            </a:lnRef>
+            <a:fillRef idx="0">
+              <a:schemeClr val="accent1"/>
+            </a:fillRef>
+            <a:effectRef idx="1">
+              <a:schemeClr val="accent1"/>
+            </a:effectRef>
+            <a:fontRef idx="minor">
+              <a:schemeClr val="tx1"/>
+            </a:fontRef>
+          </p:style>
+        </p:cxnSp>
+        <p:cxnSp>
+          <p:nvCxnSpPr>
+            <p:cNvPr id="36" name="Straight Connector 35"/>
+            <p:cNvCxnSpPr/>
+            <p:nvPr/>
+          </p:nvCxnSpPr>
+          <p:spPr>
+            <a:xfrm flipH="1">
+              <a:off x="1879600" y="2667000"/>
+              <a:ext cx="317500" cy="508000"/>
+            </a:xfrm>
+            <a:prstGeom prst="line">
+              <a:avLst/>
+            </a:prstGeom>
+            <a:ln>
+              <a:solidFill>
+                <a:srgbClr val="0000FF"/>
+              </a:solidFill>
+            </a:ln>
+          </p:spPr>
+          <p:style>
+            <a:lnRef idx="2">
+              <a:schemeClr val="accent1"/>
+            </a:lnRef>
+            <a:fillRef idx="0">
+              <a:schemeClr val="accent1"/>
+            </a:fillRef>
+            <a:effectRef idx="1">
+              <a:schemeClr val="accent1"/>
+            </a:effectRef>
+            <a:fontRef idx="minor">
+              <a:schemeClr val="tx1"/>
+            </a:fontRef>
+          </p:style>
+        </p:cxnSp>
+        <p:cxnSp>
+          <p:nvCxnSpPr>
+            <p:cNvPr id="37" name="Straight Connector 36"/>
+            <p:cNvCxnSpPr/>
+            <p:nvPr/>
+          </p:nvCxnSpPr>
+          <p:spPr>
+            <a:xfrm flipH="1">
+              <a:off x="1752600" y="2667000"/>
+              <a:ext cx="317500" cy="508000"/>
+            </a:xfrm>
+            <a:prstGeom prst="line">
+              <a:avLst/>
+            </a:prstGeom>
+            <a:ln>
+              <a:solidFill>
+                <a:srgbClr val="0000FF"/>
+              </a:solidFill>
+            </a:ln>
+          </p:spPr>
+          <p:style>
+            <a:lnRef idx="2">
+              <a:schemeClr val="accent1"/>
+            </a:lnRef>
+            <a:fillRef idx="0">
+              <a:schemeClr val="accent1"/>
+            </a:fillRef>
+            <a:effectRef idx="1">
+              <a:schemeClr val="accent1"/>
+            </a:effectRef>
+            <a:fontRef idx="minor">
+              <a:schemeClr val="tx1"/>
+            </a:fontRef>
+          </p:style>
+        </p:cxnSp>
+      </p:grpSp>
+      <p:grpSp>
+        <p:nvGrpSpPr>
+          <p:cNvPr id="46" name="Group 45"/>
+          <p:cNvGrpSpPr/>
+          <p:nvPr/>
+        </p:nvGrpSpPr>
+        <p:grpSpPr>
+          <a:xfrm>
+            <a:off x="4731960" y="179169"/>
+            <a:ext cx="1910140" cy="1878231"/>
+            <a:chOff x="1163260" y="2350869"/>
+            <a:chExt cx="1910140" cy="1878231"/>
+          </a:xfrm>
+        </p:grpSpPr>
+        <p:sp>
+          <p:nvSpPr>
+            <p:cNvPr id="47" name="Rectangle 46"/>
+            <p:cNvSpPr/>
+            <p:nvPr/>
+          </p:nvSpPr>
+          <p:spPr>
+            <a:xfrm>
+              <a:off x="1163260" y="2350869"/>
+              <a:ext cx="1910140" cy="1878231"/>
+            </a:xfrm>
+            <a:prstGeom prst="rect">
+              <a:avLst/>
+            </a:prstGeom>
+            <a:noFill/>
+          </p:spPr>
+          <p:style>
+            <a:lnRef idx="1">
+              <a:schemeClr val="accent1"/>
+            </a:lnRef>
+            <a:fillRef idx="3">
+              <a:schemeClr val="accent1"/>
+            </a:fillRef>
+            <a:effectRef idx="2">
+              <a:schemeClr val="accent1"/>
+            </a:effectRef>
+            <a:fontRef idx="minor">
+              <a:schemeClr val="lt1"/>
+            </a:fontRef>
+          </p:style>
+          <p:txBody>
+            <a:bodyPr rtlCol="0" anchor="ctr"/>
+            <a:lstStyle/>
+            <a:p>
+              <a:pPr algn="ctr"/>
+              <a:endParaRPr lang="en-US"/>
+            </a:p>
+          </p:txBody>
+        </p:sp>
+        <p:cxnSp>
+          <p:nvCxnSpPr>
+            <p:cNvPr id="48" name="Straight Connector 47"/>
+            <p:cNvCxnSpPr/>
+            <p:nvPr/>
+          </p:nvCxnSpPr>
+          <p:spPr>
+            <a:xfrm>
+              <a:off x="1823660" y="2667000"/>
+              <a:ext cx="525840" cy="0"/>
+            </a:xfrm>
+            <a:prstGeom prst="line">
+              <a:avLst/>
+            </a:prstGeom>
+            <a:ln w="63500"/>
+          </p:spPr>
+          <p:style>
+            <a:lnRef idx="2">
+              <a:schemeClr val="accent1"/>
+            </a:lnRef>
+            <a:fillRef idx="0">
+              <a:schemeClr val="accent1"/>
+            </a:fillRef>
+            <a:effectRef idx="1">
+              <a:schemeClr val="accent1"/>
+            </a:effectRef>
+            <a:fontRef idx="minor">
+              <a:schemeClr val="tx1"/>
+            </a:fontRef>
+          </p:style>
+        </p:cxnSp>
+        <p:cxnSp>
+          <p:nvCxnSpPr>
+            <p:cNvPr id="49" name="Straight Connector 48"/>
+            <p:cNvCxnSpPr/>
+            <p:nvPr/>
+          </p:nvCxnSpPr>
+          <p:spPr>
+            <a:xfrm>
+              <a:off x="1667933" y="3187700"/>
+              <a:ext cx="905934" cy="0"/>
+            </a:xfrm>
+            <a:prstGeom prst="line">
+              <a:avLst/>
+            </a:prstGeom>
+            <a:ln w="63500"/>
+          </p:spPr>
+          <p:style>
+            <a:lnRef idx="2">
+              <a:schemeClr val="accent1"/>
+            </a:lnRef>
+            <a:fillRef idx="0">
+              <a:schemeClr val="accent1"/>
+            </a:fillRef>
+            <a:effectRef idx="1">
+              <a:schemeClr val="accent1"/>
+            </a:effectRef>
+            <a:fontRef idx="minor">
+              <a:schemeClr val="tx1"/>
+            </a:fontRef>
+          </p:style>
+        </p:cxnSp>
+        <p:cxnSp>
+          <p:nvCxnSpPr>
+            <p:cNvPr id="50" name="Straight Connector 49"/>
+            <p:cNvCxnSpPr/>
+            <p:nvPr/>
+          </p:nvCxnSpPr>
+          <p:spPr>
+            <a:xfrm>
+              <a:off x="1443567" y="3733800"/>
+              <a:ext cx="1320800" cy="0"/>
+            </a:xfrm>
+            <a:prstGeom prst="line">
+              <a:avLst/>
+            </a:prstGeom>
+            <a:ln w="63500"/>
+          </p:spPr>
+          <p:style>
+            <a:lnRef idx="2">
+              <a:schemeClr val="accent1"/>
+            </a:lnRef>
+            <a:fillRef idx="0">
+              <a:schemeClr val="accent1"/>
+            </a:fillRef>
+            <a:effectRef idx="1">
+              <a:schemeClr val="accent1"/>
+            </a:effectRef>
+            <a:fontRef idx="minor">
+              <a:schemeClr val="tx1"/>
+            </a:fontRef>
+          </p:style>
+        </p:cxnSp>
+        <p:cxnSp>
+          <p:nvCxnSpPr>
+            <p:cNvPr id="51" name="Straight Connector 50"/>
+            <p:cNvCxnSpPr/>
+            <p:nvPr/>
+          </p:nvCxnSpPr>
+          <p:spPr>
+            <a:xfrm>
+              <a:off x="1917700" y="2667000"/>
+              <a:ext cx="177800" cy="508000"/>
+            </a:xfrm>
+            <a:prstGeom prst="line">
+              <a:avLst/>
+            </a:prstGeom>
+            <a:ln>
+              <a:solidFill>
+                <a:srgbClr val="0000FF"/>
+              </a:solidFill>
+            </a:ln>
+          </p:spPr>
+          <p:style>
+            <a:lnRef idx="2">
+              <a:schemeClr val="accent1"/>
+            </a:lnRef>
+            <a:fillRef idx="0">
+              <a:schemeClr val="accent1"/>
+            </a:fillRef>
+            <a:effectRef idx="1">
+              <a:schemeClr val="accent1"/>
+            </a:effectRef>
+            <a:fontRef idx="minor">
+              <a:schemeClr val="tx1"/>
+            </a:fontRef>
+          </p:style>
+        </p:cxnSp>
+        <p:cxnSp>
+          <p:nvCxnSpPr>
+            <p:cNvPr id="52" name="Straight Connector 51"/>
+            <p:cNvCxnSpPr/>
+            <p:nvPr/>
+          </p:nvCxnSpPr>
+          <p:spPr>
+            <a:xfrm>
+              <a:off x="1752600" y="3175000"/>
+              <a:ext cx="431800" cy="508000"/>
+            </a:xfrm>
+            <a:prstGeom prst="line">
+              <a:avLst/>
+            </a:prstGeom>
+            <a:ln>
+              <a:solidFill>
+                <a:srgbClr val="0000FF"/>
+              </a:solidFill>
+            </a:ln>
+          </p:spPr>
+          <p:style>
+            <a:lnRef idx="2">
+              <a:schemeClr val="accent1"/>
+            </a:lnRef>
+            <a:fillRef idx="0">
+              <a:schemeClr val="accent1"/>
+            </a:fillRef>
+            <a:effectRef idx="1">
+              <a:schemeClr val="accent1"/>
+            </a:effectRef>
+            <a:fontRef idx="minor">
+              <a:schemeClr val="tx1"/>
+            </a:fontRef>
+          </p:style>
+        </p:cxnSp>
+        <p:cxnSp>
+          <p:nvCxnSpPr>
+            <p:cNvPr id="53" name="Straight Connector 52"/>
+            <p:cNvCxnSpPr/>
+            <p:nvPr/>
+          </p:nvCxnSpPr>
+          <p:spPr>
+            <a:xfrm>
+              <a:off x="1917700" y="3175000"/>
+              <a:ext cx="431800" cy="508000"/>
+            </a:xfrm>
+            <a:prstGeom prst="line">
+              <a:avLst/>
+            </a:prstGeom>
+            <a:ln>
+              <a:solidFill>
+                <a:srgbClr val="0000FF"/>
+              </a:solidFill>
+            </a:ln>
+          </p:spPr>
+          <p:style>
+            <a:lnRef idx="2">
+              <a:schemeClr val="accent1"/>
+            </a:lnRef>
+            <a:fillRef idx="0">
+              <a:schemeClr val="accent1"/>
+            </a:fillRef>
+            <a:effectRef idx="1">
+              <a:schemeClr val="accent1"/>
+            </a:effectRef>
+            <a:fontRef idx="minor">
+              <a:schemeClr val="tx1"/>
+            </a:fontRef>
+          </p:style>
+        </p:cxnSp>
+        <p:cxnSp>
+          <p:nvCxnSpPr>
+            <p:cNvPr id="54" name="Straight Connector 53"/>
+            <p:cNvCxnSpPr/>
+            <p:nvPr/>
+          </p:nvCxnSpPr>
+          <p:spPr>
+            <a:xfrm>
+              <a:off x="2095500" y="3175000"/>
+              <a:ext cx="431800" cy="508000"/>
+            </a:xfrm>
+            <a:prstGeom prst="line">
+              <a:avLst/>
+            </a:prstGeom>
+            <a:ln>
+              <a:solidFill>
+                <a:srgbClr val="0000FF"/>
+              </a:solidFill>
+            </a:ln>
+          </p:spPr>
+          <p:style>
+            <a:lnRef idx="2">
+              <a:schemeClr val="accent1"/>
+            </a:lnRef>
+            <a:fillRef idx="0">
+              <a:schemeClr val="accent1"/>
+            </a:fillRef>
+            <a:effectRef idx="1">
+              <a:schemeClr val="accent1"/>
+            </a:effectRef>
+            <a:fontRef idx="minor">
+              <a:schemeClr val="tx1"/>
+            </a:fontRef>
+          </p:style>
+        </p:cxnSp>
+        <p:cxnSp>
+          <p:nvCxnSpPr>
+            <p:cNvPr id="55" name="Straight Connector 54"/>
+            <p:cNvCxnSpPr/>
+            <p:nvPr/>
+          </p:nvCxnSpPr>
+          <p:spPr>
+            <a:xfrm>
+              <a:off x="2247900" y="3175000"/>
+              <a:ext cx="431800" cy="508000"/>
+            </a:xfrm>
+            <a:prstGeom prst="line">
+              <a:avLst/>
+            </a:prstGeom>
+            <a:ln>
+              <a:solidFill>
+                <a:srgbClr val="0000FF"/>
+              </a:solidFill>
+            </a:ln>
+          </p:spPr>
+          <p:style>
+            <a:lnRef idx="2">
+              <a:schemeClr val="accent1"/>
+            </a:lnRef>
+            <a:fillRef idx="0">
+              <a:schemeClr val="accent1"/>
+            </a:fillRef>
+            <a:effectRef idx="1">
+              <a:schemeClr val="accent1"/>
+            </a:effectRef>
+            <a:fontRef idx="minor">
+              <a:schemeClr val="tx1"/>
+            </a:fontRef>
+          </p:style>
+        </p:cxnSp>
+        <p:cxnSp>
+          <p:nvCxnSpPr>
+            <p:cNvPr id="56" name="Straight Connector 55"/>
+            <p:cNvCxnSpPr/>
+            <p:nvPr/>
+          </p:nvCxnSpPr>
+          <p:spPr>
+            <a:xfrm flipH="1">
+              <a:off x="2032000" y="2667000"/>
+              <a:ext cx="317500" cy="508000"/>
+            </a:xfrm>
+            <a:prstGeom prst="line">
+              <a:avLst/>
+            </a:prstGeom>
+            <a:ln>
+              <a:solidFill>
+                <a:srgbClr val="0000FF"/>
+              </a:solidFill>
+            </a:ln>
+          </p:spPr>
+          <p:style>
+            <a:lnRef idx="2">
+              <a:schemeClr val="accent1"/>
+            </a:lnRef>
+            <a:fillRef idx="0">
+              <a:schemeClr val="accent1"/>
+            </a:fillRef>
+            <a:effectRef idx="1">
+              <a:schemeClr val="accent1"/>
+            </a:effectRef>
+            <a:fontRef idx="minor">
+              <a:schemeClr val="tx1"/>
+            </a:fontRef>
+          </p:style>
+        </p:cxnSp>
+        <p:cxnSp>
+          <p:nvCxnSpPr>
+            <p:cNvPr id="57" name="Straight Connector 56"/>
+            <p:cNvCxnSpPr/>
+            <p:nvPr/>
+          </p:nvCxnSpPr>
+          <p:spPr>
+            <a:xfrm flipH="1">
+              <a:off x="1549400" y="3175000"/>
+              <a:ext cx="508000" cy="508000"/>
+            </a:xfrm>
+            <a:prstGeom prst="line">
+              <a:avLst/>
+            </a:prstGeom>
+            <a:ln>
+              <a:solidFill>
+                <a:srgbClr val="0000FF"/>
+              </a:solidFill>
+            </a:ln>
+          </p:spPr>
+          <p:style>
+            <a:lnRef idx="2">
+              <a:schemeClr val="accent1"/>
+            </a:lnRef>
+            <a:fillRef idx="0">
+              <a:schemeClr val="accent1"/>
+            </a:fillRef>
+            <a:effectRef idx="1">
+              <a:schemeClr val="accent1"/>
+            </a:effectRef>
+            <a:fontRef idx="minor">
+              <a:schemeClr val="tx1"/>
+            </a:fontRef>
+          </p:style>
+        </p:cxnSp>
+        <p:cxnSp>
+          <p:nvCxnSpPr>
+            <p:cNvPr id="58" name="Straight Connector 57"/>
+            <p:cNvCxnSpPr/>
+            <p:nvPr/>
+          </p:nvCxnSpPr>
+          <p:spPr>
+            <a:xfrm flipH="1">
+              <a:off x="1701800" y="3175000"/>
+              <a:ext cx="508000" cy="508000"/>
+            </a:xfrm>
+            <a:prstGeom prst="line">
+              <a:avLst/>
+            </a:prstGeom>
+            <a:ln>
+              <a:solidFill>
+                <a:srgbClr val="0000FF"/>
+              </a:solidFill>
+            </a:ln>
+          </p:spPr>
+          <p:style>
+            <a:lnRef idx="2">
+              <a:schemeClr val="accent1"/>
+            </a:lnRef>
+            <a:fillRef idx="0">
+              <a:schemeClr val="accent1"/>
+            </a:fillRef>
+            <a:effectRef idx="1">
+              <a:schemeClr val="accent1"/>
+            </a:effectRef>
+            <a:fontRef idx="minor">
+              <a:schemeClr val="tx1"/>
+            </a:fontRef>
+          </p:style>
+        </p:cxnSp>
+        <p:cxnSp>
+          <p:nvCxnSpPr>
+            <p:cNvPr id="59" name="Straight Connector 58"/>
+            <p:cNvCxnSpPr/>
+            <p:nvPr/>
+          </p:nvCxnSpPr>
+          <p:spPr>
+            <a:xfrm flipH="1">
+              <a:off x="1803400" y="3225800"/>
+              <a:ext cx="508000" cy="508000"/>
+            </a:xfrm>
+            <a:prstGeom prst="line">
+              <a:avLst/>
+            </a:prstGeom>
+            <a:ln>
+              <a:solidFill>
+                <a:srgbClr val="0000FF"/>
+              </a:solidFill>
+            </a:ln>
+          </p:spPr>
+          <p:style>
+            <a:lnRef idx="2">
+              <a:schemeClr val="accent1"/>
+            </a:lnRef>
+            <a:fillRef idx="0">
+              <a:schemeClr val="accent1"/>
+            </a:fillRef>
+            <a:effectRef idx="1">
+              <a:schemeClr val="accent1"/>
+            </a:effectRef>
+            <a:fontRef idx="minor">
+              <a:schemeClr val="tx1"/>
+            </a:fontRef>
+          </p:style>
+        </p:cxnSp>
+        <p:cxnSp>
+          <p:nvCxnSpPr>
+            <p:cNvPr id="60" name="Straight Connector 59"/>
+            <p:cNvCxnSpPr/>
+            <p:nvPr/>
+          </p:nvCxnSpPr>
+          <p:spPr>
+            <a:xfrm flipH="1">
+              <a:off x="1943100" y="3213100"/>
+              <a:ext cx="508000" cy="508000"/>
+            </a:xfrm>
+            <a:prstGeom prst="line">
+              <a:avLst/>
+            </a:prstGeom>
+            <a:ln>
+              <a:solidFill>
+                <a:srgbClr val="0000FF"/>
+              </a:solidFill>
+            </a:ln>
+          </p:spPr>
+          <p:style>
+            <a:lnRef idx="2">
+              <a:schemeClr val="accent1"/>
+            </a:lnRef>
+            <a:fillRef idx="0">
+              <a:schemeClr val="accent1"/>
+            </a:fillRef>
+            <a:effectRef idx="1">
+              <a:schemeClr val="accent1"/>
+            </a:effectRef>
+            <a:fontRef idx="minor">
+              <a:schemeClr val="tx1"/>
+            </a:fontRef>
+          </p:style>
+        </p:cxnSp>
+        <p:cxnSp>
+          <p:nvCxnSpPr>
+            <p:cNvPr id="61" name="Straight Connector 60"/>
+            <p:cNvCxnSpPr/>
+            <p:nvPr/>
+          </p:nvCxnSpPr>
+          <p:spPr>
+            <a:xfrm>
+              <a:off x="2070100" y="2679700"/>
+              <a:ext cx="177800" cy="508000"/>
+            </a:xfrm>
+            <a:prstGeom prst="line">
+              <a:avLst/>
+            </a:prstGeom>
+            <a:ln>
+              <a:solidFill>
+                <a:srgbClr val="0000FF"/>
+              </a:solidFill>
+            </a:ln>
+          </p:spPr>
+          <p:style>
+            <a:lnRef idx="2">
+              <a:schemeClr val="accent1"/>
+            </a:lnRef>
+            <a:fillRef idx="0">
+              <a:schemeClr val="accent1"/>
+            </a:fillRef>
+            <a:effectRef idx="1">
+              <a:schemeClr val="accent1"/>
+            </a:effectRef>
+            <a:fontRef idx="minor">
+              <a:schemeClr val="tx1"/>
+            </a:fontRef>
+          </p:style>
+        </p:cxnSp>
+        <p:cxnSp>
+          <p:nvCxnSpPr>
+            <p:cNvPr id="62" name="Straight Connector 61"/>
+            <p:cNvCxnSpPr/>
+            <p:nvPr/>
+          </p:nvCxnSpPr>
+          <p:spPr>
+            <a:xfrm>
+              <a:off x="2209800" y="2667000"/>
+              <a:ext cx="177800" cy="508000"/>
+            </a:xfrm>
+            <a:prstGeom prst="line">
+              <a:avLst/>
+            </a:prstGeom>
+            <a:ln>
+              <a:solidFill>
+                <a:srgbClr val="0000FF"/>
+              </a:solidFill>
+            </a:ln>
+          </p:spPr>
+          <p:style>
+            <a:lnRef idx="2">
+              <a:schemeClr val="accent1"/>
+            </a:lnRef>
+            <a:fillRef idx="0">
+              <a:schemeClr val="accent1"/>
+            </a:fillRef>
+            <a:effectRef idx="1">
+              <a:schemeClr val="accent1"/>
+            </a:effectRef>
+            <a:fontRef idx="minor">
+              <a:schemeClr val="tx1"/>
+            </a:fontRef>
+          </p:style>
+        </p:cxnSp>
+        <p:cxnSp>
+          <p:nvCxnSpPr>
+            <p:cNvPr id="63" name="Straight Connector 62"/>
+            <p:cNvCxnSpPr/>
+            <p:nvPr/>
+          </p:nvCxnSpPr>
+          <p:spPr>
+            <a:xfrm flipH="1">
+              <a:off x="1879600" y="2667000"/>
+              <a:ext cx="317500" cy="508000"/>
+            </a:xfrm>
+            <a:prstGeom prst="line">
+              <a:avLst/>
+            </a:prstGeom>
+            <a:ln>
+              <a:solidFill>
+                <a:srgbClr val="0000FF"/>
+              </a:solidFill>
+            </a:ln>
+          </p:spPr>
+          <p:style>
+            <a:lnRef idx="2">
+              <a:schemeClr val="accent1"/>
+            </a:lnRef>
+            <a:fillRef idx="0">
+              <a:schemeClr val="accent1"/>
+            </a:fillRef>
+            <a:effectRef idx="1">
+              <a:schemeClr val="accent1"/>
+            </a:effectRef>
+            <a:fontRef idx="minor">
+              <a:schemeClr val="tx1"/>
+            </a:fontRef>
+          </p:style>
+        </p:cxnSp>
+        <p:cxnSp>
+          <p:nvCxnSpPr>
+            <p:cNvPr id="64" name="Straight Connector 63"/>
+            <p:cNvCxnSpPr/>
+            <p:nvPr/>
+          </p:nvCxnSpPr>
+          <p:spPr>
+            <a:xfrm flipH="1">
+              <a:off x="1752600" y="2667000"/>
+              <a:ext cx="317500" cy="508000"/>
+            </a:xfrm>
+            <a:prstGeom prst="line">
+              <a:avLst/>
+            </a:prstGeom>
+            <a:ln>
+              <a:solidFill>
+                <a:srgbClr val="0000FF"/>
+              </a:solidFill>
+            </a:ln>
+          </p:spPr>
+          <p:style>
+            <a:lnRef idx="2">
+              <a:schemeClr val="accent1"/>
+            </a:lnRef>
+            <a:fillRef idx="0">
+              <a:schemeClr val="accent1"/>
+            </a:fillRef>
+            <a:effectRef idx="1">
+              <a:schemeClr val="accent1"/>
+            </a:effectRef>
+            <a:fontRef idx="minor">
+              <a:schemeClr val="tx1"/>
+            </a:fontRef>
+          </p:style>
+        </p:cxnSp>
+      </p:grpSp>
+      <p:grpSp>
+        <p:nvGrpSpPr>
+          <p:cNvPr id="65" name="Group 64"/>
+          <p:cNvGrpSpPr/>
+          <p:nvPr/>
+        </p:nvGrpSpPr>
+        <p:grpSpPr>
+          <a:xfrm>
+            <a:off x="3906460" y="2592169"/>
+            <a:ext cx="1910140" cy="1878231"/>
+            <a:chOff x="1163260" y="2350869"/>
+            <a:chExt cx="1910140" cy="1878231"/>
+          </a:xfrm>
+        </p:grpSpPr>
+        <p:sp>
+          <p:nvSpPr>
+            <p:cNvPr id="66" name="Rectangle 65"/>
+            <p:cNvSpPr/>
+            <p:nvPr/>
+          </p:nvSpPr>
+          <p:spPr>
+            <a:xfrm>
+              <a:off x="1163260" y="2350869"/>
+              <a:ext cx="1910140" cy="1878231"/>
+            </a:xfrm>
+            <a:prstGeom prst="rect">
+              <a:avLst/>
+            </a:prstGeom>
+            <a:noFill/>
+          </p:spPr>
+          <p:style>
+            <a:lnRef idx="1">
+              <a:schemeClr val="accent1"/>
+            </a:lnRef>
+            <a:fillRef idx="3">
+              <a:schemeClr val="accent1"/>
+            </a:fillRef>
+            <a:effectRef idx="2">
+              <a:schemeClr val="accent1"/>
+            </a:effectRef>
+            <a:fontRef idx="minor">
+              <a:schemeClr val="lt1"/>
+            </a:fontRef>
+          </p:style>
+          <p:txBody>
+            <a:bodyPr rtlCol="0" anchor="ctr"/>
+            <a:lstStyle/>
+            <a:p>
+              <a:pPr algn="ctr"/>
+              <a:endParaRPr lang="en-US"/>
+            </a:p>
+          </p:txBody>
+        </p:sp>
+        <p:cxnSp>
+          <p:nvCxnSpPr>
+            <p:cNvPr id="67" name="Straight Connector 66"/>
+            <p:cNvCxnSpPr/>
+            <p:nvPr/>
+          </p:nvCxnSpPr>
+          <p:spPr>
+            <a:xfrm>
+              <a:off x="1823660" y="2667000"/>
+              <a:ext cx="525840" cy="0"/>
+            </a:xfrm>
+            <a:prstGeom prst="line">
+              <a:avLst/>
+            </a:prstGeom>
+            <a:ln w="63500"/>
+          </p:spPr>
+          <p:style>
+            <a:lnRef idx="2">
+              <a:schemeClr val="accent1"/>
+            </a:lnRef>
+            <a:fillRef idx="0">
+              <a:schemeClr val="accent1"/>
+            </a:fillRef>
+            <a:effectRef idx="1">
+              <a:schemeClr val="accent1"/>
+            </a:effectRef>
+            <a:fontRef idx="minor">
+              <a:schemeClr val="tx1"/>
+            </a:fontRef>
+          </p:style>
+        </p:cxnSp>
+        <p:cxnSp>
+          <p:nvCxnSpPr>
+            <p:cNvPr id="68" name="Straight Connector 67"/>
+            <p:cNvCxnSpPr/>
+            <p:nvPr/>
+          </p:nvCxnSpPr>
+          <p:spPr>
+            <a:xfrm>
+              <a:off x="1667933" y="3187700"/>
+              <a:ext cx="905934" cy="0"/>
+            </a:xfrm>
+            <a:prstGeom prst="line">
+              <a:avLst/>
+            </a:prstGeom>
+            <a:ln w="63500"/>
+          </p:spPr>
+          <p:style>
+            <a:lnRef idx="2">
+              <a:schemeClr val="accent1"/>
+            </a:lnRef>
+            <a:fillRef idx="0">
+              <a:schemeClr val="accent1"/>
+            </a:fillRef>
+            <a:effectRef idx="1">
+              <a:schemeClr val="accent1"/>
+            </a:effectRef>
+            <a:fontRef idx="minor">
+              <a:schemeClr val="tx1"/>
+            </a:fontRef>
+          </p:style>
+        </p:cxnSp>
+        <p:cxnSp>
+          <p:nvCxnSpPr>
+            <p:cNvPr id="69" name="Straight Connector 68"/>
+            <p:cNvCxnSpPr/>
+            <p:nvPr/>
+          </p:nvCxnSpPr>
+          <p:spPr>
+            <a:xfrm>
+              <a:off x="1443567" y="3733800"/>
+              <a:ext cx="1320800" cy="0"/>
+            </a:xfrm>
+            <a:prstGeom prst="line">
+              <a:avLst/>
+            </a:prstGeom>
+            <a:ln w="63500"/>
+          </p:spPr>
+          <p:style>
+            <a:lnRef idx="2">
+              <a:schemeClr val="accent1"/>
+            </a:lnRef>
+            <a:fillRef idx="0">
+              <a:schemeClr val="accent1"/>
+            </a:fillRef>
+            <a:effectRef idx="1">
+              <a:schemeClr val="accent1"/>
+            </a:effectRef>
+            <a:fontRef idx="minor">
+              <a:schemeClr val="tx1"/>
+            </a:fontRef>
+          </p:style>
+        </p:cxnSp>
+        <p:cxnSp>
+          <p:nvCxnSpPr>
+            <p:cNvPr id="70" name="Straight Connector 69"/>
+            <p:cNvCxnSpPr/>
+            <p:nvPr/>
+          </p:nvCxnSpPr>
+          <p:spPr>
+            <a:xfrm>
+              <a:off x="1917700" y="2667000"/>
+              <a:ext cx="177800" cy="508000"/>
+            </a:xfrm>
+            <a:prstGeom prst="line">
+              <a:avLst/>
+            </a:prstGeom>
+            <a:ln>
+              <a:solidFill>
+                <a:srgbClr val="0000FF"/>
+              </a:solidFill>
+            </a:ln>
+          </p:spPr>
+          <p:style>
+            <a:lnRef idx="2">
+              <a:schemeClr val="accent1"/>
+            </a:lnRef>
+            <a:fillRef idx="0">
+              <a:schemeClr val="accent1"/>
+            </a:fillRef>
+            <a:effectRef idx="1">
+              <a:schemeClr val="accent1"/>
+            </a:effectRef>
+            <a:fontRef idx="minor">
+              <a:schemeClr val="tx1"/>
+            </a:fontRef>
+          </p:style>
+        </p:cxnSp>
+        <p:cxnSp>
+          <p:nvCxnSpPr>
+            <p:cNvPr id="71" name="Straight Connector 70"/>
+            <p:cNvCxnSpPr/>
+            <p:nvPr/>
+          </p:nvCxnSpPr>
+          <p:spPr>
+            <a:xfrm>
+              <a:off x="1752600" y="3175000"/>
+              <a:ext cx="431800" cy="508000"/>
+            </a:xfrm>
+            <a:prstGeom prst="line">
+              <a:avLst/>
+            </a:prstGeom>
+            <a:ln>
+              <a:solidFill>
+                <a:srgbClr val="0000FF"/>
+              </a:solidFill>
+            </a:ln>
+          </p:spPr>
+          <p:style>
+            <a:lnRef idx="2">
+              <a:schemeClr val="accent1"/>
+            </a:lnRef>
+            <a:fillRef idx="0">
+              <a:schemeClr val="accent1"/>
+            </a:fillRef>
+            <a:effectRef idx="1">
+              <a:schemeClr val="accent1"/>
+            </a:effectRef>
+            <a:fontRef idx="minor">
+              <a:schemeClr val="tx1"/>
+            </a:fontRef>
+          </p:style>
+        </p:cxnSp>
+        <p:cxnSp>
+          <p:nvCxnSpPr>
+            <p:cNvPr id="72" name="Straight Connector 71"/>
+            <p:cNvCxnSpPr/>
+            <p:nvPr/>
+          </p:nvCxnSpPr>
+          <p:spPr>
+            <a:xfrm>
+              <a:off x="1917700" y="3175000"/>
+              <a:ext cx="431800" cy="508000"/>
+            </a:xfrm>
+            <a:prstGeom prst="line">
+              <a:avLst/>
+            </a:prstGeom>
+            <a:ln>
+              <a:solidFill>
+                <a:srgbClr val="0000FF"/>
+              </a:solidFill>
+            </a:ln>
+          </p:spPr>
+          <p:style>
+            <a:lnRef idx="2">
+              <a:schemeClr val="accent1"/>
+            </a:lnRef>
+            <a:fillRef idx="0">
+              <a:schemeClr val="accent1"/>
+            </a:fillRef>
+            <a:effectRef idx="1">
+              <a:schemeClr val="accent1"/>
+            </a:effectRef>
+            <a:fontRef idx="minor">
+              <a:schemeClr val="tx1"/>
+            </a:fontRef>
+          </p:style>
+        </p:cxnSp>
+        <p:cxnSp>
+          <p:nvCxnSpPr>
+            <p:cNvPr id="73" name="Straight Connector 72"/>
+            <p:cNvCxnSpPr/>
+            <p:nvPr/>
+          </p:nvCxnSpPr>
+          <p:spPr>
+            <a:xfrm>
+              <a:off x="2095500" y="3175000"/>
+              <a:ext cx="431800" cy="508000"/>
+            </a:xfrm>
+            <a:prstGeom prst="line">
+              <a:avLst/>
+            </a:prstGeom>
+            <a:ln>
+              <a:solidFill>
+                <a:srgbClr val="0000FF"/>
+              </a:solidFill>
+            </a:ln>
+          </p:spPr>
+          <p:style>
+            <a:lnRef idx="2">
+              <a:schemeClr val="accent1"/>
+            </a:lnRef>
+            <a:fillRef idx="0">
+              <a:schemeClr val="accent1"/>
+            </a:fillRef>
+            <a:effectRef idx="1">
+              <a:schemeClr val="accent1"/>
+            </a:effectRef>
+            <a:fontRef idx="minor">
+              <a:schemeClr val="tx1"/>
+            </a:fontRef>
+          </p:style>
+        </p:cxnSp>
+        <p:cxnSp>
+          <p:nvCxnSpPr>
+            <p:cNvPr id="74" name="Straight Connector 73"/>
+            <p:cNvCxnSpPr/>
+            <p:nvPr/>
+          </p:nvCxnSpPr>
+          <p:spPr>
+            <a:xfrm>
+              <a:off x="2247900" y="3175000"/>
+              <a:ext cx="431800" cy="508000"/>
+            </a:xfrm>
+            <a:prstGeom prst="line">
+              <a:avLst/>
+            </a:prstGeom>
+            <a:ln>
+              <a:solidFill>
+                <a:srgbClr val="0000FF"/>
+              </a:solidFill>
+            </a:ln>
+          </p:spPr>
+          <p:style>
+            <a:lnRef idx="2">
+              <a:schemeClr val="accent1"/>
+            </a:lnRef>
+            <a:fillRef idx="0">
+              <a:schemeClr val="accent1"/>
+            </a:fillRef>
+            <a:effectRef idx="1">
+              <a:schemeClr val="accent1"/>
+            </a:effectRef>
+            <a:fontRef idx="minor">
+              <a:schemeClr val="tx1"/>
+            </a:fontRef>
+          </p:style>
+        </p:cxnSp>
+        <p:cxnSp>
+          <p:nvCxnSpPr>
+            <p:cNvPr id="75" name="Straight Connector 74"/>
+            <p:cNvCxnSpPr/>
+            <p:nvPr/>
+          </p:nvCxnSpPr>
+          <p:spPr>
+            <a:xfrm flipH="1">
+              <a:off x="2032000" y="2667000"/>
+              <a:ext cx="317500" cy="508000"/>
+            </a:xfrm>
+            <a:prstGeom prst="line">
+              <a:avLst/>
+            </a:prstGeom>
+            <a:ln>
+              <a:solidFill>
+                <a:srgbClr val="0000FF"/>
+              </a:solidFill>
+            </a:ln>
+          </p:spPr>
+          <p:style>
+            <a:lnRef idx="2">
+              <a:schemeClr val="accent1"/>
+            </a:lnRef>
+            <a:fillRef idx="0">
+              <a:schemeClr val="accent1"/>
+            </a:fillRef>
+            <a:effectRef idx="1">
+              <a:schemeClr val="accent1"/>
+            </a:effectRef>
+            <a:fontRef idx="minor">
+              <a:schemeClr val="tx1"/>
+            </a:fontRef>
+          </p:style>
+        </p:cxnSp>
+        <p:cxnSp>
+          <p:nvCxnSpPr>
+            <p:cNvPr id="76" name="Straight Connector 75"/>
+            <p:cNvCxnSpPr/>
+            <p:nvPr/>
+          </p:nvCxnSpPr>
+          <p:spPr>
+            <a:xfrm flipH="1">
+              <a:off x="1549400" y="3175000"/>
+              <a:ext cx="508000" cy="508000"/>
+            </a:xfrm>
+            <a:prstGeom prst="line">
+              <a:avLst/>
+            </a:prstGeom>
+            <a:ln>
+              <a:solidFill>
+                <a:srgbClr val="0000FF"/>
+              </a:solidFill>
+            </a:ln>
+          </p:spPr>
+          <p:style>
+            <a:lnRef idx="2">
+              <a:schemeClr val="accent1"/>
+            </a:lnRef>
+            <a:fillRef idx="0">
+              <a:schemeClr val="accent1"/>
+            </a:fillRef>
+            <a:effectRef idx="1">
+              <a:schemeClr val="accent1"/>
+            </a:effectRef>
+            <a:fontRef idx="minor">
+              <a:schemeClr val="tx1"/>
+            </a:fontRef>
+          </p:style>
+        </p:cxnSp>
+        <p:cxnSp>
+          <p:nvCxnSpPr>
+            <p:cNvPr id="77" name="Straight Connector 76"/>
+            <p:cNvCxnSpPr/>
+            <p:nvPr/>
+          </p:nvCxnSpPr>
+          <p:spPr>
+            <a:xfrm flipH="1">
+              <a:off x="1701800" y="3175000"/>
+              <a:ext cx="508000" cy="508000"/>
+            </a:xfrm>
+            <a:prstGeom prst="line">
+              <a:avLst/>
+            </a:prstGeom>
+            <a:ln>
+              <a:solidFill>
+                <a:srgbClr val="0000FF"/>
+              </a:solidFill>
+            </a:ln>
+          </p:spPr>
+          <p:style>
+            <a:lnRef idx="2">
+              <a:schemeClr val="accent1"/>
+            </a:lnRef>
+            <a:fillRef idx="0">
+              <a:schemeClr val="accent1"/>
+            </a:fillRef>
+            <a:effectRef idx="1">
+              <a:schemeClr val="accent1"/>
+            </a:effectRef>
+            <a:fontRef idx="minor">
+              <a:schemeClr val="tx1"/>
+            </a:fontRef>
+          </p:style>
+        </p:cxnSp>
+        <p:cxnSp>
+          <p:nvCxnSpPr>
+            <p:cNvPr id="78" name="Straight Connector 77"/>
+            <p:cNvCxnSpPr/>
+            <p:nvPr/>
+          </p:nvCxnSpPr>
+          <p:spPr>
+            <a:xfrm flipH="1">
+              <a:off x="1803400" y="3225800"/>
+              <a:ext cx="508000" cy="508000"/>
+            </a:xfrm>
+            <a:prstGeom prst="line">
+              <a:avLst/>
+            </a:prstGeom>
+            <a:ln>
+              <a:solidFill>
+                <a:srgbClr val="0000FF"/>
+              </a:solidFill>
+            </a:ln>
+          </p:spPr>
+          <p:style>
+            <a:lnRef idx="2">
+              <a:schemeClr val="accent1"/>
+            </a:lnRef>
+            <a:fillRef idx="0">
+              <a:schemeClr val="accent1"/>
+            </a:fillRef>
+            <a:effectRef idx="1">
+              <a:schemeClr val="accent1"/>
+            </a:effectRef>
+            <a:fontRef idx="minor">
+              <a:schemeClr val="tx1"/>
+            </a:fontRef>
+          </p:style>
+        </p:cxnSp>
+        <p:cxnSp>
+          <p:nvCxnSpPr>
+            <p:cNvPr id="79" name="Straight Connector 78"/>
+            <p:cNvCxnSpPr/>
+            <p:nvPr/>
+          </p:nvCxnSpPr>
+          <p:spPr>
+            <a:xfrm flipH="1">
+              <a:off x="1943100" y="3213100"/>
+              <a:ext cx="508000" cy="508000"/>
+            </a:xfrm>
+            <a:prstGeom prst="line">
+              <a:avLst/>
+            </a:prstGeom>
+            <a:ln>
+              <a:solidFill>
+                <a:srgbClr val="0000FF"/>
+              </a:solidFill>
+            </a:ln>
+          </p:spPr>
+          <p:style>
+            <a:lnRef idx="2">
+              <a:schemeClr val="accent1"/>
+            </a:lnRef>
+            <a:fillRef idx="0">
+              <a:schemeClr val="accent1"/>
+            </a:fillRef>
+            <a:effectRef idx="1">
+              <a:schemeClr val="accent1"/>
+            </a:effectRef>
+            <a:fontRef idx="minor">
+              <a:schemeClr val="tx1"/>
+            </a:fontRef>
+          </p:style>
+        </p:cxnSp>
+        <p:cxnSp>
+          <p:nvCxnSpPr>
+            <p:cNvPr id="80" name="Straight Connector 79"/>
+            <p:cNvCxnSpPr/>
+            <p:nvPr/>
+          </p:nvCxnSpPr>
+          <p:spPr>
+            <a:xfrm>
+              <a:off x="2070100" y="2679700"/>
+              <a:ext cx="177800" cy="508000"/>
+            </a:xfrm>
+            <a:prstGeom prst="line">
+              <a:avLst/>
+            </a:prstGeom>
+            <a:ln>
+              <a:solidFill>
+                <a:srgbClr val="0000FF"/>
+              </a:solidFill>
+            </a:ln>
+          </p:spPr>
+          <p:style>
+            <a:lnRef idx="2">
+              <a:schemeClr val="accent1"/>
+            </a:lnRef>
+            <a:fillRef idx="0">
+              <a:schemeClr val="accent1"/>
+            </a:fillRef>
+            <a:effectRef idx="1">
+              <a:schemeClr val="accent1"/>
+            </a:effectRef>
+            <a:fontRef idx="minor">
+              <a:schemeClr val="tx1"/>
+            </a:fontRef>
+          </p:style>
+        </p:cxnSp>
+        <p:cxnSp>
+          <p:nvCxnSpPr>
+            <p:cNvPr id="81" name="Straight Connector 80"/>
+            <p:cNvCxnSpPr/>
+            <p:nvPr/>
+          </p:nvCxnSpPr>
+          <p:spPr>
+            <a:xfrm>
+              <a:off x="2209800" y="2667000"/>
+              <a:ext cx="177800" cy="508000"/>
+            </a:xfrm>
+            <a:prstGeom prst="line">
+              <a:avLst/>
+            </a:prstGeom>
+            <a:ln>
+              <a:solidFill>
+                <a:srgbClr val="0000FF"/>
+              </a:solidFill>
+            </a:ln>
+          </p:spPr>
+          <p:style>
+            <a:lnRef idx="2">
+              <a:schemeClr val="accent1"/>
+            </a:lnRef>
+            <a:fillRef idx="0">
+              <a:schemeClr val="accent1"/>
+            </a:fillRef>
+            <a:effectRef idx="1">
+              <a:schemeClr val="accent1"/>
+            </a:effectRef>
+            <a:fontRef idx="minor">
+              <a:schemeClr val="tx1"/>
+            </a:fontRef>
+          </p:style>
+        </p:cxnSp>
+        <p:cxnSp>
+          <p:nvCxnSpPr>
+            <p:cNvPr id="82" name="Straight Connector 81"/>
+            <p:cNvCxnSpPr/>
+            <p:nvPr/>
+          </p:nvCxnSpPr>
+          <p:spPr>
+            <a:xfrm flipH="1">
+              <a:off x="1879600" y="2667000"/>
+              <a:ext cx="317500" cy="508000"/>
+            </a:xfrm>
+            <a:prstGeom prst="line">
+              <a:avLst/>
+            </a:prstGeom>
+            <a:ln>
+              <a:solidFill>
+                <a:srgbClr val="0000FF"/>
+              </a:solidFill>
+            </a:ln>
+          </p:spPr>
+          <p:style>
+            <a:lnRef idx="2">
+              <a:schemeClr val="accent1"/>
+            </a:lnRef>
+            <a:fillRef idx="0">
+              <a:schemeClr val="accent1"/>
+            </a:fillRef>
+            <a:effectRef idx="1">
+              <a:schemeClr val="accent1"/>
+            </a:effectRef>
+            <a:fontRef idx="minor">
+              <a:schemeClr val="tx1"/>
+            </a:fontRef>
+          </p:style>
+        </p:cxnSp>
+        <p:cxnSp>
+          <p:nvCxnSpPr>
+            <p:cNvPr id="83" name="Straight Connector 82"/>
+            <p:cNvCxnSpPr/>
+            <p:nvPr/>
+          </p:nvCxnSpPr>
+          <p:spPr>
+            <a:xfrm flipH="1">
+              <a:off x="1752600" y="2667000"/>
+              <a:ext cx="317500" cy="508000"/>
+            </a:xfrm>
+            <a:prstGeom prst="line">
+              <a:avLst/>
+            </a:prstGeom>
+            <a:ln>
+              <a:solidFill>
+                <a:srgbClr val="0000FF"/>
+              </a:solidFill>
+            </a:ln>
+          </p:spPr>
+          <p:style>
+            <a:lnRef idx="2">
+              <a:schemeClr val="accent1"/>
+            </a:lnRef>
+            <a:fillRef idx="0">
+              <a:schemeClr val="accent1"/>
+            </a:fillRef>
+            <a:effectRef idx="1">
+              <a:schemeClr val="accent1"/>
+            </a:effectRef>
+            <a:fontRef idx="minor">
+              <a:schemeClr val="tx1"/>
+            </a:fontRef>
+          </p:style>
+        </p:cxnSp>
+      </p:grpSp>
+      <p:grpSp>
+        <p:nvGrpSpPr>
+          <p:cNvPr id="84" name="Group 83"/>
+          <p:cNvGrpSpPr/>
+          <p:nvPr/>
+        </p:nvGrpSpPr>
+        <p:grpSpPr>
+          <a:xfrm>
+            <a:off x="6598860" y="2580838"/>
+            <a:ext cx="1910140" cy="1878231"/>
+            <a:chOff x="1163260" y="2350869"/>
+            <a:chExt cx="1910140" cy="1878231"/>
+          </a:xfrm>
+        </p:grpSpPr>
+        <p:sp>
+          <p:nvSpPr>
+            <p:cNvPr id="85" name="Rectangle 84"/>
+            <p:cNvSpPr/>
+            <p:nvPr/>
+          </p:nvSpPr>
+          <p:spPr>
+            <a:xfrm>
+              <a:off x="1163260" y="2350869"/>
+              <a:ext cx="1910140" cy="1878231"/>
+            </a:xfrm>
+            <a:prstGeom prst="rect">
+              <a:avLst/>
+            </a:prstGeom>
+            <a:noFill/>
+          </p:spPr>
+          <p:style>
+            <a:lnRef idx="1">
+              <a:schemeClr val="accent1"/>
+            </a:lnRef>
+            <a:fillRef idx="3">
+              <a:schemeClr val="accent1"/>
+            </a:fillRef>
+            <a:effectRef idx="2">
+              <a:schemeClr val="accent1"/>
+            </a:effectRef>
+            <a:fontRef idx="minor">
+              <a:schemeClr val="lt1"/>
+            </a:fontRef>
+          </p:style>
+          <p:txBody>
+            <a:bodyPr rtlCol="0" anchor="ctr"/>
+            <a:lstStyle/>
+            <a:p>
+              <a:pPr algn="ctr"/>
+              <a:endParaRPr lang="en-US"/>
+            </a:p>
+          </p:txBody>
+        </p:sp>
+        <p:cxnSp>
+          <p:nvCxnSpPr>
+            <p:cNvPr id="86" name="Straight Connector 85"/>
+            <p:cNvCxnSpPr/>
+            <p:nvPr/>
+          </p:nvCxnSpPr>
+          <p:spPr>
+            <a:xfrm>
+              <a:off x="1823660" y="2667000"/>
+              <a:ext cx="525840" cy="0"/>
+            </a:xfrm>
+            <a:prstGeom prst="line">
+              <a:avLst/>
+            </a:prstGeom>
+            <a:ln w="63500"/>
+          </p:spPr>
+          <p:style>
+            <a:lnRef idx="2">
+              <a:schemeClr val="accent1"/>
+            </a:lnRef>
+            <a:fillRef idx="0">
+              <a:schemeClr val="accent1"/>
+            </a:fillRef>
+            <a:effectRef idx="1">
+              <a:schemeClr val="accent1"/>
+            </a:effectRef>
+            <a:fontRef idx="minor">
+              <a:schemeClr val="tx1"/>
+            </a:fontRef>
+          </p:style>
+        </p:cxnSp>
+        <p:cxnSp>
+          <p:nvCxnSpPr>
+            <p:cNvPr id="87" name="Straight Connector 86"/>
+            <p:cNvCxnSpPr/>
+            <p:nvPr/>
+          </p:nvCxnSpPr>
+          <p:spPr>
+            <a:xfrm>
+              <a:off x="1667933" y="3187700"/>
+              <a:ext cx="905934" cy="0"/>
+            </a:xfrm>
+            <a:prstGeom prst="line">
+              <a:avLst/>
+            </a:prstGeom>
+            <a:ln w="63500"/>
+          </p:spPr>
+          <p:style>
+            <a:lnRef idx="2">
+              <a:schemeClr val="accent1"/>
+            </a:lnRef>
+            <a:fillRef idx="0">
+              <a:schemeClr val="accent1"/>
+            </a:fillRef>
+            <a:effectRef idx="1">
+              <a:schemeClr val="accent1"/>
+            </a:effectRef>
+            <a:fontRef idx="minor">
+              <a:schemeClr val="tx1"/>
+            </a:fontRef>
+          </p:style>
+        </p:cxnSp>
+        <p:cxnSp>
+          <p:nvCxnSpPr>
+            <p:cNvPr id="88" name="Straight Connector 87"/>
+            <p:cNvCxnSpPr/>
+            <p:nvPr/>
+          </p:nvCxnSpPr>
+          <p:spPr>
+            <a:xfrm>
+              <a:off x="1443567" y="3733800"/>
+              <a:ext cx="1320800" cy="0"/>
+            </a:xfrm>
+            <a:prstGeom prst="line">
+              <a:avLst/>
+            </a:prstGeom>
+            <a:ln w="63500"/>
+          </p:spPr>
+          <p:style>
+            <a:lnRef idx="2">
+              <a:schemeClr val="accent1"/>
+            </a:lnRef>
+            <a:fillRef idx="0">
+              <a:schemeClr val="accent1"/>
+            </a:fillRef>
+            <a:effectRef idx="1">
+              <a:schemeClr val="accent1"/>
+            </a:effectRef>
+            <a:fontRef idx="minor">
+              <a:schemeClr val="tx1"/>
+            </a:fontRef>
+          </p:style>
+        </p:cxnSp>
+        <p:cxnSp>
+          <p:nvCxnSpPr>
+            <p:cNvPr id="89" name="Straight Connector 88"/>
+            <p:cNvCxnSpPr/>
+            <p:nvPr/>
+          </p:nvCxnSpPr>
+          <p:spPr>
+            <a:xfrm>
+              <a:off x="1917700" y="2667000"/>
+              <a:ext cx="177800" cy="508000"/>
+            </a:xfrm>
+            <a:prstGeom prst="line">
+              <a:avLst/>
+            </a:prstGeom>
+            <a:ln>
+              <a:solidFill>
+                <a:srgbClr val="0000FF"/>
+              </a:solidFill>
+            </a:ln>
+          </p:spPr>
+          <p:style>
+            <a:lnRef idx="2">
+              <a:schemeClr val="accent1"/>
+            </a:lnRef>
+            <a:fillRef idx="0">
+              <a:schemeClr val="accent1"/>
+            </a:fillRef>
+            <a:effectRef idx="1">
+              <a:schemeClr val="accent1"/>
+            </a:effectRef>
+            <a:fontRef idx="minor">
+              <a:schemeClr val="tx1"/>
+            </a:fontRef>
+          </p:style>
+        </p:cxnSp>
+        <p:cxnSp>
+          <p:nvCxnSpPr>
+            <p:cNvPr id="90" name="Straight Connector 89"/>
+            <p:cNvCxnSpPr/>
+            <p:nvPr/>
+          </p:nvCxnSpPr>
+          <p:spPr>
+            <a:xfrm>
+              <a:off x="1752600" y="3175000"/>
+              <a:ext cx="431800" cy="508000"/>
+            </a:xfrm>
+            <a:prstGeom prst="line">
+              <a:avLst/>
+            </a:prstGeom>
+            <a:ln>
+              <a:solidFill>
+                <a:srgbClr val="0000FF"/>
+              </a:solidFill>
+            </a:ln>
+          </p:spPr>
+          <p:style>
+            <a:lnRef idx="2">
+              <a:schemeClr val="accent1"/>
+            </a:lnRef>
+            <a:fillRef idx="0">
+              <a:schemeClr val="accent1"/>
+            </a:fillRef>
+            <a:effectRef idx="1">
+              <a:schemeClr val="accent1"/>
+            </a:effectRef>
+            <a:fontRef idx="minor">
+              <a:schemeClr val="tx1"/>
+            </a:fontRef>
+          </p:style>
+        </p:cxnSp>
+        <p:cxnSp>
+          <p:nvCxnSpPr>
+            <p:cNvPr id="91" name="Straight Connector 90"/>
+            <p:cNvCxnSpPr/>
+            <p:nvPr/>
+          </p:nvCxnSpPr>
+          <p:spPr>
+            <a:xfrm>
+              <a:off x="1917700" y="3175000"/>
+              <a:ext cx="431800" cy="508000"/>
+            </a:xfrm>
+            <a:prstGeom prst="line">
+              <a:avLst/>
+            </a:prstGeom>
+            <a:ln>
+              <a:solidFill>
+                <a:srgbClr val="0000FF"/>
+              </a:solidFill>
+            </a:ln>
+          </p:spPr>
+          <p:style>
+            <a:lnRef idx="2">
+              <a:schemeClr val="accent1"/>
+            </a:lnRef>
+            <a:fillRef idx="0">
+              <a:schemeClr val="accent1"/>
+            </a:fillRef>
+            <a:effectRef idx="1">
+              <a:schemeClr val="accent1"/>
+            </a:effectRef>
+            <a:fontRef idx="minor">
+              <a:schemeClr val="tx1"/>
+            </a:fontRef>
+          </p:style>
+        </p:cxnSp>
+        <p:cxnSp>
+          <p:nvCxnSpPr>
+            <p:cNvPr id="92" name="Straight Connector 91"/>
+            <p:cNvCxnSpPr/>
+            <p:nvPr/>
+          </p:nvCxnSpPr>
+          <p:spPr>
+            <a:xfrm>
+              <a:off x="2095500" y="3175000"/>
+              <a:ext cx="431800" cy="508000"/>
+            </a:xfrm>
+            <a:prstGeom prst="line">
+              <a:avLst/>
+            </a:prstGeom>
+            <a:ln>
+              <a:solidFill>
+                <a:srgbClr val="0000FF"/>
+              </a:solidFill>
+            </a:ln>
+          </p:spPr>
+          <p:style>
+            <a:lnRef idx="2">
+              <a:schemeClr val="accent1"/>
+            </a:lnRef>
+            <a:fillRef idx="0">
+              <a:schemeClr val="accent1"/>
+            </a:fillRef>
+            <a:effectRef idx="1">
+              <a:schemeClr val="accent1"/>
+            </a:effectRef>
+            <a:fontRef idx="minor">
+              <a:schemeClr val="tx1"/>
+            </a:fontRef>
+          </p:style>
+        </p:cxnSp>
+        <p:cxnSp>
+          <p:nvCxnSpPr>
+            <p:cNvPr id="93" name="Straight Connector 92"/>
+            <p:cNvCxnSpPr/>
+            <p:nvPr/>
+          </p:nvCxnSpPr>
+          <p:spPr>
+            <a:xfrm>
+              <a:off x="2247900" y="3175000"/>
+              <a:ext cx="431800" cy="508000"/>
+            </a:xfrm>
+            <a:prstGeom prst="line">
+              <a:avLst/>
+            </a:prstGeom>
+            <a:ln>
+              <a:solidFill>
+                <a:srgbClr val="0000FF"/>
+              </a:solidFill>
+            </a:ln>
+          </p:spPr>
+          <p:style>
+            <a:lnRef idx="2">
+              <a:schemeClr val="accent1"/>
+            </a:lnRef>
+            <a:fillRef idx="0">
+              <a:schemeClr val="accent1"/>
+            </a:fillRef>
+            <a:effectRef idx="1">
+              <a:schemeClr val="accent1"/>
+            </a:effectRef>
+            <a:fontRef idx="minor">
+              <a:schemeClr val="tx1"/>
+            </a:fontRef>
+          </p:style>
+        </p:cxnSp>
+        <p:cxnSp>
+          <p:nvCxnSpPr>
+            <p:cNvPr id="94" name="Straight Connector 93"/>
+            <p:cNvCxnSpPr/>
+            <p:nvPr/>
+          </p:nvCxnSpPr>
+          <p:spPr>
+            <a:xfrm flipH="1">
+              <a:off x="2032000" y="2667000"/>
+              <a:ext cx="317500" cy="508000"/>
+            </a:xfrm>
+            <a:prstGeom prst="line">
+              <a:avLst/>
+            </a:prstGeom>
+            <a:ln>
+              <a:solidFill>
+                <a:srgbClr val="0000FF"/>
+              </a:solidFill>
+            </a:ln>
+          </p:spPr>
+          <p:style>
+            <a:lnRef idx="2">
+              <a:schemeClr val="accent1"/>
+            </a:lnRef>
+            <a:fillRef idx="0">
+              <a:schemeClr val="accent1"/>
+            </a:fillRef>
+            <a:effectRef idx="1">
+              <a:schemeClr val="accent1"/>
+            </a:effectRef>
+            <a:fontRef idx="minor">
+              <a:schemeClr val="tx1"/>
+            </a:fontRef>
+          </p:style>
+        </p:cxnSp>
+        <p:cxnSp>
+          <p:nvCxnSpPr>
+            <p:cNvPr id="95" name="Straight Connector 94"/>
+            <p:cNvCxnSpPr/>
+            <p:nvPr/>
+          </p:nvCxnSpPr>
+          <p:spPr>
+            <a:xfrm flipH="1">
+              <a:off x="1549400" y="3175000"/>
+              <a:ext cx="508000" cy="508000"/>
+            </a:xfrm>
+            <a:prstGeom prst="line">
+              <a:avLst/>
+            </a:prstGeom>
+            <a:ln>
+              <a:solidFill>
+                <a:srgbClr val="0000FF"/>
+              </a:solidFill>
+            </a:ln>
+          </p:spPr>
+          <p:style>
+            <a:lnRef idx="2">
+              <a:schemeClr val="accent1"/>
+            </a:lnRef>
+            <a:fillRef idx="0">
+              <a:schemeClr val="accent1"/>
+            </a:fillRef>
+            <a:effectRef idx="1">
+              <a:schemeClr val="accent1"/>
+            </a:effectRef>
+            <a:fontRef idx="minor">
+              <a:schemeClr val="tx1"/>
+            </a:fontRef>
+          </p:style>
+        </p:cxnSp>
+        <p:cxnSp>
+          <p:nvCxnSpPr>
+            <p:cNvPr id="96" name="Straight Connector 95"/>
+            <p:cNvCxnSpPr/>
+            <p:nvPr/>
+          </p:nvCxnSpPr>
+          <p:spPr>
+            <a:xfrm flipH="1">
+              <a:off x="1701800" y="3175000"/>
+              <a:ext cx="508000" cy="508000"/>
+            </a:xfrm>
+            <a:prstGeom prst="line">
+              <a:avLst/>
+            </a:prstGeom>
+            <a:ln>
+              <a:solidFill>
+                <a:srgbClr val="0000FF"/>
+              </a:solidFill>
+            </a:ln>
+          </p:spPr>
+          <p:style>
+            <a:lnRef idx="2">
+              <a:schemeClr val="accent1"/>
+            </a:lnRef>
+            <a:fillRef idx="0">
+              <a:schemeClr val="accent1"/>
+            </a:fillRef>
+            <a:effectRef idx="1">
+              <a:schemeClr val="accent1"/>
+            </a:effectRef>
+            <a:fontRef idx="minor">
+              <a:schemeClr val="tx1"/>
+            </a:fontRef>
+          </p:style>
+        </p:cxnSp>
+        <p:cxnSp>
+          <p:nvCxnSpPr>
+            <p:cNvPr id="97" name="Straight Connector 96"/>
+            <p:cNvCxnSpPr/>
+            <p:nvPr/>
+          </p:nvCxnSpPr>
+          <p:spPr>
+            <a:xfrm flipH="1">
+              <a:off x="1803400" y="3225800"/>
+              <a:ext cx="508000" cy="508000"/>
+            </a:xfrm>
+            <a:prstGeom prst="line">
+              <a:avLst/>
+            </a:prstGeom>
+            <a:ln>
+              <a:solidFill>
+                <a:srgbClr val="0000FF"/>
+              </a:solidFill>
+            </a:ln>
+          </p:spPr>
+          <p:style>
+            <a:lnRef idx="2">
+              <a:schemeClr val="accent1"/>
+            </a:lnRef>
+            <a:fillRef idx="0">
+              <a:schemeClr val="accent1"/>
+            </a:fillRef>
+            <a:effectRef idx="1">
+              <a:schemeClr val="accent1"/>
+            </a:effectRef>
+            <a:fontRef idx="minor">
+              <a:schemeClr val="tx1"/>
+            </a:fontRef>
+          </p:style>
+        </p:cxnSp>
+        <p:cxnSp>
+          <p:nvCxnSpPr>
+            <p:cNvPr id="98" name="Straight Connector 97"/>
+            <p:cNvCxnSpPr/>
+            <p:nvPr/>
+          </p:nvCxnSpPr>
+          <p:spPr>
+            <a:xfrm flipH="1">
+              <a:off x="1943100" y="3213100"/>
+              <a:ext cx="508000" cy="508000"/>
+            </a:xfrm>
+            <a:prstGeom prst="line">
+              <a:avLst/>
+            </a:prstGeom>
+            <a:ln>
+              <a:solidFill>
+                <a:srgbClr val="0000FF"/>
+              </a:solidFill>
+            </a:ln>
+          </p:spPr>
+          <p:style>
+            <a:lnRef idx="2">
+              <a:schemeClr val="accent1"/>
+            </a:lnRef>
+            <a:fillRef idx="0">
+              <a:schemeClr val="accent1"/>
+            </a:fillRef>
+            <a:effectRef idx="1">
+              <a:schemeClr val="accent1"/>
+            </a:effectRef>
+            <a:fontRef idx="minor">
+              <a:schemeClr val="tx1"/>
+            </a:fontRef>
+          </p:style>
+        </p:cxnSp>
+        <p:cxnSp>
+          <p:nvCxnSpPr>
+            <p:cNvPr id="99" name="Straight Connector 98"/>
+            <p:cNvCxnSpPr/>
+            <p:nvPr/>
+          </p:nvCxnSpPr>
+          <p:spPr>
+            <a:xfrm>
+              <a:off x="2070100" y="2679700"/>
+              <a:ext cx="177800" cy="508000"/>
+            </a:xfrm>
+            <a:prstGeom prst="line">
+              <a:avLst/>
+            </a:prstGeom>
+            <a:ln>
+              <a:solidFill>
+                <a:srgbClr val="0000FF"/>
+              </a:solidFill>
+            </a:ln>
+          </p:spPr>
+          <p:style>
+            <a:lnRef idx="2">
+              <a:schemeClr val="accent1"/>
+            </a:lnRef>
+            <a:fillRef idx="0">
+              <a:schemeClr val="accent1"/>
+            </a:fillRef>
+            <a:effectRef idx="1">
+              <a:schemeClr val="accent1"/>
+            </a:effectRef>
+            <a:fontRef idx="minor">
+              <a:schemeClr val="tx1"/>
+            </a:fontRef>
+          </p:style>
+        </p:cxnSp>
+        <p:cxnSp>
+          <p:nvCxnSpPr>
+            <p:cNvPr id="100" name="Straight Connector 99"/>
+            <p:cNvCxnSpPr/>
+            <p:nvPr/>
+          </p:nvCxnSpPr>
+          <p:spPr>
+            <a:xfrm>
+              <a:off x="2209800" y="2667000"/>
+              <a:ext cx="177800" cy="508000"/>
+            </a:xfrm>
+            <a:prstGeom prst="line">
+              <a:avLst/>
+            </a:prstGeom>
+            <a:ln>
+              <a:solidFill>
+                <a:srgbClr val="0000FF"/>
+              </a:solidFill>
+            </a:ln>
+          </p:spPr>
+          <p:style>
+            <a:lnRef idx="2">
+              <a:schemeClr val="accent1"/>
+            </a:lnRef>
+            <a:fillRef idx="0">
+              <a:schemeClr val="accent1"/>
+            </a:fillRef>
+            <a:effectRef idx="1">
+              <a:schemeClr val="accent1"/>
+            </a:effectRef>
+            <a:fontRef idx="minor">
+              <a:schemeClr val="tx1"/>
+            </a:fontRef>
+          </p:style>
+        </p:cxnSp>
+        <p:cxnSp>
+          <p:nvCxnSpPr>
+            <p:cNvPr id="101" name="Straight Connector 100"/>
+            <p:cNvCxnSpPr/>
+            <p:nvPr/>
+          </p:nvCxnSpPr>
+          <p:spPr>
+            <a:xfrm flipH="1">
+              <a:off x="1879600" y="2667000"/>
+              <a:ext cx="317500" cy="508000"/>
+            </a:xfrm>
+            <a:prstGeom prst="line">
+              <a:avLst/>
+            </a:prstGeom>
+            <a:ln>
+              <a:solidFill>
+                <a:srgbClr val="0000FF"/>
+              </a:solidFill>
+            </a:ln>
+          </p:spPr>
+          <p:style>
+            <a:lnRef idx="2">
+              <a:schemeClr val="accent1"/>
+            </a:lnRef>
+            <a:fillRef idx="0">
+              <a:schemeClr val="accent1"/>
+            </a:fillRef>
+            <a:effectRef idx="1">
+              <a:schemeClr val="accent1"/>
+            </a:effectRef>
+            <a:fontRef idx="minor">
+              <a:schemeClr val="tx1"/>
+            </a:fontRef>
+          </p:style>
+        </p:cxnSp>
+        <p:cxnSp>
+          <p:nvCxnSpPr>
+            <p:cNvPr id="102" name="Straight Connector 101"/>
+            <p:cNvCxnSpPr/>
+            <p:nvPr/>
+          </p:nvCxnSpPr>
+          <p:spPr>
+            <a:xfrm flipH="1">
+              <a:off x="1752600" y="2667000"/>
+              <a:ext cx="317500" cy="508000"/>
+            </a:xfrm>
+            <a:prstGeom prst="line">
+              <a:avLst/>
+            </a:prstGeom>
+            <a:ln>
+              <a:solidFill>
+                <a:srgbClr val="0000FF"/>
+              </a:solidFill>
+            </a:ln>
+          </p:spPr>
+          <p:style>
+            <a:lnRef idx="2">
+              <a:schemeClr val="accent1"/>
+            </a:lnRef>
+            <a:fillRef idx="0">
+              <a:schemeClr val="accent1"/>
+            </a:fillRef>
+            <a:effectRef idx="1">
+              <a:schemeClr val="accent1"/>
+            </a:effectRef>
+            <a:fontRef idx="minor">
+              <a:schemeClr val="tx1"/>
+            </a:fontRef>
+          </p:style>
+        </p:cxnSp>
+      </p:grpSp>
+      <p:grpSp>
+        <p:nvGrpSpPr>
+          <p:cNvPr id="103" name="Group 102"/>
+          <p:cNvGrpSpPr/>
+          <p:nvPr/>
+        </p:nvGrpSpPr>
+        <p:grpSpPr>
+          <a:xfrm>
+            <a:off x="9204930" y="2606238"/>
+            <a:ext cx="1910140" cy="1878231"/>
+            <a:chOff x="1163260" y="2350869"/>
+            <a:chExt cx="1910140" cy="1878231"/>
+          </a:xfrm>
+        </p:grpSpPr>
+        <p:sp>
+          <p:nvSpPr>
+            <p:cNvPr id="104" name="Rectangle 103"/>
+            <p:cNvSpPr/>
+            <p:nvPr/>
+          </p:nvSpPr>
+          <p:spPr>
+            <a:xfrm>
+              <a:off x="1163260" y="2350869"/>
+              <a:ext cx="1910140" cy="1878231"/>
+            </a:xfrm>
+            <a:prstGeom prst="rect">
+              <a:avLst/>
+            </a:prstGeom>
+            <a:noFill/>
+          </p:spPr>
+          <p:style>
+            <a:lnRef idx="1">
+              <a:schemeClr val="accent1"/>
+            </a:lnRef>
+            <a:fillRef idx="3">
+              <a:schemeClr val="accent1"/>
+            </a:fillRef>
+            <a:effectRef idx="2">
+              <a:schemeClr val="accent1"/>
+            </a:effectRef>
+            <a:fontRef idx="minor">
+              <a:schemeClr val="lt1"/>
+            </a:fontRef>
+          </p:style>
+          <p:txBody>
+            <a:bodyPr rtlCol="0" anchor="ctr"/>
+            <a:lstStyle/>
+            <a:p>
+              <a:pPr algn="ctr"/>
+              <a:endParaRPr lang="en-US"/>
+            </a:p>
+          </p:txBody>
+        </p:sp>
+        <p:cxnSp>
+          <p:nvCxnSpPr>
+            <p:cNvPr id="105" name="Straight Connector 104"/>
+            <p:cNvCxnSpPr/>
+            <p:nvPr/>
+          </p:nvCxnSpPr>
+          <p:spPr>
+            <a:xfrm>
+              <a:off x="1823660" y="2667000"/>
+              <a:ext cx="525840" cy="0"/>
+            </a:xfrm>
+            <a:prstGeom prst="line">
+              <a:avLst/>
+            </a:prstGeom>
+            <a:ln w="63500"/>
+          </p:spPr>
+          <p:style>
+            <a:lnRef idx="2">
+              <a:schemeClr val="accent1"/>
+            </a:lnRef>
+            <a:fillRef idx="0">
+              <a:schemeClr val="accent1"/>
+            </a:fillRef>
+            <a:effectRef idx="1">
+              <a:schemeClr val="accent1"/>
+            </a:effectRef>
+            <a:fontRef idx="minor">
+              <a:schemeClr val="tx1"/>
+            </a:fontRef>
+          </p:style>
+        </p:cxnSp>
+        <p:cxnSp>
+          <p:nvCxnSpPr>
+            <p:cNvPr id="106" name="Straight Connector 105"/>
+            <p:cNvCxnSpPr/>
+            <p:nvPr/>
+          </p:nvCxnSpPr>
+          <p:spPr>
+            <a:xfrm>
+              <a:off x="1667933" y="3187700"/>
+              <a:ext cx="905934" cy="0"/>
+            </a:xfrm>
+            <a:prstGeom prst="line">
+              <a:avLst/>
+            </a:prstGeom>
+            <a:ln w="63500"/>
+          </p:spPr>
+          <p:style>
+            <a:lnRef idx="2">
+              <a:schemeClr val="accent1"/>
+            </a:lnRef>
+            <a:fillRef idx="0">
+              <a:schemeClr val="accent1"/>
+            </a:fillRef>
+            <a:effectRef idx="1">
+              <a:schemeClr val="accent1"/>
+            </a:effectRef>
+            <a:fontRef idx="minor">
+              <a:schemeClr val="tx1"/>
+            </a:fontRef>
+          </p:style>
+        </p:cxnSp>
+        <p:cxnSp>
+          <p:nvCxnSpPr>
+            <p:cNvPr id="107" name="Straight Connector 106"/>
+            <p:cNvCxnSpPr/>
+            <p:nvPr/>
+          </p:nvCxnSpPr>
+          <p:spPr>
+            <a:xfrm>
+              <a:off x="1443567" y="3733800"/>
+              <a:ext cx="1320800" cy="0"/>
+            </a:xfrm>
+            <a:prstGeom prst="line">
+              <a:avLst/>
+            </a:prstGeom>
+            <a:ln w="63500"/>
+          </p:spPr>
+          <p:style>
+            <a:lnRef idx="2">
+              <a:schemeClr val="accent1"/>
+            </a:lnRef>
+            <a:fillRef idx="0">
+              <a:schemeClr val="accent1"/>
+            </a:fillRef>
+            <a:effectRef idx="1">
+              <a:schemeClr val="accent1"/>
+            </a:effectRef>
+            <a:fontRef idx="minor">
+              <a:schemeClr val="tx1"/>
+            </a:fontRef>
+          </p:style>
+        </p:cxnSp>
+        <p:cxnSp>
+          <p:nvCxnSpPr>
+            <p:cNvPr id="108" name="Straight Connector 107"/>
+            <p:cNvCxnSpPr/>
+            <p:nvPr/>
+          </p:nvCxnSpPr>
+          <p:spPr>
+            <a:xfrm>
+              <a:off x="1917700" y="2667000"/>
+              <a:ext cx="177800" cy="508000"/>
+            </a:xfrm>
+            <a:prstGeom prst="line">
+              <a:avLst/>
+            </a:prstGeom>
+            <a:ln>
+              <a:solidFill>
+                <a:srgbClr val="0000FF"/>
+              </a:solidFill>
+            </a:ln>
+          </p:spPr>
+          <p:style>
+            <a:lnRef idx="2">
+              <a:schemeClr val="accent1"/>
+            </a:lnRef>
+            <a:fillRef idx="0">
+              <a:schemeClr val="accent1"/>
+            </a:fillRef>
+            <a:effectRef idx="1">
+              <a:schemeClr val="accent1"/>
+            </a:effectRef>
+            <a:fontRef idx="minor">
+              <a:schemeClr val="tx1"/>
+            </a:fontRef>
+          </p:style>
+        </p:cxnSp>
+        <p:cxnSp>
+          <p:nvCxnSpPr>
+            <p:cNvPr id="109" name="Straight Connector 108"/>
+            <p:cNvCxnSpPr/>
+            <p:nvPr/>
+          </p:nvCxnSpPr>
+          <p:spPr>
+            <a:xfrm>
+              <a:off x="1752600" y="3175000"/>
+              <a:ext cx="431800" cy="508000"/>
+            </a:xfrm>
+            <a:prstGeom prst="line">
+              <a:avLst/>
+            </a:prstGeom>
+            <a:ln>
+              <a:solidFill>
+                <a:srgbClr val="0000FF"/>
+              </a:solidFill>
+            </a:ln>
+          </p:spPr>
+          <p:style>
+            <a:lnRef idx="2">
+              <a:schemeClr val="accent1"/>
+            </a:lnRef>
+            <a:fillRef idx="0">
+              <a:schemeClr val="accent1"/>
+            </a:fillRef>
+            <a:effectRef idx="1">
+              <a:schemeClr val="accent1"/>
+            </a:effectRef>
+            <a:fontRef idx="minor">
+              <a:schemeClr val="tx1"/>
+            </a:fontRef>
+          </p:style>
+        </p:cxnSp>
+        <p:cxnSp>
+          <p:nvCxnSpPr>
+            <p:cNvPr id="110" name="Straight Connector 109"/>
+            <p:cNvCxnSpPr/>
+            <p:nvPr/>
+          </p:nvCxnSpPr>
+          <p:spPr>
+            <a:xfrm>
+              <a:off x="1917700" y="3175000"/>
+              <a:ext cx="431800" cy="508000"/>
+            </a:xfrm>
+            <a:prstGeom prst="line">
+              <a:avLst/>
+            </a:prstGeom>
+            <a:ln>
+              <a:solidFill>
+                <a:srgbClr val="0000FF"/>
+              </a:solidFill>
+            </a:ln>
+          </p:spPr>
+          <p:style>
+            <a:lnRef idx="2">
+              <a:schemeClr val="accent1"/>
+            </a:lnRef>
+            <a:fillRef idx="0">
+              <a:schemeClr val="accent1"/>
+            </a:fillRef>
+            <a:effectRef idx="1">
+              <a:schemeClr val="accent1"/>
+            </a:effectRef>
+            <a:fontRef idx="minor">
+              <a:schemeClr val="tx1"/>
+            </a:fontRef>
+          </p:style>
+        </p:cxnSp>
+        <p:cxnSp>
+          <p:nvCxnSpPr>
+            <p:cNvPr id="111" name="Straight Connector 110"/>
+            <p:cNvCxnSpPr/>
+            <p:nvPr/>
+          </p:nvCxnSpPr>
+          <p:spPr>
+            <a:xfrm>
+              <a:off x="2095500" y="3175000"/>
+              <a:ext cx="431800" cy="508000"/>
+            </a:xfrm>
+            <a:prstGeom prst="line">
+              <a:avLst/>
+            </a:prstGeom>
+            <a:ln>
+              <a:solidFill>
+                <a:srgbClr val="0000FF"/>
+              </a:solidFill>
+            </a:ln>
+          </p:spPr>
+          <p:style>
+            <a:lnRef idx="2">
+              <a:schemeClr val="accent1"/>
+            </a:lnRef>
+            <a:fillRef idx="0">
+              <a:schemeClr val="accent1"/>
+            </a:fillRef>
+            <a:effectRef idx="1">
+              <a:schemeClr val="accent1"/>
+            </a:effectRef>
+            <a:fontRef idx="minor">
+              <a:schemeClr val="tx1"/>
+            </a:fontRef>
+          </p:style>
+        </p:cxnSp>
+        <p:cxnSp>
+          <p:nvCxnSpPr>
+            <p:cNvPr id="112" name="Straight Connector 111"/>
+            <p:cNvCxnSpPr/>
+            <p:nvPr/>
+          </p:nvCxnSpPr>
+          <p:spPr>
+            <a:xfrm>
+              <a:off x="2247900" y="3175000"/>
+              <a:ext cx="431800" cy="508000"/>
+            </a:xfrm>
+            <a:prstGeom prst="line">
+              <a:avLst/>
+            </a:prstGeom>
+            <a:ln>
+              <a:solidFill>
+                <a:srgbClr val="0000FF"/>
+              </a:solidFill>
+            </a:ln>
+          </p:spPr>
+          <p:style>
+            <a:lnRef idx="2">
+              <a:schemeClr val="accent1"/>
+            </a:lnRef>
+            <a:fillRef idx="0">
+              <a:schemeClr val="accent1"/>
+            </a:fillRef>
+            <a:effectRef idx="1">
+              <a:schemeClr val="accent1"/>
+            </a:effectRef>
+            <a:fontRef idx="minor">
+              <a:schemeClr val="tx1"/>
+            </a:fontRef>
+          </p:style>
+        </p:cxnSp>
+        <p:cxnSp>
+          <p:nvCxnSpPr>
+            <p:cNvPr id="113" name="Straight Connector 112"/>
+            <p:cNvCxnSpPr/>
+            <p:nvPr/>
+          </p:nvCxnSpPr>
+          <p:spPr>
+            <a:xfrm flipH="1">
+              <a:off x="2032000" y="2667000"/>
+              <a:ext cx="317500" cy="508000"/>
+            </a:xfrm>
+            <a:prstGeom prst="line">
+              <a:avLst/>
+            </a:prstGeom>
+            <a:ln>
+              <a:solidFill>
+                <a:srgbClr val="0000FF"/>
+              </a:solidFill>
+            </a:ln>
+          </p:spPr>
+          <p:style>
+            <a:lnRef idx="2">
+              <a:schemeClr val="accent1"/>
+            </a:lnRef>
+            <a:fillRef idx="0">
+              <a:schemeClr val="accent1"/>
+            </a:fillRef>
+            <a:effectRef idx="1">
+              <a:schemeClr val="accent1"/>
+            </a:effectRef>
+            <a:fontRef idx="minor">
+              <a:schemeClr val="tx1"/>
+            </a:fontRef>
+          </p:style>
+        </p:cxnSp>
+        <p:cxnSp>
+          <p:nvCxnSpPr>
+            <p:cNvPr id="114" name="Straight Connector 113"/>
+            <p:cNvCxnSpPr/>
+            <p:nvPr/>
+          </p:nvCxnSpPr>
+          <p:spPr>
+            <a:xfrm flipH="1">
+              <a:off x="1549400" y="3175000"/>
+              <a:ext cx="508000" cy="508000"/>
+            </a:xfrm>
+            <a:prstGeom prst="line">
+              <a:avLst/>
+            </a:prstGeom>
+            <a:ln>
+              <a:solidFill>
+                <a:srgbClr val="0000FF"/>
+              </a:solidFill>
+            </a:ln>
+          </p:spPr>
+          <p:style>
+            <a:lnRef idx="2">
+              <a:schemeClr val="accent1"/>
+            </a:lnRef>
+            <a:fillRef idx="0">
+              <a:schemeClr val="accent1"/>
+            </a:fillRef>
+            <a:effectRef idx="1">
+              <a:schemeClr val="accent1"/>
+            </a:effectRef>
+            <a:fontRef idx="minor">
+              <a:schemeClr val="tx1"/>
+            </a:fontRef>
+          </p:style>
+        </p:cxnSp>
+        <p:cxnSp>
+          <p:nvCxnSpPr>
+            <p:cNvPr id="115" name="Straight Connector 114"/>
+            <p:cNvCxnSpPr/>
+            <p:nvPr/>
+          </p:nvCxnSpPr>
+          <p:spPr>
+            <a:xfrm flipH="1">
+              <a:off x="1701800" y="3175000"/>
+              <a:ext cx="508000" cy="508000"/>
+            </a:xfrm>
+            <a:prstGeom prst="line">
+              <a:avLst/>
+            </a:prstGeom>
+            <a:ln>
+              <a:solidFill>
+                <a:srgbClr val="0000FF"/>
+              </a:solidFill>
+            </a:ln>
+          </p:spPr>
+          <p:style>
+            <a:lnRef idx="2">
+              <a:schemeClr val="accent1"/>
+            </a:lnRef>
+            <a:fillRef idx="0">
+              <a:schemeClr val="accent1"/>
+            </a:fillRef>
+            <a:effectRef idx="1">
+              <a:schemeClr val="accent1"/>
+            </a:effectRef>
+            <a:fontRef idx="minor">
+              <a:schemeClr val="tx1"/>
+            </a:fontRef>
+          </p:style>
+        </p:cxnSp>
+        <p:cxnSp>
+          <p:nvCxnSpPr>
+            <p:cNvPr id="116" name="Straight Connector 115"/>
+            <p:cNvCxnSpPr/>
+            <p:nvPr/>
+          </p:nvCxnSpPr>
+          <p:spPr>
+            <a:xfrm flipH="1">
+              <a:off x="1803400" y="3225800"/>
+              <a:ext cx="508000" cy="508000"/>
+            </a:xfrm>
+            <a:prstGeom prst="line">
+              <a:avLst/>
+            </a:prstGeom>
+            <a:ln>
+              <a:solidFill>
+                <a:srgbClr val="0000FF"/>
+              </a:solidFill>
+            </a:ln>
+          </p:spPr>
+          <p:style>
+            <a:lnRef idx="2">
+              <a:schemeClr val="accent1"/>
+            </a:lnRef>
+            <a:fillRef idx="0">
+              <a:schemeClr val="accent1"/>
+            </a:fillRef>
+            <a:effectRef idx="1">
+              <a:schemeClr val="accent1"/>
+            </a:effectRef>
+            <a:fontRef idx="minor">
+              <a:schemeClr val="tx1"/>
+            </a:fontRef>
+          </p:style>
+        </p:cxnSp>
+        <p:cxnSp>
+          <p:nvCxnSpPr>
+            <p:cNvPr id="117" name="Straight Connector 116"/>
+            <p:cNvCxnSpPr/>
+            <p:nvPr/>
+          </p:nvCxnSpPr>
+          <p:spPr>
+            <a:xfrm flipH="1">
+              <a:off x="1943100" y="3213100"/>
+              <a:ext cx="508000" cy="508000"/>
+            </a:xfrm>
+            <a:prstGeom prst="line">
+              <a:avLst/>
+            </a:prstGeom>
+            <a:ln>
+              <a:solidFill>
+                <a:srgbClr val="0000FF"/>
+              </a:solidFill>
+            </a:ln>
+          </p:spPr>
+          <p:style>
+            <a:lnRef idx="2">
+              <a:schemeClr val="accent1"/>
+            </a:lnRef>
+            <a:fillRef idx="0">
+              <a:schemeClr val="accent1"/>
+            </a:fillRef>
+            <a:effectRef idx="1">
+              <a:schemeClr val="accent1"/>
+            </a:effectRef>
+            <a:fontRef idx="minor">
+              <a:schemeClr val="tx1"/>
+            </a:fontRef>
+          </p:style>
+        </p:cxnSp>
+        <p:cxnSp>
+          <p:nvCxnSpPr>
+            <p:cNvPr id="118" name="Straight Connector 117"/>
+            <p:cNvCxnSpPr/>
+            <p:nvPr/>
+          </p:nvCxnSpPr>
+          <p:spPr>
+            <a:xfrm>
+              <a:off x="2070100" y="2679700"/>
+              <a:ext cx="177800" cy="508000"/>
+            </a:xfrm>
+            <a:prstGeom prst="line">
+              <a:avLst/>
+            </a:prstGeom>
+            <a:ln>
+              <a:solidFill>
+                <a:srgbClr val="0000FF"/>
+              </a:solidFill>
+            </a:ln>
+          </p:spPr>
+          <p:style>
+            <a:lnRef idx="2">
+              <a:schemeClr val="accent1"/>
+            </a:lnRef>
+            <a:fillRef idx="0">
+              <a:schemeClr val="accent1"/>
+            </a:fillRef>
+            <a:effectRef idx="1">
+              <a:schemeClr val="accent1"/>
+            </a:effectRef>
+            <a:fontRef idx="minor">
+              <a:schemeClr val="tx1"/>
+            </a:fontRef>
+          </p:style>
+        </p:cxnSp>
+        <p:cxnSp>
+          <p:nvCxnSpPr>
+            <p:cNvPr id="119" name="Straight Connector 118"/>
+            <p:cNvCxnSpPr/>
+            <p:nvPr/>
+          </p:nvCxnSpPr>
+          <p:spPr>
+            <a:xfrm>
+              <a:off x="2209800" y="2667000"/>
+              <a:ext cx="177800" cy="508000"/>
+            </a:xfrm>
+            <a:prstGeom prst="line">
+              <a:avLst/>
+            </a:prstGeom>
+            <a:ln>
+              <a:solidFill>
+                <a:srgbClr val="0000FF"/>
+              </a:solidFill>
+            </a:ln>
+          </p:spPr>
+          <p:style>
+            <a:lnRef idx="2">
+              <a:schemeClr val="accent1"/>
+            </a:lnRef>
+            <a:fillRef idx="0">
+              <a:schemeClr val="accent1"/>
+            </a:fillRef>
+            <a:effectRef idx="1">
+              <a:schemeClr val="accent1"/>
+            </a:effectRef>
+            <a:fontRef idx="minor">
+              <a:schemeClr val="tx1"/>
+            </a:fontRef>
+          </p:style>
+        </p:cxnSp>
+        <p:cxnSp>
+          <p:nvCxnSpPr>
+            <p:cNvPr id="120" name="Straight Connector 119"/>
+            <p:cNvCxnSpPr/>
+            <p:nvPr/>
+          </p:nvCxnSpPr>
+          <p:spPr>
+            <a:xfrm flipH="1">
+              <a:off x="1879600" y="2667000"/>
+              <a:ext cx="317500" cy="508000"/>
+            </a:xfrm>
+            <a:prstGeom prst="line">
+              <a:avLst/>
+            </a:prstGeom>
+            <a:ln>
+              <a:solidFill>
+                <a:srgbClr val="0000FF"/>
+              </a:solidFill>
+            </a:ln>
+          </p:spPr>
+          <p:style>
+            <a:lnRef idx="2">
+              <a:schemeClr val="accent1"/>
+            </a:lnRef>
+            <a:fillRef idx="0">
+              <a:schemeClr val="accent1"/>
+            </a:fillRef>
+            <a:effectRef idx="1">
+              <a:schemeClr val="accent1"/>
+            </a:effectRef>
+            <a:fontRef idx="minor">
+              <a:schemeClr val="tx1"/>
+            </a:fontRef>
+          </p:style>
+        </p:cxnSp>
+        <p:cxnSp>
+          <p:nvCxnSpPr>
+            <p:cNvPr id="121" name="Straight Connector 120"/>
+            <p:cNvCxnSpPr/>
+            <p:nvPr/>
+          </p:nvCxnSpPr>
+          <p:spPr>
+            <a:xfrm flipH="1">
+              <a:off x="1752600" y="2667000"/>
+              <a:ext cx="317500" cy="508000"/>
+            </a:xfrm>
+            <a:prstGeom prst="line">
+              <a:avLst/>
+            </a:prstGeom>
+            <a:ln>
+              <a:solidFill>
+                <a:srgbClr val="0000FF"/>
+              </a:solidFill>
+            </a:ln>
+          </p:spPr>
+          <p:style>
+            <a:lnRef idx="2">
+              <a:schemeClr val="accent1"/>
+            </a:lnRef>
+            <a:fillRef idx="0">
+              <a:schemeClr val="accent1"/>
+            </a:fillRef>
+            <a:effectRef idx="1">
+              <a:schemeClr val="accent1"/>
+            </a:effectRef>
+            <a:fontRef idx="minor">
+              <a:schemeClr val="tx1"/>
+            </a:fontRef>
+          </p:style>
+        </p:cxnSp>
+      </p:grpSp>
+      <p:sp>
+        <p:nvSpPr>
+          <p:cNvPr id="122" name="TextBox 121"/>
+          <p:cNvSpPr txBox="1"/>
+          <p:nvPr/>
+        </p:nvSpPr>
+        <p:spPr>
+          <a:xfrm>
+            <a:off x="540756" y="2119173"/>
+            <a:ext cx="1586191" cy="461665"/>
+          </a:xfrm>
+          <a:prstGeom prst="rect">
+            <a:avLst/>
+          </a:prstGeom>
+          <a:noFill/>
+        </p:spPr>
+        <p:txBody>
+          <a:bodyPr wrap="none" rtlCol="0">
+            <a:spAutoFit/>
+          </a:bodyPr>
+          <a:lstStyle/>
+          <a:p>
+            <a:r>
+              <a:rPr lang="zh-CN" altLang="en-US" sz="2400" dirty="0" smtClean="0"/>
+              <a:t>模型拷贝</a:t>
+            </a:r>
+            <a:r>
+              <a:rPr lang="en-US" altLang="zh-CN" sz="2400" dirty="0" smtClean="0"/>
+              <a:t>1</a:t>
+            </a:r>
+            <a:endParaRPr lang="en-US" sz="2400" dirty="0"/>
+          </a:p>
+        </p:txBody>
+      </p:sp>
+      <p:sp>
+        <p:nvSpPr>
+          <p:cNvPr id="123" name="TextBox 122"/>
+          <p:cNvSpPr txBox="1"/>
+          <p:nvPr/>
+        </p:nvSpPr>
+        <p:spPr>
+          <a:xfrm>
+            <a:off x="3145769" y="2119173"/>
+            <a:ext cx="1569660" cy="461665"/>
+          </a:xfrm>
+          <a:prstGeom prst="rect">
+            <a:avLst/>
+          </a:prstGeom>
+          <a:noFill/>
+        </p:spPr>
+        <p:txBody>
+          <a:bodyPr wrap="none" rtlCol="0">
+            <a:spAutoFit/>
+          </a:bodyPr>
+          <a:lstStyle/>
+          <a:p>
+            <a:r>
+              <a:rPr lang="zh-CN" altLang="en-US" sz="2400" dirty="0" smtClean="0"/>
+              <a:t>模型拷贝</a:t>
+            </a:r>
+            <a:r>
+              <a:rPr lang="zh-CN" altLang="zh-CN" sz="2400" dirty="0"/>
+              <a:t>2</a:t>
+            </a:r>
+            <a:endParaRPr lang="en-US" sz="2400" dirty="0"/>
+          </a:p>
+        </p:txBody>
+      </p:sp>
+      <p:sp>
+        <p:nvSpPr>
+          <p:cNvPr id="124" name="TextBox 123"/>
+          <p:cNvSpPr txBox="1"/>
+          <p:nvPr/>
+        </p:nvSpPr>
+        <p:spPr>
+          <a:xfrm>
+            <a:off x="6024033" y="2117446"/>
+            <a:ext cx="1569660" cy="461665"/>
+          </a:xfrm>
+          <a:prstGeom prst="rect">
+            <a:avLst/>
+          </a:prstGeom>
+          <a:noFill/>
+        </p:spPr>
+        <p:txBody>
+          <a:bodyPr wrap="none" rtlCol="0">
+            <a:spAutoFit/>
+          </a:bodyPr>
+          <a:lstStyle/>
+          <a:p>
+            <a:r>
+              <a:rPr lang="zh-CN" altLang="en-US" sz="2400" dirty="0" smtClean="0"/>
+              <a:t>模型拷贝</a:t>
+            </a:r>
+            <a:r>
+              <a:rPr lang="zh-CN" altLang="zh-CN" sz="2400" dirty="0"/>
+              <a:t>3</a:t>
+            </a:r>
+            <a:endParaRPr lang="en-US" sz="2400" dirty="0"/>
+          </a:p>
+        </p:txBody>
+      </p:sp>
+      <p:sp>
+        <p:nvSpPr>
+          <p:cNvPr id="125" name="TextBox 124"/>
+          <p:cNvSpPr txBox="1"/>
+          <p:nvPr/>
+        </p:nvSpPr>
+        <p:spPr>
+          <a:xfrm>
+            <a:off x="8692141" y="2119173"/>
+            <a:ext cx="1569660" cy="461665"/>
+          </a:xfrm>
+          <a:prstGeom prst="rect">
+            <a:avLst/>
+          </a:prstGeom>
+          <a:noFill/>
+        </p:spPr>
+        <p:txBody>
+          <a:bodyPr wrap="none" rtlCol="0">
+            <a:spAutoFit/>
+          </a:bodyPr>
+          <a:lstStyle/>
+          <a:p>
+            <a:r>
+              <a:rPr lang="zh-CN" altLang="en-US" sz="2400" dirty="0" smtClean="0"/>
+              <a:t>模型拷贝</a:t>
+            </a:r>
+            <a:r>
+              <a:rPr lang="zh-CN" altLang="zh-CN" sz="2400" dirty="0"/>
+              <a:t>4</a:t>
+            </a:r>
+            <a:endParaRPr lang="en-US" sz="2400" dirty="0"/>
+          </a:p>
+        </p:txBody>
+      </p:sp>
+      <p:sp>
+        <p:nvSpPr>
+          <p:cNvPr id="126" name="TextBox 125"/>
+          <p:cNvSpPr txBox="1"/>
+          <p:nvPr/>
+        </p:nvSpPr>
+        <p:spPr>
+          <a:xfrm>
+            <a:off x="6823214" y="179169"/>
+            <a:ext cx="1415772" cy="461665"/>
+          </a:xfrm>
+          <a:prstGeom prst="rect">
+            <a:avLst/>
+          </a:prstGeom>
+          <a:noFill/>
+        </p:spPr>
+        <p:txBody>
+          <a:bodyPr wrap="none" rtlCol="0">
+            <a:spAutoFit/>
+          </a:bodyPr>
+          <a:lstStyle/>
+          <a:p>
+            <a:r>
+              <a:rPr lang="zh-CN" altLang="en-US" sz="2400" dirty="0" smtClean="0"/>
+              <a:t>共享模型</a:t>
+            </a:r>
+            <a:endParaRPr lang="en-US" sz="2400" dirty="0"/>
+          </a:p>
+        </p:txBody>
+      </p:sp>
+      <p:cxnSp>
+        <p:nvCxnSpPr>
+          <p:cNvPr id="130" name="Straight Arrow Connector 129"/>
+          <p:cNvCxnSpPr/>
+          <p:nvPr/>
+        </p:nvCxnSpPr>
+        <p:spPr>
+          <a:xfrm flipV="1">
+            <a:off x="1893207" y="4484469"/>
+            <a:ext cx="0" cy="874931"/>
+          </a:xfrm>
+          <a:prstGeom prst="straightConnector1">
+            <a:avLst/>
+          </a:prstGeom>
+          <a:ln>
+            <a:tailEnd type="arrow"/>
+          </a:ln>
+        </p:spPr>
+        <p:style>
+          <a:lnRef idx="3">
+            <a:schemeClr val="accent5"/>
+          </a:lnRef>
+          <a:fillRef idx="0">
+            <a:schemeClr val="accent5"/>
+          </a:fillRef>
+          <a:effectRef idx="2">
+            <a:schemeClr val="accent5"/>
+          </a:effectRef>
+          <a:fontRef idx="minor">
+            <a:schemeClr val="tx1"/>
+          </a:fontRef>
+        </p:style>
+      </p:cxnSp>
+      <p:cxnSp>
+        <p:nvCxnSpPr>
+          <p:cNvPr id="131" name="Straight Arrow Connector 130"/>
+          <p:cNvCxnSpPr/>
+          <p:nvPr/>
+        </p:nvCxnSpPr>
+        <p:spPr>
+          <a:xfrm flipV="1">
+            <a:off x="4890407" y="4484469"/>
+            <a:ext cx="0" cy="874931"/>
+          </a:xfrm>
+          <a:prstGeom prst="straightConnector1">
+            <a:avLst/>
+          </a:prstGeom>
+          <a:ln>
+            <a:tailEnd type="arrow"/>
+          </a:ln>
+        </p:spPr>
+        <p:style>
+          <a:lnRef idx="3">
+            <a:schemeClr val="accent5"/>
+          </a:lnRef>
+          <a:fillRef idx="0">
+            <a:schemeClr val="accent5"/>
+          </a:fillRef>
+          <a:effectRef idx="2">
+            <a:schemeClr val="accent5"/>
+          </a:effectRef>
+          <a:fontRef idx="minor">
+            <a:schemeClr val="tx1"/>
+          </a:fontRef>
+        </p:style>
+      </p:cxnSp>
+      <p:cxnSp>
+        <p:nvCxnSpPr>
+          <p:cNvPr id="132" name="Straight Arrow Connector 131"/>
+          <p:cNvCxnSpPr/>
+          <p:nvPr/>
+        </p:nvCxnSpPr>
+        <p:spPr>
+          <a:xfrm flipV="1">
+            <a:off x="7556500" y="4459069"/>
+            <a:ext cx="0" cy="874931"/>
+          </a:xfrm>
+          <a:prstGeom prst="straightConnector1">
+            <a:avLst/>
+          </a:prstGeom>
+          <a:ln>
+            <a:tailEnd type="arrow"/>
+          </a:ln>
+        </p:spPr>
+        <p:style>
+          <a:lnRef idx="3">
+            <a:schemeClr val="accent5"/>
+          </a:lnRef>
+          <a:fillRef idx="0">
+            <a:schemeClr val="accent5"/>
+          </a:fillRef>
+          <a:effectRef idx="2">
+            <a:schemeClr val="accent5"/>
+          </a:effectRef>
+          <a:fontRef idx="minor">
+            <a:schemeClr val="tx1"/>
+          </a:fontRef>
+        </p:style>
+      </p:cxnSp>
+      <p:cxnSp>
+        <p:nvCxnSpPr>
+          <p:cNvPr id="133" name="Straight Arrow Connector 132"/>
+          <p:cNvCxnSpPr/>
+          <p:nvPr/>
+        </p:nvCxnSpPr>
+        <p:spPr>
+          <a:xfrm flipV="1">
+            <a:off x="9947577" y="4459069"/>
+            <a:ext cx="0" cy="874931"/>
+          </a:xfrm>
+          <a:prstGeom prst="straightConnector1">
+            <a:avLst/>
+          </a:prstGeom>
+          <a:ln>
+            <a:tailEnd type="arrow"/>
+          </a:ln>
+        </p:spPr>
+        <p:style>
+          <a:lnRef idx="3">
+            <a:schemeClr val="accent5"/>
+          </a:lnRef>
+          <a:fillRef idx="0">
+            <a:schemeClr val="accent5"/>
+          </a:fillRef>
+          <a:effectRef idx="2">
+            <a:schemeClr val="accent5"/>
+          </a:effectRef>
+          <a:fontRef idx="minor">
+            <a:schemeClr val="tx1"/>
+          </a:fontRef>
+        </p:style>
+      </p:cxnSp>
+      <p:sp>
+        <p:nvSpPr>
+          <p:cNvPr id="134" name="TextBox 133"/>
+          <p:cNvSpPr txBox="1"/>
+          <p:nvPr/>
+        </p:nvSpPr>
+        <p:spPr>
+          <a:xfrm>
+            <a:off x="4371195" y="4696767"/>
+            <a:ext cx="1415772" cy="461665"/>
+          </a:xfrm>
+          <a:prstGeom prst="rect">
+            <a:avLst/>
+          </a:prstGeom>
+          <a:noFill/>
+        </p:spPr>
+        <p:txBody>
+          <a:bodyPr wrap="none" rtlCol="0">
+            <a:spAutoFit/>
+          </a:bodyPr>
+          <a:lstStyle/>
+          <a:p>
+            <a:r>
+              <a:rPr lang="zh-CN" altLang="en-US" sz="2400" dirty="0" smtClean="0"/>
+              <a:t>数据读取</a:t>
+            </a:r>
+            <a:endParaRPr lang="en-US" sz="2400" dirty="0"/>
+          </a:p>
+        </p:txBody>
+      </p:sp>
+      <p:cxnSp>
+        <p:nvCxnSpPr>
+          <p:cNvPr id="136" name="Straight Arrow Connector 135"/>
+          <p:cNvCxnSpPr>
+            <a:stCxn id="47" idx="1"/>
+            <a:endCxn id="8" idx="0"/>
+          </p:cNvCxnSpPr>
+          <p:nvPr/>
+        </p:nvCxnSpPr>
+        <p:spPr>
+          <a:xfrm flipH="1">
+            <a:off x="1916037" y="1118285"/>
+            <a:ext cx="2815923" cy="1473884"/>
+          </a:xfrm>
+          <a:prstGeom prst="straightConnector1">
+            <a:avLst/>
+          </a:prstGeom>
+          <a:ln>
+            <a:headEnd type="arrow"/>
+            <a:tailEnd type="arrow"/>
+          </a:ln>
+        </p:spPr>
+        <p:style>
+          <a:lnRef idx="3">
+            <a:schemeClr val="accent3"/>
+          </a:lnRef>
+          <a:fillRef idx="0">
+            <a:schemeClr val="accent3"/>
+          </a:fillRef>
+          <a:effectRef idx="2">
+            <a:schemeClr val="accent3"/>
+          </a:effectRef>
+          <a:fontRef idx="minor">
+            <a:schemeClr val="tx1"/>
+          </a:fontRef>
+        </p:style>
+      </p:cxnSp>
+      <p:cxnSp>
+        <p:nvCxnSpPr>
+          <p:cNvPr id="138" name="Straight Arrow Connector 137"/>
+          <p:cNvCxnSpPr>
+            <a:stCxn id="47" idx="2"/>
+            <a:endCxn id="66" idx="0"/>
+          </p:cNvCxnSpPr>
+          <p:nvPr/>
+        </p:nvCxnSpPr>
+        <p:spPr>
+          <a:xfrm flipH="1">
+            <a:off x="4861530" y="2057400"/>
+            <a:ext cx="825500" cy="534769"/>
+          </a:xfrm>
+          <a:prstGeom prst="straightConnector1">
+            <a:avLst/>
+          </a:prstGeom>
+          <a:ln>
+            <a:headEnd type="arrow"/>
+            <a:tailEnd type="arrow"/>
+          </a:ln>
+        </p:spPr>
+        <p:style>
+          <a:lnRef idx="3">
+            <a:schemeClr val="accent3"/>
+          </a:lnRef>
+          <a:fillRef idx="0">
+            <a:schemeClr val="accent3"/>
+          </a:fillRef>
+          <a:effectRef idx="2">
+            <a:schemeClr val="accent3"/>
+          </a:effectRef>
+          <a:fontRef idx="minor">
+            <a:schemeClr val="tx1"/>
+          </a:fontRef>
+        </p:style>
+      </p:cxnSp>
+      <p:cxnSp>
+        <p:nvCxnSpPr>
+          <p:cNvPr id="140" name="Straight Arrow Connector 139"/>
+          <p:cNvCxnSpPr>
+            <a:stCxn id="47" idx="2"/>
+            <a:endCxn id="85" idx="0"/>
+          </p:cNvCxnSpPr>
+          <p:nvPr/>
+        </p:nvCxnSpPr>
+        <p:spPr>
+          <a:xfrm>
+            <a:off x="5687030" y="2057400"/>
+            <a:ext cx="1866900" cy="523438"/>
+          </a:xfrm>
+          <a:prstGeom prst="straightConnector1">
+            <a:avLst/>
+          </a:prstGeom>
+          <a:ln>
+            <a:tailEnd type="arrow"/>
+          </a:ln>
+        </p:spPr>
+        <p:style>
+          <a:lnRef idx="3">
+            <a:schemeClr val="accent3"/>
+          </a:lnRef>
+          <a:fillRef idx="0">
+            <a:schemeClr val="accent3"/>
+          </a:fillRef>
+          <a:effectRef idx="2">
+            <a:schemeClr val="accent3"/>
+          </a:effectRef>
+          <a:fontRef idx="minor">
+            <a:schemeClr val="tx1"/>
+          </a:fontRef>
+        </p:style>
+      </p:cxnSp>
+      <p:cxnSp>
+        <p:nvCxnSpPr>
+          <p:cNvPr id="142" name="Straight Arrow Connector 141"/>
+          <p:cNvCxnSpPr>
+            <a:stCxn id="47" idx="3"/>
+            <a:endCxn id="104" idx="0"/>
+          </p:cNvCxnSpPr>
+          <p:nvPr/>
+        </p:nvCxnSpPr>
+        <p:spPr>
+          <a:xfrm>
+            <a:off x="6642100" y="1118285"/>
+            <a:ext cx="3517900" cy="1487953"/>
+          </a:xfrm>
+          <a:prstGeom prst="straightConnector1">
+            <a:avLst/>
+          </a:prstGeom>
+          <a:ln>
+            <a:headEnd type="arrow"/>
+            <a:tailEnd type="arrow"/>
+          </a:ln>
+        </p:spPr>
+        <p:style>
+          <a:lnRef idx="3">
+            <a:schemeClr val="accent3"/>
+          </a:lnRef>
+          <a:fillRef idx="0">
+            <a:schemeClr val="accent3"/>
+          </a:fillRef>
+          <a:effectRef idx="2">
+            <a:schemeClr val="accent3"/>
+          </a:effectRef>
+          <a:fontRef idx="minor">
+            <a:schemeClr val="tx1"/>
+          </a:fontRef>
+        </p:style>
+      </p:cxnSp>
+    </p:spTree>
+    <p:extLst>
+      <p:ext uri="{BB962C8B-B14F-4D97-AF65-F5344CB8AC3E}">
+        <p14:creationId xmlns:p14="http://schemas.microsoft.com/office/powerpoint/2010/main" val="3179719714"/>
+      </p:ext>
+    </p:extLst>
+  </p:cSld>
+  <p:clrMapOvr>
+    <a:masterClrMapping/>
+  </p:clrMapOvr>
+</p:sld>
+</file>
+
+<file path=ppt/slides/slide5.xml><?xml version="1.0" encoding="utf-8"?>
+<p:sld xmlns:a="http://schemas.openxmlformats.org/drawingml/2006/main" xmlns:r="http://schemas.openxmlformats.org/officeDocument/2006/relationships" xmlns:p="http://schemas.openxmlformats.org/presentationml/2006/main">
+  <p:cSld>
+    <p:spTree>
+      <p:nvGrpSpPr>
+        <p:cNvPr id="1" name=""/>
+        <p:cNvGrpSpPr/>
+        <p:nvPr/>
+      </p:nvGrpSpPr>
+      <p:grpSpPr>
+        <a:xfrm>
+          <a:off x="0" y="0"/>
+          <a:ext cx="0" cy="0"/>
+          <a:chOff x="0" y="0"/>
+          <a:chExt cx="0" cy="0"/>
+        </a:xfrm>
+      </p:grpSpPr>
+      <p:cxnSp>
+        <p:nvCxnSpPr>
+          <p:cNvPr id="3" name="Straight Arrow Connector 2"/>
+          <p:cNvCxnSpPr/>
+          <p:nvPr/>
+        </p:nvCxnSpPr>
+        <p:spPr>
+          <a:xfrm>
+            <a:off x="1270000" y="5359400"/>
+            <a:ext cx="8890000" cy="0"/>
+          </a:xfrm>
+          <a:prstGeom prst="straightConnector1">
+            <a:avLst/>
+          </a:prstGeom>
+          <a:ln w="63500">
+            <a:tailEnd type="arrow"/>
+          </a:ln>
+        </p:spPr>
+        <p:style>
+          <a:lnRef idx="2">
+            <a:schemeClr val="accent1"/>
+          </a:lnRef>
+          <a:fillRef idx="0">
+            <a:schemeClr val="accent1"/>
+          </a:fillRef>
+          <a:effectRef idx="1">
+            <a:schemeClr val="accent1"/>
+          </a:effectRef>
+          <a:fontRef idx="minor">
+            <a:schemeClr val="tx1"/>
+          </a:fontRef>
+        </p:style>
+      </p:cxnSp>
+      <p:cxnSp>
+        <p:nvCxnSpPr>
+          <p:cNvPr id="5" name="Straight Arrow Connector 4"/>
+          <p:cNvCxnSpPr/>
+          <p:nvPr/>
+        </p:nvCxnSpPr>
+        <p:spPr>
+          <a:xfrm>
+            <a:off x="1270000" y="5778500"/>
+            <a:ext cx="8890000" cy="0"/>
+          </a:xfrm>
+          <a:prstGeom prst="straightConnector1">
+            <a:avLst/>
+          </a:prstGeom>
+          <a:ln w="63500">
+            <a:tailEnd type="arrow"/>
+          </a:ln>
+        </p:spPr>
+        <p:style>
+          <a:lnRef idx="2">
+            <a:schemeClr val="accent1"/>
+          </a:lnRef>
+          <a:fillRef idx="0">
+            <a:schemeClr val="accent1"/>
+          </a:fillRef>
+          <a:effectRef idx="1">
+            <a:schemeClr val="accent1"/>
+          </a:effectRef>
+          <a:fontRef idx="minor">
+            <a:schemeClr val="tx1"/>
+          </a:fontRef>
+        </p:style>
+      </p:cxnSp>
+      <p:sp>
+        <p:nvSpPr>
+          <p:cNvPr id="6" name="TextBox 5"/>
+          <p:cNvSpPr txBox="1"/>
+          <p:nvPr/>
+        </p:nvSpPr>
+        <p:spPr>
+          <a:xfrm>
+            <a:off x="359483" y="5995769"/>
+            <a:ext cx="1107996" cy="461665"/>
+          </a:xfrm>
+          <a:prstGeom prst="rect">
+            <a:avLst/>
+          </a:prstGeom>
+          <a:noFill/>
+        </p:spPr>
+        <p:txBody>
+          <a:bodyPr wrap="none" rtlCol="0">
+            <a:spAutoFit/>
+          </a:bodyPr>
+          <a:lstStyle/>
+          <a:p>
+            <a:r>
+              <a:rPr lang="zh-CN" altLang="en-US" sz="2400" dirty="0" smtClean="0"/>
+              <a:t>数据流</a:t>
+            </a:r>
+            <a:endParaRPr lang="en-US" sz="2800" dirty="0"/>
+          </a:p>
+        </p:txBody>
+      </p:sp>
+      <p:grpSp>
+        <p:nvGrpSpPr>
+          <p:cNvPr id="46" name="Group 45"/>
+          <p:cNvGrpSpPr/>
+          <p:nvPr/>
+        </p:nvGrpSpPr>
+        <p:grpSpPr>
+          <a:xfrm>
+            <a:off x="4731960" y="179169"/>
+            <a:ext cx="1910140" cy="1878231"/>
+            <a:chOff x="1163260" y="2350869"/>
+            <a:chExt cx="1910140" cy="1878231"/>
+          </a:xfrm>
+        </p:grpSpPr>
+        <p:sp>
+          <p:nvSpPr>
+            <p:cNvPr id="47" name="Rectangle 46"/>
+            <p:cNvSpPr/>
+            <p:nvPr/>
+          </p:nvSpPr>
+          <p:spPr>
+            <a:xfrm>
+              <a:off x="1163260" y="2350869"/>
+              <a:ext cx="1910140" cy="1878231"/>
+            </a:xfrm>
+            <a:prstGeom prst="rect">
+              <a:avLst/>
+            </a:prstGeom>
+            <a:noFill/>
+          </p:spPr>
+          <p:style>
+            <a:lnRef idx="1">
+              <a:schemeClr val="accent1"/>
+            </a:lnRef>
+            <a:fillRef idx="3">
+              <a:schemeClr val="accent1"/>
+            </a:fillRef>
+            <a:effectRef idx="2">
+              <a:schemeClr val="accent1"/>
+            </a:effectRef>
+            <a:fontRef idx="minor">
+              <a:schemeClr val="lt1"/>
+            </a:fontRef>
+          </p:style>
+          <p:txBody>
+            <a:bodyPr rtlCol="0" anchor="ctr"/>
+            <a:lstStyle/>
+            <a:p>
+              <a:pPr algn="ctr"/>
+              <a:endParaRPr lang="en-US"/>
+            </a:p>
+          </p:txBody>
+        </p:sp>
+        <p:cxnSp>
+          <p:nvCxnSpPr>
+            <p:cNvPr id="48" name="Straight Connector 47"/>
+            <p:cNvCxnSpPr/>
+            <p:nvPr/>
+          </p:nvCxnSpPr>
+          <p:spPr>
+            <a:xfrm>
+              <a:off x="1823660" y="2667000"/>
+              <a:ext cx="525840" cy="0"/>
+            </a:xfrm>
+            <a:prstGeom prst="line">
+              <a:avLst/>
+            </a:prstGeom>
+            <a:ln w="63500"/>
+          </p:spPr>
+          <p:style>
+            <a:lnRef idx="2">
+              <a:schemeClr val="accent1"/>
+            </a:lnRef>
+            <a:fillRef idx="0">
+              <a:schemeClr val="accent1"/>
+            </a:fillRef>
+            <a:effectRef idx="1">
+              <a:schemeClr val="accent1"/>
+            </a:effectRef>
+            <a:fontRef idx="minor">
+              <a:schemeClr val="tx1"/>
+            </a:fontRef>
+          </p:style>
+        </p:cxnSp>
+        <p:cxnSp>
+          <p:nvCxnSpPr>
+            <p:cNvPr id="49" name="Straight Connector 48"/>
+            <p:cNvCxnSpPr/>
+            <p:nvPr/>
+          </p:nvCxnSpPr>
+          <p:spPr>
+            <a:xfrm>
+              <a:off x="1667933" y="3187700"/>
+              <a:ext cx="905934" cy="0"/>
+            </a:xfrm>
+            <a:prstGeom prst="line">
+              <a:avLst/>
+            </a:prstGeom>
+            <a:ln w="63500"/>
+          </p:spPr>
+          <p:style>
+            <a:lnRef idx="2">
+              <a:schemeClr val="accent1"/>
+            </a:lnRef>
+            <a:fillRef idx="0">
+              <a:schemeClr val="accent1"/>
+            </a:fillRef>
+            <a:effectRef idx="1">
+              <a:schemeClr val="accent1"/>
+            </a:effectRef>
+            <a:fontRef idx="minor">
+              <a:schemeClr val="tx1"/>
+            </a:fontRef>
+          </p:style>
+        </p:cxnSp>
+        <p:cxnSp>
+          <p:nvCxnSpPr>
+            <p:cNvPr id="50" name="Straight Connector 49"/>
+            <p:cNvCxnSpPr/>
+            <p:nvPr/>
+          </p:nvCxnSpPr>
+          <p:spPr>
+            <a:xfrm>
+              <a:off x="1443567" y="3733800"/>
+              <a:ext cx="1320800" cy="0"/>
+            </a:xfrm>
+            <a:prstGeom prst="line">
+              <a:avLst/>
+            </a:prstGeom>
+            <a:ln w="63500"/>
+          </p:spPr>
+          <p:style>
+            <a:lnRef idx="2">
+              <a:schemeClr val="accent1"/>
+            </a:lnRef>
+            <a:fillRef idx="0">
+              <a:schemeClr val="accent1"/>
+            </a:fillRef>
+            <a:effectRef idx="1">
+              <a:schemeClr val="accent1"/>
+            </a:effectRef>
+            <a:fontRef idx="minor">
+              <a:schemeClr val="tx1"/>
+            </a:fontRef>
+          </p:style>
+        </p:cxnSp>
+        <p:cxnSp>
+          <p:nvCxnSpPr>
+            <p:cNvPr id="51" name="Straight Connector 50"/>
+            <p:cNvCxnSpPr/>
+            <p:nvPr/>
+          </p:nvCxnSpPr>
+          <p:spPr>
+            <a:xfrm>
+              <a:off x="1917700" y="2667000"/>
+              <a:ext cx="177800" cy="508000"/>
+            </a:xfrm>
+            <a:prstGeom prst="line">
+              <a:avLst/>
+            </a:prstGeom>
+            <a:ln>
+              <a:solidFill>
+                <a:srgbClr val="0000FF"/>
+              </a:solidFill>
+            </a:ln>
+          </p:spPr>
+          <p:style>
+            <a:lnRef idx="2">
+              <a:schemeClr val="accent1"/>
+            </a:lnRef>
+            <a:fillRef idx="0">
+              <a:schemeClr val="accent1"/>
+            </a:fillRef>
+            <a:effectRef idx="1">
+              <a:schemeClr val="accent1"/>
+            </a:effectRef>
+            <a:fontRef idx="minor">
+              <a:schemeClr val="tx1"/>
+            </a:fontRef>
+          </p:style>
+        </p:cxnSp>
+        <p:cxnSp>
+          <p:nvCxnSpPr>
+            <p:cNvPr id="52" name="Straight Connector 51"/>
+            <p:cNvCxnSpPr/>
+            <p:nvPr/>
+          </p:nvCxnSpPr>
+          <p:spPr>
+            <a:xfrm>
+              <a:off x="1752600" y="3175000"/>
+              <a:ext cx="431800" cy="508000"/>
+            </a:xfrm>
+            <a:prstGeom prst="line">
+              <a:avLst/>
+            </a:prstGeom>
+            <a:ln>
+              <a:solidFill>
+                <a:srgbClr val="0000FF"/>
+              </a:solidFill>
+            </a:ln>
+          </p:spPr>
+          <p:style>
+            <a:lnRef idx="2">
+              <a:schemeClr val="accent1"/>
+            </a:lnRef>
+            <a:fillRef idx="0">
+              <a:schemeClr val="accent1"/>
+            </a:fillRef>
+            <a:effectRef idx="1">
+              <a:schemeClr val="accent1"/>
+            </a:effectRef>
+            <a:fontRef idx="minor">
+              <a:schemeClr val="tx1"/>
+            </a:fontRef>
+          </p:style>
+        </p:cxnSp>
+        <p:cxnSp>
+          <p:nvCxnSpPr>
+            <p:cNvPr id="53" name="Straight Connector 52"/>
+            <p:cNvCxnSpPr/>
+            <p:nvPr/>
+          </p:nvCxnSpPr>
+          <p:spPr>
+            <a:xfrm>
+              <a:off x="1917700" y="3175000"/>
+              <a:ext cx="431800" cy="508000"/>
+            </a:xfrm>
+            <a:prstGeom prst="line">
+              <a:avLst/>
+            </a:prstGeom>
+            <a:ln>
+              <a:solidFill>
+                <a:srgbClr val="0000FF"/>
+              </a:solidFill>
+            </a:ln>
+          </p:spPr>
+          <p:style>
+            <a:lnRef idx="2">
+              <a:schemeClr val="accent1"/>
+            </a:lnRef>
+            <a:fillRef idx="0">
+              <a:schemeClr val="accent1"/>
+            </a:fillRef>
+            <a:effectRef idx="1">
+              <a:schemeClr val="accent1"/>
+            </a:effectRef>
+            <a:fontRef idx="minor">
+              <a:schemeClr val="tx1"/>
+            </a:fontRef>
+          </p:style>
+        </p:cxnSp>
+        <p:cxnSp>
+          <p:nvCxnSpPr>
+            <p:cNvPr id="54" name="Straight Connector 53"/>
+            <p:cNvCxnSpPr/>
+            <p:nvPr/>
+          </p:nvCxnSpPr>
+          <p:spPr>
+            <a:xfrm>
+              <a:off x="2095500" y="3175000"/>
+              <a:ext cx="431800" cy="508000"/>
+            </a:xfrm>
+            <a:prstGeom prst="line">
+              <a:avLst/>
+            </a:prstGeom>
+            <a:ln>
+              <a:solidFill>
+                <a:srgbClr val="0000FF"/>
+              </a:solidFill>
+            </a:ln>
+          </p:spPr>
+          <p:style>
+            <a:lnRef idx="2">
+              <a:schemeClr val="accent1"/>
+            </a:lnRef>
+            <a:fillRef idx="0">
+              <a:schemeClr val="accent1"/>
+            </a:fillRef>
+            <a:effectRef idx="1">
+              <a:schemeClr val="accent1"/>
+            </a:effectRef>
+            <a:fontRef idx="minor">
+              <a:schemeClr val="tx1"/>
+            </a:fontRef>
+          </p:style>
+        </p:cxnSp>
+        <p:cxnSp>
+          <p:nvCxnSpPr>
+            <p:cNvPr id="55" name="Straight Connector 54"/>
+            <p:cNvCxnSpPr/>
+            <p:nvPr/>
+          </p:nvCxnSpPr>
+          <p:spPr>
+            <a:xfrm>
+              <a:off x="2247900" y="3175000"/>
+              <a:ext cx="431800" cy="508000"/>
+            </a:xfrm>
+            <a:prstGeom prst="line">
+              <a:avLst/>
+            </a:prstGeom>
+            <a:ln>
+              <a:solidFill>
+                <a:srgbClr val="0000FF"/>
+              </a:solidFill>
+            </a:ln>
+          </p:spPr>
+          <p:style>
+            <a:lnRef idx="2">
+              <a:schemeClr val="accent1"/>
+            </a:lnRef>
+            <a:fillRef idx="0">
+              <a:schemeClr val="accent1"/>
+            </a:fillRef>
+            <a:effectRef idx="1">
+              <a:schemeClr val="accent1"/>
+            </a:effectRef>
+            <a:fontRef idx="minor">
+              <a:schemeClr val="tx1"/>
+            </a:fontRef>
+          </p:style>
+        </p:cxnSp>
+        <p:cxnSp>
+          <p:nvCxnSpPr>
+            <p:cNvPr id="56" name="Straight Connector 55"/>
+            <p:cNvCxnSpPr/>
+            <p:nvPr/>
+          </p:nvCxnSpPr>
+          <p:spPr>
+            <a:xfrm flipH="1">
+              <a:off x="2032000" y="2667000"/>
+              <a:ext cx="317500" cy="508000"/>
+            </a:xfrm>
+            <a:prstGeom prst="line">
+              <a:avLst/>
+            </a:prstGeom>
+            <a:ln>
+              <a:solidFill>
+                <a:srgbClr val="0000FF"/>
+              </a:solidFill>
+            </a:ln>
+          </p:spPr>
+          <p:style>
+            <a:lnRef idx="2">
+              <a:schemeClr val="accent1"/>
+            </a:lnRef>
+            <a:fillRef idx="0">
+              <a:schemeClr val="accent1"/>
+            </a:fillRef>
+            <a:effectRef idx="1">
+              <a:schemeClr val="accent1"/>
+            </a:effectRef>
+            <a:fontRef idx="minor">
+              <a:schemeClr val="tx1"/>
+            </a:fontRef>
+          </p:style>
+        </p:cxnSp>
+        <p:cxnSp>
+          <p:nvCxnSpPr>
+            <p:cNvPr id="57" name="Straight Connector 56"/>
+            <p:cNvCxnSpPr/>
+            <p:nvPr/>
+          </p:nvCxnSpPr>
+          <p:spPr>
+            <a:xfrm flipH="1">
+              <a:off x="1549400" y="3175000"/>
+              <a:ext cx="508000" cy="508000"/>
+            </a:xfrm>
+            <a:prstGeom prst="line">
+              <a:avLst/>
+            </a:prstGeom>
+            <a:ln>
+              <a:solidFill>
+                <a:srgbClr val="0000FF"/>
+              </a:solidFill>
+            </a:ln>
+          </p:spPr>
+          <p:style>
+            <a:lnRef idx="2">
+              <a:schemeClr val="accent1"/>
+            </a:lnRef>
+            <a:fillRef idx="0">
+              <a:schemeClr val="accent1"/>
+            </a:fillRef>
+            <a:effectRef idx="1">
+              <a:schemeClr val="accent1"/>
+            </a:effectRef>
+            <a:fontRef idx="minor">
+              <a:schemeClr val="tx1"/>
+            </a:fontRef>
+          </p:style>
+        </p:cxnSp>
+        <p:cxnSp>
+          <p:nvCxnSpPr>
+            <p:cNvPr id="58" name="Straight Connector 57"/>
+            <p:cNvCxnSpPr/>
+            <p:nvPr/>
+          </p:nvCxnSpPr>
+          <p:spPr>
+            <a:xfrm flipH="1">
+              <a:off x="1701800" y="3175000"/>
+              <a:ext cx="508000" cy="508000"/>
+            </a:xfrm>
+            <a:prstGeom prst="line">
+              <a:avLst/>
+            </a:prstGeom>
+            <a:ln>
+              <a:solidFill>
+                <a:srgbClr val="0000FF"/>
+              </a:solidFill>
+            </a:ln>
+          </p:spPr>
+          <p:style>
+            <a:lnRef idx="2">
+              <a:schemeClr val="accent1"/>
+            </a:lnRef>
+            <a:fillRef idx="0">
+              <a:schemeClr val="accent1"/>
+            </a:fillRef>
+            <a:effectRef idx="1">
+              <a:schemeClr val="accent1"/>
+            </a:effectRef>
+            <a:fontRef idx="minor">
+              <a:schemeClr val="tx1"/>
+            </a:fontRef>
+          </p:style>
+        </p:cxnSp>
+        <p:cxnSp>
+          <p:nvCxnSpPr>
+            <p:cNvPr id="59" name="Straight Connector 58"/>
+            <p:cNvCxnSpPr/>
+            <p:nvPr/>
+          </p:nvCxnSpPr>
+          <p:spPr>
+            <a:xfrm flipH="1">
+              <a:off x="1803400" y="3225800"/>
+              <a:ext cx="508000" cy="508000"/>
+            </a:xfrm>
+            <a:prstGeom prst="line">
+              <a:avLst/>
+            </a:prstGeom>
+            <a:ln>
+              <a:solidFill>
+                <a:srgbClr val="0000FF"/>
+              </a:solidFill>
+            </a:ln>
+          </p:spPr>
+          <p:style>
+            <a:lnRef idx="2">
+              <a:schemeClr val="accent1"/>
+            </a:lnRef>
+            <a:fillRef idx="0">
+              <a:schemeClr val="accent1"/>
+            </a:fillRef>
+            <a:effectRef idx="1">
+              <a:schemeClr val="accent1"/>
+            </a:effectRef>
+            <a:fontRef idx="minor">
+              <a:schemeClr val="tx1"/>
+            </a:fontRef>
+          </p:style>
+        </p:cxnSp>
+        <p:cxnSp>
+          <p:nvCxnSpPr>
+            <p:cNvPr id="60" name="Straight Connector 59"/>
+            <p:cNvCxnSpPr/>
+            <p:nvPr/>
+          </p:nvCxnSpPr>
+          <p:spPr>
+            <a:xfrm flipH="1">
+              <a:off x="1943100" y="3213100"/>
+              <a:ext cx="508000" cy="508000"/>
+            </a:xfrm>
+            <a:prstGeom prst="line">
+              <a:avLst/>
+            </a:prstGeom>
+            <a:ln>
+              <a:solidFill>
+                <a:srgbClr val="0000FF"/>
+              </a:solidFill>
+            </a:ln>
+          </p:spPr>
+          <p:style>
+            <a:lnRef idx="2">
+              <a:schemeClr val="accent1"/>
+            </a:lnRef>
+            <a:fillRef idx="0">
+              <a:schemeClr val="accent1"/>
+            </a:fillRef>
+            <a:effectRef idx="1">
+              <a:schemeClr val="accent1"/>
+            </a:effectRef>
+            <a:fontRef idx="minor">
+              <a:schemeClr val="tx1"/>
+            </a:fontRef>
+          </p:style>
+        </p:cxnSp>
+        <p:cxnSp>
+          <p:nvCxnSpPr>
+            <p:cNvPr id="61" name="Straight Connector 60"/>
+            <p:cNvCxnSpPr/>
+            <p:nvPr/>
+          </p:nvCxnSpPr>
+          <p:spPr>
+            <a:xfrm>
+              <a:off x="2070100" y="2679700"/>
+              <a:ext cx="177800" cy="508000"/>
+            </a:xfrm>
+            <a:prstGeom prst="line">
+              <a:avLst/>
+            </a:prstGeom>
+            <a:ln>
+              <a:solidFill>
+                <a:srgbClr val="0000FF"/>
+              </a:solidFill>
+            </a:ln>
+          </p:spPr>
+          <p:style>
+            <a:lnRef idx="2">
+              <a:schemeClr val="accent1"/>
+            </a:lnRef>
+            <a:fillRef idx="0">
+              <a:schemeClr val="accent1"/>
+            </a:fillRef>
+            <a:effectRef idx="1">
+              <a:schemeClr val="accent1"/>
+            </a:effectRef>
+            <a:fontRef idx="minor">
+              <a:schemeClr val="tx1"/>
+            </a:fontRef>
+          </p:style>
+        </p:cxnSp>
+        <p:cxnSp>
+          <p:nvCxnSpPr>
+            <p:cNvPr id="62" name="Straight Connector 61"/>
+            <p:cNvCxnSpPr/>
+            <p:nvPr/>
+          </p:nvCxnSpPr>
+          <p:spPr>
+            <a:xfrm>
+              <a:off x="2209800" y="2667000"/>
+              <a:ext cx="177800" cy="508000"/>
+            </a:xfrm>
+            <a:prstGeom prst="line">
+              <a:avLst/>
+            </a:prstGeom>
+            <a:ln>
+              <a:solidFill>
+                <a:srgbClr val="0000FF"/>
+              </a:solidFill>
+            </a:ln>
+          </p:spPr>
+          <p:style>
+            <a:lnRef idx="2">
+              <a:schemeClr val="accent1"/>
+            </a:lnRef>
+            <a:fillRef idx="0">
+              <a:schemeClr val="accent1"/>
+            </a:fillRef>
+            <a:effectRef idx="1">
+              <a:schemeClr val="accent1"/>
+            </a:effectRef>
+            <a:fontRef idx="minor">
+              <a:schemeClr val="tx1"/>
+            </a:fontRef>
+          </p:style>
+        </p:cxnSp>
+        <p:cxnSp>
+          <p:nvCxnSpPr>
+            <p:cNvPr id="63" name="Straight Connector 62"/>
+            <p:cNvCxnSpPr/>
+            <p:nvPr/>
+          </p:nvCxnSpPr>
+          <p:spPr>
+            <a:xfrm flipH="1">
+              <a:off x="1879600" y="2667000"/>
+              <a:ext cx="317500" cy="508000"/>
+            </a:xfrm>
+            <a:prstGeom prst="line">
+              <a:avLst/>
+            </a:prstGeom>
+            <a:ln>
+              <a:solidFill>
+                <a:srgbClr val="0000FF"/>
+              </a:solidFill>
+            </a:ln>
+          </p:spPr>
+          <p:style>
+            <a:lnRef idx="2">
+              <a:schemeClr val="accent1"/>
+            </a:lnRef>
+            <a:fillRef idx="0">
+              <a:schemeClr val="accent1"/>
+            </a:fillRef>
+            <a:effectRef idx="1">
+              <a:schemeClr val="accent1"/>
+            </a:effectRef>
+            <a:fontRef idx="minor">
+              <a:schemeClr val="tx1"/>
+            </a:fontRef>
+          </p:style>
+        </p:cxnSp>
+        <p:cxnSp>
+          <p:nvCxnSpPr>
+            <p:cNvPr id="64" name="Straight Connector 63"/>
+            <p:cNvCxnSpPr/>
+            <p:nvPr/>
+          </p:nvCxnSpPr>
+          <p:spPr>
+            <a:xfrm flipH="1">
+              <a:off x="1752600" y="2667000"/>
+              <a:ext cx="317500" cy="508000"/>
+            </a:xfrm>
+            <a:prstGeom prst="line">
+              <a:avLst/>
+            </a:prstGeom>
+            <a:ln>
+              <a:solidFill>
+                <a:srgbClr val="0000FF"/>
+              </a:solidFill>
+            </a:ln>
+          </p:spPr>
+          <p:style>
+            <a:lnRef idx="2">
+              <a:schemeClr val="accent1"/>
+            </a:lnRef>
+            <a:fillRef idx="0">
+              <a:schemeClr val="accent1"/>
+            </a:fillRef>
+            <a:effectRef idx="1">
+              <a:schemeClr val="accent1"/>
+            </a:effectRef>
+            <a:fontRef idx="minor">
+              <a:schemeClr val="tx1"/>
+            </a:fontRef>
+          </p:style>
+        </p:cxnSp>
+      </p:grpSp>
+      <p:sp>
+        <p:nvSpPr>
+          <p:cNvPr id="122" name="TextBox 121"/>
+          <p:cNvSpPr txBox="1"/>
+          <p:nvPr/>
+        </p:nvSpPr>
+        <p:spPr>
+          <a:xfrm>
+            <a:off x="540756" y="2119173"/>
+            <a:ext cx="1586191" cy="461665"/>
+          </a:xfrm>
+          <a:prstGeom prst="rect">
+            <a:avLst/>
+          </a:prstGeom>
+          <a:noFill/>
+        </p:spPr>
+        <p:txBody>
+          <a:bodyPr wrap="none" rtlCol="0">
+            <a:spAutoFit/>
+          </a:bodyPr>
+          <a:lstStyle/>
+          <a:p>
+            <a:r>
+              <a:rPr lang="zh-CN" altLang="en-US" sz="2400" dirty="0" smtClean="0"/>
+              <a:t>梯度更新</a:t>
+            </a:r>
+            <a:r>
+              <a:rPr lang="en-US" altLang="zh-CN" sz="2400" dirty="0" smtClean="0"/>
+              <a:t>1</a:t>
+            </a:r>
+            <a:endParaRPr lang="en-US" sz="2400" dirty="0"/>
+          </a:p>
+        </p:txBody>
+      </p:sp>
+      <p:sp>
+        <p:nvSpPr>
+          <p:cNvPr id="123" name="TextBox 122"/>
+          <p:cNvSpPr txBox="1"/>
+          <p:nvPr/>
+        </p:nvSpPr>
+        <p:spPr>
+          <a:xfrm>
+            <a:off x="3145769" y="2119173"/>
+            <a:ext cx="1586191" cy="461665"/>
+          </a:xfrm>
+          <a:prstGeom prst="rect">
+            <a:avLst/>
+          </a:prstGeom>
+          <a:noFill/>
+        </p:spPr>
+        <p:txBody>
+          <a:bodyPr wrap="none" rtlCol="0">
+            <a:spAutoFit/>
+          </a:bodyPr>
+          <a:lstStyle/>
+          <a:p>
+            <a:r>
+              <a:rPr lang="zh-CN" altLang="en-US" sz="2400" dirty="0" smtClean="0"/>
+              <a:t>梯度更新</a:t>
+            </a:r>
+            <a:r>
+              <a:rPr lang="en-US" altLang="zh-CN" sz="2400" dirty="0" smtClean="0"/>
+              <a:t>2</a:t>
+            </a:r>
+            <a:endParaRPr lang="en-US" sz="2400" dirty="0"/>
+          </a:p>
+        </p:txBody>
+      </p:sp>
+      <p:sp>
+        <p:nvSpPr>
+          <p:cNvPr id="124" name="TextBox 123"/>
+          <p:cNvSpPr txBox="1"/>
+          <p:nvPr/>
+        </p:nvSpPr>
+        <p:spPr>
+          <a:xfrm>
+            <a:off x="6024033" y="2117446"/>
+            <a:ext cx="1586191" cy="461665"/>
+          </a:xfrm>
+          <a:prstGeom prst="rect">
+            <a:avLst/>
+          </a:prstGeom>
+          <a:noFill/>
+        </p:spPr>
+        <p:txBody>
+          <a:bodyPr wrap="none" rtlCol="0">
+            <a:spAutoFit/>
+          </a:bodyPr>
+          <a:lstStyle/>
+          <a:p>
+            <a:r>
+              <a:rPr lang="zh-CN" altLang="en-US" sz="2400" dirty="0" smtClean="0"/>
+              <a:t>梯度更新</a:t>
+            </a:r>
+            <a:r>
+              <a:rPr lang="en-US" altLang="zh-CN" sz="2400" dirty="0" smtClean="0"/>
+              <a:t>3</a:t>
+            </a:r>
+            <a:endParaRPr lang="en-US" sz="2400" dirty="0"/>
+          </a:p>
+        </p:txBody>
+      </p:sp>
+      <p:sp>
+        <p:nvSpPr>
+          <p:cNvPr id="125" name="TextBox 124"/>
+          <p:cNvSpPr txBox="1"/>
+          <p:nvPr/>
+        </p:nvSpPr>
+        <p:spPr>
+          <a:xfrm>
+            <a:off x="8692141" y="2119173"/>
+            <a:ext cx="1586191" cy="461665"/>
+          </a:xfrm>
+          <a:prstGeom prst="rect">
+            <a:avLst/>
+          </a:prstGeom>
+          <a:noFill/>
+        </p:spPr>
+        <p:txBody>
+          <a:bodyPr wrap="none" rtlCol="0">
+            <a:spAutoFit/>
+          </a:bodyPr>
+          <a:lstStyle/>
+          <a:p>
+            <a:r>
+              <a:rPr lang="zh-CN" altLang="en-US" sz="2400" dirty="0" smtClean="0"/>
+              <a:t>梯度更新</a:t>
+            </a:r>
+            <a:r>
+              <a:rPr lang="en-US" altLang="zh-CN" sz="2400" dirty="0" smtClean="0"/>
+              <a:t>4</a:t>
+            </a:r>
+            <a:endParaRPr lang="en-US" sz="2400" dirty="0"/>
+          </a:p>
+        </p:txBody>
+      </p:sp>
+      <p:sp>
+        <p:nvSpPr>
+          <p:cNvPr id="126" name="TextBox 125"/>
+          <p:cNvSpPr txBox="1"/>
+          <p:nvPr/>
+        </p:nvSpPr>
+        <p:spPr>
+          <a:xfrm>
+            <a:off x="6823214" y="179169"/>
+            <a:ext cx="1415772" cy="461665"/>
+          </a:xfrm>
+          <a:prstGeom prst="rect">
+            <a:avLst/>
+          </a:prstGeom>
+          <a:noFill/>
+        </p:spPr>
+        <p:txBody>
+          <a:bodyPr wrap="none" rtlCol="0">
+            <a:spAutoFit/>
+          </a:bodyPr>
+          <a:lstStyle/>
+          <a:p>
+            <a:r>
+              <a:rPr lang="zh-CN" altLang="en-US" sz="2400" dirty="0" smtClean="0"/>
+              <a:t>共享模型</a:t>
+            </a:r>
+            <a:endParaRPr lang="en-US" sz="2400" dirty="0"/>
+          </a:p>
+        </p:txBody>
+      </p:sp>
+      <p:cxnSp>
+        <p:nvCxnSpPr>
+          <p:cNvPr id="130" name="Straight Arrow Connector 129"/>
+          <p:cNvCxnSpPr/>
+          <p:nvPr/>
+        </p:nvCxnSpPr>
+        <p:spPr>
+          <a:xfrm flipV="1">
+            <a:off x="1893207" y="4484469"/>
+            <a:ext cx="0" cy="874931"/>
+          </a:xfrm>
+          <a:prstGeom prst="straightConnector1">
+            <a:avLst/>
+          </a:prstGeom>
+          <a:ln>
+            <a:tailEnd type="arrow"/>
+          </a:ln>
+        </p:spPr>
+        <p:style>
+          <a:lnRef idx="3">
+            <a:schemeClr val="accent5"/>
+          </a:lnRef>
+          <a:fillRef idx="0">
+            <a:schemeClr val="accent5"/>
+          </a:fillRef>
+          <a:effectRef idx="2">
+            <a:schemeClr val="accent5"/>
+          </a:effectRef>
+          <a:fontRef idx="minor">
+            <a:schemeClr val="tx1"/>
+          </a:fontRef>
+        </p:style>
+      </p:cxnSp>
+      <p:cxnSp>
+        <p:nvCxnSpPr>
+          <p:cNvPr id="131" name="Straight Arrow Connector 130"/>
+          <p:cNvCxnSpPr/>
+          <p:nvPr/>
+        </p:nvCxnSpPr>
+        <p:spPr>
+          <a:xfrm flipV="1">
+            <a:off x="4890407" y="4484469"/>
+            <a:ext cx="0" cy="874931"/>
+          </a:xfrm>
+          <a:prstGeom prst="straightConnector1">
+            <a:avLst/>
+          </a:prstGeom>
+          <a:ln>
+            <a:tailEnd type="arrow"/>
+          </a:ln>
+        </p:spPr>
+        <p:style>
+          <a:lnRef idx="3">
+            <a:schemeClr val="accent5"/>
+          </a:lnRef>
+          <a:fillRef idx="0">
+            <a:schemeClr val="accent5"/>
+          </a:fillRef>
+          <a:effectRef idx="2">
+            <a:schemeClr val="accent5"/>
+          </a:effectRef>
+          <a:fontRef idx="minor">
+            <a:schemeClr val="tx1"/>
+          </a:fontRef>
+        </p:style>
+      </p:cxnSp>
+      <p:cxnSp>
+        <p:nvCxnSpPr>
+          <p:cNvPr id="132" name="Straight Arrow Connector 131"/>
+          <p:cNvCxnSpPr/>
+          <p:nvPr/>
+        </p:nvCxnSpPr>
+        <p:spPr>
+          <a:xfrm flipV="1">
+            <a:off x="7556500" y="4459069"/>
+            <a:ext cx="0" cy="874931"/>
+          </a:xfrm>
+          <a:prstGeom prst="straightConnector1">
+            <a:avLst/>
+          </a:prstGeom>
+          <a:ln>
+            <a:tailEnd type="arrow"/>
+          </a:ln>
+        </p:spPr>
+        <p:style>
+          <a:lnRef idx="3">
+            <a:schemeClr val="accent5"/>
+          </a:lnRef>
+          <a:fillRef idx="0">
+            <a:schemeClr val="accent5"/>
+          </a:fillRef>
+          <a:effectRef idx="2">
+            <a:schemeClr val="accent5"/>
+          </a:effectRef>
+          <a:fontRef idx="minor">
+            <a:schemeClr val="tx1"/>
+          </a:fontRef>
+        </p:style>
+      </p:cxnSp>
+      <p:cxnSp>
+        <p:nvCxnSpPr>
+          <p:cNvPr id="133" name="Straight Arrow Connector 132"/>
+          <p:cNvCxnSpPr/>
+          <p:nvPr/>
+        </p:nvCxnSpPr>
+        <p:spPr>
+          <a:xfrm flipV="1">
+            <a:off x="9947577" y="4459069"/>
+            <a:ext cx="0" cy="874931"/>
+          </a:xfrm>
+          <a:prstGeom prst="straightConnector1">
+            <a:avLst/>
+          </a:prstGeom>
+          <a:ln>
+            <a:tailEnd type="arrow"/>
+          </a:ln>
+        </p:spPr>
+        <p:style>
+          <a:lnRef idx="3">
+            <a:schemeClr val="accent5"/>
+          </a:lnRef>
+          <a:fillRef idx="0">
+            <a:schemeClr val="accent5"/>
+          </a:fillRef>
+          <a:effectRef idx="2">
+            <a:schemeClr val="accent5"/>
+          </a:effectRef>
+          <a:fontRef idx="minor">
+            <a:schemeClr val="tx1"/>
+          </a:fontRef>
+        </p:style>
+      </p:cxnSp>
+      <p:sp>
+        <p:nvSpPr>
+          <p:cNvPr id="134" name="TextBox 133"/>
+          <p:cNvSpPr txBox="1"/>
+          <p:nvPr/>
+        </p:nvSpPr>
+        <p:spPr>
+          <a:xfrm>
+            <a:off x="5321300" y="4696767"/>
+            <a:ext cx="1415772" cy="461665"/>
+          </a:xfrm>
+          <a:prstGeom prst="rect">
+            <a:avLst/>
+          </a:prstGeom>
+          <a:noFill/>
+        </p:spPr>
+        <p:txBody>
+          <a:bodyPr wrap="none" rtlCol="0">
+            <a:spAutoFit/>
+          </a:bodyPr>
+          <a:lstStyle/>
+          <a:p>
+            <a:r>
+              <a:rPr lang="zh-CN" altLang="en-US" sz="2400" dirty="0" smtClean="0"/>
+              <a:t>数据读取</a:t>
+            </a:r>
+            <a:endParaRPr lang="en-US" sz="2400" dirty="0"/>
+          </a:p>
+        </p:txBody>
+      </p:sp>
+      <p:cxnSp>
+        <p:nvCxnSpPr>
+          <p:cNvPr id="136" name="Straight Arrow Connector 135"/>
+          <p:cNvCxnSpPr>
+            <a:stCxn id="47" idx="1"/>
+            <a:endCxn id="8" idx="0"/>
+          </p:cNvCxnSpPr>
+          <p:nvPr/>
+        </p:nvCxnSpPr>
+        <p:spPr>
+          <a:xfrm flipH="1">
+            <a:off x="1916037" y="1118285"/>
+            <a:ext cx="2815923" cy="1473884"/>
+          </a:xfrm>
+          <a:prstGeom prst="straightConnector1">
+            <a:avLst/>
+          </a:prstGeom>
+          <a:ln>
+            <a:headEnd type="arrow"/>
+            <a:tailEnd type="none"/>
+          </a:ln>
+        </p:spPr>
+        <p:style>
+          <a:lnRef idx="3">
+            <a:schemeClr val="accent3"/>
+          </a:lnRef>
+          <a:fillRef idx="0">
+            <a:schemeClr val="accent3"/>
+          </a:fillRef>
+          <a:effectRef idx="2">
+            <a:schemeClr val="accent3"/>
+          </a:effectRef>
+          <a:fontRef idx="minor">
+            <a:schemeClr val="tx1"/>
+          </a:fontRef>
+        </p:style>
+      </p:cxnSp>
+      <p:cxnSp>
+        <p:nvCxnSpPr>
+          <p:cNvPr id="138" name="Straight Arrow Connector 137"/>
+          <p:cNvCxnSpPr>
+            <a:stCxn id="47" idx="2"/>
+            <a:endCxn id="66" idx="0"/>
+          </p:cNvCxnSpPr>
+          <p:nvPr/>
+        </p:nvCxnSpPr>
+        <p:spPr>
+          <a:xfrm flipH="1">
+            <a:off x="4861530" y="2057400"/>
+            <a:ext cx="825500" cy="534769"/>
+          </a:xfrm>
+          <a:prstGeom prst="straightConnector1">
+            <a:avLst/>
+          </a:prstGeom>
+          <a:ln>
+            <a:headEnd type="arrow"/>
+            <a:tailEnd type="none"/>
+          </a:ln>
+        </p:spPr>
+        <p:style>
+          <a:lnRef idx="3">
+            <a:schemeClr val="accent3"/>
+          </a:lnRef>
+          <a:fillRef idx="0">
+            <a:schemeClr val="accent3"/>
+          </a:fillRef>
+          <a:effectRef idx="2">
+            <a:schemeClr val="accent3"/>
+          </a:effectRef>
+          <a:fontRef idx="minor">
+            <a:schemeClr val="tx1"/>
+          </a:fontRef>
+        </p:style>
+      </p:cxnSp>
+      <p:cxnSp>
+        <p:nvCxnSpPr>
+          <p:cNvPr id="140" name="Straight Arrow Connector 139"/>
+          <p:cNvCxnSpPr>
+            <a:stCxn id="47" idx="2"/>
+            <a:endCxn id="85" idx="0"/>
+          </p:cNvCxnSpPr>
+          <p:nvPr/>
+        </p:nvCxnSpPr>
+        <p:spPr>
+          <a:xfrm>
+            <a:off x="5687030" y="2057400"/>
+            <a:ext cx="1866900" cy="523438"/>
+          </a:xfrm>
+          <a:prstGeom prst="straightConnector1">
+            <a:avLst/>
+          </a:prstGeom>
+          <a:ln>
+            <a:headEnd type="arrow"/>
+            <a:tailEnd type="none"/>
+          </a:ln>
+        </p:spPr>
+        <p:style>
+          <a:lnRef idx="3">
+            <a:schemeClr val="accent3"/>
+          </a:lnRef>
+          <a:fillRef idx="0">
+            <a:schemeClr val="accent3"/>
+          </a:fillRef>
+          <a:effectRef idx="2">
+            <a:schemeClr val="accent3"/>
+          </a:effectRef>
+          <a:fontRef idx="minor">
+            <a:schemeClr val="tx1"/>
+          </a:fontRef>
+        </p:style>
+      </p:cxnSp>
+      <p:cxnSp>
+        <p:nvCxnSpPr>
+          <p:cNvPr id="142" name="Straight Arrow Connector 141"/>
+          <p:cNvCxnSpPr>
+            <a:stCxn id="47" idx="3"/>
+            <a:endCxn id="104" idx="0"/>
+          </p:cNvCxnSpPr>
+          <p:nvPr/>
+        </p:nvCxnSpPr>
+        <p:spPr>
+          <a:xfrm>
+            <a:off x="6642100" y="1118285"/>
+            <a:ext cx="3517900" cy="1487953"/>
+          </a:xfrm>
+          <a:prstGeom prst="straightConnector1">
+            <a:avLst/>
+          </a:prstGeom>
+          <a:ln>
+            <a:headEnd type="arrow"/>
+            <a:tailEnd type="none"/>
+          </a:ln>
+        </p:spPr>
+        <p:style>
+          <a:lnRef idx="3">
+            <a:schemeClr val="accent3"/>
+          </a:lnRef>
+          <a:fillRef idx="0">
+            <a:schemeClr val="accent3"/>
+          </a:fillRef>
+          <a:effectRef idx="2">
+            <a:schemeClr val="accent3"/>
+          </a:effectRef>
+          <a:fontRef idx="minor">
+            <a:schemeClr val="tx1"/>
+          </a:fontRef>
+        </p:style>
+      </p:cxnSp>
+      <p:sp>
+        <p:nvSpPr>
+          <p:cNvPr id="7" name="Rectangle 6"/>
+          <p:cNvSpPr/>
+          <p:nvPr/>
+        </p:nvSpPr>
+        <p:spPr>
+          <a:xfrm>
+            <a:off x="953407" y="2606238"/>
+            <a:ext cx="1879600" cy="1879600"/>
+          </a:xfrm>
+          <a:prstGeom prst="rect">
+            <a:avLst/>
+          </a:prstGeom>
+          <a:solidFill>
+            <a:schemeClr val="accent4">
+              <a:lumMod val="60000"/>
+              <a:lumOff val="40000"/>
+            </a:schemeClr>
+          </a:solidFill>
+          <a:ln>
+            <a:prstDash val="dash"/>
+          </a:ln>
+        </p:spPr>
+        <p:style>
+          <a:lnRef idx="1">
+            <a:schemeClr val="accent1"/>
+          </a:lnRef>
+          <a:fillRef idx="3">
+            <a:schemeClr val="accent1"/>
+          </a:fillRef>
+          <a:effectRef idx="2">
+            <a:schemeClr val="accent1"/>
+          </a:effectRef>
+          <a:fontRef idx="minor">
+            <a:schemeClr val="lt1"/>
+          </a:fontRef>
+        </p:style>
+        <p:txBody>
+          <a:bodyPr rtlCol="0" anchor="ctr"/>
+          <a:lstStyle/>
+          <a:p>
+            <a:pPr algn="ctr"/>
+            <a:endParaRPr lang="en-US"/>
+          </a:p>
+        </p:txBody>
+      </p:sp>
+      <p:sp>
+        <p:nvSpPr>
+          <p:cNvPr id="127" name="Rectangle 126"/>
+          <p:cNvSpPr/>
+          <p:nvPr/>
+        </p:nvSpPr>
+        <p:spPr>
+          <a:xfrm>
+            <a:off x="3937000" y="2579111"/>
+            <a:ext cx="1879600" cy="1879600"/>
+          </a:xfrm>
+          <a:prstGeom prst="rect">
+            <a:avLst/>
+          </a:prstGeom>
+          <a:solidFill>
+            <a:schemeClr val="accent4">
+              <a:lumMod val="60000"/>
+              <a:lumOff val="40000"/>
+            </a:schemeClr>
+          </a:solidFill>
+          <a:ln>
+            <a:prstDash val="dash"/>
+          </a:ln>
+        </p:spPr>
+        <p:style>
+          <a:lnRef idx="1">
+            <a:schemeClr val="accent1"/>
+          </a:lnRef>
+          <a:fillRef idx="3">
+            <a:schemeClr val="accent1"/>
+          </a:fillRef>
+          <a:effectRef idx="2">
+            <a:schemeClr val="accent1"/>
+          </a:effectRef>
+          <a:fontRef idx="minor">
+            <a:schemeClr val="lt1"/>
+          </a:fontRef>
+        </p:style>
+        <p:txBody>
+          <a:bodyPr rtlCol="0" anchor="ctr"/>
+          <a:lstStyle/>
+          <a:p>
+            <a:pPr algn="ctr"/>
+            <a:endParaRPr lang="en-US"/>
+          </a:p>
+        </p:txBody>
+      </p:sp>
+      <p:sp>
+        <p:nvSpPr>
+          <p:cNvPr id="128" name="Rectangle 127"/>
+          <p:cNvSpPr/>
+          <p:nvPr/>
+        </p:nvSpPr>
+        <p:spPr>
+          <a:xfrm>
+            <a:off x="6614130" y="2579111"/>
+            <a:ext cx="1879600" cy="1879600"/>
+          </a:xfrm>
+          <a:prstGeom prst="rect">
+            <a:avLst/>
+          </a:prstGeom>
+          <a:solidFill>
+            <a:schemeClr val="accent4">
+              <a:lumMod val="60000"/>
+              <a:lumOff val="40000"/>
+            </a:schemeClr>
+          </a:solidFill>
+          <a:ln>
+            <a:prstDash val="dash"/>
+          </a:ln>
+        </p:spPr>
+        <p:style>
+          <a:lnRef idx="1">
+            <a:schemeClr val="accent1"/>
+          </a:lnRef>
+          <a:fillRef idx="3">
+            <a:schemeClr val="accent1"/>
+          </a:fillRef>
+          <a:effectRef idx="2">
+            <a:schemeClr val="accent1"/>
+          </a:effectRef>
+          <a:fontRef idx="minor">
+            <a:schemeClr val="lt1"/>
+          </a:fontRef>
+        </p:style>
+        <p:txBody>
+          <a:bodyPr rtlCol="0" anchor="ctr"/>
+          <a:lstStyle/>
+          <a:p>
+            <a:pPr algn="ctr"/>
+            <a:endParaRPr lang="en-US"/>
+          </a:p>
+        </p:txBody>
+      </p:sp>
+      <p:sp>
+        <p:nvSpPr>
+          <p:cNvPr id="129" name="Rectangle 128"/>
+          <p:cNvSpPr/>
+          <p:nvPr/>
+        </p:nvSpPr>
+        <p:spPr>
+          <a:xfrm>
+            <a:off x="9220200" y="2606238"/>
+            <a:ext cx="1879600" cy="1879600"/>
+          </a:xfrm>
+          <a:prstGeom prst="rect">
+            <a:avLst/>
+          </a:prstGeom>
+          <a:solidFill>
+            <a:schemeClr val="accent4">
+              <a:lumMod val="60000"/>
+              <a:lumOff val="40000"/>
+            </a:schemeClr>
+          </a:solidFill>
+          <a:ln>
+            <a:prstDash val="dash"/>
+          </a:ln>
+        </p:spPr>
+        <p:style>
+          <a:lnRef idx="1">
+            <a:schemeClr val="accent1"/>
+          </a:lnRef>
+          <a:fillRef idx="3">
+            <a:schemeClr val="accent1"/>
+          </a:fillRef>
+          <a:effectRef idx="2">
+            <a:schemeClr val="accent1"/>
+          </a:effectRef>
+          <a:fontRef idx="minor">
+            <a:schemeClr val="lt1"/>
+          </a:fontRef>
+        </p:style>
+        <p:txBody>
+          <a:bodyPr rtlCol="0" anchor="ctr"/>
+          <a:lstStyle/>
+          <a:p>
+            <a:pPr algn="ctr"/>
+            <a:endParaRPr lang="en-US"/>
+          </a:p>
+        </p:txBody>
+      </p:sp>
+    </p:spTree>
+    <p:extLst>
+      <p:ext uri="{BB962C8B-B14F-4D97-AF65-F5344CB8AC3E}">
+        <p14:creationId xmlns:p14="http://schemas.microsoft.com/office/powerpoint/2010/main" val="1758512221"/>
+      </p:ext>
+    </p:extLst>
+  </p:cSld>
+  <p:clrMapOvr>
+    <a:masterClrMapping/>
+  </p:clrMapOvr>
+</p:sld>
+</file>
+
+<file path=ppt/slides/slide6.xml><?xml version="1.0" encoding="utf-8"?>
+<p:sld xmlns:a="http://schemas.openxmlformats.org/drawingml/2006/main" xmlns:r="http://schemas.openxmlformats.org/officeDocument/2006/relationships" xmlns:p="http://schemas.openxmlformats.org/presentationml/2006/main">
+  <p:cSld>
+    <p:spTree>
+      <p:nvGrpSpPr>
+        <p:cNvPr id="1" name=""/>
+        <p:cNvGrpSpPr/>
+        <p:nvPr/>
+      </p:nvGrpSpPr>
+      <p:grpSpPr>
+        <a:xfrm>
+          <a:off x="0" y="0"/>
+          <a:ext cx="0" cy="0"/>
+          <a:chOff x="0" y="0"/>
+          <a:chExt cx="0" cy="0"/>
+        </a:xfrm>
+      </p:grpSpPr>
+      <p:sp>
+        <p:nvSpPr>
+          <p:cNvPr id="2" name="Rectangle 1"/>
+          <p:cNvSpPr/>
+          <p:nvPr/>
+        </p:nvSpPr>
+        <p:spPr>
+          <a:xfrm>
+            <a:off x="7302500" y="1079500"/>
+            <a:ext cx="292100" cy="1498600"/>
+          </a:xfrm>
+          <a:prstGeom prst="rect">
+            <a:avLst/>
+          </a:prstGeom>
+        </p:spPr>
+        <p:style>
+          <a:lnRef idx="1">
+            <a:schemeClr val="accent1"/>
+          </a:lnRef>
+          <a:fillRef idx="3">
+            <a:schemeClr val="accent1"/>
+          </a:fillRef>
+          <a:effectRef idx="2">
+            <a:schemeClr val="accent1"/>
+          </a:effectRef>
+          <a:fontRef idx="minor">
+            <a:schemeClr val="lt1"/>
+          </a:fontRef>
+        </p:style>
+        <p:txBody>
+          <a:bodyPr rtlCol="0" anchor="ctr"/>
+          <a:lstStyle/>
+          <a:p>
+            <a:pPr algn="ctr"/>
+            <a:endParaRPr lang="en-US"/>
+          </a:p>
+        </p:txBody>
+      </p:sp>
+      <p:sp>
+        <p:nvSpPr>
+          <p:cNvPr id="3" name="Rectangle 2"/>
+          <p:cNvSpPr/>
+          <p:nvPr/>
+        </p:nvSpPr>
+        <p:spPr>
+          <a:xfrm>
+            <a:off x="7308850" y="2870200"/>
+            <a:ext cx="292100" cy="1498600"/>
+          </a:xfrm>
+          <a:prstGeom prst="rect">
+            <a:avLst/>
+          </a:prstGeom>
+        </p:spPr>
+        <p:style>
+          <a:lnRef idx="1">
+            <a:schemeClr val="accent1"/>
+          </a:lnRef>
+          <a:fillRef idx="3">
+            <a:schemeClr val="accent1"/>
+          </a:fillRef>
+          <a:effectRef idx="2">
+            <a:schemeClr val="accent1"/>
+          </a:effectRef>
+          <a:fontRef idx="minor">
+            <a:schemeClr val="lt1"/>
+          </a:fontRef>
+        </p:style>
+        <p:txBody>
+          <a:bodyPr rtlCol="0" anchor="ctr"/>
+          <a:lstStyle/>
+          <a:p>
+            <a:pPr algn="ctr"/>
+            <a:endParaRPr lang="en-US"/>
+          </a:p>
+        </p:txBody>
+      </p:sp>
+      <p:sp>
+        <p:nvSpPr>
+          <p:cNvPr id="4" name="Rectangle 3"/>
+          <p:cNvSpPr/>
+          <p:nvPr/>
+        </p:nvSpPr>
+        <p:spPr>
+          <a:xfrm>
+            <a:off x="8966200" y="1689100"/>
+            <a:ext cx="292100" cy="2133600"/>
+          </a:xfrm>
+          <a:prstGeom prst="rect">
+            <a:avLst/>
+          </a:prstGeom>
+        </p:spPr>
+        <p:style>
+          <a:lnRef idx="1">
+            <a:schemeClr val="accent1"/>
+          </a:lnRef>
+          <a:fillRef idx="3">
+            <a:schemeClr val="accent1"/>
+          </a:fillRef>
+          <a:effectRef idx="2">
+            <a:schemeClr val="accent1"/>
+          </a:effectRef>
+          <a:fontRef idx="minor">
+            <a:schemeClr val="lt1"/>
+          </a:fontRef>
+        </p:style>
+        <p:txBody>
+          <a:bodyPr rtlCol="0" anchor="ctr"/>
+          <a:lstStyle/>
+          <a:p>
+            <a:pPr algn="ctr"/>
+            <a:endParaRPr lang="en-US"/>
+          </a:p>
+        </p:txBody>
+      </p:sp>
+      <p:sp>
+        <p:nvSpPr>
+          <p:cNvPr id="5" name="Rectangle 4"/>
+          <p:cNvSpPr/>
+          <p:nvPr/>
+        </p:nvSpPr>
+        <p:spPr>
+          <a:xfrm>
+            <a:off x="10744200" y="2006600"/>
+            <a:ext cx="292100" cy="1498600"/>
+          </a:xfrm>
+          <a:prstGeom prst="rect">
+            <a:avLst/>
+          </a:prstGeom>
+        </p:spPr>
+        <p:style>
+          <a:lnRef idx="1">
+            <a:schemeClr val="accent1"/>
+          </a:lnRef>
+          <a:fillRef idx="3">
+            <a:schemeClr val="accent1"/>
+          </a:fillRef>
+          <a:effectRef idx="2">
+            <a:schemeClr val="accent1"/>
+          </a:effectRef>
+          <a:fontRef idx="minor">
+            <a:schemeClr val="lt1"/>
+          </a:fontRef>
+        </p:style>
+        <p:txBody>
+          <a:bodyPr rtlCol="0" anchor="ctr"/>
+          <a:lstStyle/>
+          <a:p>
+            <a:pPr algn="ctr"/>
+            <a:endParaRPr lang="en-US"/>
+          </a:p>
+        </p:txBody>
+      </p:sp>
+      <p:cxnSp>
+        <p:nvCxnSpPr>
+          <p:cNvPr id="7" name="Straight Arrow Connector 6"/>
+          <p:cNvCxnSpPr>
+            <a:stCxn id="2" idx="3"/>
+            <a:endCxn id="4" idx="1"/>
+          </p:cNvCxnSpPr>
+          <p:nvPr/>
+        </p:nvCxnSpPr>
+        <p:spPr>
+          <a:xfrm>
+            <a:off x="7594600" y="1828800"/>
+            <a:ext cx="1371600" cy="927100"/>
+          </a:xfrm>
+          <a:prstGeom prst="straightConnector1">
+            <a:avLst/>
+          </a:prstGeom>
+          <a:ln>
+            <a:tailEnd type="arrow"/>
+          </a:ln>
+        </p:spPr>
+        <p:style>
+          <a:lnRef idx="2">
+            <a:schemeClr val="accent1"/>
+          </a:lnRef>
+          <a:fillRef idx="0">
+            <a:schemeClr val="accent1"/>
+          </a:fillRef>
+          <a:effectRef idx="1">
+            <a:schemeClr val="accent1"/>
+          </a:effectRef>
+          <a:fontRef idx="minor">
+            <a:schemeClr val="tx1"/>
+          </a:fontRef>
+        </p:style>
+      </p:cxnSp>
+      <p:cxnSp>
+        <p:nvCxnSpPr>
+          <p:cNvPr id="12" name="Straight Arrow Connector 11"/>
+          <p:cNvCxnSpPr>
+            <a:stCxn id="3" idx="3"/>
+            <a:endCxn id="4" idx="1"/>
+          </p:cNvCxnSpPr>
+          <p:nvPr/>
+        </p:nvCxnSpPr>
+        <p:spPr>
+          <a:xfrm flipV="1">
+            <a:off x="7600950" y="2755900"/>
+            <a:ext cx="1365250" cy="863600"/>
+          </a:xfrm>
+          <a:prstGeom prst="straightConnector1">
+            <a:avLst/>
+          </a:prstGeom>
+          <a:ln>
+            <a:tailEnd type="arrow"/>
+          </a:ln>
+        </p:spPr>
+        <p:style>
+          <a:lnRef idx="2">
+            <a:schemeClr val="accent1"/>
+          </a:lnRef>
+          <a:fillRef idx="0">
+            <a:schemeClr val="accent1"/>
+          </a:fillRef>
+          <a:effectRef idx="1">
+            <a:schemeClr val="accent1"/>
+          </a:effectRef>
+          <a:fontRef idx="minor">
+            <a:schemeClr val="tx1"/>
+          </a:fontRef>
+        </p:style>
+      </p:cxnSp>
+      <p:cxnSp>
+        <p:nvCxnSpPr>
+          <p:cNvPr id="14" name="Straight Arrow Connector 13"/>
+          <p:cNvCxnSpPr>
+            <a:stCxn id="4" idx="3"/>
+            <a:endCxn id="5" idx="1"/>
+          </p:cNvCxnSpPr>
+          <p:nvPr/>
+        </p:nvCxnSpPr>
+        <p:spPr>
+          <a:xfrm>
+            <a:off x="9258300" y="2755900"/>
+            <a:ext cx="1485900" cy="0"/>
+          </a:xfrm>
+          <a:prstGeom prst="straightConnector1">
+            <a:avLst/>
+          </a:prstGeom>
+          <a:ln>
+            <a:tailEnd type="arrow"/>
+          </a:ln>
+        </p:spPr>
+        <p:style>
+          <a:lnRef idx="2">
+            <a:schemeClr val="accent1"/>
+          </a:lnRef>
+          <a:fillRef idx="0">
+            <a:schemeClr val="accent1"/>
+          </a:fillRef>
+          <a:effectRef idx="1">
+            <a:schemeClr val="accent1"/>
+          </a:effectRef>
+          <a:fontRef idx="minor">
+            <a:schemeClr val="tx1"/>
+          </a:fontRef>
+        </p:style>
+      </p:cxnSp>
+      <p:sp>
+        <p:nvSpPr>
+          <p:cNvPr id="16" name="Rectangle 15"/>
+          <p:cNvSpPr/>
+          <p:nvPr/>
+        </p:nvSpPr>
+        <p:spPr>
+          <a:xfrm>
+            <a:off x="7035800" y="863600"/>
+            <a:ext cx="4356100" cy="4013200"/>
+          </a:xfrm>
+          <a:prstGeom prst="rect">
+            <a:avLst/>
+          </a:prstGeom>
+          <a:noFill/>
+          <a:ln>
+            <a:prstDash val="dash"/>
+          </a:ln>
+        </p:spPr>
+        <p:style>
+          <a:lnRef idx="1">
+            <a:schemeClr val="accent1"/>
+          </a:lnRef>
+          <a:fillRef idx="3">
+            <a:schemeClr val="accent1"/>
+          </a:fillRef>
+          <a:effectRef idx="2">
+            <a:schemeClr val="accent1"/>
+          </a:effectRef>
+          <a:fontRef idx="minor">
+            <a:schemeClr val="lt1"/>
+          </a:fontRef>
+        </p:style>
+        <p:txBody>
+          <a:bodyPr rtlCol="0" anchor="ctr"/>
+          <a:lstStyle/>
+          <a:p>
+            <a:pPr algn="ctr"/>
+            <a:endParaRPr lang="en-US"/>
+          </a:p>
+        </p:txBody>
+      </p:sp>
+      <p:sp>
+        <p:nvSpPr>
+          <p:cNvPr id="18" name="TextBox 17"/>
+          <p:cNvSpPr txBox="1"/>
+          <p:nvPr/>
+        </p:nvSpPr>
+        <p:spPr>
+          <a:xfrm>
+            <a:off x="8712875" y="4137967"/>
+            <a:ext cx="2031325" cy="461665"/>
+          </a:xfrm>
+          <a:prstGeom prst="rect">
+            <a:avLst/>
+          </a:prstGeom>
+          <a:noFill/>
+        </p:spPr>
+        <p:txBody>
+          <a:bodyPr wrap="none" rtlCol="0">
+            <a:spAutoFit/>
+          </a:bodyPr>
+          <a:lstStyle/>
+          <a:p>
+            <a:r>
+              <a:rPr lang="en-US" sz="2400" dirty="0" smtClean="0"/>
+              <a:t>神经网络模型</a:t>
+            </a:r>
+            <a:endParaRPr lang="en-US" sz="2400" dirty="0"/>
+          </a:p>
+        </p:txBody>
+      </p:sp>
+      <p:sp>
+        <p:nvSpPr>
+          <p:cNvPr id="19" name="Multidocument 18"/>
+          <p:cNvSpPr/>
+          <p:nvPr/>
+        </p:nvSpPr>
+        <p:spPr>
+          <a:xfrm>
+            <a:off x="4552950" y="543983"/>
+            <a:ext cx="558800" cy="639233"/>
+          </a:xfrm>
+          <a:prstGeom prst="flowChartMultidocument">
+            <a:avLst/>
+          </a:prstGeom>
+          <a:noFill/>
+          <a:ln>
+            <a:solidFill>
+              <a:schemeClr val="accent6">
+                <a:lumMod val="75000"/>
+              </a:schemeClr>
+            </a:solidFill>
+          </a:ln>
+        </p:spPr>
+        <p:style>
+          <a:lnRef idx="1">
+            <a:schemeClr val="accent1"/>
+          </a:lnRef>
+          <a:fillRef idx="3">
+            <a:schemeClr val="accent1"/>
+          </a:fillRef>
+          <a:effectRef idx="2">
+            <a:schemeClr val="accent1"/>
+          </a:effectRef>
+          <a:fontRef idx="minor">
+            <a:schemeClr val="lt1"/>
+          </a:fontRef>
+        </p:style>
+        <p:txBody>
+          <a:bodyPr rtlCol="0" anchor="ctr"/>
+          <a:lstStyle/>
+          <a:p>
+            <a:pPr algn="ctr"/>
+            <a:endParaRPr lang="en-US"/>
+          </a:p>
+        </p:txBody>
+      </p:sp>
+      <p:sp>
+        <p:nvSpPr>
+          <p:cNvPr id="21" name="Multidocument 20"/>
+          <p:cNvSpPr/>
+          <p:nvPr/>
+        </p:nvSpPr>
+        <p:spPr>
+          <a:xfrm>
+            <a:off x="4552950" y="1367367"/>
+            <a:ext cx="558800" cy="639233"/>
+          </a:xfrm>
+          <a:prstGeom prst="flowChartMultidocument">
+            <a:avLst/>
+          </a:prstGeom>
+          <a:noFill/>
+          <a:ln>
+            <a:solidFill>
+              <a:schemeClr val="accent6">
+                <a:lumMod val="75000"/>
+              </a:schemeClr>
+            </a:solidFill>
+          </a:ln>
+        </p:spPr>
+        <p:style>
+          <a:lnRef idx="1">
+            <a:schemeClr val="accent1"/>
+          </a:lnRef>
+          <a:fillRef idx="3">
+            <a:schemeClr val="accent1"/>
+          </a:fillRef>
+          <a:effectRef idx="2">
+            <a:schemeClr val="accent1"/>
+          </a:effectRef>
+          <a:fontRef idx="minor">
+            <a:schemeClr val="lt1"/>
+          </a:fontRef>
+        </p:style>
+        <p:txBody>
+          <a:bodyPr rtlCol="0" anchor="ctr"/>
+          <a:lstStyle/>
+          <a:p>
+            <a:pPr algn="ctr"/>
+            <a:endParaRPr lang="en-US" b="1" dirty="0"/>
+          </a:p>
+        </p:txBody>
+      </p:sp>
+      <p:sp>
+        <p:nvSpPr>
+          <p:cNvPr id="22" name="Multidocument 21"/>
+          <p:cNvSpPr/>
+          <p:nvPr/>
+        </p:nvSpPr>
+        <p:spPr>
+          <a:xfrm>
+            <a:off x="4552950" y="2230967"/>
+            <a:ext cx="558800" cy="639233"/>
+          </a:xfrm>
+          <a:prstGeom prst="flowChartMultidocument">
+            <a:avLst/>
+          </a:prstGeom>
+          <a:noFill/>
+          <a:ln>
+            <a:solidFill>
+              <a:schemeClr val="accent6">
+                <a:lumMod val="75000"/>
+              </a:schemeClr>
+            </a:solidFill>
+          </a:ln>
+        </p:spPr>
+        <p:style>
+          <a:lnRef idx="1">
+            <a:schemeClr val="accent1"/>
+          </a:lnRef>
+          <a:fillRef idx="3">
+            <a:schemeClr val="accent1"/>
+          </a:fillRef>
+          <a:effectRef idx="2">
+            <a:schemeClr val="accent1"/>
+          </a:effectRef>
+          <a:fontRef idx="minor">
+            <a:schemeClr val="lt1"/>
+          </a:fontRef>
+        </p:style>
+        <p:txBody>
+          <a:bodyPr rtlCol="0" anchor="ctr"/>
+          <a:lstStyle/>
+          <a:p>
+            <a:pPr algn="ctr"/>
+            <a:endParaRPr lang="en-US"/>
+          </a:p>
+        </p:txBody>
+      </p:sp>
+      <p:sp>
+        <p:nvSpPr>
+          <p:cNvPr id="23" name="Rectangle 22"/>
+          <p:cNvSpPr/>
+          <p:nvPr/>
+        </p:nvSpPr>
+        <p:spPr>
+          <a:xfrm>
+            <a:off x="4298950" y="342900"/>
+            <a:ext cx="1054100" cy="2628900"/>
+          </a:xfrm>
+          <a:prstGeom prst="rect">
+            <a:avLst/>
+          </a:prstGeom>
+          <a:noFill/>
+          <a:ln>
+            <a:solidFill>
+              <a:schemeClr val="accent6">
+                <a:lumMod val="75000"/>
+              </a:schemeClr>
+            </a:solidFill>
+          </a:ln>
+        </p:spPr>
+        <p:style>
+          <a:lnRef idx="1">
+            <a:schemeClr val="accent1"/>
+          </a:lnRef>
+          <a:fillRef idx="3">
+            <a:schemeClr val="accent1"/>
+          </a:fillRef>
+          <a:effectRef idx="2">
+            <a:schemeClr val="accent1"/>
+          </a:effectRef>
+          <a:fontRef idx="minor">
+            <a:schemeClr val="lt1"/>
+          </a:fontRef>
+        </p:style>
+        <p:txBody>
+          <a:bodyPr rtlCol="0" anchor="ctr"/>
+          <a:lstStyle/>
+          <a:p>
+            <a:pPr algn="ctr"/>
+            <a:endParaRPr lang="en-US"/>
+          </a:p>
+        </p:txBody>
+      </p:sp>
+      <p:sp>
+        <p:nvSpPr>
+          <p:cNvPr id="24" name="TextBox 23"/>
+          <p:cNvSpPr txBox="1"/>
+          <p:nvPr/>
+        </p:nvSpPr>
+        <p:spPr>
+          <a:xfrm>
+            <a:off x="4552950" y="710168"/>
+            <a:ext cx="449312" cy="369332"/>
+          </a:xfrm>
+          <a:prstGeom prst="rect">
+            <a:avLst/>
+          </a:prstGeom>
+          <a:noFill/>
+        </p:spPr>
+        <p:txBody>
+          <a:bodyPr wrap="none" rtlCol="0">
+            <a:spAutoFit/>
+          </a:bodyPr>
+          <a:lstStyle/>
+          <a:p>
+            <a:r>
+              <a:rPr lang="en-US" dirty="0" smtClean="0"/>
+              <a:t>T</a:t>
+            </a:r>
+            <a:r>
+              <a:rPr lang="en-US" altLang="zh-CN" dirty="0" smtClean="0"/>
+              <a:t>1</a:t>
+            </a:r>
+            <a:endParaRPr lang="en-US" dirty="0"/>
+          </a:p>
+        </p:txBody>
+      </p:sp>
+      <p:sp>
+        <p:nvSpPr>
+          <p:cNvPr id="25" name="TextBox 24"/>
+          <p:cNvSpPr txBox="1"/>
+          <p:nvPr/>
+        </p:nvSpPr>
+        <p:spPr>
+          <a:xfrm>
+            <a:off x="4552950" y="1504434"/>
+            <a:ext cx="449312" cy="369332"/>
+          </a:xfrm>
+          <a:prstGeom prst="rect">
+            <a:avLst/>
+          </a:prstGeom>
+          <a:noFill/>
+          <a:ln>
+            <a:solidFill>
+              <a:schemeClr val="accent6">
+                <a:lumMod val="75000"/>
+              </a:schemeClr>
+            </a:solidFill>
+          </a:ln>
+        </p:spPr>
+        <p:txBody>
+          <a:bodyPr wrap="none" rtlCol="0">
+            <a:spAutoFit/>
+          </a:bodyPr>
+          <a:lstStyle/>
+          <a:p>
+            <a:r>
+              <a:rPr lang="en-US" dirty="0" smtClean="0"/>
+              <a:t>T</a:t>
+            </a:r>
+            <a:r>
+              <a:rPr lang="en-US" altLang="zh-CN" dirty="0" smtClean="0"/>
+              <a:t>2</a:t>
+            </a:r>
+            <a:endParaRPr lang="en-US" dirty="0"/>
+          </a:p>
+        </p:txBody>
+      </p:sp>
+      <p:sp>
+        <p:nvSpPr>
+          <p:cNvPr id="26" name="TextBox 25"/>
+          <p:cNvSpPr txBox="1"/>
+          <p:nvPr/>
+        </p:nvSpPr>
+        <p:spPr>
+          <a:xfrm>
+            <a:off x="4552950" y="2410936"/>
+            <a:ext cx="436913" cy="369332"/>
+          </a:xfrm>
+          <a:prstGeom prst="rect">
+            <a:avLst/>
+          </a:prstGeom>
+          <a:noFill/>
+        </p:spPr>
+        <p:txBody>
+          <a:bodyPr wrap="none" rtlCol="0">
+            <a:spAutoFit/>
+          </a:bodyPr>
+          <a:lstStyle/>
+          <a:p>
+            <a:r>
+              <a:rPr lang="en-US" dirty="0" smtClean="0"/>
+              <a:t>T</a:t>
+            </a:r>
+            <a:r>
+              <a:rPr lang="zh-CN" altLang="zh-CN" dirty="0" smtClean="0"/>
+              <a:t>3</a:t>
+            </a:r>
+            <a:endParaRPr lang="en-US" dirty="0"/>
+          </a:p>
+        </p:txBody>
+      </p:sp>
+      <p:sp>
+        <p:nvSpPr>
+          <p:cNvPr id="27" name="Can 26"/>
+          <p:cNvSpPr/>
+          <p:nvPr/>
+        </p:nvSpPr>
+        <p:spPr>
+          <a:xfrm>
+            <a:off x="190619" y="543983"/>
+            <a:ext cx="699569" cy="960451"/>
+          </a:xfrm>
+          <a:prstGeom prst="can">
+            <a:avLst/>
+          </a:prstGeom>
+          <a:noFill/>
+          <a:ln>
+            <a:solidFill>
+              <a:schemeClr val="accent6">
+                <a:lumMod val="75000"/>
+              </a:schemeClr>
+            </a:solidFill>
+          </a:ln>
+        </p:spPr>
+        <p:style>
+          <a:lnRef idx="1">
+            <a:schemeClr val="accent1"/>
+          </a:lnRef>
+          <a:fillRef idx="3">
+            <a:schemeClr val="accent1"/>
+          </a:fillRef>
+          <a:effectRef idx="2">
+            <a:schemeClr val="accent1"/>
+          </a:effectRef>
+          <a:fontRef idx="minor">
+            <a:schemeClr val="lt1"/>
+          </a:fontRef>
+        </p:style>
+        <p:txBody>
+          <a:bodyPr rtlCol="0" anchor="ctr"/>
+          <a:lstStyle/>
+          <a:p>
+            <a:pPr algn="ctr"/>
+            <a:endParaRPr lang="en-US"/>
+          </a:p>
+        </p:txBody>
+      </p:sp>
+      <p:sp>
+        <p:nvSpPr>
+          <p:cNvPr id="28" name="TextBox 27"/>
+          <p:cNvSpPr txBox="1"/>
+          <p:nvPr/>
+        </p:nvSpPr>
+        <p:spPr>
+          <a:xfrm>
+            <a:off x="139818" y="112067"/>
+            <a:ext cx="2425581" cy="369332"/>
+          </a:xfrm>
+          <a:prstGeom prst="rect">
+            <a:avLst/>
+          </a:prstGeom>
+          <a:noFill/>
+        </p:spPr>
+        <p:txBody>
+          <a:bodyPr wrap="square" rtlCol="0">
+            <a:spAutoFit/>
+          </a:bodyPr>
+          <a:lstStyle/>
+          <a:p>
+            <a:r>
+              <a:rPr lang="zh-CN" altLang="en-US" dirty="0" smtClean="0"/>
+              <a:t>原始</a:t>
+            </a:r>
+            <a:r>
+              <a:rPr lang="en-US" dirty="0" smtClean="0"/>
+              <a:t>训练数据</a:t>
+            </a:r>
+            <a:r>
+              <a:rPr lang="en-US" altLang="zh-CN" dirty="0" smtClean="0"/>
+              <a:t>1</a:t>
+            </a:r>
+            <a:endParaRPr lang="en-US" dirty="0"/>
+          </a:p>
+        </p:txBody>
+      </p:sp>
+      <p:sp>
+        <p:nvSpPr>
+          <p:cNvPr id="30" name="Diamond 29"/>
+          <p:cNvSpPr/>
+          <p:nvPr/>
+        </p:nvSpPr>
+        <p:spPr>
+          <a:xfrm>
+            <a:off x="190619" y="1855782"/>
+            <a:ext cx="750369" cy="750369"/>
+          </a:xfrm>
+          <a:prstGeom prst="diamond">
+            <a:avLst/>
+          </a:prstGeom>
+          <a:noFill/>
+          <a:ln>
+            <a:solidFill>
+              <a:schemeClr val="accent6">
+                <a:lumMod val="75000"/>
+              </a:schemeClr>
+            </a:solidFill>
+          </a:ln>
+        </p:spPr>
+        <p:style>
+          <a:lnRef idx="1">
+            <a:schemeClr val="accent1"/>
+          </a:lnRef>
+          <a:fillRef idx="3">
+            <a:schemeClr val="accent1"/>
+          </a:fillRef>
+          <a:effectRef idx="2">
+            <a:schemeClr val="accent1"/>
+          </a:effectRef>
+          <a:fontRef idx="minor">
+            <a:schemeClr val="lt1"/>
+          </a:fontRef>
+        </p:style>
+        <p:txBody>
+          <a:bodyPr rtlCol="0" anchor="ctr"/>
+          <a:lstStyle/>
+          <a:p>
+            <a:pPr algn="ctr"/>
+            <a:endParaRPr lang="en-US"/>
+          </a:p>
+        </p:txBody>
+      </p:sp>
+      <p:sp>
+        <p:nvSpPr>
+          <p:cNvPr id="31" name="TextBox 30"/>
+          <p:cNvSpPr txBox="1"/>
+          <p:nvPr/>
+        </p:nvSpPr>
+        <p:spPr>
+          <a:xfrm>
+            <a:off x="0" y="2631551"/>
+            <a:ext cx="1466643" cy="369332"/>
+          </a:xfrm>
+          <a:prstGeom prst="rect">
+            <a:avLst/>
+          </a:prstGeom>
+          <a:noFill/>
+        </p:spPr>
+        <p:txBody>
+          <a:bodyPr wrap="none" rtlCol="0">
+            <a:spAutoFit/>
+          </a:bodyPr>
+          <a:lstStyle/>
+          <a:p>
+            <a:r>
+              <a:rPr lang="zh-CN" altLang="en-US" dirty="0" smtClean="0"/>
+              <a:t>数据适配器</a:t>
+            </a:r>
+            <a:r>
+              <a:rPr lang="en-US" altLang="zh-CN" dirty="0" smtClean="0"/>
+              <a:t>1</a:t>
+            </a:r>
+            <a:endParaRPr lang="en-US" dirty="0"/>
+          </a:p>
+        </p:txBody>
+      </p:sp>
+      <p:sp>
+        <p:nvSpPr>
+          <p:cNvPr id="33" name="Frame 32"/>
+          <p:cNvSpPr/>
+          <p:nvPr/>
+        </p:nvSpPr>
+        <p:spPr>
+          <a:xfrm>
+            <a:off x="1850549" y="1689100"/>
+            <a:ext cx="1409700" cy="3187700"/>
+          </a:xfrm>
+          <a:prstGeom prst="frame">
+            <a:avLst/>
+          </a:prstGeom>
+          <a:solidFill>
+            <a:schemeClr val="accent4">
+              <a:lumMod val="40000"/>
+              <a:lumOff val="60000"/>
+            </a:schemeClr>
+          </a:solidFill>
+          <a:ln>
+            <a:solidFill>
+              <a:srgbClr val="0000FF"/>
+            </a:solidFill>
+          </a:ln>
+        </p:spPr>
+        <p:style>
+          <a:lnRef idx="1">
+            <a:schemeClr val="accent1"/>
+          </a:lnRef>
+          <a:fillRef idx="3">
+            <a:schemeClr val="accent1"/>
+          </a:fillRef>
+          <a:effectRef idx="2">
+            <a:schemeClr val="accent1"/>
+          </a:effectRef>
+          <a:fontRef idx="minor">
+            <a:schemeClr val="lt1"/>
+          </a:fontRef>
+        </p:style>
+        <p:txBody>
+          <a:bodyPr rtlCol="0" anchor="ctr"/>
+          <a:lstStyle/>
+          <a:p>
+            <a:pPr algn="ctr"/>
+            <a:endParaRPr lang="en-US">
+              <a:solidFill>
+                <a:schemeClr val="tx1"/>
+              </a:solidFill>
+            </a:endParaRPr>
+          </a:p>
+        </p:txBody>
+      </p:sp>
+      <p:sp>
+        <p:nvSpPr>
+          <p:cNvPr id="36" name="Diamond 35"/>
+          <p:cNvSpPr/>
+          <p:nvPr/>
+        </p:nvSpPr>
+        <p:spPr>
+          <a:xfrm>
+            <a:off x="190619" y="3618431"/>
+            <a:ext cx="750369" cy="750369"/>
+          </a:xfrm>
+          <a:prstGeom prst="diamond">
+            <a:avLst/>
+          </a:prstGeom>
+          <a:noFill/>
+          <a:ln>
+            <a:solidFill>
+              <a:schemeClr val="accent3">
+                <a:lumMod val="75000"/>
+              </a:schemeClr>
+            </a:solidFill>
+          </a:ln>
+        </p:spPr>
+        <p:style>
+          <a:lnRef idx="1">
+            <a:schemeClr val="accent1"/>
+          </a:lnRef>
+          <a:fillRef idx="3">
+            <a:schemeClr val="accent1"/>
+          </a:fillRef>
+          <a:effectRef idx="2">
+            <a:schemeClr val="accent1"/>
+          </a:effectRef>
+          <a:fontRef idx="minor">
+            <a:schemeClr val="lt1"/>
+          </a:fontRef>
+        </p:style>
+        <p:txBody>
+          <a:bodyPr rtlCol="0" anchor="ctr"/>
+          <a:lstStyle/>
+          <a:p>
+            <a:pPr algn="ctr"/>
+            <a:endParaRPr lang="en-US"/>
+          </a:p>
+        </p:txBody>
+      </p:sp>
+      <p:sp>
+        <p:nvSpPr>
+          <p:cNvPr id="37" name="TextBox 36"/>
+          <p:cNvSpPr txBox="1"/>
+          <p:nvPr/>
+        </p:nvSpPr>
+        <p:spPr>
+          <a:xfrm>
+            <a:off x="0" y="3250168"/>
+            <a:ext cx="1454244" cy="369332"/>
+          </a:xfrm>
+          <a:prstGeom prst="rect">
+            <a:avLst/>
+          </a:prstGeom>
+          <a:noFill/>
+        </p:spPr>
+        <p:txBody>
+          <a:bodyPr wrap="none" rtlCol="0">
+            <a:spAutoFit/>
+          </a:bodyPr>
+          <a:lstStyle/>
+          <a:p>
+            <a:r>
+              <a:rPr lang="zh-CN" altLang="en-US" dirty="0" smtClean="0"/>
+              <a:t>数据适配器</a:t>
+            </a:r>
+            <a:r>
+              <a:rPr lang="zh-CN" altLang="zh-CN" dirty="0"/>
+              <a:t>2</a:t>
+            </a:r>
+            <a:endParaRPr lang="en-US" dirty="0"/>
+          </a:p>
+        </p:txBody>
+      </p:sp>
+      <p:sp>
+        <p:nvSpPr>
+          <p:cNvPr id="38" name="Can 37"/>
+          <p:cNvSpPr/>
+          <p:nvPr/>
+        </p:nvSpPr>
+        <p:spPr>
+          <a:xfrm>
+            <a:off x="190619" y="4939384"/>
+            <a:ext cx="699569" cy="960451"/>
+          </a:xfrm>
+          <a:prstGeom prst="can">
+            <a:avLst/>
+          </a:prstGeom>
+          <a:noFill/>
+          <a:ln>
+            <a:solidFill>
+              <a:schemeClr val="accent3">
+                <a:lumMod val="75000"/>
+              </a:schemeClr>
+            </a:solidFill>
+          </a:ln>
+        </p:spPr>
+        <p:style>
+          <a:lnRef idx="1">
+            <a:schemeClr val="accent1"/>
+          </a:lnRef>
+          <a:fillRef idx="3">
+            <a:schemeClr val="accent1"/>
+          </a:fillRef>
+          <a:effectRef idx="2">
+            <a:schemeClr val="accent1"/>
+          </a:effectRef>
+          <a:fontRef idx="minor">
+            <a:schemeClr val="lt1"/>
+          </a:fontRef>
+        </p:style>
+        <p:txBody>
+          <a:bodyPr rtlCol="0" anchor="ctr"/>
+          <a:lstStyle/>
+          <a:p>
+            <a:pPr algn="ctr"/>
+            <a:endParaRPr lang="en-US"/>
+          </a:p>
+        </p:txBody>
+      </p:sp>
+      <p:sp>
+        <p:nvSpPr>
+          <p:cNvPr id="39" name="TextBox 38"/>
+          <p:cNvSpPr txBox="1"/>
+          <p:nvPr/>
+        </p:nvSpPr>
+        <p:spPr>
+          <a:xfrm>
+            <a:off x="110767" y="5936903"/>
+            <a:ext cx="2425581" cy="369332"/>
+          </a:xfrm>
+          <a:prstGeom prst="rect">
+            <a:avLst/>
+          </a:prstGeom>
+          <a:noFill/>
+        </p:spPr>
+        <p:txBody>
+          <a:bodyPr wrap="square" rtlCol="0">
+            <a:spAutoFit/>
+          </a:bodyPr>
+          <a:lstStyle/>
+          <a:p>
+            <a:r>
+              <a:rPr lang="zh-CN" altLang="en-US" dirty="0" smtClean="0"/>
+              <a:t>原始</a:t>
+            </a:r>
+            <a:r>
+              <a:rPr lang="en-US" dirty="0" smtClean="0"/>
+              <a:t>训练数据</a:t>
+            </a:r>
+            <a:r>
+              <a:rPr lang="zh-CN" altLang="zh-CN" dirty="0"/>
+              <a:t>2</a:t>
+            </a:r>
+            <a:endParaRPr lang="en-US" dirty="0"/>
+          </a:p>
+        </p:txBody>
+      </p:sp>
+      <p:sp>
+        <p:nvSpPr>
+          <p:cNvPr id="40" name="TextBox 39"/>
+          <p:cNvSpPr txBox="1"/>
+          <p:nvPr/>
+        </p:nvSpPr>
+        <p:spPr>
+          <a:xfrm>
+            <a:off x="2259349" y="2255024"/>
+            <a:ext cx="553998" cy="1990288"/>
+          </a:xfrm>
+          <a:prstGeom prst="rect">
+            <a:avLst/>
+          </a:prstGeom>
+          <a:noFill/>
+        </p:spPr>
+        <p:txBody>
+          <a:bodyPr vert="vert270" wrap="none" rtlCol="0">
+            <a:spAutoFit/>
+          </a:bodyPr>
+          <a:lstStyle/>
+          <a:p>
+            <a:r>
+              <a:rPr lang="en-US" sz="2400" dirty="0" err="1" smtClean="0"/>
+              <a:t>CDataSupplier</a:t>
+            </a:r>
+            <a:endParaRPr lang="en-US" sz="2400" dirty="0"/>
+          </a:p>
+        </p:txBody>
+      </p:sp>
+      <p:sp>
+        <p:nvSpPr>
+          <p:cNvPr id="42" name="Multidocument 41"/>
+          <p:cNvSpPr/>
+          <p:nvPr/>
+        </p:nvSpPr>
+        <p:spPr>
+          <a:xfrm>
+            <a:off x="4552950" y="4011083"/>
+            <a:ext cx="558800" cy="639233"/>
+          </a:xfrm>
+          <a:prstGeom prst="flowChartMultidocument">
+            <a:avLst/>
+          </a:prstGeom>
+          <a:noFill/>
+          <a:ln>
+            <a:solidFill>
+              <a:schemeClr val="accent3">
+                <a:lumMod val="75000"/>
+              </a:schemeClr>
+            </a:solidFill>
+          </a:ln>
+        </p:spPr>
+        <p:style>
+          <a:lnRef idx="1">
+            <a:schemeClr val="accent1"/>
+          </a:lnRef>
+          <a:fillRef idx="3">
+            <a:schemeClr val="accent1"/>
+          </a:fillRef>
+          <a:effectRef idx="2">
+            <a:schemeClr val="accent1"/>
+          </a:effectRef>
+          <a:fontRef idx="minor">
+            <a:schemeClr val="lt1"/>
+          </a:fontRef>
+        </p:style>
+        <p:txBody>
+          <a:bodyPr rtlCol="0" anchor="ctr"/>
+          <a:lstStyle/>
+          <a:p>
+            <a:pPr algn="ctr"/>
+            <a:endParaRPr lang="en-US"/>
+          </a:p>
+        </p:txBody>
+      </p:sp>
+      <p:sp>
+        <p:nvSpPr>
+          <p:cNvPr id="43" name="Multidocument 42"/>
+          <p:cNvSpPr/>
+          <p:nvPr/>
+        </p:nvSpPr>
+        <p:spPr>
+          <a:xfrm>
+            <a:off x="4552950" y="4834467"/>
+            <a:ext cx="558800" cy="639233"/>
+          </a:xfrm>
+          <a:prstGeom prst="flowChartMultidocument">
+            <a:avLst/>
+          </a:prstGeom>
+          <a:noFill/>
+          <a:ln>
+            <a:solidFill>
+              <a:srgbClr val="768843"/>
+            </a:solidFill>
+          </a:ln>
+        </p:spPr>
+        <p:style>
+          <a:lnRef idx="1">
+            <a:schemeClr val="accent1"/>
+          </a:lnRef>
+          <a:fillRef idx="3">
+            <a:schemeClr val="accent1"/>
+          </a:fillRef>
+          <a:effectRef idx="2">
+            <a:schemeClr val="accent1"/>
+          </a:effectRef>
+          <a:fontRef idx="minor">
+            <a:schemeClr val="lt1"/>
+          </a:fontRef>
+        </p:style>
+        <p:txBody>
+          <a:bodyPr rtlCol="0" anchor="ctr"/>
+          <a:lstStyle/>
+          <a:p>
+            <a:pPr algn="ctr"/>
+            <a:endParaRPr lang="en-US" b="1" dirty="0"/>
+          </a:p>
+        </p:txBody>
+      </p:sp>
+      <p:sp>
+        <p:nvSpPr>
+          <p:cNvPr id="44" name="Multidocument 43"/>
+          <p:cNvSpPr/>
+          <p:nvPr/>
+        </p:nvSpPr>
+        <p:spPr>
+          <a:xfrm>
+            <a:off x="4552950" y="5698067"/>
+            <a:ext cx="558800" cy="639233"/>
+          </a:xfrm>
+          <a:prstGeom prst="flowChartMultidocument">
+            <a:avLst/>
+          </a:prstGeom>
+          <a:noFill/>
+          <a:ln>
+            <a:solidFill>
+              <a:schemeClr val="accent3">
+                <a:lumMod val="75000"/>
+              </a:schemeClr>
+            </a:solidFill>
+          </a:ln>
+        </p:spPr>
+        <p:style>
+          <a:lnRef idx="1">
+            <a:schemeClr val="accent1"/>
+          </a:lnRef>
+          <a:fillRef idx="3">
+            <a:schemeClr val="accent1"/>
+          </a:fillRef>
+          <a:effectRef idx="2">
+            <a:schemeClr val="accent1"/>
+          </a:effectRef>
+          <a:fontRef idx="minor">
+            <a:schemeClr val="lt1"/>
+          </a:fontRef>
+        </p:style>
+        <p:txBody>
+          <a:bodyPr rtlCol="0" anchor="ctr"/>
+          <a:lstStyle/>
+          <a:p>
+            <a:pPr algn="ctr"/>
+            <a:endParaRPr lang="en-US"/>
+          </a:p>
+        </p:txBody>
+      </p:sp>
+      <p:sp>
+        <p:nvSpPr>
+          <p:cNvPr id="45" name="Rectangle 44"/>
+          <p:cNvSpPr/>
+          <p:nvPr/>
+        </p:nvSpPr>
+        <p:spPr>
+          <a:xfrm>
+            <a:off x="4298950" y="3810000"/>
+            <a:ext cx="1054100" cy="2628900"/>
+          </a:xfrm>
+          <a:prstGeom prst="rect">
+            <a:avLst/>
+          </a:prstGeom>
+          <a:noFill/>
+          <a:ln>
+            <a:solidFill>
+              <a:schemeClr val="accent3">
+                <a:lumMod val="75000"/>
+              </a:schemeClr>
+            </a:solidFill>
+          </a:ln>
+        </p:spPr>
+        <p:style>
+          <a:lnRef idx="1">
+            <a:schemeClr val="accent1"/>
+          </a:lnRef>
+          <a:fillRef idx="3">
+            <a:schemeClr val="accent1"/>
+          </a:fillRef>
+          <a:effectRef idx="2">
+            <a:schemeClr val="accent1"/>
+          </a:effectRef>
+          <a:fontRef idx="minor">
+            <a:schemeClr val="lt1"/>
+          </a:fontRef>
+        </p:style>
+        <p:txBody>
+          <a:bodyPr rtlCol="0" anchor="ctr"/>
+          <a:lstStyle/>
+          <a:p>
+            <a:pPr algn="ctr"/>
+            <a:endParaRPr lang="en-US"/>
+          </a:p>
+        </p:txBody>
+      </p:sp>
+      <p:sp>
+        <p:nvSpPr>
+          <p:cNvPr id="46" name="TextBox 45"/>
+          <p:cNvSpPr txBox="1"/>
+          <p:nvPr/>
+        </p:nvSpPr>
+        <p:spPr>
+          <a:xfrm>
+            <a:off x="4552950" y="4177268"/>
+            <a:ext cx="449312" cy="369332"/>
+          </a:xfrm>
+          <a:prstGeom prst="rect">
+            <a:avLst/>
+          </a:prstGeom>
+          <a:noFill/>
+        </p:spPr>
+        <p:txBody>
+          <a:bodyPr wrap="none" rtlCol="0">
+            <a:spAutoFit/>
+          </a:bodyPr>
+          <a:lstStyle/>
+          <a:p>
+            <a:r>
+              <a:rPr lang="en-US" dirty="0" smtClean="0"/>
+              <a:t>T</a:t>
+            </a:r>
+            <a:r>
+              <a:rPr lang="en-US" altLang="zh-CN" dirty="0" smtClean="0"/>
+              <a:t>1</a:t>
+            </a:r>
+            <a:endParaRPr lang="en-US" dirty="0"/>
+          </a:p>
+        </p:txBody>
+      </p:sp>
+      <p:sp>
+        <p:nvSpPr>
+          <p:cNvPr id="47" name="TextBox 46"/>
+          <p:cNvSpPr txBox="1"/>
+          <p:nvPr/>
+        </p:nvSpPr>
+        <p:spPr>
+          <a:xfrm>
+            <a:off x="4552950" y="4971534"/>
+            <a:ext cx="449312" cy="369332"/>
+          </a:xfrm>
+          <a:prstGeom prst="rect">
+            <a:avLst/>
+          </a:prstGeom>
+          <a:noFill/>
+          <a:ln>
+            <a:solidFill>
+              <a:schemeClr val="accent3">
+                <a:lumMod val="75000"/>
+              </a:schemeClr>
+            </a:solidFill>
+          </a:ln>
+        </p:spPr>
+        <p:txBody>
+          <a:bodyPr wrap="none" rtlCol="0">
+            <a:spAutoFit/>
+          </a:bodyPr>
+          <a:lstStyle/>
+          <a:p>
+            <a:r>
+              <a:rPr lang="en-US" dirty="0" smtClean="0"/>
+              <a:t>T</a:t>
+            </a:r>
+            <a:r>
+              <a:rPr lang="en-US" altLang="zh-CN" dirty="0" smtClean="0"/>
+              <a:t>2</a:t>
+            </a:r>
+            <a:endParaRPr lang="en-US" dirty="0"/>
+          </a:p>
+        </p:txBody>
+      </p:sp>
+      <p:sp>
+        <p:nvSpPr>
+          <p:cNvPr id="48" name="TextBox 47"/>
+          <p:cNvSpPr txBox="1"/>
+          <p:nvPr/>
+        </p:nvSpPr>
+        <p:spPr>
+          <a:xfrm>
+            <a:off x="4552950" y="5878036"/>
+            <a:ext cx="436913" cy="369332"/>
+          </a:xfrm>
+          <a:prstGeom prst="rect">
+            <a:avLst/>
+          </a:prstGeom>
+          <a:noFill/>
+          <a:ln>
+            <a:solidFill>
+              <a:schemeClr val="accent3">
+                <a:lumMod val="75000"/>
+              </a:schemeClr>
+            </a:solidFill>
+          </a:ln>
+        </p:spPr>
+        <p:txBody>
+          <a:bodyPr wrap="none" rtlCol="0">
+            <a:spAutoFit/>
+          </a:bodyPr>
+          <a:lstStyle/>
+          <a:p>
+            <a:r>
+              <a:rPr lang="en-US" dirty="0" smtClean="0"/>
+              <a:t>T</a:t>
+            </a:r>
+            <a:r>
+              <a:rPr lang="zh-CN" altLang="zh-CN" dirty="0" smtClean="0"/>
+              <a:t>3</a:t>
+            </a:r>
+            <a:endParaRPr lang="en-US" dirty="0"/>
+          </a:p>
+        </p:txBody>
+      </p:sp>
+      <p:sp>
+        <p:nvSpPr>
+          <p:cNvPr id="49" name="TextBox 48"/>
+          <p:cNvSpPr txBox="1"/>
+          <p:nvPr/>
+        </p:nvSpPr>
+        <p:spPr>
+          <a:xfrm>
+            <a:off x="4076700" y="3289300"/>
+            <a:ext cx="1569660" cy="369332"/>
+          </a:xfrm>
+          <a:prstGeom prst="rect">
+            <a:avLst/>
+          </a:prstGeom>
+          <a:noFill/>
+        </p:spPr>
+        <p:txBody>
+          <a:bodyPr wrap="none" rtlCol="0">
+            <a:spAutoFit/>
+          </a:bodyPr>
+          <a:lstStyle/>
+          <a:p>
+            <a:r>
+              <a:rPr lang="zh-CN" altLang="en-US" dirty="0" smtClean="0"/>
+              <a:t>矩阵数据缓存</a:t>
+            </a:r>
+            <a:endParaRPr lang="en-US" dirty="0"/>
+          </a:p>
+        </p:txBody>
+      </p:sp>
+      <p:cxnSp>
+        <p:nvCxnSpPr>
+          <p:cNvPr id="51" name="Straight Arrow Connector 50"/>
+          <p:cNvCxnSpPr>
+            <a:stCxn id="27" idx="3"/>
+            <a:endCxn id="30" idx="0"/>
+          </p:cNvCxnSpPr>
+          <p:nvPr/>
+        </p:nvCxnSpPr>
+        <p:spPr>
+          <a:xfrm>
+            <a:off x="540404" y="1504434"/>
+            <a:ext cx="25400" cy="351348"/>
+          </a:xfrm>
+          <a:prstGeom prst="straightConnector1">
+            <a:avLst/>
+          </a:prstGeom>
+          <a:ln>
+            <a:solidFill>
+              <a:schemeClr val="accent6">
+                <a:lumMod val="75000"/>
+              </a:schemeClr>
+            </a:solidFill>
+            <a:tailEnd type="arrow"/>
+          </a:ln>
+        </p:spPr>
+        <p:style>
+          <a:lnRef idx="2">
+            <a:schemeClr val="accent1"/>
+          </a:lnRef>
+          <a:fillRef idx="0">
+            <a:schemeClr val="accent1"/>
+          </a:fillRef>
+          <a:effectRef idx="1">
+            <a:schemeClr val="accent1"/>
+          </a:effectRef>
+          <a:fontRef idx="minor">
+            <a:schemeClr val="tx1"/>
+          </a:fontRef>
+        </p:style>
+      </p:cxnSp>
+      <p:cxnSp>
+        <p:nvCxnSpPr>
+          <p:cNvPr id="53" name="Straight Arrow Connector 52"/>
+          <p:cNvCxnSpPr>
+            <a:stCxn id="30" idx="3"/>
+          </p:cNvCxnSpPr>
+          <p:nvPr/>
+        </p:nvCxnSpPr>
+        <p:spPr>
+          <a:xfrm>
+            <a:off x="940988" y="2230967"/>
+            <a:ext cx="909561" cy="0"/>
+          </a:xfrm>
+          <a:prstGeom prst="straightConnector1">
+            <a:avLst/>
+          </a:prstGeom>
+          <a:ln>
+            <a:solidFill>
+              <a:schemeClr val="accent6">
+                <a:lumMod val="75000"/>
+              </a:schemeClr>
+            </a:solidFill>
+            <a:tailEnd type="arrow"/>
+          </a:ln>
+        </p:spPr>
+        <p:style>
+          <a:lnRef idx="2">
+            <a:schemeClr val="accent1"/>
+          </a:lnRef>
+          <a:fillRef idx="0">
+            <a:schemeClr val="accent1"/>
+          </a:fillRef>
+          <a:effectRef idx="1">
+            <a:schemeClr val="accent1"/>
+          </a:effectRef>
+          <a:fontRef idx="minor">
+            <a:schemeClr val="tx1"/>
+          </a:fontRef>
+        </p:style>
+      </p:cxnSp>
+      <p:cxnSp>
+        <p:nvCxnSpPr>
+          <p:cNvPr id="56" name="Straight Arrow Connector 55"/>
+          <p:cNvCxnSpPr>
+            <a:stCxn id="38" idx="1"/>
+            <a:endCxn id="36" idx="2"/>
+          </p:cNvCxnSpPr>
+          <p:nvPr/>
+        </p:nvCxnSpPr>
+        <p:spPr>
+          <a:xfrm flipV="1">
+            <a:off x="540404" y="4368800"/>
+            <a:ext cx="25400" cy="570584"/>
+          </a:xfrm>
+          <a:prstGeom prst="straightConnector1">
+            <a:avLst/>
+          </a:prstGeom>
+          <a:ln>
+            <a:solidFill>
+              <a:schemeClr val="accent3">
+                <a:lumMod val="75000"/>
+              </a:schemeClr>
+            </a:solidFill>
+            <a:tailEnd type="arrow"/>
+          </a:ln>
+        </p:spPr>
+        <p:style>
+          <a:lnRef idx="2">
+            <a:schemeClr val="accent1"/>
+          </a:lnRef>
+          <a:fillRef idx="0">
+            <a:schemeClr val="accent1"/>
+          </a:fillRef>
+          <a:effectRef idx="1">
+            <a:schemeClr val="accent1"/>
+          </a:effectRef>
+          <a:fontRef idx="minor">
+            <a:schemeClr val="tx1"/>
+          </a:fontRef>
+        </p:style>
+      </p:cxnSp>
+      <p:cxnSp>
+        <p:nvCxnSpPr>
+          <p:cNvPr id="58" name="Straight Arrow Connector 57"/>
+          <p:cNvCxnSpPr>
+            <a:stCxn id="36" idx="3"/>
+          </p:cNvCxnSpPr>
+          <p:nvPr/>
+        </p:nvCxnSpPr>
+        <p:spPr>
+          <a:xfrm>
+            <a:off x="940988" y="3993616"/>
+            <a:ext cx="909561" cy="17467"/>
+          </a:xfrm>
+          <a:prstGeom prst="straightConnector1">
+            <a:avLst/>
+          </a:prstGeom>
+          <a:ln>
+            <a:solidFill>
+              <a:schemeClr val="accent3">
+                <a:lumMod val="75000"/>
+              </a:schemeClr>
+            </a:solidFill>
+            <a:tailEnd type="arrow"/>
+          </a:ln>
+        </p:spPr>
+        <p:style>
+          <a:lnRef idx="2">
+            <a:schemeClr val="accent1"/>
+          </a:lnRef>
+          <a:fillRef idx="0">
+            <a:schemeClr val="accent1"/>
+          </a:fillRef>
+          <a:effectRef idx="1">
+            <a:schemeClr val="accent1"/>
+          </a:effectRef>
+          <a:fontRef idx="minor">
+            <a:schemeClr val="tx1"/>
+          </a:fontRef>
+        </p:style>
+      </p:cxnSp>
+      <p:cxnSp>
+        <p:nvCxnSpPr>
+          <p:cNvPr id="60" name="Straight Arrow Connector 59"/>
+          <p:cNvCxnSpPr>
+            <a:endCxn id="23" idx="1"/>
+          </p:cNvCxnSpPr>
+          <p:nvPr/>
+        </p:nvCxnSpPr>
+        <p:spPr>
+          <a:xfrm flipV="1">
+            <a:off x="3260249" y="1657350"/>
+            <a:ext cx="1038701" cy="573617"/>
+          </a:xfrm>
+          <a:prstGeom prst="straightConnector1">
+            <a:avLst/>
+          </a:prstGeom>
+          <a:ln>
+            <a:solidFill>
+              <a:schemeClr val="accent6">
+                <a:lumMod val="75000"/>
+              </a:schemeClr>
+            </a:solidFill>
+            <a:tailEnd type="arrow"/>
+          </a:ln>
+        </p:spPr>
+        <p:style>
+          <a:lnRef idx="2">
+            <a:schemeClr val="accent1"/>
+          </a:lnRef>
+          <a:fillRef idx="0">
+            <a:schemeClr val="accent1"/>
+          </a:fillRef>
+          <a:effectRef idx="1">
+            <a:schemeClr val="accent1"/>
+          </a:effectRef>
+          <a:fontRef idx="minor">
+            <a:schemeClr val="tx1"/>
+          </a:fontRef>
+        </p:style>
+      </p:cxnSp>
+      <p:cxnSp>
+        <p:nvCxnSpPr>
+          <p:cNvPr id="62" name="Straight Arrow Connector 61"/>
+          <p:cNvCxnSpPr>
+            <a:endCxn id="45" idx="1"/>
+          </p:cNvCxnSpPr>
+          <p:nvPr/>
+        </p:nvCxnSpPr>
+        <p:spPr>
+          <a:xfrm>
+            <a:off x="3260249" y="4011083"/>
+            <a:ext cx="1038701" cy="1113367"/>
+          </a:xfrm>
+          <a:prstGeom prst="straightConnector1">
+            <a:avLst/>
+          </a:prstGeom>
+          <a:ln>
+            <a:solidFill>
+              <a:schemeClr val="accent3">
+                <a:lumMod val="75000"/>
+              </a:schemeClr>
+            </a:solidFill>
+            <a:tailEnd type="arrow"/>
+          </a:ln>
+        </p:spPr>
+        <p:style>
+          <a:lnRef idx="2">
+            <a:schemeClr val="accent1"/>
+          </a:lnRef>
+          <a:fillRef idx="0">
+            <a:schemeClr val="accent1"/>
+          </a:fillRef>
+          <a:effectRef idx="1">
+            <a:schemeClr val="accent1"/>
+          </a:effectRef>
+          <a:fontRef idx="minor">
+            <a:schemeClr val="tx1"/>
+          </a:fontRef>
+        </p:style>
+      </p:cxnSp>
+      <p:cxnSp>
+        <p:nvCxnSpPr>
+          <p:cNvPr id="64" name="Straight Arrow Connector 63"/>
+          <p:cNvCxnSpPr>
+            <a:stCxn id="2" idx="1"/>
+          </p:cNvCxnSpPr>
+          <p:nvPr/>
+        </p:nvCxnSpPr>
+        <p:spPr>
+          <a:xfrm flipH="1" flipV="1">
+            <a:off x="5353050" y="863600"/>
+            <a:ext cx="1949450" cy="965200"/>
+          </a:xfrm>
+          <a:prstGeom prst="straightConnector1">
+            <a:avLst/>
+          </a:prstGeom>
+          <a:ln>
+            <a:prstDash val="dot"/>
+            <a:tailEnd type="arrow"/>
+          </a:ln>
+        </p:spPr>
+        <p:style>
+          <a:lnRef idx="2">
+            <a:schemeClr val="accent1"/>
+          </a:lnRef>
+          <a:fillRef idx="0">
+            <a:schemeClr val="accent1"/>
+          </a:fillRef>
+          <a:effectRef idx="1">
+            <a:schemeClr val="accent1"/>
+          </a:effectRef>
+          <a:fontRef idx="minor">
+            <a:schemeClr val="tx1"/>
+          </a:fontRef>
+        </p:style>
+      </p:cxnSp>
+      <p:cxnSp>
+        <p:nvCxnSpPr>
+          <p:cNvPr id="66" name="Straight Arrow Connector 65"/>
+          <p:cNvCxnSpPr>
+            <a:stCxn id="2" idx="1"/>
+          </p:cNvCxnSpPr>
+          <p:nvPr/>
+        </p:nvCxnSpPr>
+        <p:spPr>
+          <a:xfrm flipH="1" flipV="1">
+            <a:off x="5353050" y="1689100"/>
+            <a:ext cx="1949450" cy="139700"/>
+          </a:xfrm>
+          <a:prstGeom prst="straightConnector1">
+            <a:avLst/>
+          </a:prstGeom>
+          <a:ln>
+            <a:prstDash val="dashDot"/>
+            <a:tailEnd type="arrow"/>
+          </a:ln>
+        </p:spPr>
+        <p:style>
+          <a:lnRef idx="2">
+            <a:schemeClr val="accent1"/>
+          </a:lnRef>
+          <a:fillRef idx="0">
+            <a:schemeClr val="accent1"/>
+          </a:fillRef>
+          <a:effectRef idx="1">
+            <a:schemeClr val="accent1"/>
+          </a:effectRef>
+          <a:fontRef idx="minor">
+            <a:schemeClr val="tx1"/>
+          </a:fontRef>
+        </p:style>
+      </p:cxnSp>
+      <p:cxnSp>
+        <p:nvCxnSpPr>
+          <p:cNvPr id="68" name="Straight Arrow Connector 67"/>
+          <p:cNvCxnSpPr>
+            <a:stCxn id="2" idx="1"/>
+          </p:cNvCxnSpPr>
+          <p:nvPr/>
+        </p:nvCxnSpPr>
+        <p:spPr>
+          <a:xfrm flipH="1">
+            <a:off x="5353050" y="1828800"/>
+            <a:ext cx="1949450" cy="749300"/>
+          </a:xfrm>
+          <a:prstGeom prst="straightConnector1">
+            <a:avLst/>
+          </a:prstGeom>
+          <a:ln>
+            <a:prstDash val="lgDash"/>
+            <a:tailEnd type="arrow"/>
+          </a:ln>
+        </p:spPr>
+        <p:style>
+          <a:lnRef idx="2">
+            <a:schemeClr val="accent1"/>
+          </a:lnRef>
+          <a:fillRef idx="0">
+            <a:schemeClr val="accent1"/>
+          </a:fillRef>
+          <a:effectRef idx="1">
+            <a:schemeClr val="accent1"/>
+          </a:effectRef>
+          <a:fontRef idx="minor">
+            <a:schemeClr val="tx1"/>
+          </a:fontRef>
+        </p:style>
+      </p:cxnSp>
+      <p:cxnSp>
+        <p:nvCxnSpPr>
+          <p:cNvPr id="73" name="Straight Arrow Connector 72"/>
+          <p:cNvCxnSpPr>
+            <a:stCxn id="3" idx="1"/>
+          </p:cNvCxnSpPr>
+          <p:nvPr/>
+        </p:nvCxnSpPr>
+        <p:spPr>
+          <a:xfrm flipH="1">
+            <a:off x="5353050" y="3619500"/>
+            <a:ext cx="1955800" cy="749300"/>
+          </a:xfrm>
+          <a:prstGeom prst="straightConnector1">
+            <a:avLst/>
+          </a:prstGeom>
+          <a:ln>
+            <a:prstDash val="dot"/>
+            <a:tailEnd type="arrow"/>
+          </a:ln>
+        </p:spPr>
+        <p:style>
+          <a:lnRef idx="2">
+            <a:schemeClr val="accent1"/>
+          </a:lnRef>
+          <a:fillRef idx="0">
+            <a:schemeClr val="accent1"/>
+          </a:fillRef>
+          <a:effectRef idx="1">
+            <a:schemeClr val="accent1"/>
+          </a:effectRef>
+          <a:fontRef idx="minor">
+            <a:schemeClr val="tx1"/>
+          </a:fontRef>
+        </p:style>
+      </p:cxnSp>
+      <p:cxnSp>
+        <p:nvCxnSpPr>
+          <p:cNvPr id="75" name="Straight Arrow Connector 74"/>
+          <p:cNvCxnSpPr>
+            <a:stCxn id="3" idx="1"/>
+          </p:cNvCxnSpPr>
+          <p:nvPr/>
+        </p:nvCxnSpPr>
+        <p:spPr>
+          <a:xfrm flipH="1">
+            <a:off x="5353050" y="3619500"/>
+            <a:ext cx="1955800" cy="1504950"/>
+          </a:xfrm>
+          <a:prstGeom prst="straightConnector1">
+            <a:avLst/>
+          </a:prstGeom>
+          <a:ln>
+            <a:prstDash val="dashDot"/>
+            <a:tailEnd type="arrow"/>
+          </a:ln>
+        </p:spPr>
+        <p:style>
+          <a:lnRef idx="2">
+            <a:schemeClr val="accent1"/>
+          </a:lnRef>
+          <a:fillRef idx="0">
+            <a:schemeClr val="accent1"/>
+          </a:fillRef>
+          <a:effectRef idx="1">
+            <a:schemeClr val="accent1"/>
+          </a:effectRef>
+          <a:fontRef idx="minor">
+            <a:schemeClr val="tx1"/>
+          </a:fontRef>
+        </p:style>
+      </p:cxnSp>
+      <p:cxnSp>
+        <p:nvCxnSpPr>
+          <p:cNvPr id="77" name="Straight Arrow Connector 76"/>
+          <p:cNvCxnSpPr>
+            <a:stCxn id="3" idx="1"/>
+          </p:cNvCxnSpPr>
+          <p:nvPr/>
+        </p:nvCxnSpPr>
+        <p:spPr>
+          <a:xfrm flipH="1">
+            <a:off x="5353050" y="3619500"/>
+            <a:ext cx="1955800" cy="2317403"/>
+          </a:xfrm>
+          <a:prstGeom prst="straightConnector1">
+            <a:avLst/>
+          </a:prstGeom>
+          <a:ln>
+            <a:prstDash val="lgDash"/>
+            <a:tailEnd type="arrow"/>
+          </a:ln>
+        </p:spPr>
+        <p:style>
+          <a:lnRef idx="2">
+            <a:schemeClr val="accent1"/>
+          </a:lnRef>
+          <a:fillRef idx="0">
+            <a:schemeClr val="accent1"/>
+          </a:fillRef>
+          <a:effectRef idx="1">
+            <a:schemeClr val="accent1"/>
+          </a:effectRef>
+          <a:fontRef idx="minor">
+            <a:schemeClr val="tx1"/>
+          </a:fontRef>
+        </p:style>
+      </p:cxnSp>
+      <p:sp>
+        <p:nvSpPr>
+          <p:cNvPr id="78" name="TextBox 77"/>
+          <p:cNvSpPr txBox="1"/>
+          <p:nvPr/>
+        </p:nvSpPr>
+        <p:spPr>
+          <a:xfrm>
+            <a:off x="5646360" y="1356836"/>
+            <a:ext cx="1107996" cy="369332"/>
+          </a:xfrm>
+          <a:prstGeom prst="rect">
+            <a:avLst/>
+          </a:prstGeom>
+          <a:noFill/>
+        </p:spPr>
+        <p:txBody>
+          <a:bodyPr wrap="none" rtlCol="0">
+            <a:spAutoFit/>
+          </a:bodyPr>
+          <a:lstStyle/>
+          <a:p>
+            <a:r>
+              <a:rPr lang="zh-CN" altLang="en-US" dirty="0" smtClean="0"/>
+              <a:t>训练线程</a:t>
+            </a:r>
+            <a:endParaRPr lang="en-US" dirty="0"/>
+          </a:p>
+        </p:txBody>
+      </p:sp>
+      <p:sp>
+        <p:nvSpPr>
+          <p:cNvPr id="79" name="TextBox 78"/>
+          <p:cNvSpPr txBox="1"/>
+          <p:nvPr/>
+        </p:nvSpPr>
+        <p:spPr>
+          <a:xfrm>
+            <a:off x="5646360" y="4245312"/>
+            <a:ext cx="1107996" cy="369332"/>
+          </a:xfrm>
+          <a:prstGeom prst="rect">
+            <a:avLst/>
+          </a:prstGeom>
+          <a:noFill/>
+        </p:spPr>
+        <p:txBody>
+          <a:bodyPr wrap="none" rtlCol="0">
+            <a:spAutoFit/>
+          </a:bodyPr>
+          <a:lstStyle/>
+          <a:p>
+            <a:r>
+              <a:rPr lang="zh-CN" altLang="en-US" dirty="0" smtClean="0"/>
+              <a:t>训练线程</a:t>
+            </a:r>
+            <a:endParaRPr lang="en-US" dirty="0"/>
+          </a:p>
+        </p:txBody>
+      </p:sp>
+    </p:spTree>
+    <p:extLst>
+      <p:ext uri="{BB962C8B-B14F-4D97-AF65-F5344CB8AC3E}">
+        <p14:creationId xmlns:p14="http://schemas.microsoft.com/office/powerpoint/2010/main" val="2173764624"/>
       </p:ext>
     </p:extLst>
   </p:cSld>

--- a/Hanjun/Pictures.pptx
+++ b/Hanjun/Pictures.pptx
@@ -11,6 +11,9 @@
     <p:sldId id="259" r:id="rId5"/>
     <p:sldId id="260" r:id="rId6"/>
     <p:sldId id="261" r:id="rId7"/>
+    <p:sldId id="262" r:id="rId8"/>
+    <p:sldId id="263" r:id="rId9"/>
+    <p:sldId id="264" r:id="rId10"/>
   </p:sldIdLst>
   <p:sldSz cx="12188825" cy="6858000"/>
   <p:notesSz cx="6858000" cy="9144000"/>
@@ -12247,7 +12250,7 @@
             <a:fld id="{28E80666-FB37-4B36-9149-507F3B0178E3}" type="datetimeFigureOut">
               <a:rPr lang="en-US" smtClean="0"/>
               <a:pPr/>
-              <a:t>5/31/14</a:t>
+              <a:t>6/1/14</a:t>
             </a:fld>
             <a:endParaRPr lang="en-US"/>
           </a:p>
@@ -12474,7 +12477,7 @@
           <a:p>
             <a:fld id="{1AB06FFE-816C-C24B-BA4C-A21B0446977D}" type="datetimeFigureOut">
               <a:rPr lang="en-US" smtClean="0"/>
-              <a:t>5/31/14</a:t>
+              <a:t>6/1/14</a:t>
             </a:fld>
             <a:endParaRPr lang="en-US"/>
           </a:p>
@@ -12649,7 +12652,7 @@
           <a:p>
             <a:fld id="{1AB06FFE-816C-C24B-BA4C-A21B0446977D}" type="datetimeFigureOut">
               <a:rPr lang="en-US" smtClean="0"/>
-              <a:t>5/31/14</a:t>
+              <a:t>6/1/14</a:t>
             </a:fld>
             <a:endParaRPr lang="en-US"/>
           </a:p>
@@ -12814,7 +12817,7 @@
           <a:p>
             <a:fld id="{1AB06FFE-816C-C24B-BA4C-A21B0446977D}" type="datetimeFigureOut">
               <a:rPr lang="en-US" smtClean="0"/>
-              <a:t>5/31/14</a:t>
+              <a:t>6/1/14</a:t>
             </a:fld>
             <a:endParaRPr lang="en-US"/>
           </a:p>
@@ -13056,7 +13059,7 @@
             <a:fld id="{28E80666-FB37-4B36-9149-507F3B0178E3}" type="datetimeFigureOut">
               <a:rPr lang="en-US" smtClean="0"/>
               <a:pPr/>
-              <a:t>5/31/14</a:t>
+              <a:t>6/1/14</a:t>
             </a:fld>
             <a:endParaRPr lang="en-US"/>
           </a:p>
@@ -13170,7 +13173,7 @@
           <a:p>
             <a:fld id="{1AB06FFE-816C-C24B-BA4C-A21B0446977D}" type="datetimeFigureOut">
               <a:rPr lang="en-US" smtClean="0"/>
-              <a:t>5/31/14</a:t>
+              <a:t>6/1/14</a:t>
             </a:fld>
             <a:endParaRPr lang="en-US"/>
           </a:p>
@@ -13547,7 +13550,7 @@
           <a:p>
             <a:fld id="{1AB06FFE-816C-C24B-BA4C-A21B0446977D}" type="datetimeFigureOut">
               <a:rPr lang="en-US" smtClean="0"/>
-              <a:t>5/31/14</a:t>
+              <a:t>6/1/14</a:t>
             </a:fld>
             <a:endParaRPr lang="en-US"/>
           </a:p>
@@ -19192,7 +19195,7 @@
           <a:p>
             <a:fld id="{1AB06FFE-816C-C24B-BA4C-A21B0446977D}" type="datetimeFigureOut">
               <a:rPr lang="en-US" smtClean="0"/>
-              <a:t>5/31/14</a:t>
+              <a:t>6/1/14</a:t>
             </a:fld>
             <a:endParaRPr lang="en-US"/>
           </a:p>
@@ -19282,7 +19285,7 @@
           <a:p>
             <a:fld id="{1AB06FFE-816C-C24B-BA4C-A21B0446977D}" type="datetimeFigureOut">
               <a:rPr lang="en-US" smtClean="0"/>
-              <a:t>5/31/14</a:t>
+              <a:t>6/1/14</a:t>
             </a:fld>
             <a:endParaRPr lang="en-US"/>
           </a:p>
@@ -19554,7 +19557,7 @@
           <a:p>
             <a:fld id="{1AB06FFE-816C-C24B-BA4C-A21B0446977D}" type="datetimeFigureOut">
               <a:rPr lang="en-US" smtClean="0"/>
-              <a:t>5/31/14</a:t>
+              <a:t>6/1/14</a:t>
             </a:fld>
             <a:endParaRPr lang="en-US"/>
           </a:p>
@@ -19863,7 +19866,7 @@
           <a:p>
             <a:fld id="{1AB06FFE-816C-C24B-BA4C-A21B0446977D}" type="datetimeFigureOut">
               <a:rPr lang="en-US" smtClean="0"/>
-              <a:t>5/31/14</a:t>
+              <a:t>6/1/14</a:t>
             </a:fld>
             <a:endParaRPr lang="en-US"/>
           </a:p>
@@ -20100,7 +20103,7 @@
           <a:p>
             <a:fld id="{1AB06FFE-816C-C24B-BA4C-A21B0446977D}" type="datetimeFigureOut">
               <a:rPr lang="en-US" smtClean="0"/>
-              <a:t>5/31/14</a:t>
+              <a:t>6/1/14</a:t>
             </a:fld>
             <a:endParaRPr lang="en-US"/>
           </a:p>
@@ -27870,6 +27873,3174 @@
 </p:sld>
 </file>
 
+<file path=ppt/slides/slide7.xml><?xml version="1.0" encoding="utf-8"?>
+<p:sld xmlns:a="http://schemas.openxmlformats.org/drawingml/2006/main" xmlns:r="http://schemas.openxmlformats.org/officeDocument/2006/relationships" xmlns:p="http://schemas.openxmlformats.org/presentationml/2006/main">
+  <p:cSld>
+    <p:spTree>
+      <p:nvGrpSpPr>
+        <p:cNvPr id="1" name=""/>
+        <p:cNvGrpSpPr/>
+        <p:nvPr/>
+      </p:nvGrpSpPr>
+      <p:grpSpPr>
+        <a:xfrm>
+          <a:off x="0" y="0"/>
+          <a:ext cx="0" cy="0"/>
+          <a:chOff x="0" y="0"/>
+          <a:chExt cx="0" cy="0"/>
+        </a:xfrm>
+      </p:grpSpPr>
+      <p:sp>
+        <p:nvSpPr>
+          <p:cNvPr id="2" name="Rectangle 1"/>
+          <p:cNvSpPr/>
+          <p:nvPr/>
+        </p:nvSpPr>
+        <p:spPr>
+          <a:xfrm>
+            <a:off x="5803900" y="1075383"/>
+            <a:ext cx="508000" cy="1854200"/>
+          </a:xfrm>
+          <a:prstGeom prst="rect">
+            <a:avLst/>
+          </a:prstGeom>
+        </p:spPr>
+        <p:style>
+          <a:lnRef idx="1">
+            <a:schemeClr val="accent2"/>
+          </a:lnRef>
+          <a:fillRef idx="3">
+            <a:schemeClr val="accent2"/>
+          </a:fillRef>
+          <a:effectRef idx="2">
+            <a:schemeClr val="accent2"/>
+          </a:effectRef>
+          <a:fontRef idx="minor">
+            <a:schemeClr val="lt1"/>
+          </a:fontRef>
+        </p:style>
+        <p:txBody>
+          <a:bodyPr rtlCol="0" anchor="ctr"/>
+          <a:lstStyle/>
+          <a:p>
+            <a:pPr algn="ctr"/>
+            <a:endParaRPr lang="en-US"/>
+          </a:p>
+        </p:txBody>
+      </p:sp>
+      <p:sp>
+        <p:nvSpPr>
+          <p:cNvPr id="3" name="Rectangle 2"/>
+          <p:cNvSpPr/>
+          <p:nvPr/>
+        </p:nvSpPr>
+        <p:spPr>
+          <a:xfrm>
+            <a:off x="5803900" y="3640783"/>
+            <a:ext cx="508000" cy="1854200"/>
+          </a:xfrm>
+          <a:prstGeom prst="rect">
+            <a:avLst/>
+          </a:prstGeom>
+          <a:solidFill>
+            <a:schemeClr val="accent4"/>
+          </a:solidFill>
+        </p:spPr>
+        <p:style>
+          <a:lnRef idx="1">
+            <a:schemeClr val="accent4"/>
+          </a:lnRef>
+          <a:fillRef idx="3">
+            <a:schemeClr val="accent4"/>
+          </a:fillRef>
+          <a:effectRef idx="2">
+            <a:schemeClr val="accent4"/>
+          </a:effectRef>
+          <a:fontRef idx="minor">
+            <a:schemeClr val="lt1"/>
+          </a:fontRef>
+        </p:style>
+        <p:txBody>
+          <a:bodyPr rtlCol="0" anchor="ctr"/>
+          <a:lstStyle/>
+          <a:p>
+            <a:pPr algn="ctr"/>
+            <a:endParaRPr lang="en-US"/>
+          </a:p>
+        </p:txBody>
+      </p:sp>
+      <p:sp>
+        <p:nvSpPr>
+          <p:cNvPr id="4" name="Rectangle 3"/>
+          <p:cNvSpPr/>
+          <p:nvPr/>
+        </p:nvSpPr>
+        <p:spPr>
+          <a:xfrm>
+            <a:off x="8280400" y="1735783"/>
+            <a:ext cx="508000" cy="3111500"/>
+          </a:xfrm>
+          <a:prstGeom prst="rect">
+            <a:avLst/>
+          </a:prstGeom>
+          <a:solidFill>
+            <a:schemeClr val="accent2"/>
+          </a:solidFill>
+        </p:spPr>
+        <p:style>
+          <a:lnRef idx="1">
+            <a:schemeClr val="accent5"/>
+          </a:lnRef>
+          <a:fillRef idx="3">
+            <a:schemeClr val="accent5"/>
+          </a:fillRef>
+          <a:effectRef idx="2">
+            <a:schemeClr val="accent5"/>
+          </a:effectRef>
+          <a:fontRef idx="minor">
+            <a:schemeClr val="lt1"/>
+          </a:fontRef>
+        </p:style>
+        <p:txBody>
+          <a:bodyPr rtlCol="0" anchor="ctr"/>
+          <a:lstStyle/>
+          <a:p>
+            <a:pPr algn="ctr"/>
+            <a:endParaRPr lang="en-US"/>
+          </a:p>
+        </p:txBody>
+      </p:sp>
+      <p:sp>
+        <p:nvSpPr>
+          <p:cNvPr id="5" name="Rectangle 4"/>
+          <p:cNvSpPr/>
+          <p:nvPr/>
+        </p:nvSpPr>
+        <p:spPr>
+          <a:xfrm>
+            <a:off x="10718800" y="2364433"/>
+            <a:ext cx="508000" cy="1854200"/>
+          </a:xfrm>
+          <a:prstGeom prst="rect">
+            <a:avLst/>
+          </a:prstGeom>
+        </p:spPr>
+        <p:style>
+          <a:lnRef idx="1">
+            <a:schemeClr val="accent2"/>
+          </a:lnRef>
+          <a:fillRef idx="3">
+            <a:schemeClr val="accent2"/>
+          </a:fillRef>
+          <a:effectRef idx="2">
+            <a:schemeClr val="accent2"/>
+          </a:effectRef>
+          <a:fontRef idx="minor">
+            <a:schemeClr val="lt1"/>
+          </a:fontRef>
+        </p:style>
+        <p:txBody>
+          <a:bodyPr rtlCol="0" anchor="ctr"/>
+          <a:lstStyle/>
+          <a:p>
+            <a:pPr algn="ctr"/>
+            <a:endParaRPr lang="en-US"/>
+          </a:p>
+        </p:txBody>
+      </p:sp>
+      <p:sp>
+        <p:nvSpPr>
+          <p:cNvPr id="6" name="TextBox 5"/>
+          <p:cNvSpPr txBox="1"/>
+          <p:nvPr/>
+        </p:nvSpPr>
+        <p:spPr>
+          <a:xfrm>
+            <a:off x="5689600" y="427683"/>
+            <a:ext cx="711200" cy="461665"/>
+          </a:xfrm>
+          <a:prstGeom prst="rect">
+            <a:avLst/>
+          </a:prstGeom>
+          <a:noFill/>
+        </p:spPr>
+        <p:txBody>
+          <a:bodyPr vert="horz" wrap="square" rtlCol="0">
+            <a:spAutoFit/>
+          </a:bodyPr>
+          <a:lstStyle/>
+          <a:p>
+            <a:r>
+              <a:rPr lang="zh-CN" altLang="en-US" sz="2400" dirty="0" smtClean="0"/>
+              <a:t> 层</a:t>
+            </a:r>
+            <a:r>
+              <a:rPr lang="en-US" altLang="zh-CN" sz="2400" dirty="0" smtClean="0"/>
+              <a:t>0</a:t>
+            </a:r>
+          </a:p>
+        </p:txBody>
+      </p:sp>
+      <p:sp>
+        <p:nvSpPr>
+          <p:cNvPr id="8" name="TextBox 7"/>
+          <p:cNvSpPr txBox="1"/>
+          <p:nvPr/>
+        </p:nvSpPr>
+        <p:spPr>
+          <a:xfrm>
+            <a:off x="5689600" y="5757218"/>
+            <a:ext cx="711200" cy="461665"/>
+          </a:xfrm>
+          <a:prstGeom prst="rect">
+            <a:avLst/>
+          </a:prstGeom>
+          <a:noFill/>
+        </p:spPr>
+        <p:txBody>
+          <a:bodyPr vert="horz" wrap="square" rtlCol="0">
+            <a:spAutoFit/>
+          </a:bodyPr>
+          <a:lstStyle/>
+          <a:p>
+            <a:r>
+              <a:rPr lang="zh-CN" altLang="en-US" sz="2400" dirty="0" smtClean="0"/>
+              <a:t> 层</a:t>
+            </a:r>
+            <a:r>
+              <a:rPr lang="zh-CN" altLang="zh-CN" sz="2400" dirty="0"/>
+              <a:t>1</a:t>
+            </a:r>
+            <a:endParaRPr lang="en-US" altLang="zh-CN" sz="2400" dirty="0" smtClean="0"/>
+          </a:p>
+        </p:txBody>
+      </p:sp>
+      <p:sp>
+        <p:nvSpPr>
+          <p:cNvPr id="9" name="TextBox 8"/>
+          <p:cNvSpPr txBox="1"/>
+          <p:nvPr/>
+        </p:nvSpPr>
+        <p:spPr>
+          <a:xfrm>
+            <a:off x="8128000" y="1075383"/>
+            <a:ext cx="711200" cy="461665"/>
+          </a:xfrm>
+          <a:prstGeom prst="rect">
+            <a:avLst/>
+          </a:prstGeom>
+          <a:noFill/>
+        </p:spPr>
+        <p:txBody>
+          <a:bodyPr vert="horz" wrap="square" rtlCol="0">
+            <a:spAutoFit/>
+          </a:bodyPr>
+          <a:lstStyle/>
+          <a:p>
+            <a:r>
+              <a:rPr lang="zh-CN" altLang="en-US" sz="2400" dirty="0" smtClean="0"/>
+              <a:t> 层</a:t>
+            </a:r>
+            <a:r>
+              <a:rPr lang="zh-CN" altLang="zh-CN" sz="2400" dirty="0"/>
+              <a:t>2</a:t>
+            </a:r>
+            <a:endParaRPr lang="en-US" altLang="zh-CN" sz="2400" dirty="0" smtClean="0"/>
+          </a:p>
+        </p:txBody>
+      </p:sp>
+      <p:sp>
+        <p:nvSpPr>
+          <p:cNvPr id="10" name="TextBox 9"/>
+          <p:cNvSpPr txBox="1"/>
+          <p:nvPr/>
+        </p:nvSpPr>
+        <p:spPr>
+          <a:xfrm>
+            <a:off x="10629900" y="1761183"/>
+            <a:ext cx="711200" cy="461665"/>
+          </a:xfrm>
+          <a:prstGeom prst="rect">
+            <a:avLst/>
+          </a:prstGeom>
+          <a:noFill/>
+        </p:spPr>
+        <p:txBody>
+          <a:bodyPr vert="horz" wrap="square" rtlCol="0">
+            <a:spAutoFit/>
+          </a:bodyPr>
+          <a:lstStyle/>
+          <a:p>
+            <a:r>
+              <a:rPr lang="zh-CN" altLang="en-US" sz="2400" dirty="0" smtClean="0"/>
+              <a:t> 层</a:t>
+            </a:r>
+            <a:r>
+              <a:rPr lang="zh-CN" altLang="zh-CN" sz="2400" dirty="0"/>
+              <a:t>3</a:t>
+            </a:r>
+            <a:endParaRPr lang="en-US" altLang="zh-CN" sz="2400" dirty="0" smtClean="0"/>
+          </a:p>
+        </p:txBody>
+      </p:sp>
+      <p:cxnSp>
+        <p:nvCxnSpPr>
+          <p:cNvPr id="15" name="Straight Arrow Connector 14"/>
+          <p:cNvCxnSpPr/>
+          <p:nvPr/>
+        </p:nvCxnSpPr>
+        <p:spPr>
+          <a:xfrm>
+            <a:off x="3556000" y="889348"/>
+            <a:ext cx="0" cy="5139035"/>
+          </a:xfrm>
+          <a:prstGeom prst="straightConnector1">
+            <a:avLst/>
+          </a:prstGeom>
+          <a:ln>
+            <a:solidFill>
+              <a:schemeClr val="tx1"/>
+            </a:solidFill>
+            <a:tailEnd type="arrow"/>
+          </a:ln>
+        </p:spPr>
+        <p:style>
+          <a:lnRef idx="2">
+            <a:schemeClr val="accent1"/>
+          </a:lnRef>
+          <a:fillRef idx="0">
+            <a:schemeClr val="accent1"/>
+          </a:fillRef>
+          <a:effectRef idx="1">
+            <a:schemeClr val="accent1"/>
+          </a:effectRef>
+          <a:fontRef idx="minor">
+            <a:schemeClr val="tx1"/>
+          </a:fontRef>
+        </p:style>
+      </p:cxnSp>
+      <p:cxnSp>
+        <p:nvCxnSpPr>
+          <p:cNvPr id="17" name="Straight Arrow Connector 16"/>
+          <p:cNvCxnSpPr/>
+          <p:nvPr/>
+        </p:nvCxnSpPr>
+        <p:spPr>
+          <a:xfrm>
+            <a:off x="3797300" y="902048"/>
+            <a:ext cx="0" cy="5139035"/>
+          </a:xfrm>
+          <a:prstGeom prst="straightConnector1">
+            <a:avLst/>
+          </a:prstGeom>
+          <a:ln>
+            <a:solidFill>
+              <a:schemeClr val="tx1"/>
+            </a:solidFill>
+            <a:tailEnd type="arrow"/>
+          </a:ln>
+        </p:spPr>
+        <p:style>
+          <a:lnRef idx="2">
+            <a:schemeClr val="accent1"/>
+          </a:lnRef>
+          <a:fillRef idx="0">
+            <a:schemeClr val="accent1"/>
+          </a:fillRef>
+          <a:effectRef idx="1">
+            <a:schemeClr val="accent1"/>
+          </a:effectRef>
+          <a:fontRef idx="minor">
+            <a:schemeClr val="tx1"/>
+          </a:fontRef>
+        </p:style>
+      </p:cxnSp>
+      <p:sp>
+        <p:nvSpPr>
+          <p:cNvPr id="18" name="TextBox 17"/>
+          <p:cNvSpPr txBox="1"/>
+          <p:nvPr/>
+        </p:nvSpPr>
+        <p:spPr>
+          <a:xfrm>
+            <a:off x="3327400" y="349250"/>
+            <a:ext cx="1346200" cy="461665"/>
+          </a:xfrm>
+          <a:prstGeom prst="rect">
+            <a:avLst/>
+          </a:prstGeom>
+          <a:noFill/>
+        </p:spPr>
+        <p:txBody>
+          <a:bodyPr vert="horz" wrap="square" rtlCol="0">
+            <a:spAutoFit/>
+          </a:bodyPr>
+          <a:lstStyle/>
+          <a:p>
+            <a:r>
+              <a:rPr lang="zh-CN" altLang="en-US" sz="2400" dirty="0" smtClean="0"/>
+              <a:t>数据流</a:t>
+            </a:r>
+            <a:endParaRPr lang="en-US" altLang="zh-CN" sz="2400" dirty="0" smtClean="0"/>
+          </a:p>
+        </p:txBody>
+      </p:sp>
+      <p:cxnSp>
+        <p:nvCxnSpPr>
+          <p:cNvPr id="24" name="Straight Arrow Connector 23"/>
+          <p:cNvCxnSpPr/>
+          <p:nvPr/>
+        </p:nvCxnSpPr>
+        <p:spPr>
+          <a:xfrm>
+            <a:off x="3949700" y="1977083"/>
+            <a:ext cx="1612900" cy="0"/>
+          </a:xfrm>
+          <a:prstGeom prst="straightConnector1">
+            <a:avLst/>
+          </a:prstGeom>
+          <a:ln>
+            <a:solidFill>
+              <a:schemeClr val="tx1"/>
+            </a:solidFill>
+            <a:tailEnd type="arrow"/>
+          </a:ln>
+        </p:spPr>
+        <p:style>
+          <a:lnRef idx="2">
+            <a:schemeClr val="accent1"/>
+          </a:lnRef>
+          <a:fillRef idx="0">
+            <a:schemeClr val="accent1"/>
+          </a:fillRef>
+          <a:effectRef idx="1">
+            <a:schemeClr val="accent1"/>
+          </a:effectRef>
+          <a:fontRef idx="minor">
+            <a:schemeClr val="tx1"/>
+          </a:fontRef>
+        </p:style>
+      </p:cxnSp>
+      <p:cxnSp>
+        <p:nvCxnSpPr>
+          <p:cNvPr id="25" name="Straight Arrow Connector 24"/>
+          <p:cNvCxnSpPr/>
+          <p:nvPr/>
+        </p:nvCxnSpPr>
+        <p:spPr>
+          <a:xfrm>
+            <a:off x="3949700" y="4618683"/>
+            <a:ext cx="1612900" cy="0"/>
+          </a:xfrm>
+          <a:prstGeom prst="straightConnector1">
+            <a:avLst/>
+          </a:prstGeom>
+          <a:ln>
+            <a:solidFill>
+              <a:schemeClr val="tx1"/>
+            </a:solidFill>
+            <a:tailEnd type="arrow"/>
+          </a:ln>
+        </p:spPr>
+        <p:style>
+          <a:lnRef idx="2">
+            <a:schemeClr val="accent1"/>
+          </a:lnRef>
+          <a:fillRef idx="0">
+            <a:schemeClr val="accent1"/>
+          </a:fillRef>
+          <a:effectRef idx="1">
+            <a:schemeClr val="accent1"/>
+          </a:effectRef>
+          <a:fontRef idx="minor">
+            <a:schemeClr val="tx1"/>
+          </a:fontRef>
+        </p:style>
+      </p:cxnSp>
+      <p:cxnSp>
+        <p:nvCxnSpPr>
+          <p:cNvPr id="27" name="Straight Arrow Connector 26"/>
+          <p:cNvCxnSpPr>
+            <a:stCxn id="2" idx="3"/>
+          </p:cNvCxnSpPr>
+          <p:nvPr/>
+        </p:nvCxnSpPr>
+        <p:spPr>
+          <a:xfrm>
+            <a:off x="6311900" y="2002483"/>
+            <a:ext cx="1968500" cy="787400"/>
+          </a:xfrm>
+          <a:prstGeom prst="straightConnector1">
+            <a:avLst/>
+          </a:prstGeom>
+          <a:ln w="254000" cmpd="sng">
+            <a:solidFill>
+              <a:schemeClr val="accent4"/>
+            </a:solidFill>
+            <a:tailEnd type="triangle"/>
+          </a:ln>
+        </p:spPr>
+        <p:style>
+          <a:lnRef idx="2">
+            <a:schemeClr val="accent1"/>
+          </a:lnRef>
+          <a:fillRef idx="0">
+            <a:schemeClr val="accent1"/>
+          </a:fillRef>
+          <a:effectRef idx="1">
+            <a:schemeClr val="accent1"/>
+          </a:effectRef>
+          <a:fontRef idx="minor">
+            <a:schemeClr val="tx1"/>
+          </a:fontRef>
+        </p:style>
+      </p:cxnSp>
+      <p:cxnSp>
+        <p:nvCxnSpPr>
+          <p:cNvPr id="29" name="Straight Arrow Connector 28"/>
+          <p:cNvCxnSpPr>
+            <a:stCxn id="3" idx="3"/>
+          </p:cNvCxnSpPr>
+          <p:nvPr/>
+        </p:nvCxnSpPr>
+        <p:spPr>
+          <a:xfrm flipV="1">
+            <a:off x="6311900" y="3755083"/>
+            <a:ext cx="1968500" cy="812800"/>
+          </a:xfrm>
+          <a:prstGeom prst="straightConnector1">
+            <a:avLst/>
+          </a:prstGeom>
+          <a:ln w="254000" cmpd="sng">
+            <a:solidFill>
+              <a:schemeClr val="accent3"/>
+            </a:solidFill>
+            <a:tailEnd type="triangle"/>
+          </a:ln>
+        </p:spPr>
+        <p:style>
+          <a:lnRef idx="2">
+            <a:schemeClr val="accent1"/>
+          </a:lnRef>
+          <a:fillRef idx="0">
+            <a:schemeClr val="accent1"/>
+          </a:fillRef>
+          <a:effectRef idx="1">
+            <a:schemeClr val="accent1"/>
+          </a:effectRef>
+          <a:fontRef idx="minor">
+            <a:schemeClr val="tx1"/>
+          </a:fontRef>
+        </p:style>
+      </p:cxnSp>
+      <p:cxnSp>
+        <p:nvCxnSpPr>
+          <p:cNvPr id="31" name="Straight Arrow Connector 30"/>
+          <p:cNvCxnSpPr>
+            <a:stCxn id="4" idx="3"/>
+            <a:endCxn id="5" idx="1"/>
+          </p:cNvCxnSpPr>
+          <p:nvPr/>
+        </p:nvCxnSpPr>
+        <p:spPr>
+          <a:xfrm>
+            <a:off x="8788400" y="3291533"/>
+            <a:ext cx="1930400" cy="0"/>
+          </a:xfrm>
+          <a:prstGeom prst="straightConnector1">
+            <a:avLst/>
+          </a:prstGeom>
+          <a:ln w="254000" cmpd="sng">
+            <a:solidFill>
+              <a:schemeClr val="accent4"/>
+            </a:solidFill>
+            <a:tailEnd type="triangle"/>
+          </a:ln>
+        </p:spPr>
+        <p:style>
+          <a:lnRef idx="2">
+            <a:schemeClr val="accent1"/>
+          </a:lnRef>
+          <a:fillRef idx="0">
+            <a:schemeClr val="accent1"/>
+          </a:fillRef>
+          <a:effectRef idx="1">
+            <a:schemeClr val="accent1"/>
+          </a:effectRef>
+          <a:fontRef idx="minor">
+            <a:schemeClr val="tx1"/>
+          </a:fontRef>
+        </p:style>
+      </p:cxnSp>
+      <p:sp>
+        <p:nvSpPr>
+          <p:cNvPr id="33" name="Rectangle 32"/>
+          <p:cNvSpPr/>
+          <p:nvPr/>
+        </p:nvSpPr>
+        <p:spPr>
+          <a:xfrm>
+            <a:off x="660400" y="808684"/>
+            <a:ext cx="520700" cy="512116"/>
+          </a:xfrm>
+          <a:prstGeom prst="rect">
+            <a:avLst/>
+          </a:prstGeom>
+        </p:spPr>
+        <p:style>
+          <a:lnRef idx="1">
+            <a:schemeClr val="accent2"/>
+          </a:lnRef>
+          <a:fillRef idx="3">
+            <a:schemeClr val="accent2"/>
+          </a:fillRef>
+          <a:effectRef idx="2">
+            <a:schemeClr val="accent2"/>
+          </a:effectRef>
+          <a:fontRef idx="minor">
+            <a:schemeClr val="lt1"/>
+          </a:fontRef>
+        </p:style>
+        <p:txBody>
+          <a:bodyPr rtlCol="0" anchor="ctr"/>
+          <a:lstStyle/>
+          <a:p>
+            <a:pPr algn="ctr"/>
+            <a:endParaRPr lang="en-US"/>
+          </a:p>
+        </p:txBody>
+      </p:sp>
+      <p:sp>
+        <p:nvSpPr>
+          <p:cNvPr id="34" name="TextBox 33"/>
+          <p:cNvSpPr txBox="1"/>
+          <p:nvPr/>
+        </p:nvSpPr>
+        <p:spPr>
+          <a:xfrm>
+            <a:off x="6553200" y="1553866"/>
+            <a:ext cx="1079500" cy="461665"/>
+          </a:xfrm>
+          <a:prstGeom prst="rect">
+            <a:avLst/>
+          </a:prstGeom>
+          <a:noFill/>
+        </p:spPr>
+        <p:txBody>
+          <a:bodyPr vert="horz" wrap="square" rtlCol="0">
+            <a:spAutoFit/>
+          </a:bodyPr>
+          <a:lstStyle/>
+          <a:p>
+            <a:r>
+              <a:rPr lang="zh-CN" altLang="en-US" sz="2400" dirty="0" smtClean="0"/>
+              <a:t> 连接</a:t>
+            </a:r>
+            <a:r>
+              <a:rPr lang="en-US" altLang="zh-CN" sz="2400" dirty="0" smtClean="0"/>
+              <a:t>0</a:t>
+            </a:r>
+          </a:p>
+        </p:txBody>
+      </p:sp>
+      <p:sp>
+        <p:nvSpPr>
+          <p:cNvPr id="35" name="TextBox 34"/>
+          <p:cNvSpPr txBox="1"/>
+          <p:nvPr/>
+        </p:nvSpPr>
+        <p:spPr>
+          <a:xfrm>
+            <a:off x="6553200" y="3524250"/>
+            <a:ext cx="1079500" cy="461665"/>
+          </a:xfrm>
+          <a:prstGeom prst="rect">
+            <a:avLst/>
+          </a:prstGeom>
+          <a:noFill/>
+        </p:spPr>
+        <p:txBody>
+          <a:bodyPr vert="horz" wrap="square" rtlCol="0">
+            <a:spAutoFit/>
+          </a:bodyPr>
+          <a:lstStyle/>
+          <a:p>
+            <a:r>
+              <a:rPr lang="zh-CN" altLang="en-US" sz="2400" dirty="0" smtClean="0"/>
+              <a:t> 连接</a:t>
+            </a:r>
+            <a:r>
+              <a:rPr lang="zh-CN" altLang="zh-CN" sz="2400" dirty="0"/>
+              <a:t>1</a:t>
+            </a:r>
+            <a:endParaRPr lang="en-US" altLang="zh-CN" sz="2400" dirty="0" smtClean="0"/>
+          </a:p>
+        </p:txBody>
+      </p:sp>
+      <p:sp>
+        <p:nvSpPr>
+          <p:cNvPr id="36" name="TextBox 35"/>
+          <p:cNvSpPr txBox="1"/>
+          <p:nvPr/>
+        </p:nvSpPr>
+        <p:spPr>
+          <a:xfrm>
+            <a:off x="8940800" y="2698750"/>
+            <a:ext cx="1079500" cy="461665"/>
+          </a:xfrm>
+          <a:prstGeom prst="rect">
+            <a:avLst/>
+          </a:prstGeom>
+          <a:noFill/>
+        </p:spPr>
+        <p:txBody>
+          <a:bodyPr vert="horz" wrap="square" rtlCol="0">
+            <a:spAutoFit/>
+          </a:bodyPr>
+          <a:lstStyle/>
+          <a:p>
+            <a:r>
+              <a:rPr lang="zh-CN" altLang="en-US" sz="2400" dirty="0" smtClean="0"/>
+              <a:t> 连接</a:t>
+            </a:r>
+            <a:r>
+              <a:rPr lang="zh-CN" altLang="zh-CN" sz="2400" dirty="0"/>
+              <a:t>2</a:t>
+            </a:r>
+            <a:endParaRPr lang="en-US" altLang="zh-CN" sz="2400" dirty="0" smtClean="0"/>
+          </a:p>
+        </p:txBody>
+      </p:sp>
+      <p:sp>
+        <p:nvSpPr>
+          <p:cNvPr id="37" name="Rectangle 36"/>
+          <p:cNvSpPr/>
+          <p:nvPr/>
+        </p:nvSpPr>
+        <p:spPr>
+          <a:xfrm>
+            <a:off x="660400" y="1710732"/>
+            <a:ext cx="520700" cy="512116"/>
+          </a:xfrm>
+          <a:prstGeom prst="rect">
+            <a:avLst/>
+          </a:prstGeom>
+          <a:solidFill>
+            <a:schemeClr val="accent4"/>
+          </a:solidFill>
+        </p:spPr>
+        <p:style>
+          <a:lnRef idx="1">
+            <a:schemeClr val="accent4"/>
+          </a:lnRef>
+          <a:fillRef idx="3">
+            <a:schemeClr val="accent4"/>
+          </a:fillRef>
+          <a:effectRef idx="2">
+            <a:schemeClr val="accent4"/>
+          </a:effectRef>
+          <a:fontRef idx="minor">
+            <a:schemeClr val="lt1"/>
+          </a:fontRef>
+        </p:style>
+        <p:txBody>
+          <a:bodyPr rtlCol="0" anchor="ctr"/>
+          <a:lstStyle/>
+          <a:p>
+            <a:pPr algn="ctr"/>
+            <a:endParaRPr lang="en-US"/>
+          </a:p>
+        </p:txBody>
+      </p:sp>
+      <p:sp>
+        <p:nvSpPr>
+          <p:cNvPr id="38" name="Rectangle 37"/>
+          <p:cNvSpPr/>
+          <p:nvPr/>
+        </p:nvSpPr>
+        <p:spPr>
+          <a:xfrm>
+            <a:off x="660400" y="2648299"/>
+            <a:ext cx="520700" cy="512116"/>
+          </a:xfrm>
+          <a:prstGeom prst="rect">
+            <a:avLst/>
+          </a:prstGeom>
+          <a:solidFill>
+            <a:schemeClr val="accent3"/>
+          </a:solidFill>
+        </p:spPr>
+        <p:style>
+          <a:lnRef idx="1">
+            <a:schemeClr val="accent2"/>
+          </a:lnRef>
+          <a:fillRef idx="3">
+            <a:schemeClr val="accent2"/>
+          </a:fillRef>
+          <a:effectRef idx="2">
+            <a:schemeClr val="accent2"/>
+          </a:effectRef>
+          <a:fontRef idx="minor">
+            <a:schemeClr val="lt1"/>
+          </a:fontRef>
+        </p:style>
+        <p:txBody>
+          <a:bodyPr rtlCol="0" anchor="ctr"/>
+          <a:lstStyle/>
+          <a:p>
+            <a:pPr algn="ctr"/>
+            <a:endParaRPr lang="en-US"/>
+          </a:p>
+        </p:txBody>
+      </p:sp>
+      <p:sp>
+        <p:nvSpPr>
+          <p:cNvPr id="43" name="TextBox 42"/>
+          <p:cNvSpPr txBox="1"/>
+          <p:nvPr/>
+        </p:nvSpPr>
+        <p:spPr>
+          <a:xfrm>
+            <a:off x="2108200" y="838200"/>
+            <a:ext cx="338554" cy="461665"/>
+          </a:xfrm>
+          <a:prstGeom prst="rect">
+            <a:avLst/>
+          </a:prstGeom>
+          <a:noFill/>
+        </p:spPr>
+        <p:txBody>
+          <a:bodyPr wrap="none" rtlCol="0">
+            <a:spAutoFit/>
+          </a:bodyPr>
+          <a:lstStyle/>
+          <a:p>
+            <a:r>
+              <a:rPr lang="zh-CN" altLang="en-US" sz="2400" dirty="0" smtClean="0"/>
+              <a:t>0</a:t>
+            </a:r>
+            <a:endParaRPr lang="en-US" sz="2400" dirty="0"/>
+          </a:p>
+        </p:txBody>
+      </p:sp>
+      <p:sp>
+        <p:nvSpPr>
+          <p:cNvPr id="44" name="TextBox 43"/>
+          <p:cNvSpPr txBox="1"/>
+          <p:nvPr/>
+        </p:nvSpPr>
+        <p:spPr>
+          <a:xfrm>
+            <a:off x="2108200" y="1765300"/>
+            <a:ext cx="338554" cy="461665"/>
+          </a:xfrm>
+          <a:prstGeom prst="rect">
+            <a:avLst/>
+          </a:prstGeom>
+          <a:noFill/>
+        </p:spPr>
+        <p:txBody>
+          <a:bodyPr wrap="none" rtlCol="0">
+            <a:spAutoFit/>
+          </a:bodyPr>
+          <a:lstStyle/>
+          <a:p>
+            <a:r>
+              <a:rPr lang="zh-CN" altLang="en-US" sz="2400" dirty="0"/>
+              <a:t>1</a:t>
+            </a:r>
+            <a:endParaRPr lang="en-US" sz="2400" dirty="0"/>
+          </a:p>
+        </p:txBody>
+      </p:sp>
+      <p:sp>
+        <p:nvSpPr>
+          <p:cNvPr id="45" name="TextBox 44"/>
+          <p:cNvSpPr txBox="1"/>
+          <p:nvPr/>
+        </p:nvSpPr>
+        <p:spPr>
+          <a:xfrm>
+            <a:off x="2091323" y="2698750"/>
+            <a:ext cx="338554" cy="461665"/>
+          </a:xfrm>
+          <a:prstGeom prst="rect">
+            <a:avLst/>
+          </a:prstGeom>
+          <a:noFill/>
+        </p:spPr>
+        <p:txBody>
+          <a:bodyPr wrap="none" rtlCol="0">
+            <a:spAutoFit/>
+          </a:bodyPr>
+          <a:lstStyle/>
+          <a:p>
+            <a:r>
+              <a:rPr lang="zh-CN" altLang="en-US" sz="2400" dirty="0"/>
+              <a:t>2</a:t>
+            </a:r>
+            <a:endParaRPr lang="en-US" sz="2400" dirty="0"/>
+          </a:p>
+        </p:txBody>
+      </p:sp>
+      <p:sp>
+        <p:nvSpPr>
+          <p:cNvPr id="47" name="TextBox 46"/>
+          <p:cNvSpPr txBox="1"/>
+          <p:nvPr/>
+        </p:nvSpPr>
+        <p:spPr>
+          <a:xfrm>
+            <a:off x="1532523" y="196850"/>
+            <a:ext cx="1415772" cy="461665"/>
+          </a:xfrm>
+          <a:prstGeom prst="rect">
+            <a:avLst/>
+          </a:prstGeom>
+          <a:noFill/>
+        </p:spPr>
+        <p:txBody>
+          <a:bodyPr wrap="none" rtlCol="0">
+            <a:spAutoFit/>
+          </a:bodyPr>
+          <a:lstStyle/>
+          <a:p>
+            <a:r>
+              <a:rPr lang="zh-CN" altLang="en-US" sz="2400" dirty="0" smtClean="0"/>
+              <a:t>节点编号</a:t>
+            </a:r>
+            <a:endParaRPr lang="en-US" sz="2400" dirty="0"/>
+          </a:p>
+        </p:txBody>
+      </p:sp>
+      <p:sp>
+        <p:nvSpPr>
+          <p:cNvPr id="48" name="TextBox 47"/>
+          <p:cNvSpPr txBox="1"/>
+          <p:nvPr/>
+        </p:nvSpPr>
+        <p:spPr>
+          <a:xfrm>
+            <a:off x="558800" y="196850"/>
+            <a:ext cx="800219" cy="461665"/>
+          </a:xfrm>
+          <a:prstGeom prst="rect">
+            <a:avLst/>
+          </a:prstGeom>
+          <a:noFill/>
+        </p:spPr>
+        <p:txBody>
+          <a:bodyPr wrap="none" rtlCol="0">
+            <a:spAutoFit/>
+          </a:bodyPr>
+          <a:lstStyle/>
+          <a:p>
+            <a:r>
+              <a:rPr lang="zh-CN" altLang="en-US" sz="2400" dirty="0" smtClean="0"/>
+              <a:t>颜色</a:t>
+            </a:r>
+            <a:endParaRPr lang="en-US" sz="2400" dirty="0"/>
+          </a:p>
+        </p:txBody>
+      </p:sp>
+    </p:spTree>
+    <p:extLst>
+      <p:ext uri="{BB962C8B-B14F-4D97-AF65-F5344CB8AC3E}">
+        <p14:creationId xmlns:p14="http://schemas.microsoft.com/office/powerpoint/2010/main" val="3087049758"/>
+      </p:ext>
+    </p:extLst>
+  </p:cSld>
+  <p:clrMapOvr>
+    <a:masterClrMapping/>
+  </p:clrMapOvr>
+</p:sld>
+</file>
+
+<file path=ppt/slides/slide8.xml><?xml version="1.0" encoding="utf-8"?>
+<p:sld xmlns:a="http://schemas.openxmlformats.org/drawingml/2006/main" xmlns:r="http://schemas.openxmlformats.org/officeDocument/2006/relationships" xmlns:p="http://schemas.openxmlformats.org/presentationml/2006/main">
+  <p:cSld>
+    <p:spTree>
+      <p:nvGrpSpPr>
+        <p:cNvPr id="1" name=""/>
+        <p:cNvGrpSpPr/>
+        <p:nvPr/>
+      </p:nvGrpSpPr>
+      <p:grpSpPr>
+        <a:xfrm>
+          <a:off x="0" y="0"/>
+          <a:ext cx="0" cy="0"/>
+          <a:chOff x="0" y="0"/>
+          <a:chExt cx="0" cy="0"/>
+        </a:xfrm>
+      </p:grpSpPr>
+      <p:sp>
+        <p:nvSpPr>
+          <p:cNvPr id="2" name="Rectangle 1"/>
+          <p:cNvSpPr/>
+          <p:nvPr/>
+        </p:nvSpPr>
+        <p:spPr>
+          <a:xfrm>
+            <a:off x="4622800" y="1537048"/>
+            <a:ext cx="508000" cy="3111500"/>
+          </a:xfrm>
+          <a:prstGeom prst="rect">
+            <a:avLst/>
+          </a:prstGeom>
+          <a:solidFill>
+            <a:schemeClr val="accent2"/>
+          </a:solidFill>
+        </p:spPr>
+        <p:style>
+          <a:lnRef idx="1">
+            <a:schemeClr val="accent5"/>
+          </a:lnRef>
+          <a:fillRef idx="3">
+            <a:schemeClr val="accent5"/>
+          </a:fillRef>
+          <a:effectRef idx="2">
+            <a:schemeClr val="accent5"/>
+          </a:effectRef>
+          <a:fontRef idx="minor">
+            <a:schemeClr val="lt1"/>
+          </a:fontRef>
+        </p:style>
+        <p:txBody>
+          <a:bodyPr rtlCol="0" anchor="ctr"/>
+          <a:lstStyle/>
+          <a:p>
+            <a:pPr algn="ctr"/>
+            <a:endParaRPr lang="en-US"/>
+          </a:p>
+        </p:txBody>
+      </p:sp>
+      <p:sp>
+        <p:nvSpPr>
+          <p:cNvPr id="3" name="TextBox 2"/>
+          <p:cNvSpPr txBox="1"/>
+          <p:nvPr/>
+        </p:nvSpPr>
+        <p:spPr>
+          <a:xfrm>
+            <a:off x="4470400" y="876648"/>
+            <a:ext cx="711200" cy="461665"/>
+          </a:xfrm>
+          <a:prstGeom prst="rect">
+            <a:avLst/>
+          </a:prstGeom>
+          <a:noFill/>
+        </p:spPr>
+        <p:txBody>
+          <a:bodyPr vert="horz" wrap="square" rtlCol="0">
+            <a:spAutoFit/>
+          </a:bodyPr>
+          <a:lstStyle/>
+          <a:p>
+            <a:r>
+              <a:rPr lang="zh-CN" altLang="en-US" sz="2400" dirty="0" smtClean="0"/>
+              <a:t> 层</a:t>
+            </a:r>
+            <a:r>
+              <a:rPr lang="zh-CN" altLang="zh-CN" sz="2400" dirty="0"/>
+              <a:t>2</a:t>
+            </a:r>
+            <a:endParaRPr lang="en-US" altLang="zh-CN" sz="2400" dirty="0" smtClean="0"/>
+          </a:p>
+        </p:txBody>
+      </p:sp>
+      <p:cxnSp>
+        <p:nvCxnSpPr>
+          <p:cNvPr id="4" name="Straight Arrow Connector 3"/>
+          <p:cNvCxnSpPr/>
+          <p:nvPr/>
+        </p:nvCxnSpPr>
+        <p:spPr>
+          <a:xfrm>
+            <a:off x="2654300" y="1803748"/>
+            <a:ext cx="1968500" cy="787400"/>
+          </a:xfrm>
+          <a:prstGeom prst="straightConnector1">
+            <a:avLst/>
+          </a:prstGeom>
+          <a:ln w="254000" cmpd="sng">
+            <a:solidFill>
+              <a:srgbClr val="D9D9D9"/>
+            </a:solidFill>
+            <a:tailEnd type="triangle"/>
+          </a:ln>
+        </p:spPr>
+        <p:style>
+          <a:lnRef idx="2">
+            <a:schemeClr val="accent1"/>
+          </a:lnRef>
+          <a:fillRef idx="0">
+            <a:schemeClr val="accent1"/>
+          </a:fillRef>
+          <a:effectRef idx="1">
+            <a:schemeClr val="accent1"/>
+          </a:effectRef>
+          <a:fontRef idx="minor">
+            <a:schemeClr val="tx1"/>
+          </a:fontRef>
+        </p:style>
+      </p:cxnSp>
+      <p:cxnSp>
+        <p:nvCxnSpPr>
+          <p:cNvPr id="5" name="Straight Arrow Connector 4"/>
+          <p:cNvCxnSpPr/>
+          <p:nvPr/>
+        </p:nvCxnSpPr>
+        <p:spPr>
+          <a:xfrm flipV="1">
+            <a:off x="2654300" y="3556348"/>
+            <a:ext cx="1968500" cy="812800"/>
+          </a:xfrm>
+          <a:prstGeom prst="straightConnector1">
+            <a:avLst/>
+          </a:prstGeom>
+          <a:ln w="254000" cmpd="sng">
+            <a:solidFill>
+              <a:schemeClr val="bg1">
+                <a:lumMod val="85000"/>
+              </a:schemeClr>
+            </a:solidFill>
+            <a:tailEnd type="triangle"/>
+          </a:ln>
+        </p:spPr>
+        <p:style>
+          <a:lnRef idx="2">
+            <a:schemeClr val="accent1"/>
+          </a:lnRef>
+          <a:fillRef idx="0">
+            <a:schemeClr val="accent1"/>
+          </a:fillRef>
+          <a:effectRef idx="1">
+            <a:schemeClr val="accent1"/>
+          </a:effectRef>
+          <a:fontRef idx="minor">
+            <a:schemeClr val="tx1"/>
+          </a:fontRef>
+        </p:style>
+      </p:cxnSp>
+      <p:sp>
+        <p:nvSpPr>
+          <p:cNvPr id="6" name="TextBox 5"/>
+          <p:cNvSpPr txBox="1"/>
+          <p:nvPr/>
+        </p:nvSpPr>
+        <p:spPr>
+          <a:xfrm>
+            <a:off x="2895600" y="1355131"/>
+            <a:ext cx="1079500" cy="461665"/>
+          </a:xfrm>
+          <a:prstGeom prst="rect">
+            <a:avLst/>
+          </a:prstGeom>
+          <a:noFill/>
+        </p:spPr>
+        <p:txBody>
+          <a:bodyPr vert="horz" wrap="square" rtlCol="0">
+            <a:spAutoFit/>
+          </a:bodyPr>
+          <a:lstStyle/>
+          <a:p>
+            <a:r>
+              <a:rPr lang="zh-CN" altLang="en-US" sz="2400" dirty="0" smtClean="0"/>
+              <a:t> 连接</a:t>
+            </a:r>
+            <a:r>
+              <a:rPr lang="en-US" altLang="zh-CN" sz="2400" dirty="0" smtClean="0"/>
+              <a:t>0</a:t>
+            </a:r>
+          </a:p>
+        </p:txBody>
+      </p:sp>
+      <p:sp>
+        <p:nvSpPr>
+          <p:cNvPr id="7" name="TextBox 6"/>
+          <p:cNvSpPr txBox="1"/>
+          <p:nvPr/>
+        </p:nvSpPr>
+        <p:spPr>
+          <a:xfrm>
+            <a:off x="2895600" y="3325515"/>
+            <a:ext cx="1079500" cy="461665"/>
+          </a:xfrm>
+          <a:prstGeom prst="rect">
+            <a:avLst/>
+          </a:prstGeom>
+          <a:noFill/>
+        </p:spPr>
+        <p:txBody>
+          <a:bodyPr vert="horz" wrap="square" rtlCol="0">
+            <a:spAutoFit/>
+          </a:bodyPr>
+          <a:lstStyle/>
+          <a:p>
+            <a:r>
+              <a:rPr lang="zh-CN" altLang="en-US" sz="2400" dirty="0" smtClean="0"/>
+              <a:t> 连接</a:t>
+            </a:r>
+            <a:r>
+              <a:rPr lang="zh-CN" altLang="zh-CN" sz="2400" dirty="0"/>
+              <a:t>1</a:t>
+            </a:r>
+            <a:endParaRPr lang="en-US" altLang="zh-CN" sz="2400" dirty="0" smtClean="0"/>
+          </a:p>
+        </p:txBody>
+      </p:sp>
+      <p:sp>
+        <p:nvSpPr>
+          <p:cNvPr id="8" name="Rectangle 7"/>
+          <p:cNvSpPr/>
+          <p:nvPr/>
+        </p:nvSpPr>
+        <p:spPr>
+          <a:xfrm>
+            <a:off x="7988300" y="1537048"/>
+            <a:ext cx="508000" cy="3111500"/>
+          </a:xfrm>
+          <a:prstGeom prst="rect">
+            <a:avLst/>
+          </a:prstGeom>
+          <a:solidFill>
+            <a:schemeClr val="bg1">
+              <a:lumMod val="85000"/>
+            </a:schemeClr>
+          </a:solidFill>
+          <a:ln>
+            <a:solidFill>
+              <a:schemeClr val="bg1">
+                <a:lumMod val="85000"/>
+              </a:schemeClr>
+            </a:solidFill>
+          </a:ln>
+        </p:spPr>
+        <p:style>
+          <a:lnRef idx="1">
+            <a:schemeClr val="accent5"/>
+          </a:lnRef>
+          <a:fillRef idx="3">
+            <a:schemeClr val="accent5"/>
+          </a:fillRef>
+          <a:effectRef idx="2">
+            <a:schemeClr val="accent5"/>
+          </a:effectRef>
+          <a:fontRef idx="minor">
+            <a:schemeClr val="lt1"/>
+          </a:fontRef>
+        </p:style>
+        <p:txBody>
+          <a:bodyPr rtlCol="0" anchor="ctr"/>
+          <a:lstStyle/>
+          <a:p>
+            <a:pPr algn="ctr"/>
+            <a:endParaRPr lang="en-US"/>
+          </a:p>
+        </p:txBody>
+      </p:sp>
+      <p:sp>
+        <p:nvSpPr>
+          <p:cNvPr id="9" name="TextBox 8"/>
+          <p:cNvSpPr txBox="1"/>
+          <p:nvPr/>
+        </p:nvSpPr>
+        <p:spPr>
+          <a:xfrm>
+            <a:off x="7835900" y="876648"/>
+            <a:ext cx="711200" cy="461665"/>
+          </a:xfrm>
+          <a:prstGeom prst="rect">
+            <a:avLst/>
+          </a:prstGeom>
+          <a:noFill/>
+        </p:spPr>
+        <p:txBody>
+          <a:bodyPr vert="horz" wrap="square" rtlCol="0">
+            <a:spAutoFit/>
+          </a:bodyPr>
+          <a:lstStyle/>
+          <a:p>
+            <a:r>
+              <a:rPr lang="zh-CN" altLang="en-US" sz="2400" dirty="0" smtClean="0"/>
+              <a:t> 层</a:t>
+            </a:r>
+            <a:r>
+              <a:rPr lang="zh-CN" altLang="zh-CN" sz="2400" dirty="0"/>
+              <a:t>2</a:t>
+            </a:r>
+            <a:endParaRPr lang="en-US" altLang="zh-CN" sz="2400" dirty="0" smtClean="0"/>
+          </a:p>
+        </p:txBody>
+      </p:sp>
+      <p:cxnSp>
+        <p:nvCxnSpPr>
+          <p:cNvPr id="10" name="Straight Arrow Connector 9"/>
+          <p:cNvCxnSpPr/>
+          <p:nvPr/>
+        </p:nvCxnSpPr>
+        <p:spPr>
+          <a:xfrm>
+            <a:off x="6019800" y="1803748"/>
+            <a:ext cx="1968500" cy="787400"/>
+          </a:xfrm>
+          <a:prstGeom prst="straightConnector1">
+            <a:avLst/>
+          </a:prstGeom>
+          <a:ln w="254000" cmpd="sng">
+            <a:solidFill>
+              <a:schemeClr val="accent4"/>
+            </a:solidFill>
+            <a:tailEnd type="triangle"/>
+          </a:ln>
+        </p:spPr>
+        <p:style>
+          <a:lnRef idx="2">
+            <a:schemeClr val="accent1"/>
+          </a:lnRef>
+          <a:fillRef idx="0">
+            <a:schemeClr val="accent1"/>
+          </a:fillRef>
+          <a:effectRef idx="1">
+            <a:schemeClr val="accent1"/>
+          </a:effectRef>
+          <a:fontRef idx="minor">
+            <a:schemeClr val="tx1"/>
+          </a:fontRef>
+        </p:style>
+      </p:cxnSp>
+      <p:cxnSp>
+        <p:nvCxnSpPr>
+          <p:cNvPr id="11" name="Straight Arrow Connector 10"/>
+          <p:cNvCxnSpPr/>
+          <p:nvPr/>
+        </p:nvCxnSpPr>
+        <p:spPr>
+          <a:xfrm flipV="1">
+            <a:off x="6019800" y="3556348"/>
+            <a:ext cx="1968500" cy="812800"/>
+          </a:xfrm>
+          <a:prstGeom prst="straightConnector1">
+            <a:avLst/>
+          </a:prstGeom>
+          <a:ln w="254000" cmpd="sng">
+            <a:solidFill>
+              <a:srgbClr val="D9D9D9"/>
+            </a:solidFill>
+            <a:tailEnd type="triangle"/>
+          </a:ln>
+        </p:spPr>
+        <p:style>
+          <a:lnRef idx="2">
+            <a:schemeClr val="accent1"/>
+          </a:lnRef>
+          <a:fillRef idx="0">
+            <a:schemeClr val="accent1"/>
+          </a:fillRef>
+          <a:effectRef idx="1">
+            <a:schemeClr val="accent1"/>
+          </a:effectRef>
+          <a:fontRef idx="minor">
+            <a:schemeClr val="tx1"/>
+          </a:fontRef>
+        </p:style>
+      </p:cxnSp>
+      <p:sp>
+        <p:nvSpPr>
+          <p:cNvPr id="12" name="TextBox 11"/>
+          <p:cNvSpPr txBox="1"/>
+          <p:nvPr/>
+        </p:nvSpPr>
+        <p:spPr>
+          <a:xfrm>
+            <a:off x="6261100" y="1355131"/>
+            <a:ext cx="1079500" cy="461665"/>
+          </a:xfrm>
+          <a:prstGeom prst="rect">
+            <a:avLst/>
+          </a:prstGeom>
+          <a:noFill/>
+        </p:spPr>
+        <p:txBody>
+          <a:bodyPr vert="horz" wrap="square" rtlCol="0">
+            <a:spAutoFit/>
+          </a:bodyPr>
+          <a:lstStyle/>
+          <a:p>
+            <a:r>
+              <a:rPr lang="zh-CN" altLang="en-US" sz="2400" dirty="0" smtClean="0"/>
+              <a:t> 连接</a:t>
+            </a:r>
+            <a:r>
+              <a:rPr lang="en-US" altLang="zh-CN" sz="2400" dirty="0" smtClean="0"/>
+              <a:t>0</a:t>
+            </a:r>
+          </a:p>
+        </p:txBody>
+      </p:sp>
+      <p:sp>
+        <p:nvSpPr>
+          <p:cNvPr id="13" name="TextBox 12"/>
+          <p:cNvSpPr txBox="1"/>
+          <p:nvPr/>
+        </p:nvSpPr>
+        <p:spPr>
+          <a:xfrm>
+            <a:off x="6261100" y="3325515"/>
+            <a:ext cx="1079500" cy="461665"/>
+          </a:xfrm>
+          <a:prstGeom prst="rect">
+            <a:avLst/>
+          </a:prstGeom>
+          <a:noFill/>
+        </p:spPr>
+        <p:txBody>
+          <a:bodyPr vert="horz" wrap="square" rtlCol="0">
+            <a:spAutoFit/>
+          </a:bodyPr>
+          <a:lstStyle/>
+          <a:p>
+            <a:r>
+              <a:rPr lang="zh-CN" altLang="en-US" sz="2400" dirty="0" smtClean="0"/>
+              <a:t> 连接</a:t>
+            </a:r>
+            <a:r>
+              <a:rPr lang="zh-CN" altLang="zh-CN" sz="2400" dirty="0"/>
+              <a:t>1</a:t>
+            </a:r>
+            <a:endParaRPr lang="en-US" altLang="zh-CN" sz="2400" dirty="0" smtClean="0"/>
+          </a:p>
+        </p:txBody>
+      </p:sp>
+      <p:sp>
+        <p:nvSpPr>
+          <p:cNvPr id="14" name="Rectangle 13"/>
+          <p:cNvSpPr/>
+          <p:nvPr/>
+        </p:nvSpPr>
+        <p:spPr>
+          <a:xfrm>
+            <a:off x="11150600" y="1537048"/>
+            <a:ext cx="508000" cy="3111500"/>
+          </a:xfrm>
+          <a:prstGeom prst="rect">
+            <a:avLst/>
+          </a:prstGeom>
+          <a:solidFill>
+            <a:srgbClr val="D9D9D9"/>
+          </a:solidFill>
+          <a:ln>
+            <a:solidFill>
+              <a:srgbClr val="D9D9D9"/>
+            </a:solidFill>
+          </a:ln>
+        </p:spPr>
+        <p:style>
+          <a:lnRef idx="1">
+            <a:schemeClr val="accent5"/>
+          </a:lnRef>
+          <a:fillRef idx="3">
+            <a:schemeClr val="accent5"/>
+          </a:fillRef>
+          <a:effectRef idx="2">
+            <a:schemeClr val="accent5"/>
+          </a:effectRef>
+          <a:fontRef idx="minor">
+            <a:schemeClr val="lt1"/>
+          </a:fontRef>
+        </p:style>
+        <p:txBody>
+          <a:bodyPr rtlCol="0" anchor="ctr"/>
+          <a:lstStyle/>
+          <a:p>
+            <a:pPr algn="ctr"/>
+            <a:endParaRPr lang="en-US"/>
+          </a:p>
+        </p:txBody>
+      </p:sp>
+      <p:sp>
+        <p:nvSpPr>
+          <p:cNvPr id="15" name="TextBox 14"/>
+          <p:cNvSpPr txBox="1"/>
+          <p:nvPr/>
+        </p:nvSpPr>
+        <p:spPr>
+          <a:xfrm>
+            <a:off x="10998200" y="876648"/>
+            <a:ext cx="711200" cy="461665"/>
+          </a:xfrm>
+          <a:prstGeom prst="rect">
+            <a:avLst/>
+          </a:prstGeom>
+          <a:noFill/>
+        </p:spPr>
+        <p:txBody>
+          <a:bodyPr vert="horz" wrap="square" rtlCol="0">
+            <a:spAutoFit/>
+          </a:bodyPr>
+          <a:lstStyle/>
+          <a:p>
+            <a:r>
+              <a:rPr lang="zh-CN" altLang="en-US" sz="2400" dirty="0" smtClean="0"/>
+              <a:t> 层</a:t>
+            </a:r>
+            <a:r>
+              <a:rPr lang="zh-CN" altLang="zh-CN" sz="2400" dirty="0"/>
+              <a:t>2</a:t>
+            </a:r>
+            <a:endParaRPr lang="en-US" altLang="zh-CN" sz="2400" dirty="0" smtClean="0"/>
+          </a:p>
+        </p:txBody>
+      </p:sp>
+      <p:cxnSp>
+        <p:nvCxnSpPr>
+          <p:cNvPr id="16" name="Straight Arrow Connector 15"/>
+          <p:cNvCxnSpPr/>
+          <p:nvPr/>
+        </p:nvCxnSpPr>
+        <p:spPr>
+          <a:xfrm>
+            <a:off x="9182100" y="1803748"/>
+            <a:ext cx="1968500" cy="787400"/>
+          </a:xfrm>
+          <a:prstGeom prst="straightConnector1">
+            <a:avLst/>
+          </a:prstGeom>
+          <a:ln w="254000" cmpd="sng">
+            <a:solidFill>
+              <a:srgbClr val="D9D9D9"/>
+            </a:solidFill>
+            <a:tailEnd type="triangle"/>
+          </a:ln>
+        </p:spPr>
+        <p:style>
+          <a:lnRef idx="2">
+            <a:schemeClr val="accent1"/>
+          </a:lnRef>
+          <a:fillRef idx="0">
+            <a:schemeClr val="accent1"/>
+          </a:fillRef>
+          <a:effectRef idx="1">
+            <a:schemeClr val="accent1"/>
+          </a:effectRef>
+          <a:fontRef idx="minor">
+            <a:schemeClr val="tx1"/>
+          </a:fontRef>
+        </p:style>
+      </p:cxnSp>
+      <p:cxnSp>
+        <p:nvCxnSpPr>
+          <p:cNvPr id="17" name="Straight Arrow Connector 16"/>
+          <p:cNvCxnSpPr/>
+          <p:nvPr/>
+        </p:nvCxnSpPr>
+        <p:spPr>
+          <a:xfrm flipV="1">
+            <a:off x="9182100" y="3556348"/>
+            <a:ext cx="1968500" cy="812800"/>
+          </a:xfrm>
+          <a:prstGeom prst="straightConnector1">
+            <a:avLst/>
+          </a:prstGeom>
+          <a:ln w="254000" cmpd="sng">
+            <a:solidFill>
+              <a:schemeClr val="accent3"/>
+            </a:solidFill>
+            <a:tailEnd type="triangle"/>
+          </a:ln>
+        </p:spPr>
+        <p:style>
+          <a:lnRef idx="2">
+            <a:schemeClr val="accent1"/>
+          </a:lnRef>
+          <a:fillRef idx="0">
+            <a:schemeClr val="accent1"/>
+          </a:fillRef>
+          <a:effectRef idx="1">
+            <a:schemeClr val="accent1"/>
+          </a:effectRef>
+          <a:fontRef idx="minor">
+            <a:schemeClr val="tx1"/>
+          </a:fontRef>
+        </p:style>
+      </p:cxnSp>
+      <p:sp>
+        <p:nvSpPr>
+          <p:cNvPr id="18" name="TextBox 17"/>
+          <p:cNvSpPr txBox="1"/>
+          <p:nvPr/>
+        </p:nvSpPr>
+        <p:spPr>
+          <a:xfrm>
+            <a:off x="9423400" y="1355131"/>
+            <a:ext cx="1079500" cy="461665"/>
+          </a:xfrm>
+          <a:prstGeom prst="rect">
+            <a:avLst/>
+          </a:prstGeom>
+          <a:noFill/>
+        </p:spPr>
+        <p:txBody>
+          <a:bodyPr vert="horz" wrap="square" rtlCol="0">
+            <a:spAutoFit/>
+          </a:bodyPr>
+          <a:lstStyle/>
+          <a:p>
+            <a:r>
+              <a:rPr lang="zh-CN" altLang="en-US" sz="2400" dirty="0" smtClean="0"/>
+              <a:t> 连接</a:t>
+            </a:r>
+            <a:r>
+              <a:rPr lang="en-US" altLang="zh-CN" sz="2400" dirty="0" smtClean="0"/>
+              <a:t>0</a:t>
+            </a:r>
+          </a:p>
+        </p:txBody>
+      </p:sp>
+      <p:sp>
+        <p:nvSpPr>
+          <p:cNvPr id="19" name="TextBox 18"/>
+          <p:cNvSpPr txBox="1"/>
+          <p:nvPr/>
+        </p:nvSpPr>
+        <p:spPr>
+          <a:xfrm>
+            <a:off x="9423400" y="3325515"/>
+            <a:ext cx="1079500" cy="461665"/>
+          </a:xfrm>
+          <a:prstGeom prst="rect">
+            <a:avLst/>
+          </a:prstGeom>
+          <a:noFill/>
+        </p:spPr>
+        <p:txBody>
+          <a:bodyPr vert="horz" wrap="square" rtlCol="0">
+            <a:spAutoFit/>
+          </a:bodyPr>
+          <a:lstStyle/>
+          <a:p>
+            <a:r>
+              <a:rPr lang="zh-CN" altLang="en-US" sz="2400" dirty="0" smtClean="0"/>
+              <a:t> 连接</a:t>
+            </a:r>
+            <a:r>
+              <a:rPr lang="zh-CN" altLang="zh-CN" sz="2400" dirty="0"/>
+              <a:t>1</a:t>
+            </a:r>
+            <a:endParaRPr lang="en-US" altLang="zh-CN" sz="2400" dirty="0" smtClean="0"/>
+          </a:p>
+        </p:txBody>
+      </p:sp>
+      <p:sp>
+        <p:nvSpPr>
+          <p:cNvPr id="20" name="TextBox 19"/>
+          <p:cNvSpPr txBox="1"/>
+          <p:nvPr/>
+        </p:nvSpPr>
+        <p:spPr>
+          <a:xfrm>
+            <a:off x="3350081" y="5096470"/>
+            <a:ext cx="970638" cy="461665"/>
+          </a:xfrm>
+          <a:prstGeom prst="rect">
+            <a:avLst/>
+          </a:prstGeom>
+          <a:noFill/>
+        </p:spPr>
+        <p:txBody>
+          <a:bodyPr wrap="none" rtlCol="0">
+            <a:spAutoFit/>
+          </a:bodyPr>
+          <a:lstStyle/>
+          <a:p>
+            <a:r>
+              <a:rPr lang="zh-CN" altLang="en-US" sz="2400" dirty="0" smtClean="0"/>
+              <a:t>节点</a:t>
+            </a:r>
+            <a:r>
+              <a:rPr lang="en-US" altLang="zh-CN" sz="2400" dirty="0" smtClean="0"/>
+              <a:t>0</a:t>
+            </a:r>
+            <a:endParaRPr lang="en-US" sz="2400" dirty="0"/>
+          </a:p>
+        </p:txBody>
+      </p:sp>
+      <p:sp>
+        <p:nvSpPr>
+          <p:cNvPr id="21" name="TextBox 20"/>
+          <p:cNvSpPr txBox="1"/>
+          <p:nvPr/>
+        </p:nvSpPr>
+        <p:spPr>
+          <a:xfrm>
+            <a:off x="7071181" y="5100240"/>
+            <a:ext cx="954107" cy="461665"/>
+          </a:xfrm>
+          <a:prstGeom prst="rect">
+            <a:avLst/>
+          </a:prstGeom>
+          <a:noFill/>
+        </p:spPr>
+        <p:txBody>
+          <a:bodyPr wrap="none" rtlCol="0">
+            <a:spAutoFit/>
+          </a:bodyPr>
+          <a:lstStyle/>
+          <a:p>
+            <a:r>
+              <a:rPr lang="zh-CN" altLang="en-US" sz="2400" dirty="0" smtClean="0"/>
+              <a:t>节点</a:t>
+            </a:r>
+            <a:r>
+              <a:rPr lang="zh-CN" altLang="zh-CN" sz="2400" dirty="0"/>
+              <a:t>1</a:t>
+            </a:r>
+            <a:endParaRPr lang="en-US" sz="2400" dirty="0"/>
+          </a:p>
+        </p:txBody>
+      </p:sp>
+      <p:sp>
+        <p:nvSpPr>
+          <p:cNvPr id="22" name="TextBox 21"/>
+          <p:cNvSpPr txBox="1"/>
+          <p:nvPr/>
+        </p:nvSpPr>
+        <p:spPr>
+          <a:xfrm>
+            <a:off x="10196493" y="5100240"/>
+            <a:ext cx="970638" cy="461665"/>
+          </a:xfrm>
+          <a:prstGeom prst="rect">
+            <a:avLst/>
+          </a:prstGeom>
+          <a:noFill/>
+        </p:spPr>
+        <p:txBody>
+          <a:bodyPr wrap="none" rtlCol="0">
+            <a:spAutoFit/>
+          </a:bodyPr>
+          <a:lstStyle/>
+          <a:p>
+            <a:r>
+              <a:rPr lang="zh-CN" altLang="en-US" sz="2400" dirty="0" smtClean="0"/>
+              <a:t>节点</a:t>
+            </a:r>
+            <a:r>
+              <a:rPr lang="en-US" altLang="zh-CN" sz="2400" dirty="0" smtClean="0"/>
+              <a:t>2</a:t>
+            </a:r>
+          </a:p>
+        </p:txBody>
+      </p:sp>
+      <p:sp>
+        <p:nvSpPr>
+          <p:cNvPr id="24" name="Rectangle 23"/>
+          <p:cNvSpPr/>
+          <p:nvPr/>
+        </p:nvSpPr>
+        <p:spPr>
+          <a:xfrm>
+            <a:off x="660400" y="808684"/>
+            <a:ext cx="520700" cy="512116"/>
+          </a:xfrm>
+          <a:prstGeom prst="rect">
+            <a:avLst/>
+          </a:prstGeom>
+        </p:spPr>
+        <p:style>
+          <a:lnRef idx="1">
+            <a:schemeClr val="accent2"/>
+          </a:lnRef>
+          <a:fillRef idx="3">
+            <a:schemeClr val="accent2"/>
+          </a:fillRef>
+          <a:effectRef idx="2">
+            <a:schemeClr val="accent2"/>
+          </a:effectRef>
+          <a:fontRef idx="minor">
+            <a:schemeClr val="lt1"/>
+          </a:fontRef>
+        </p:style>
+        <p:txBody>
+          <a:bodyPr rtlCol="0" anchor="ctr"/>
+          <a:lstStyle/>
+          <a:p>
+            <a:pPr algn="ctr"/>
+            <a:endParaRPr lang="en-US"/>
+          </a:p>
+        </p:txBody>
+      </p:sp>
+      <p:sp>
+        <p:nvSpPr>
+          <p:cNvPr id="25" name="Rectangle 24"/>
+          <p:cNvSpPr/>
+          <p:nvPr/>
+        </p:nvSpPr>
+        <p:spPr>
+          <a:xfrm>
+            <a:off x="660400" y="1710732"/>
+            <a:ext cx="520700" cy="512116"/>
+          </a:xfrm>
+          <a:prstGeom prst="rect">
+            <a:avLst/>
+          </a:prstGeom>
+          <a:solidFill>
+            <a:schemeClr val="accent4"/>
+          </a:solidFill>
+        </p:spPr>
+        <p:style>
+          <a:lnRef idx="1">
+            <a:schemeClr val="accent4"/>
+          </a:lnRef>
+          <a:fillRef idx="3">
+            <a:schemeClr val="accent4"/>
+          </a:fillRef>
+          <a:effectRef idx="2">
+            <a:schemeClr val="accent4"/>
+          </a:effectRef>
+          <a:fontRef idx="minor">
+            <a:schemeClr val="lt1"/>
+          </a:fontRef>
+        </p:style>
+        <p:txBody>
+          <a:bodyPr rtlCol="0" anchor="ctr"/>
+          <a:lstStyle/>
+          <a:p>
+            <a:pPr algn="ctr"/>
+            <a:endParaRPr lang="en-US"/>
+          </a:p>
+        </p:txBody>
+      </p:sp>
+      <p:sp>
+        <p:nvSpPr>
+          <p:cNvPr id="26" name="Rectangle 25"/>
+          <p:cNvSpPr/>
+          <p:nvPr/>
+        </p:nvSpPr>
+        <p:spPr>
+          <a:xfrm>
+            <a:off x="660400" y="2648299"/>
+            <a:ext cx="520700" cy="512116"/>
+          </a:xfrm>
+          <a:prstGeom prst="rect">
+            <a:avLst/>
+          </a:prstGeom>
+          <a:solidFill>
+            <a:schemeClr val="accent3"/>
+          </a:solidFill>
+        </p:spPr>
+        <p:style>
+          <a:lnRef idx="1">
+            <a:schemeClr val="accent2"/>
+          </a:lnRef>
+          <a:fillRef idx="3">
+            <a:schemeClr val="accent2"/>
+          </a:fillRef>
+          <a:effectRef idx="2">
+            <a:schemeClr val="accent2"/>
+          </a:effectRef>
+          <a:fontRef idx="minor">
+            <a:schemeClr val="lt1"/>
+          </a:fontRef>
+        </p:style>
+        <p:txBody>
+          <a:bodyPr rtlCol="0" anchor="ctr"/>
+          <a:lstStyle/>
+          <a:p>
+            <a:pPr algn="ctr"/>
+            <a:endParaRPr lang="en-US"/>
+          </a:p>
+        </p:txBody>
+      </p:sp>
+      <p:sp>
+        <p:nvSpPr>
+          <p:cNvPr id="27" name="TextBox 26"/>
+          <p:cNvSpPr txBox="1"/>
+          <p:nvPr/>
+        </p:nvSpPr>
+        <p:spPr>
+          <a:xfrm>
+            <a:off x="2108200" y="838200"/>
+            <a:ext cx="338554" cy="461665"/>
+          </a:xfrm>
+          <a:prstGeom prst="rect">
+            <a:avLst/>
+          </a:prstGeom>
+          <a:noFill/>
+        </p:spPr>
+        <p:txBody>
+          <a:bodyPr wrap="none" rtlCol="0">
+            <a:spAutoFit/>
+          </a:bodyPr>
+          <a:lstStyle/>
+          <a:p>
+            <a:r>
+              <a:rPr lang="zh-CN" altLang="en-US" sz="2400" dirty="0" smtClean="0"/>
+              <a:t>0</a:t>
+            </a:r>
+            <a:endParaRPr lang="en-US" sz="2400" dirty="0"/>
+          </a:p>
+        </p:txBody>
+      </p:sp>
+      <p:sp>
+        <p:nvSpPr>
+          <p:cNvPr id="28" name="TextBox 27"/>
+          <p:cNvSpPr txBox="1"/>
+          <p:nvPr/>
+        </p:nvSpPr>
+        <p:spPr>
+          <a:xfrm>
+            <a:off x="2108200" y="1765300"/>
+            <a:ext cx="338554" cy="461665"/>
+          </a:xfrm>
+          <a:prstGeom prst="rect">
+            <a:avLst/>
+          </a:prstGeom>
+          <a:noFill/>
+        </p:spPr>
+        <p:txBody>
+          <a:bodyPr wrap="none" rtlCol="0">
+            <a:spAutoFit/>
+          </a:bodyPr>
+          <a:lstStyle/>
+          <a:p>
+            <a:r>
+              <a:rPr lang="zh-CN" altLang="en-US" sz="2400" dirty="0"/>
+              <a:t>1</a:t>
+            </a:r>
+            <a:endParaRPr lang="en-US" sz="2400" dirty="0"/>
+          </a:p>
+        </p:txBody>
+      </p:sp>
+      <p:sp>
+        <p:nvSpPr>
+          <p:cNvPr id="29" name="TextBox 28"/>
+          <p:cNvSpPr txBox="1"/>
+          <p:nvPr/>
+        </p:nvSpPr>
+        <p:spPr>
+          <a:xfrm>
+            <a:off x="2091323" y="2698750"/>
+            <a:ext cx="338554" cy="461665"/>
+          </a:xfrm>
+          <a:prstGeom prst="rect">
+            <a:avLst/>
+          </a:prstGeom>
+          <a:noFill/>
+        </p:spPr>
+        <p:txBody>
+          <a:bodyPr wrap="none" rtlCol="0">
+            <a:spAutoFit/>
+          </a:bodyPr>
+          <a:lstStyle/>
+          <a:p>
+            <a:r>
+              <a:rPr lang="zh-CN" altLang="en-US" sz="2400" dirty="0"/>
+              <a:t>2</a:t>
+            </a:r>
+            <a:endParaRPr lang="en-US" sz="2400" dirty="0"/>
+          </a:p>
+        </p:txBody>
+      </p:sp>
+      <p:sp>
+        <p:nvSpPr>
+          <p:cNvPr id="30" name="TextBox 29"/>
+          <p:cNvSpPr txBox="1"/>
+          <p:nvPr/>
+        </p:nvSpPr>
+        <p:spPr>
+          <a:xfrm>
+            <a:off x="1532523" y="196850"/>
+            <a:ext cx="1415772" cy="461665"/>
+          </a:xfrm>
+          <a:prstGeom prst="rect">
+            <a:avLst/>
+          </a:prstGeom>
+          <a:noFill/>
+        </p:spPr>
+        <p:txBody>
+          <a:bodyPr wrap="none" rtlCol="0">
+            <a:spAutoFit/>
+          </a:bodyPr>
+          <a:lstStyle/>
+          <a:p>
+            <a:r>
+              <a:rPr lang="zh-CN" altLang="en-US" sz="2400" dirty="0" smtClean="0"/>
+              <a:t>节点编号</a:t>
+            </a:r>
+            <a:endParaRPr lang="en-US" sz="2400" dirty="0"/>
+          </a:p>
+        </p:txBody>
+      </p:sp>
+      <p:sp>
+        <p:nvSpPr>
+          <p:cNvPr id="31" name="TextBox 30"/>
+          <p:cNvSpPr txBox="1"/>
+          <p:nvPr/>
+        </p:nvSpPr>
+        <p:spPr>
+          <a:xfrm>
+            <a:off x="558800" y="196850"/>
+            <a:ext cx="800219" cy="461665"/>
+          </a:xfrm>
+          <a:prstGeom prst="rect">
+            <a:avLst/>
+          </a:prstGeom>
+          <a:noFill/>
+        </p:spPr>
+        <p:txBody>
+          <a:bodyPr wrap="none" rtlCol="0">
+            <a:spAutoFit/>
+          </a:bodyPr>
+          <a:lstStyle/>
+          <a:p>
+            <a:r>
+              <a:rPr lang="zh-CN" altLang="en-US" sz="2400" dirty="0" smtClean="0"/>
+              <a:t>颜色</a:t>
+            </a:r>
+            <a:endParaRPr lang="en-US" sz="2400" dirty="0"/>
+          </a:p>
+        </p:txBody>
+      </p:sp>
+      <p:sp>
+        <p:nvSpPr>
+          <p:cNvPr id="33" name="Rectangle 32"/>
+          <p:cNvSpPr/>
+          <p:nvPr/>
+        </p:nvSpPr>
+        <p:spPr>
+          <a:xfrm>
+            <a:off x="2446754" y="876648"/>
+            <a:ext cx="3077746" cy="4101752"/>
+          </a:xfrm>
+          <a:prstGeom prst="rect">
+            <a:avLst/>
+          </a:prstGeom>
+          <a:noFill/>
+          <a:ln>
+            <a:solidFill>
+              <a:schemeClr val="tx1"/>
+            </a:solidFill>
+            <a:prstDash val="dash"/>
+          </a:ln>
+        </p:spPr>
+        <p:style>
+          <a:lnRef idx="1">
+            <a:schemeClr val="accent1"/>
+          </a:lnRef>
+          <a:fillRef idx="3">
+            <a:schemeClr val="accent1"/>
+          </a:fillRef>
+          <a:effectRef idx="2">
+            <a:schemeClr val="accent1"/>
+          </a:effectRef>
+          <a:fontRef idx="minor">
+            <a:schemeClr val="lt1"/>
+          </a:fontRef>
+        </p:style>
+        <p:txBody>
+          <a:bodyPr rtlCol="0" anchor="ctr"/>
+          <a:lstStyle/>
+          <a:p>
+            <a:pPr algn="ctr"/>
+            <a:endParaRPr lang="en-US"/>
+          </a:p>
+        </p:txBody>
+      </p:sp>
+      <p:sp>
+        <p:nvSpPr>
+          <p:cNvPr id="34" name="Rectangle 33"/>
+          <p:cNvSpPr/>
+          <p:nvPr/>
+        </p:nvSpPr>
+        <p:spPr>
+          <a:xfrm>
+            <a:off x="5705019" y="876648"/>
+            <a:ext cx="3077746" cy="4101752"/>
+          </a:xfrm>
+          <a:prstGeom prst="rect">
+            <a:avLst/>
+          </a:prstGeom>
+          <a:noFill/>
+          <a:ln>
+            <a:solidFill>
+              <a:schemeClr val="tx1"/>
+            </a:solidFill>
+            <a:prstDash val="dash"/>
+          </a:ln>
+        </p:spPr>
+        <p:style>
+          <a:lnRef idx="1">
+            <a:schemeClr val="accent1"/>
+          </a:lnRef>
+          <a:fillRef idx="3">
+            <a:schemeClr val="accent1"/>
+          </a:fillRef>
+          <a:effectRef idx="2">
+            <a:schemeClr val="accent1"/>
+          </a:effectRef>
+          <a:fontRef idx="minor">
+            <a:schemeClr val="lt1"/>
+          </a:fontRef>
+        </p:style>
+        <p:txBody>
+          <a:bodyPr rtlCol="0" anchor="ctr"/>
+          <a:lstStyle/>
+          <a:p>
+            <a:pPr algn="ctr"/>
+            <a:endParaRPr lang="en-US"/>
+          </a:p>
+        </p:txBody>
+      </p:sp>
+      <p:sp>
+        <p:nvSpPr>
+          <p:cNvPr id="35" name="Rectangle 34"/>
+          <p:cNvSpPr/>
+          <p:nvPr/>
+        </p:nvSpPr>
+        <p:spPr>
+          <a:xfrm>
+            <a:off x="8964027" y="876648"/>
+            <a:ext cx="3077746" cy="4101752"/>
+          </a:xfrm>
+          <a:prstGeom prst="rect">
+            <a:avLst/>
+          </a:prstGeom>
+          <a:noFill/>
+          <a:ln>
+            <a:solidFill>
+              <a:schemeClr val="tx1"/>
+            </a:solidFill>
+            <a:prstDash val="dash"/>
+          </a:ln>
+        </p:spPr>
+        <p:style>
+          <a:lnRef idx="1">
+            <a:schemeClr val="accent1"/>
+          </a:lnRef>
+          <a:fillRef idx="3">
+            <a:schemeClr val="accent1"/>
+          </a:fillRef>
+          <a:effectRef idx="2">
+            <a:schemeClr val="accent1"/>
+          </a:effectRef>
+          <a:fontRef idx="minor">
+            <a:schemeClr val="lt1"/>
+          </a:fontRef>
+        </p:style>
+        <p:txBody>
+          <a:bodyPr rtlCol="0" anchor="ctr"/>
+          <a:lstStyle/>
+          <a:p>
+            <a:pPr algn="ctr"/>
+            <a:endParaRPr lang="en-US"/>
+          </a:p>
+        </p:txBody>
+      </p:sp>
+    </p:spTree>
+    <p:extLst>
+      <p:ext uri="{BB962C8B-B14F-4D97-AF65-F5344CB8AC3E}">
+        <p14:creationId xmlns:p14="http://schemas.microsoft.com/office/powerpoint/2010/main" val="3846152095"/>
+      </p:ext>
+    </p:extLst>
+  </p:cSld>
+  <p:clrMapOvr>
+    <a:masterClrMapping/>
+  </p:clrMapOvr>
+</p:sld>
+</file>
+
+<file path=ppt/slides/slide9.xml><?xml version="1.0" encoding="utf-8"?>
+<p:sld xmlns:a="http://schemas.openxmlformats.org/drawingml/2006/main" xmlns:r="http://schemas.openxmlformats.org/officeDocument/2006/relationships" xmlns:p="http://schemas.openxmlformats.org/presentationml/2006/main">
+  <p:cSld>
+    <p:spTree>
+      <p:nvGrpSpPr>
+        <p:cNvPr id="1" name=""/>
+        <p:cNvGrpSpPr/>
+        <p:nvPr/>
+      </p:nvGrpSpPr>
+      <p:grpSpPr>
+        <a:xfrm>
+          <a:off x="0" y="0"/>
+          <a:ext cx="0" cy="0"/>
+          <a:chOff x="0" y="0"/>
+          <a:chExt cx="0" cy="0"/>
+        </a:xfrm>
+      </p:grpSpPr>
+      <p:sp>
+        <p:nvSpPr>
+          <p:cNvPr id="20" name="TextBox 19"/>
+          <p:cNvSpPr txBox="1"/>
+          <p:nvPr/>
+        </p:nvSpPr>
+        <p:spPr>
+          <a:xfrm>
+            <a:off x="3350081" y="5096470"/>
+            <a:ext cx="970638" cy="461665"/>
+          </a:xfrm>
+          <a:prstGeom prst="rect">
+            <a:avLst/>
+          </a:prstGeom>
+          <a:noFill/>
+        </p:spPr>
+        <p:txBody>
+          <a:bodyPr wrap="none" rtlCol="0">
+            <a:spAutoFit/>
+          </a:bodyPr>
+          <a:lstStyle/>
+          <a:p>
+            <a:r>
+              <a:rPr lang="zh-CN" altLang="en-US" sz="2400" dirty="0" smtClean="0"/>
+              <a:t>节点</a:t>
+            </a:r>
+            <a:r>
+              <a:rPr lang="en-US" altLang="zh-CN" sz="2400" dirty="0" smtClean="0"/>
+              <a:t>0</a:t>
+            </a:r>
+            <a:endParaRPr lang="en-US" sz="2400" dirty="0"/>
+          </a:p>
+        </p:txBody>
+      </p:sp>
+      <p:sp>
+        <p:nvSpPr>
+          <p:cNvPr id="21" name="TextBox 20"/>
+          <p:cNvSpPr txBox="1"/>
+          <p:nvPr/>
+        </p:nvSpPr>
+        <p:spPr>
+          <a:xfrm>
+            <a:off x="7071181" y="5100240"/>
+            <a:ext cx="954107" cy="461665"/>
+          </a:xfrm>
+          <a:prstGeom prst="rect">
+            <a:avLst/>
+          </a:prstGeom>
+          <a:noFill/>
+        </p:spPr>
+        <p:txBody>
+          <a:bodyPr wrap="none" rtlCol="0">
+            <a:spAutoFit/>
+          </a:bodyPr>
+          <a:lstStyle/>
+          <a:p>
+            <a:r>
+              <a:rPr lang="zh-CN" altLang="en-US" sz="2400" dirty="0" smtClean="0"/>
+              <a:t>节点</a:t>
+            </a:r>
+            <a:r>
+              <a:rPr lang="zh-CN" altLang="zh-CN" sz="2400" dirty="0"/>
+              <a:t>1</a:t>
+            </a:r>
+            <a:endParaRPr lang="en-US" sz="2400" dirty="0"/>
+          </a:p>
+        </p:txBody>
+      </p:sp>
+      <p:sp>
+        <p:nvSpPr>
+          <p:cNvPr id="22" name="TextBox 21"/>
+          <p:cNvSpPr txBox="1"/>
+          <p:nvPr/>
+        </p:nvSpPr>
+        <p:spPr>
+          <a:xfrm>
+            <a:off x="10196493" y="5100240"/>
+            <a:ext cx="970638" cy="461665"/>
+          </a:xfrm>
+          <a:prstGeom prst="rect">
+            <a:avLst/>
+          </a:prstGeom>
+          <a:noFill/>
+        </p:spPr>
+        <p:txBody>
+          <a:bodyPr wrap="none" rtlCol="0">
+            <a:spAutoFit/>
+          </a:bodyPr>
+          <a:lstStyle/>
+          <a:p>
+            <a:r>
+              <a:rPr lang="zh-CN" altLang="en-US" sz="2400" dirty="0" smtClean="0"/>
+              <a:t>节点</a:t>
+            </a:r>
+            <a:r>
+              <a:rPr lang="en-US" altLang="zh-CN" sz="2400" dirty="0" smtClean="0"/>
+              <a:t>2</a:t>
+            </a:r>
+          </a:p>
+        </p:txBody>
+      </p:sp>
+      <p:sp>
+        <p:nvSpPr>
+          <p:cNvPr id="24" name="Rectangle 23"/>
+          <p:cNvSpPr/>
+          <p:nvPr/>
+        </p:nvSpPr>
+        <p:spPr>
+          <a:xfrm>
+            <a:off x="660400" y="808684"/>
+            <a:ext cx="520700" cy="512116"/>
+          </a:xfrm>
+          <a:prstGeom prst="rect">
+            <a:avLst/>
+          </a:prstGeom>
+        </p:spPr>
+        <p:style>
+          <a:lnRef idx="1">
+            <a:schemeClr val="accent2"/>
+          </a:lnRef>
+          <a:fillRef idx="3">
+            <a:schemeClr val="accent2"/>
+          </a:fillRef>
+          <a:effectRef idx="2">
+            <a:schemeClr val="accent2"/>
+          </a:effectRef>
+          <a:fontRef idx="minor">
+            <a:schemeClr val="lt1"/>
+          </a:fontRef>
+        </p:style>
+        <p:txBody>
+          <a:bodyPr rtlCol="0" anchor="ctr"/>
+          <a:lstStyle/>
+          <a:p>
+            <a:pPr algn="ctr"/>
+            <a:endParaRPr lang="en-US"/>
+          </a:p>
+        </p:txBody>
+      </p:sp>
+      <p:sp>
+        <p:nvSpPr>
+          <p:cNvPr id="25" name="Rectangle 24"/>
+          <p:cNvSpPr/>
+          <p:nvPr/>
+        </p:nvSpPr>
+        <p:spPr>
+          <a:xfrm>
+            <a:off x="660400" y="1710732"/>
+            <a:ext cx="520700" cy="512116"/>
+          </a:xfrm>
+          <a:prstGeom prst="rect">
+            <a:avLst/>
+          </a:prstGeom>
+          <a:solidFill>
+            <a:schemeClr val="accent4"/>
+          </a:solidFill>
+        </p:spPr>
+        <p:style>
+          <a:lnRef idx="1">
+            <a:schemeClr val="accent4"/>
+          </a:lnRef>
+          <a:fillRef idx="3">
+            <a:schemeClr val="accent4"/>
+          </a:fillRef>
+          <a:effectRef idx="2">
+            <a:schemeClr val="accent4"/>
+          </a:effectRef>
+          <a:fontRef idx="minor">
+            <a:schemeClr val="lt1"/>
+          </a:fontRef>
+        </p:style>
+        <p:txBody>
+          <a:bodyPr rtlCol="0" anchor="ctr"/>
+          <a:lstStyle/>
+          <a:p>
+            <a:pPr algn="ctr"/>
+            <a:endParaRPr lang="en-US"/>
+          </a:p>
+        </p:txBody>
+      </p:sp>
+      <p:sp>
+        <p:nvSpPr>
+          <p:cNvPr id="26" name="Rectangle 25"/>
+          <p:cNvSpPr/>
+          <p:nvPr/>
+        </p:nvSpPr>
+        <p:spPr>
+          <a:xfrm>
+            <a:off x="660400" y="2648299"/>
+            <a:ext cx="520700" cy="512116"/>
+          </a:xfrm>
+          <a:prstGeom prst="rect">
+            <a:avLst/>
+          </a:prstGeom>
+          <a:solidFill>
+            <a:schemeClr val="accent3"/>
+          </a:solidFill>
+        </p:spPr>
+        <p:style>
+          <a:lnRef idx="1">
+            <a:schemeClr val="accent2"/>
+          </a:lnRef>
+          <a:fillRef idx="3">
+            <a:schemeClr val="accent2"/>
+          </a:fillRef>
+          <a:effectRef idx="2">
+            <a:schemeClr val="accent2"/>
+          </a:effectRef>
+          <a:fontRef idx="minor">
+            <a:schemeClr val="lt1"/>
+          </a:fontRef>
+        </p:style>
+        <p:txBody>
+          <a:bodyPr rtlCol="0" anchor="ctr"/>
+          <a:lstStyle/>
+          <a:p>
+            <a:pPr algn="ctr"/>
+            <a:endParaRPr lang="en-US"/>
+          </a:p>
+        </p:txBody>
+      </p:sp>
+      <p:sp>
+        <p:nvSpPr>
+          <p:cNvPr id="27" name="TextBox 26"/>
+          <p:cNvSpPr txBox="1"/>
+          <p:nvPr/>
+        </p:nvSpPr>
+        <p:spPr>
+          <a:xfrm>
+            <a:off x="2108200" y="838200"/>
+            <a:ext cx="338554" cy="461665"/>
+          </a:xfrm>
+          <a:prstGeom prst="rect">
+            <a:avLst/>
+          </a:prstGeom>
+          <a:noFill/>
+        </p:spPr>
+        <p:txBody>
+          <a:bodyPr wrap="none" rtlCol="0">
+            <a:spAutoFit/>
+          </a:bodyPr>
+          <a:lstStyle/>
+          <a:p>
+            <a:r>
+              <a:rPr lang="zh-CN" altLang="en-US" sz="2400" dirty="0" smtClean="0"/>
+              <a:t>0</a:t>
+            </a:r>
+            <a:endParaRPr lang="en-US" sz="2400" dirty="0"/>
+          </a:p>
+        </p:txBody>
+      </p:sp>
+      <p:sp>
+        <p:nvSpPr>
+          <p:cNvPr id="28" name="TextBox 27"/>
+          <p:cNvSpPr txBox="1"/>
+          <p:nvPr/>
+        </p:nvSpPr>
+        <p:spPr>
+          <a:xfrm>
+            <a:off x="2108200" y="1765300"/>
+            <a:ext cx="338554" cy="461665"/>
+          </a:xfrm>
+          <a:prstGeom prst="rect">
+            <a:avLst/>
+          </a:prstGeom>
+          <a:noFill/>
+        </p:spPr>
+        <p:txBody>
+          <a:bodyPr wrap="none" rtlCol="0">
+            <a:spAutoFit/>
+          </a:bodyPr>
+          <a:lstStyle/>
+          <a:p>
+            <a:r>
+              <a:rPr lang="zh-CN" altLang="en-US" sz="2400" dirty="0"/>
+              <a:t>1</a:t>
+            </a:r>
+            <a:endParaRPr lang="en-US" sz="2400" dirty="0"/>
+          </a:p>
+        </p:txBody>
+      </p:sp>
+      <p:sp>
+        <p:nvSpPr>
+          <p:cNvPr id="29" name="TextBox 28"/>
+          <p:cNvSpPr txBox="1"/>
+          <p:nvPr/>
+        </p:nvSpPr>
+        <p:spPr>
+          <a:xfrm>
+            <a:off x="2091323" y="2698750"/>
+            <a:ext cx="338554" cy="461665"/>
+          </a:xfrm>
+          <a:prstGeom prst="rect">
+            <a:avLst/>
+          </a:prstGeom>
+          <a:noFill/>
+        </p:spPr>
+        <p:txBody>
+          <a:bodyPr wrap="none" rtlCol="0">
+            <a:spAutoFit/>
+          </a:bodyPr>
+          <a:lstStyle/>
+          <a:p>
+            <a:r>
+              <a:rPr lang="zh-CN" altLang="en-US" sz="2400" dirty="0"/>
+              <a:t>2</a:t>
+            </a:r>
+            <a:endParaRPr lang="en-US" sz="2400" dirty="0"/>
+          </a:p>
+        </p:txBody>
+      </p:sp>
+      <p:sp>
+        <p:nvSpPr>
+          <p:cNvPr id="30" name="TextBox 29"/>
+          <p:cNvSpPr txBox="1"/>
+          <p:nvPr/>
+        </p:nvSpPr>
+        <p:spPr>
+          <a:xfrm>
+            <a:off x="1532523" y="196850"/>
+            <a:ext cx="1415772" cy="461665"/>
+          </a:xfrm>
+          <a:prstGeom prst="rect">
+            <a:avLst/>
+          </a:prstGeom>
+          <a:noFill/>
+        </p:spPr>
+        <p:txBody>
+          <a:bodyPr wrap="none" rtlCol="0">
+            <a:spAutoFit/>
+          </a:bodyPr>
+          <a:lstStyle/>
+          <a:p>
+            <a:r>
+              <a:rPr lang="zh-CN" altLang="en-US" sz="2400" dirty="0" smtClean="0"/>
+              <a:t>节点编号</a:t>
+            </a:r>
+            <a:endParaRPr lang="en-US" sz="2400" dirty="0"/>
+          </a:p>
+        </p:txBody>
+      </p:sp>
+      <p:sp>
+        <p:nvSpPr>
+          <p:cNvPr id="31" name="TextBox 30"/>
+          <p:cNvSpPr txBox="1"/>
+          <p:nvPr/>
+        </p:nvSpPr>
+        <p:spPr>
+          <a:xfrm>
+            <a:off x="558800" y="196850"/>
+            <a:ext cx="800219" cy="461665"/>
+          </a:xfrm>
+          <a:prstGeom prst="rect">
+            <a:avLst/>
+          </a:prstGeom>
+          <a:noFill/>
+        </p:spPr>
+        <p:txBody>
+          <a:bodyPr wrap="none" rtlCol="0">
+            <a:spAutoFit/>
+          </a:bodyPr>
+          <a:lstStyle/>
+          <a:p>
+            <a:r>
+              <a:rPr lang="zh-CN" altLang="en-US" sz="2400" dirty="0" smtClean="0"/>
+              <a:t>颜色</a:t>
+            </a:r>
+            <a:endParaRPr lang="en-US" sz="2400" dirty="0"/>
+          </a:p>
+        </p:txBody>
+      </p:sp>
+      <p:sp>
+        <p:nvSpPr>
+          <p:cNvPr id="33" name="Rectangle 32"/>
+          <p:cNvSpPr/>
+          <p:nvPr/>
+        </p:nvSpPr>
+        <p:spPr>
+          <a:xfrm>
+            <a:off x="2446754" y="876648"/>
+            <a:ext cx="3077746" cy="4101752"/>
+          </a:xfrm>
+          <a:prstGeom prst="rect">
+            <a:avLst/>
+          </a:prstGeom>
+          <a:noFill/>
+          <a:ln>
+            <a:solidFill>
+              <a:schemeClr val="tx1"/>
+            </a:solidFill>
+            <a:prstDash val="dash"/>
+          </a:ln>
+        </p:spPr>
+        <p:style>
+          <a:lnRef idx="1">
+            <a:schemeClr val="accent1"/>
+          </a:lnRef>
+          <a:fillRef idx="3">
+            <a:schemeClr val="accent1"/>
+          </a:fillRef>
+          <a:effectRef idx="2">
+            <a:schemeClr val="accent1"/>
+          </a:effectRef>
+          <a:fontRef idx="minor">
+            <a:schemeClr val="lt1"/>
+          </a:fontRef>
+        </p:style>
+        <p:txBody>
+          <a:bodyPr rtlCol="0" anchor="ctr"/>
+          <a:lstStyle/>
+          <a:p>
+            <a:pPr algn="ctr"/>
+            <a:endParaRPr lang="en-US"/>
+          </a:p>
+        </p:txBody>
+      </p:sp>
+      <p:sp>
+        <p:nvSpPr>
+          <p:cNvPr id="34" name="Rectangle 33"/>
+          <p:cNvSpPr/>
+          <p:nvPr/>
+        </p:nvSpPr>
+        <p:spPr>
+          <a:xfrm>
+            <a:off x="5705019" y="876648"/>
+            <a:ext cx="3077746" cy="4101752"/>
+          </a:xfrm>
+          <a:prstGeom prst="rect">
+            <a:avLst/>
+          </a:prstGeom>
+          <a:noFill/>
+          <a:ln>
+            <a:solidFill>
+              <a:schemeClr val="tx1"/>
+            </a:solidFill>
+            <a:prstDash val="dash"/>
+          </a:ln>
+        </p:spPr>
+        <p:style>
+          <a:lnRef idx="1">
+            <a:schemeClr val="accent1"/>
+          </a:lnRef>
+          <a:fillRef idx="3">
+            <a:schemeClr val="accent1"/>
+          </a:fillRef>
+          <a:effectRef idx="2">
+            <a:schemeClr val="accent1"/>
+          </a:effectRef>
+          <a:fontRef idx="minor">
+            <a:schemeClr val="lt1"/>
+          </a:fontRef>
+        </p:style>
+        <p:txBody>
+          <a:bodyPr rtlCol="0" anchor="ctr"/>
+          <a:lstStyle/>
+          <a:p>
+            <a:pPr algn="ctr"/>
+            <a:endParaRPr lang="en-US"/>
+          </a:p>
+        </p:txBody>
+      </p:sp>
+      <p:sp>
+        <p:nvSpPr>
+          <p:cNvPr id="35" name="Rectangle 34"/>
+          <p:cNvSpPr/>
+          <p:nvPr/>
+        </p:nvSpPr>
+        <p:spPr>
+          <a:xfrm>
+            <a:off x="8964027" y="876648"/>
+            <a:ext cx="3077746" cy="4101752"/>
+          </a:xfrm>
+          <a:prstGeom prst="rect">
+            <a:avLst/>
+          </a:prstGeom>
+          <a:noFill/>
+          <a:ln>
+            <a:solidFill>
+              <a:schemeClr val="tx1"/>
+            </a:solidFill>
+            <a:prstDash val="dash"/>
+          </a:ln>
+        </p:spPr>
+        <p:style>
+          <a:lnRef idx="1">
+            <a:schemeClr val="accent1"/>
+          </a:lnRef>
+          <a:fillRef idx="3">
+            <a:schemeClr val="accent1"/>
+          </a:fillRef>
+          <a:effectRef idx="2">
+            <a:schemeClr val="accent1"/>
+          </a:effectRef>
+          <a:fontRef idx="minor">
+            <a:schemeClr val="lt1"/>
+          </a:fontRef>
+        </p:style>
+        <p:txBody>
+          <a:bodyPr rtlCol="0" anchor="ctr"/>
+          <a:lstStyle/>
+          <a:p>
+            <a:pPr algn="ctr"/>
+            <a:endParaRPr lang="en-US"/>
+          </a:p>
+        </p:txBody>
+      </p:sp>
+      <p:sp>
+        <p:nvSpPr>
+          <p:cNvPr id="36" name="Rectangle 35"/>
+          <p:cNvSpPr/>
+          <p:nvPr/>
+        </p:nvSpPr>
+        <p:spPr>
+          <a:xfrm>
+            <a:off x="3100695" y="1710732"/>
+            <a:ext cx="508000" cy="3111500"/>
+          </a:xfrm>
+          <a:prstGeom prst="rect">
+            <a:avLst/>
+          </a:prstGeom>
+          <a:solidFill>
+            <a:schemeClr val="accent2"/>
+          </a:solidFill>
+        </p:spPr>
+        <p:style>
+          <a:lnRef idx="1">
+            <a:schemeClr val="accent5"/>
+          </a:lnRef>
+          <a:fillRef idx="3">
+            <a:schemeClr val="accent5"/>
+          </a:fillRef>
+          <a:effectRef idx="2">
+            <a:schemeClr val="accent5"/>
+          </a:effectRef>
+          <a:fontRef idx="minor">
+            <a:schemeClr val="lt1"/>
+          </a:fontRef>
+        </p:style>
+        <p:txBody>
+          <a:bodyPr rtlCol="0" anchor="ctr"/>
+          <a:lstStyle/>
+          <a:p>
+            <a:pPr algn="ctr"/>
+            <a:endParaRPr lang="en-US"/>
+          </a:p>
+        </p:txBody>
+      </p:sp>
+      <p:sp>
+        <p:nvSpPr>
+          <p:cNvPr id="37" name="TextBox 36"/>
+          <p:cNvSpPr txBox="1"/>
+          <p:nvPr/>
+        </p:nvSpPr>
+        <p:spPr>
+          <a:xfrm>
+            <a:off x="2948295" y="1050332"/>
+            <a:ext cx="711200" cy="461665"/>
+          </a:xfrm>
+          <a:prstGeom prst="rect">
+            <a:avLst/>
+          </a:prstGeom>
+          <a:noFill/>
+        </p:spPr>
+        <p:txBody>
+          <a:bodyPr vert="horz" wrap="square" rtlCol="0">
+            <a:spAutoFit/>
+          </a:bodyPr>
+          <a:lstStyle/>
+          <a:p>
+            <a:r>
+              <a:rPr lang="zh-CN" altLang="en-US" sz="2400" dirty="0" smtClean="0"/>
+              <a:t> 层</a:t>
+            </a:r>
+            <a:r>
+              <a:rPr lang="zh-CN" altLang="zh-CN" sz="2400" dirty="0"/>
+              <a:t>2</a:t>
+            </a:r>
+            <a:endParaRPr lang="en-US" altLang="zh-CN" sz="2400" dirty="0" smtClean="0"/>
+          </a:p>
+        </p:txBody>
+      </p:sp>
+      <p:cxnSp>
+        <p:nvCxnSpPr>
+          <p:cNvPr id="38" name="Straight Arrow Connector 37"/>
+          <p:cNvCxnSpPr>
+            <a:stCxn id="36" idx="3"/>
+          </p:cNvCxnSpPr>
+          <p:nvPr/>
+        </p:nvCxnSpPr>
+        <p:spPr>
+          <a:xfrm>
+            <a:off x="3608695" y="3266482"/>
+            <a:ext cx="1930400" cy="0"/>
+          </a:xfrm>
+          <a:prstGeom prst="straightConnector1">
+            <a:avLst/>
+          </a:prstGeom>
+          <a:ln w="254000" cmpd="sng">
+            <a:solidFill>
+              <a:schemeClr val="bg1">
+                <a:lumMod val="85000"/>
+              </a:schemeClr>
+            </a:solidFill>
+            <a:tailEnd type="triangle"/>
+          </a:ln>
+        </p:spPr>
+        <p:style>
+          <a:lnRef idx="2">
+            <a:schemeClr val="accent1"/>
+          </a:lnRef>
+          <a:fillRef idx="0">
+            <a:schemeClr val="accent1"/>
+          </a:fillRef>
+          <a:effectRef idx="1">
+            <a:schemeClr val="accent1"/>
+          </a:effectRef>
+          <a:fontRef idx="minor">
+            <a:schemeClr val="tx1"/>
+          </a:fontRef>
+        </p:style>
+      </p:cxnSp>
+      <p:sp>
+        <p:nvSpPr>
+          <p:cNvPr id="39" name="TextBox 38"/>
+          <p:cNvSpPr txBox="1"/>
+          <p:nvPr/>
+        </p:nvSpPr>
+        <p:spPr>
+          <a:xfrm>
+            <a:off x="3761095" y="2673699"/>
+            <a:ext cx="1079500" cy="461665"/>
+          </a:xfrm>
+          <a:prstGeom prst="rect">
+            <a:avLst/>
+          </a:prstGeom>
+          <a:noFill/>
+        </p:spPr>
+        <p:txBody>
+          <a:bodyPr vert="horz" wrap="square" rtlCol="0">
+            <a:spAutoFit/>
+          </a:bodyPr>
+          <a:lstStyle/>
+          <a:p>
+            <a:r>
+              <a:rPr lang="zh-CN" altLang="en-US" sz="2400" dirty="0" smtClean="0"/>
+              <a:t> 连接</a:t>
+            </a:r>
+            <a:r>
+              <a:rPr lang="zh-CN" altLang="zh-CN" sz="2400" dirty="0"/>
+              <a:t>2</a:t>
+            </a:r>
+            <a:endParaRPr lang="en-US" altLang="zh-CN" sz="2400" dirty="0" smtClean="0"/>
+          </a:p>
+        </p:txBody>
+      </p:sp>
+      <p:sp>
+        <p:nvSpPr>
+          <p:cNvPr id="40" name="Rectangle 39"/>
+          <p:cNvSpPr/>
+          <p:nvPr/>
+        </p:nvSpPr>
+        <p:spPr>
+          <a:xfrm>
+            <a:off x="6389995" y="1710732"/>
+            <a:ext cx="508000" cy="3111500"/>
+          </a:xfrm>
+          <a:prstGeom prst="rect">
+            <a:avLst/>
+          </a:prstGeom>
+          <a:solidFill>
+            <a:schemeClr val="bg1">
+              <a:lumMod val="85000"/>
+            </a:schemeClr>
+          </a:solidFill>
+          <a:ln>
+            <a:solidFill>
+              <a:srgbClr val="D9D9D9"/>
+            </a:solidFill>
+          </a:ln>
+        </p:spPr>
+        <p:style>
+          <a:lnRef idx="1">
+            <a:schemeClr val="accent5"/>
+          </a:lnRef>
+          <a:fillRef idx="3">
+            <a:schemeClr val="accent5"/>
+          </a:fillRef>
+          <a:effectRef idx="2">
+            <a:schemeClr val="accent5"/>
+          </a:effectRef>
+          <a:fontRef idx="minor">
+            <a:schemeClr val="lt1"/>
+          </a:fontRef>
+        </p:style>
+        <p:txBody>
+          <a:bodyPr rtlCol="0" anchor="ctr"/>
+          <a:lstStyle/>
+          <a:p>
+            <a:pPr algn="ctr"/>
+            <a:endParaRPr lang="en-US"/>
+          </a:p>
+        </p:txBody>
+      </p:sp>
+      <p:sp>
+        <p:nvSpPr>
+          <p:cNvPr id="41" name="TextBox 40"/>
+          <p:cNvSpPr txBox="1"/>
+          <p:nvPr/>
+        </p:nvSpPr>
+        <p:spPr>
+          <a:xfrm>
+            <a:off x="6237595" y="1050332"/>
+            <a:ext cx="711200" cy="461665"/>
+          </a:xfrm>
+          <a:prstGeom prst="rect">
+            <a:avLst/>
+          </a:prstGeom>
+          <a:noFill/>
+        </p:spPr>
+        <p:txBody>
+          <a:bodyPr vert="horz" wrap="square" rtlCol="0">
+            <a:spAutoFit/>
+          </a:bodyPr>
+          <a:lstStyle/>
+          <a:p>
+            <a:r>
+              <a:rPr lang="zh-CN" altLang="en-US" sz="2400" dirty="0" smtClean="0"/>
+              <a:t> 层</a:t>
+            </a:r>
+            <a:r>
+              <a:rPr lang="zh-CN" altLang="zh-CN" sz="2400" dirty="0"/>
+              <a:t>2</a:t>
+            </a:r>
+            <a:endParaRPr lang="en-US" altLang="zh-CN" sz="2400" dirty="0" smtClean="0"/>
+          </a:p>
+        </p:txBody>
+      </p:sp>
+      <p:cxnSp>
+        <p:nvCxnSpPr>
+          <p:cNvPr id="42" name="Straight Arrow Connector 41"/>
+          <p:cNvCxnSpPr>
+            <a:stCxn id="40" idx="3"/>
+          </p:cNvCxnSpPr>
+          <p:nvPr/>
+        </p:nvCxnSpPr>
+        <p:spPr>
+          <a:xfrm>
+            <a:off x="6897995" y="3266482"/>
+            <a:ext cx="1930400" cy="0"/>
+          </a:xfrm>
+          <a:prstGeom prst="straightConnector1">
+            <a:avLst/>
+          </a:prstGeom>
+          <a:ln w="254000" cmpd="sng">
+            <a:solidFill>
+              <a:schemeClr val="accent4"/>
+            </a:solidFill>
+            <a:tailEnd type="triangle"/>
+          </a:ln>
+        </p:spPr>
+        <p:style>
+          <a:lnRef idx="2">
+            <a:schemeClr val="accent1"/>
+          </a:lnRef>
+          <a:fillRef idx="0">
+            <a:schemeClr val="accent1"/>
+          </a:fillRef>
+          <a:effectRef idx="1">
+            <a:schemeClr val="accent1"/>
+          </a:effectRef>
+          <a:fontRef idx="minor">
+            <a:schemeClr val="tx1"/>
+          </a:fontRef>
+        </p:style>
+      </p:cxnSp>
+      <p:sp>
+        <p:nvSpPr>
+          <p:cNvPr id="43" name="TextBox 42"/>
+          <p:cNvSpPr txBox="1"/>
+          <p:nvPr/>
+        </p:nvSpPr>
+        <p:spPr>
+          <a:xfrm>
+            <a:off x="7050395" y="2673699"/>
+            <a:ext cx="1079500" cy="461665"/>
+          </a:xfrm>
+          <a:prstGeom prst="rect">
+            <a:avLst/>
+          </a:prstGeom>
+          <a:noFill/>
+        </p:spPr>
+        <p:txBody>
+          <a:bodyPr vert="horz" wrap="square" rtlCol="0">
+            <a:spAutoFit/>
+          </a:bodyPr>
+          <a:lstStyle/>
+          <a:p>
+            <a:r>
+              <a:rPr lang="zh-CN" altLang="en-US" sz="2400" dirty="0" smtClean="0"/>
+              <a:t> 连接</a:t>
+            </a:r>
+            <a:r>
+              <a:rPr lang="zh-CN" altLang="zh-CN" sz="2400" dirty="0"/>
+              <a:t>2</a:t>
+            </a:r>
+            <a:endParaRPr lang="en-US" altLang="zh-CN" sz="2400" dirty="0" smtClean="0"/>
+          </a:p>
+        </p:txBody>
+      </p:sp>
+      <p:sp>
+        <p:nvSpPr>
+          <p:cNvPr id="44" name="Rectangle 43"/>
+          <p:cNvSpPr/>
+          <p:nvPr/>
+        </p:nvSpPr>
+        <p:spPr>
+          <a:xfrm>
+            <a:off x="9577695" y="1710732"/>
+            <a:ext cx="508000" cy="3111500"/>
+          </a:xfrm>
+          <a:prstGeom prst="rect">
+            <a:avLst/>
+          </a:prstGeom>
+          <a:solidFill>
+            <a:srgbClr val="D9D9D9"/>
+          </a:solidFill>
+          <a:ln>
+            <a:solidFill>
+              <a:srgbClr val="D9D9D9"/>
+            </a:solidFill>
+          </a:ln>
+        </p:spPr>
+        <p:style>
+          <a:lnRef idx="1">
+            <a:schemeClr val="accent5"/>
+          </a:lnRef>
+          <a:fillRef idx="3">
+            <a:schemeClr val="accent5"/>
+          </a:fillRef>
+          <a:effectRef idx="2">
+            <a:schemeClr val="accent5"/>
+          </a:effectRef>
+          <a:fontRef idx="minor">
+            <a:schemeClr val="lt1"/>
+          </a:fontRef>
+        </p:style>
+        <p:txBody>
+          <a:bodyPr rtlCol="0" anchor="ctr"/>
+          <a:lstStyle/>
+          <a:p>
+            <a:pPr algn="ctr"/>
+            <a:endParaRPr lang="en-US"/>
+          </a:p>
+        </p:txBody>
+      </p:sp>
+      <p:sp>
+        <p:nvSpPr>
+          <p:cNvPr id="45" name="TextBox 44"/>
+          <p:cNvSpPr txBox="1"/>
+          <p:nvPr/>
+        </p:nvSpPr>
+        <p:spPr>
+          <a:xfrm>
+            <a:off x="9425295" y="1050332"/>
+            <a:ext cx="711200" cy="461665"/>
+          </a:xfrm>
+          <a:prstGeom prst="rect">
+            <a:avLst/>
+          </a:prstGeom>
+          <a:noFill/>
+        </p:spPr>
+        <p:txBody>
+          <a:bodyPr vert="horz" wrap="square" rtlCol="0">
+            <a:spAutoFit/>
+          </a:bodyPr>
+          <a:lstStyle/>
+          <a:p>
+            <a:r>
+              <a:rPr lang="zh-CN" altLang="en-US" sz="2400" dirty="0" smtClean="0"/>
+              <a:t> 层</a:t>
+            </a:r>
+            <a:r>
+              <a:rPr lang="zh-CN" altLang="zh-CN" sz="2400" dirty="0"/>
+              <a:t>2</a:t>
+            </a:r>
+            <a:endParaRPr lang="en-US" altLang="zh-CN" sz="2400" dirty="0" smtClean="0"/>
+          </a:p>
+        </p:txBody>
+      </p:sp>
+      <p:cxnSp>
+        <p:nvCxnSpPr>
+          <p:cNvPr id="46" name="Straight Arrow Connector 45"/>
+          <p:cNvCxnSpPr>
+            <a:stCxn id="44" idx="3"/>
+          </p:cNvCxnSpPr>
+          <p:nvPr/>
+        </p:nvCxnSpPr>
+        <p:spPr>
+          <a:xfrm>
+            <a:off x="10085695" y="3266482"/>
+            <a:ext cx="1930400" cy="0"/>
+          </a:xfrm>
+          <a:prstGeom prst="straightConnector1">
+            <a:avLst/>
+          </a:prstGeom>
+          <a:ln w="254000" cmpd="sng">
+            <a:solidFill>
+              <a:srgbClr val="D9D9D9"/>
+            </a:solidFill>
+            <a:tailEnd type="triangle"/>
+          </a:ln>
+        </p:spPr>
+        <p:style>
+          <a:lnRef idx="2">
+            <a:schemeClr val="accent1"/>
+          </a:lnRef>
+          <a:fillRef idx="0">
+            <a:schemeClr val="accent1"/>
+          </a:fillRef>
+          <a:effectRef idx="1">
+            <a:schemeClr val="accent1"/>
+          </a:effectRef>
+          <a:fontRef idx="minor">
+            <a:schemeClr val="tx1"/>
+          </a:fontRef>
+        </p:style>
+      </p:cxnSp>
+      <p:sp>
+        <p:nvSpPr>
+          <p:cNvPr id="47" name="TextBox 46"/>
+          <p:cNvSpPr txBox="1"/>
+          <p:nvPr/>
+        </p:nvSpPr>
+        <p:spPr>
+          <a:xfrm>
+            <a:off x="10238095" y="2673699"/>
+            <a:ext cx="1079500" cy="461665"/>
+          </a:xfrm>
+          <a:prstGeom prst="rect">
+            <a:avLst/>
+          </a:prstGeom>
+          <a:noFill/>
+        </p:spPr>
+        <p:txBody>
+          <a:bodyPr vert="horz" wrap="square" rtlCol="0">
+            <a:spAutoFit/>
+          </a:bodyPr>
+          <a:lstStyle/>
+          <a:p>
+            <a:r>
+              <a:rPr lang="zh-CN" altLang="en-US" sz="2400" dirty="0" smtClean="0"/>
+              <a:t> 连接</a:t>
+            </a:r>
+            <a:r>
+              <a:rPr lang="zh-CN" altLang="zh-CN" sz="2400" dirty="0"/>
+              <a:t>2</a:t>
+            </a:r>
+            <a:endParaRPr lang="en-US" altLang="zh-CN" sz="2400" dirty="0" smtClean="0"/>
+          </a:p>
+        </p:txBody>
+      </p:sp>
+    </p:spTree>
+    <p:extLst>
+      <p:ext uri="{BB962C8B-B14F-4D97-AF65-F5344CB8AC3E}">
+        <p14:creationId xmlns:p14="http://schemas.microsoft.com/office/powerpoint/2010/main" val="2129894975"/>
+      </p:ext>
+    </p:extLst>
+  </p:cSld>
+  <p:clrMapOvr>
+    <a:masterClrMapping/>
+  </p:clrMapOvr>
+</p:sld>
+</file>
+
 <file path=ppt/theme/theme1.xml><?xml version="1.0" encoding="utf-8"?>
 <a:theme xmlns:a="http://schemas.openxmlformats.org/drawingml/2006/main" name="Sketchbook">
   <a:themeElements>

--- a/Hanjun/Pictures.pptx
+++ b/Hanjun/Pictures.pptx
@@ -14,6 +14,7 @@
     <p:sldId id="262" r:id="rId8"/>
     <p:sldId id="263" r:id="rId9"/>
     <p:sldId id="264" r:id="rId10"/>
+    <p:sldId id="265" r:id="rId11"/>
   </p:sldIdLst>
   <p:sldSz cx="12188825" cy="6858000"/>
   <p:notesSz cx="6858000" cy="9144000"/>
@@ -1610,6 +1611,753 @@
 </file>
 
 <file path=ppt/diagrams/colors3.xml><?xml version="1.0" encoding="utf-8"?>
+<dgm:colorsDef xmlns:dgm="http://schemas.openxmlformats.org/drawingml/2006/diagram" xmlns:a="http://schemas.openxmlformats.org/drawingml/2006/main" uniqueId="urn:microsoft.com/office/officeart/2005/8/colors/accent1_2">
+  <dgm:title val=""/>
+  <dgm:desc val=""/>
+  <dgm:catLst>
+    <dgm:cat type="accent1" pri="11200"/>
+  </dgm:catLst>
+  <dgm:styleLbl name="node0">
+    <dgm:fillClrLst meth="repeat">
+      <a:schemeClr val="accent1"/>
+    </dgm:fillClrLst>
+    <dgm:linClrLst meth="repeat">
+      <a:schemeClr val="lt1"/>
+    </dgm:linClrLst>
+    <dgm:effectClrLst/>
+    <dgm:txLinClrLst/>
+    <dgm:txFillClrLst/>
+    <dgm:txEffectClrLst/>
+  </dgm:styleLbl>
+  <dgm:styleLbl name="alignNode1">
+    <dgm:fillClrLst meth="repeat">
+      <a:schemeClr val="accent1"/>
+    </dgm:fillClrLst>
+    <dgm:linClrLst meth="repeat">
+      <a:schemeClr val="accent1"/>
+    </dgm:linClrLst>
+    <dgm:effectClrLst/>
+    <dgm:txLinClrLst/>
+    <dgm:txFillClrLst/>
+    <dgm:txEffectClrLst/>
+  </dgm:styleLbl>
+  <dgm:styleLbl name="node1">
+    <dgm:fillClrLst meth="repeat">
+      <a:schemeClr val="accent1"/>
+    </dgm:fillClrLst>
+    <dgm:linClrLst meth="repeat">
+      <a:schemeClr val="lt1"/>
+    </dgm:linClrLst>
+    <dgm:effectClrLst/>
+    <dgm:txLinClrLst/>
+    <dgm:txFillClrLst/>
+    <dgm:txEffectClrLst/>
+  </dgm:styleLbl>
+  <dgm:styleLbl name="lnNode1">
+    <dgm:fillClrLst meth="repeat">
+      <a:schemeClr val="accent1"/>
+    </dgm:fillClrLst>
+    <dgm:linClrLst meth="repeat">
+      <a:schemeClr val="lt1"/>
+    </dgm:linClrLst>
+    <dgm:effectClrLst/>
+    <dgm:txLinClrLst/>
+    <dgm:txFillClrLst/>
+    <dgm:txEffectClrLst/>
+  </dgm:styleLbl>
+  <dgm:styleLbl name="vennNode1">
+    <dgm:fillClrLst meth="repeat">
+      <a:schemeClr val="accent1">
+        <a:alpha val="50000"/>
+      </a:schemeClr>
+    </dgm:fillClrLst>
+    <dgm:linClrLst meth="repeat">
+      <a:schemeClr val="lt1"/>
+    </dgm:linClrLst>
+    <dgm:effectClrLst/>
+    <dgm:txLinClrLst/>
+    <dgm:txFillClrLst/>
+    <dgm:txEffectClrLst/>
+  </dgm:styleLbl>
+  <dgm:styleLbl name="node2">
+    <dgm:fillClrLst meth="repeat">
+      <a:schemeClr val="accent1"/>
+    </dgm:fillClrLst>
+    <dgm:linClrLst meth="repeat">
+      <a:schemeClr val="lt1"/>
+    </dgm:linClrLst>
+    <dgm:effectClrLst/>
+    <dgm:txLinClrLst/>
+    <dgm:txFillClrLst/>
+    <dgm:txEffectClrLst/>
+  </dgm:styleLbl>
+  <dgm:styleLbl name="node3">
+    <dgm:fillClrLst meth="repeat">
+      <a:schemeClr val="accent1"/>
+    </dgm:fillClrLst>
+    <dgm:linClrLst meth="repeat">
+      <a:schemeClr val="lt1"/>
+    </dgm:linClrLst>
+    <dgm:effectClrLst/>
+    <dgm:txLinClrLst/>
+    <dgm:txFillClrLst/>
+    <dgm:txEffectClrLst/>
+  </dgm:styleLbl>
+  <dgm:styleLbl name="node4">
+    <dgm:fillClrLst meth="repeat">
+      <a:schemeClr val="accent1"/>
+    </dgm:fillClrLst>
+    <dgm:linClrLst meth="repeat">
+      <a:schemeClr val="lt1"/>
+    </dgm:linClrLst>
+    <dgm:effectClrLst/>
+    <dgm:txLinClrLst/>
+    <dgm:txFillClrLst/>
+    <dgm:txEffectClrLst/>
+  </dgm:styleLbl>
+  <dgm:styleLbl name="fgImgPlace1">
+    <dgm:fillClrLst meth="repeat">
+      <a:schemeClr val="accent1">
+        <a:tint val="50000"/>
+      </a:schemeClr>
+    </dgm:fillClrLst>
+    <dgm:linClrLst meth="repeat">
+      <a:schemeClr val="lt1"/>
+    </dgm:linClrLst>
+    <dgm:effectClrLst/>
+    <dgm:txLinClrLst/>
+    <dgm:txFillClrLst meth="repeat">
+      <a:schemeClr val="lt1"/>
+    </dgm:txFillClrLst>
+    <dgm:txEffectClrLst/>
+  </dgm:styleLbl>
+  <dgm:styleLbl name="alignImgPlace1">
+    <dgm:fillClrLst meth="repeat">
+      <a:schemeClr val="accent1">
+        <a:tint val="50000"/>
+      </a:schemeClr>
+    </dgm:fillClrLst>
+    <dgm:linClrLst meth="repeat">
+      <a:schemeClr val="lt1"/>
+    </dgm:linClrLst>
+    <dgm:effectClrLst/>
+    <dgm:txLinClrLst/>
+    <dgm:txFillClrLst meth="repeat">
+      <a:schemeClr val="lt1"/>
+    </dgm:txFillClrLst>
+    <dgm:txEffectClrLst/>
+  </dgm:styleLbl>
+  <dgm:styleLbl name="bgImgPlace1">
+    <dgm:fillClrLst meth="repeat">
+      <a:schemeClr val="accent1">
+        <a:tint val="50000"/>
+      </a:schemeClr>
+    </dgm:fillClrLst>
+    <dgm:linClrLst meth="repeat">
+      <a:schemeClr val="lt1"/>
+    </dgm:linClrLst>
+    <dgm:effectClrLst/>
+    <dgm:txLinClrLst/>
+    <dgm:txFillClrLst meth="repeat">
+      <a:schemeClr val="lt1"/>
+    </dgm:txFillClrLst>
+    <dgm:txEffectClrLst/>
+  </dgm:styleLbl>
+  <dgm:styleLbl name="sibTrans2D1">
+    <dgm:fillClrLst meth="repeat">
+      <a:schemeClr val="accent1">
+        <a:tint val="60000"/>
+      </a:schemeClr>
+    </dgm:fillClrLst>
+    <dgm:linClrLst meth="repeat">
+      <a:schemeClr val="accent1">
+        <a:tint val="60000"/>
+      </a:schemeClr>
+    </dgm:linClrLst>
+    <dgm:effectClrLst/>
+    <dgm:txLinClrLst/>
+    <dgm:txFillClrLst/>
+    <dgm:txEffectClrLst/>
+  </dgm:styleLbl>
+  <dgm:styleLbl name="fgSibTrans2D1">
+    <dgm:fillClrLst meth="repeat">
+      <a:schemeClr val="accent1">
+        <a:tint val="60000"/>
+      </a:schemeClr>
+    </dgm:fillClrLst>
+    <dgm:linClrLst meth="repeat">
+      <a:schemeClr val="accent1">
+        <a:tint val="60000"/>
+      </a:schemeClr>
+    </dgm:linClrLst>
+    <dgm:effectClrLst/>
+    <dgm:txLinClrLst/>
+    <dgm:txFillClrLst/>
+    <dgm:txEffectClrLst/>
+  </dgm:styleLbl>
+  <dgm:styleLbl name="bgSibTrans2D1">
+    <dgm:fillClrLst meth="repeat">
+      <a:schemeClr val="accent1">
+        <a:tint val="60000"/>
+      </a:schemeClr>
+    </dgm:fillClrLst>
+    <dgm:linClrLst meth="repeat">
+      <a:schemeClr val="accent1">
+        <a:tint val="60000"/>
+      </a:schemeClr>
+    </dgm:linClrLst>
+    <dgm:effectClrLst/>
+    <dgm:txLinClrLst/>
+    <dgm:txFillClrLst/>
+    <dgm:txEffectClrLst/>
+  </dgm:styleLbl>
+  <dgm:styleLbl name="sibTrans1D1">
+    <dgm:fillClrLst meth="repeat">
+      <a:schemeClr val="accent1"/>
+    </dgm:fillClrLst>
+    <dgm:linClrLst meth="repeat">
+      <a:schemeClr val="accent1"/>
+    </dgm:linClrLst>
+    <dgm:effectClrLst/>
+    <dgm:txLinClrLst/>
+    <dgm:txFillClrLst meth="repeat">
+      <a:schemeClr val="tx1"/>
+    </dgm:txFillClrLst>
+    <dgm:txEffectClrLst/>
+  </dgm:styleLbl>
+  <dgm:styleLbl name="callout">
+    <dgm:fillClrLst meth="repeat">
+      <a:schemeClr val="accent1"/>
+    </dgm:fillClrLst>
+    <dgm:linClrLst meth="repeat">
+      <a:schemeClr val="accent1">
+        <a:tint val="50000"/>
+      </a:schemeClr>
+    </dgm:linClrLst>
+    <dgm:effectClrLst/>
+    <dgm:txLinClrLst/>
+    <dgm:txFillClrLst meth="repeat">
+      <a:schemeClr val="tx1"/>
+    </dgm:txFillClrLst>
+    <dgm:txEffectClrLst/>
+  </dgm:styleLbl>
+  <dgm:styleLbl name="asst0">
+    <dgm:fillClrLst meth="repeat">
+      <a:schemeClr val="accent1"/>
+    </dgm:fillClrLst>
+    <dgm:linClrLst meth="repeat">
+      <a:schemeClr val="lt1"/>
+    </dgm:linClrLst>
+    <dgm:effectClrLst/>
+    <dgm:txLinClrLst/>
+    <dgm:txFillClrLst/>
+    <dgm:txEffectClrLst/>
+  </dgm:styleLbl>
+  <dgm:styleLbl name="asst1">
+    <dgm:fillClrLst meth="repeat">
+      <a:schemeClr val="accent1"/>
+    </dgm:fillClrLst>
+    <dgm:linClrLst meth="repeat">
+      <a:schemeClr val="lt1"/>
+    </dgm:linClrLst>
+    <dgm:effectClrLst/>
+    <dgm:txLinClrLst/>
+    <dgm:txFillClrLst/>
+    <dgm:txEffectClrLst/>
+  </dgm:styleLbl>
+  <dgm:styleLbl name="asst2">
+    <dgm:fillClrLst meth="repeat">
+      <a:schemeClr val="accent1"/>
+    </dgm:fillClrLst>
+    <dgm:linClrLst meth="repeat">
+      <a:schemeClr val="lt1"/>
+    </dgm:linClrLst>
+    <dgm:effectClrLst/>
+    <dgm:txLinClrLst/>
+    <dgm:txFillClrLst/>
+    <dgm:txEffectClrLst/>
+  </dgm:styleLbl>
+  <dgm:styleLbl name="asst3">
+    <dgm:fillClrLst meth="repeat">
+      <a:schemeClr val="accent1"/>
+    </dgm:fillClrLst>
+    <dgm:linClrLst meth="repeat">
+      <a:schemeClr val="lt1"/>
+    </dgm:linClrLst>
+    <dgm:effectClrLst/>
+    <dgm:txLinClrLst/>
+    <dgm:txFillClrLst/>
+    <dgm:txEffectClrLst/>
+  </dgm:styleLbl>
+  <dgm:styleLbl name="asst4">
+    <dgm:fillClrLst meth="repeat">
+      <a:schemeClr val="accent1"/>
+    </dgm:fillClrLst>
+    <dgm:linClrLst meth="repeat">
+      <a:schemeClr val="lt1"/>
+    </dgm:linClrLst>
+    <dgm:effectClrLst/>
+    <dgm:txLinClrLst/>
+    <dgm:txFillClrLst/>
+    <dgm:txEffectClrLst/>
+  </dgm:styleLbl>
+  <dgm:styleLbl name="parChTrans2D1">
+    <dgm:fillClrLst meth="repeat">
+      <a:schemeClr val="accent1">
+        <a:tint val="60000"/>
+      </a:schemeClr>
+    </dgm:fillClrLst>
+    <dgm:linClrLst meth="repeat">
+      <a:schemeClr val="accent1">
+        <a:tint val="60000"/>
+      </a:schemeClr>
+    </dgm:linClrLst>
+    <dgm:effectClrLst/>
+    <dgm:txLinClrLst/>
+    <dgm:txFillClrLst meth="repeat">
+      <a:schemeClr val="lt1"/>
+    </dgm:txFillClrLst>
+    <dgm:txEffectClrLst/>
+  </dgm:styleLbl>
+  <dgm:styleLbl name="parChTrans2D2">
+    <dgm:fillClrLst meth="repeat">
+      <a:schemeClr val="accent1"/>
+    </dgm:fillClrLst>
+    <dgm:linClrLst meth="repeat">
+      <a:schemeClr val="accent1"/>
+    </dgm:linClrLst>
+    <dgm:effectClrLst/>
+    <dgm:txLinClrLst/>
+    <dgm:txFillClrLst meth="repeat">
+      <a:schemeClr val="lt1"/>
+    </dgm:txFillClrLst>
+    <dgm:txEffectClrLst/>
+  </dgm:styleLbl>
+  <dgm:styleLbl name="parChTrans2D3">
+    <dgm:fillClrLst meth="repeat">
+      <a:schemeClr val="accent1"/>
+    </dgm:fillClrLst>
+    <dgm:linClrLst meth="repeat">
+      <a:schemeClr val="accent1"/>
+    </dgm:linClrLst>
+    <dgm:effectClrLst/>
+    <dgm:txLinClrLst/>
+    <dgm:txFillClrLst meth="repeat">
+      <a:schemeClr val="lt1"/>
+    </dgm:txFillClrLst>
+    <dgm:txEffectClrLst/>
+  </dgm:styleLbl>
+  <dgm:styleLbl name="parChTrans2D4">
+    <dgm:fillClrLst meth="repeat">
+      <a:schemeClr val="accent1"/>
+    </dgm:fillClrLst>
+    <dgm:linClrLst meth="repeat">
+      <a:schemeClr val="accent1"/>
+    </dgm:linClrLst>
+    <dgm:effectClrLst/>
+    <dgm:txLinClrLst/>
+    <dgm:txFillClrLst meth="repeat">
+      <a:schemeClr val="lt1"/>
+    </dgm:txFillClrLst>
+    <dgm:txEffectClrLst/>
+  </dgm:styleLbl>
+  <dgm:styleLbl name="parChTrans1D1">
+    <dgm:fillClrLst meth="repeat">
+      <a:schemeClr val="accent1"/>
+    </dgm:fillClrLst>
+    <dgm:linClrLst meth="repeat">
+      <a:schemeClr val="accent1">
+        <a:shade val="60000"/>
+      </a:schemeClr>
+    </dgm:linClrLst>
+    <dgm:effectClrLst/>
+    <dgm:txLinClrLst/>
+    <dgm:txFillClrLst meth="repeat">
+      <a:schemeClr val="tx1"/>
+    </dgm:txFillClrLst>
+    <dgm:txEffectClrLst/>
+  </dgm:styleLbl>
+  <dgm:styleLbl name="parChTrans1D2">
+    <dgm:fillClrLst meth="repeat">
+      <a:schemeClr val="accent1"/>
+    </dgm:fillClrLst>
+    <dgm:linClrLst meth="repeat">
+      <a:schemeClr val="accent1">
+        <a:shade val="60000"/>
+      </a:schemeClr>
+    </dgm:linClrLst>
+    <dgm:effectClrLst/>
+    <dgm:txLinClrLst/>
+    <dgm:txFillClrLst meth="repeat">
+      <a:schemeClr val="tx1"/>
+    </dgm:txFillClrLst>
+    <dgm:txEffectClrLst/>
+  </dgm:styleLbl>
+  <dgm:styleLbl name="parChTrans1D3">
+    <dgm:fillClrLst meth="repeat">
+      <a:schemeClr val="accent1"/>
+    </dgm:fillClrLst>
+    <dgm:linClrLst meth="repeat">
+      <a:schemeClr val="accent1">
+        <a:shade val="80000"/>
+      </a:schemeClr>
+    </dgm:linClrLst>
+    <dgm:effectClrLst/>
+    <dgm:txLinClrLst/>
+    <dgm:txFillClrLst meth="repeat">
+      <a:schemeClr val="tx1"/>
+    </dgm:txFillClrLst>
+    <dgm:txEffectClrLst/>
+  </dgm:styleLbl>
+  <dgm:styleLbl name="parChTrans1D4">
+    <dgm:fillClrLst meth="repeat">
+      <a:schemeClr val="accent1"/>
+    </dgm:fillClrLst>
+    <dgm:linClrLst meth="repeat">
+      <a:schemeClr val="accent1">
+        <a:shade val="80000"/>
+      </a:schemeClr>
+    </dgm:linClrLst>
+    <dgm:effectClrLst/>
+    <dgm:txLinClrLst/>
+    <dgm:txFillClrLst meth="repeat">
+      <a:schemeClr val="tx1"/>
+    </dgm:txFillClrLst>
+    <dgm:txEffectClrLst/>
+  </dgm:styleLbl>
+  <dgm:styleLbl name="fgAcc1">
+    <dgm:fillClrLst meth="repeat">
+      <a:schemeClr val="lt1">
+        <a:alpha val="90000"/>
+      </a:schemeClr>
+    </dgm:fillClrLst>
+    <dgm:linClrLst meth="repeat">
+      <a:schemeClr val="accent1"/>
+    </dgm:linClrLst>
+    <dgm:effectClrLst/>
+    <dgm:txLinClrLst/>
+    <dgm:txFillClrLst meth="repeat">
+      <a:schemeClr val="dk1"/>
+    </dgm:txFillClrLst>
+    <dgm:txEffectClrLst/>
+  </dgm:styleLbl>
+  <dgm:styleLbl name="conFgAcc1">
+    <dgm:fillClrLst meth="repeat">
+      <a:schemeClr val="lt1">
+        <a:alpha val="90000"/>
+      </a:schemeClr>
+    </dgm:fillClrLst>
+    <dgm:linClrLst meth="repeat">
+      <a:schemeClr val="accent1"/>
+    </dgm:linClrLst>
+    <dgm:effectClrLst/>
+    <dgm:txLinClrLst/>
+    <dgm:txFillClrLst meth="repeat">
+      <a:schemeClr val="dk1"/>
+    </dgm:txFillClrLst>
+    <dgm:txEffectClrLst/>
+  </dgm:styleLbl>
+  <dgm:styleLbl name="alignAcc1">
+    <dgm:fillClrLst meth="repeat">
+      <a:schemeClr val="lt1">
+        <a:alpha val="90000"/>
+      </a:schemeClr>
+    </dgm:fillClrLst>
+    <dgm:linClrLst meth="repeat">
+      <a:schemeClr val="accent1"/>
+    </dgm:linClrLst>
+    <dgm:effectClrLst/>
+    <dgm:txLinClrLst/>
+    <dgm:txFillClrLst meth="repeat">
+      <a:schemeClr val="dk1"/>
+    </dgm:txFillClrLst>
+    <dgm:txEffectClrLst/>
+  </dgm:styleLbl>
+  <dgm:styleLbl name="trAlignAcc1">
+    <dgm:fillClrLst meth="repeat">
+      <a:schemeClr val="lt1">
+        <a:alpha val="40000"/>
+      </a:schemeClr>
+    </dgm:fillClrLst>
+    <dgm:linClrLst meth="repeat">
+      <a:schemeClr val="accent1"/>
+    </dgm:linClrLst>
+    <dgm:effectClrLst/>
+    <dgm:txLinClrLst/>
+    <dgm:txFillClrLst meth="repeat">
+      <a:schemeClr val="dk1"/>
+    </dgm:txFillClrLst>
+    <dgm:txEffectClrLst/>
+  </dgm:styleLbl>
+  <dgm:styleLbl name="bgAcc1">
+    <dgm:fillClrLst meth="repeat">
+      <a:schemeClr val="lt1">
+        <a:alpha val="90000"/>
+      </a:schemeClr>
+    </dgm:fillClrLst>
+    <dgm:linClrLst meth="repeat">
+      <a:schemeClr val="accent1"/>
+    </dgm:linClrLst>
+    <dgm:effectClrLst/>
+    <dgm:txLinClrLst/>
+    <dgm:txFillClrLst meth="repeat">
+      <a:schemeClr val="dk1"/>
+    </dgm:txFillClrLst>
+    <dgm:txEffectClrLst/>
+  </dgm:styleLbl>
+  <dgm:styleLbl name="solidFgAcc1">
+    <dgm:fillClrLst meth="repeat">
+      <a:schemeClr val="lt1"/>
+    </dgm:fillClrLst>
+    <dgm:linClrLst meth="repeat">
+      <a:schemeClr val="accent1"/>
+    </dgm:linClrLst>
+    <dgm:effectClrLst/>
+    <dgm:txLinClrLst/>
+    <dgm:txFillClrLst meth="repeat">
+      <a:schemeClr val="dk1"/>
+    </dgm:txFillClrLst>
+    <dgm:txEffectClrLst/>
+  </dgm:styleLbl>
+  <dgm:styleLbl name="solidAlignAcc1">
+    <dgm:fillClrLst meth="repeat">
+      <a:schemeClr val="lt1"/>
+    </dgm:fillClrLst>
+    <dgm:linClrLst meth="repeat">
+      <a:schemeClr val="accent1"/>
+    </dgm:linClrLst>
+    <dgm:effectClrLst/>
+    <dgm:txLinClrLst/>
+    <dgm:txFillClrLst meth="repeat">
+      <a:schemeClr val="dk1"/>
+    </dgm:txFillClrLst>
+    <dgm:txEffectClrLst/>
+  </dgm:styleLbl>
+  <dgm:styleLbl name="solidBgAcc1">
+    <dgm:fillClrLst meth="repeat">
+      <a:schemeClr val="lt1"/>
+    </dgm:fillClrLst>
+    <dgm:linClrLst meth="repeat">
+      <a:schemeClr val="accent1"/>
+    </dgm:linClrLst>
+    <dgm:effectClrLst/>
+    <dgm:txLinClrLst/>
+    <dgm:txFillClrLst meth="repeat">
+      <a:schemeClr val="dk1"/>
+    </dgm:txFillClrLst>
+    <dgm:txEffectClrLst/>
+  </dgm:styleLbl>
+  <dgm:styleLbl name="fgAccFollowNode1">
+    <dgm:fillClrLst meth="repeat">
+      <a:schemeClr val="accent1">
+        <a:alpha val="90000"/>
+        <a:tint val="40000"/>
+      </a:schemeClr>
+    </dgm:fillClrLst>
+    <dgm:linClrLst meth="repeat">
+      <a:schemeClr val="accent1">
+        <a:alpha val="90000"/>
+        <a:tint val="40000"/>
+      </a:schemeClr>
+    </dgm:linClrLst>
+    <dgm:effectClrLst/>
+    <dgm:txLinClrLst/>
+    <dgm:txFillClrLst meth="repeat">
+      <a:schemeClr val="dk1"/>
+    </dgm:txFillClrLst>
+    <dgm:txEffectClrLst/>
+  </dgm:styleLbl>
+  <dgm:styleLbl name="alignAccFollowNode1">
+    <dgm:fillClrLst meth="repeat">
+      <a:schemeClr val="accent1">
+        <a:alpha val="90000"/>
+        <a:tint val="40000"/>
+      </a:schemeClr>
+    </dgm:fillClrLst>
+    <dgm:linClrLst meth="repeat">
+      <a:schemeClr val="accent1">
+        <a:alpha val="90000"/>
+        <a:tint val="40000"/>
+      </a:schemeClr>
+    </dgm:linClrLst>
+    <dgm:effectClrLst/>
+    <dgm:txLinClrLst/>
+    <dgm:txFillClrLst meth="repeat">
+      <a:schemeClr val="dk1"/>
+    </dgm:txFillClrLst>
+    <dgm:txEffectClrLst/>
+  </dgm:styleLbl>
+  <dgm:styleLbl name="bgAccFollowNode1">
+    <dgm:fillClrLst meth="repeat">
+      <a:schemeClr val="accent1">
+        <a:alpha val="90000"/>
+        <a:tint val="40000"/>
+      </a:schemeClr>
+    </dgm:fillClrLst>
+    <dgm:linClrLst meth="repeat">
+      <a:schemeClr val="accent1">
+        <a:alpha val="90000"/>
+        <a:tint val="40000"/>
+      </a:schemeClr>
+    </dgm:linClrLst>
+    <dgm:effectClrLst/>
+    <dgm:txLinClrLst/>
+    <dgm:txFillClrLst meth="repeat">
+      <a:schemeClr val="dk1"/>
+    </dgm:txFillClrLst>
+    <dgm:txEffectClrLst/>
+  </dgm:styleLbl>
+  <dgm:styleLbl name="fgAcc0">
+    <dgm:fillClrLst meth="repeat">
+      <a:schemeClr val="lt1">
+        <a:alpha val="90000"/>
+      </a:schemeClr>
+    </dgm:fillClrLst>
+    <dgm:linClrLst meth="repeat">
+      <a:schemeClr val="accent1"/>
+    </dgm:linClrLst>
+    <dgm:effectClrLst/>
+    <dgm:txLinClrLst/>
+    <dgm:txFillClrLst meth="repeat">
+      <a:schemeClr val="dk1"/>
+    </dgm:txFillClrLst>
+    <dgm:txEffectClrLst/>
+  </dgm:styleLbl>
+  <dgm:styleLbl name="fgAcc2">
+    <dgm:fillClrLst meth="repeat">
+      <a:schemeClr val="lt1">
+        <a:alpha val="90000"/>
+      </a:schemeClr>
+    </dgm:fillClrLst>
+    <dgm:linClrLst meth="repeat">
+      <a:schemeClr val="accent1"/>
+    </dgm:linClrLst>
+    <dgm:effectClrLst/>
+    <dgm:txLinClrLst/>
+    <dgm:txFillClrLst meth="repeat">
+      <a:schemeClr val="dk1"/>
+    </dgm:txFillClrLst>
+    <dgm:txEffectClrLst/>
+  </dgm:styleLbl>
+  <dgm:styleLbl name="fgAcc3">
+    <dgm:fillClrLst meth="repeat">
+      <a:schemeClr val="lt1">
+        <a:alpha val="90000"/>
+      </a:schemeClr>
+    </dgm:fillClrLst>
+    <dgm:linClrLst meth="repeat">
+      <a:schemeClr val="accent1"/>
+    </dgm:linClrLst>
+    <dgm:effectClrLst/>
+    <dgm:txLinClrLst/>
+    <dgm:txFillClrLst meth="repeat">
+      <a:schemeClr val="dk1"/>
+    </dgm:txFillClrLst>
+    <dgm:txEffectClrLst/>
+  </dgm:styleLbl>
+  <dgm:styleLbl name="fgAcc4">
+    <dgm:fillClrLst meth="repeat">
+      <a:schemeClr val="lt1">
+        <a:alpha val="90000"/>
+      </a:schemeClr>
+    </dgm:fillClrLst>
+    <dgm:linClrLst meth="repeat">
+      <a:schemeClr val="accent1"/>
+    </dgm:linClrLst>
+    <dgm:effectClrLst/>
+    <dgm:txLinClrLst/>
+    <dgm:txFillClrLst meth="repeat">
+      <a:schemeClr val="dk1"/>
+    </dgm:txFillClrLst>
+    <dgm:txEffectClrLst/>
+  </dgm:styleLbl>
+  <dgm:styleLbl name="bgShp">
+    <dgm:fillClrLst meth="repeat">
+      <a:schemeClr val="accent1">
+        <a:tint val="40000"/>
+      </a:schemeClr>
+    </dgm:fillClrLst>
+    <dgm:linClrLst meth="repeat">
+      <a:schemeClr val="accent1"/>
+    </dgm:linClrLst>
+    <dgm:effectClrLst/>
+    <dgm:txLinClrLst/>
+    <dgm:txFillClrLst meth="repeat">
+      <a:schemeClr val="dk1"/>
+    </dgm:txFillClrLst>
+    <dgm:txEffectClrLst/>
+  </dgm:styleLbl>
+  <dgm:styleLbl name="dkBgShp">
+    <dgm:fillClrLst meth="repeat">
+      <a:schemeClr val="accent1">
+        <a:shade val="80000"/>
+      </a:schemeClr>
+    </dgm:fillClrLst>
+    <dgm:linClrLst meth="repeat">
+      <a:schemeClr val="accent1"/>
+    </dgm:linClrLst>
+    <dgm:effectClrLst/>
+    <dgm:txLinClrLst/>
+    <dgm:txFillClrLst meth="repeat">
+      <a:schemeClr val="lt1"/>
+    </dgm:txFillClrLst>
+    <dgm:txEffectClrLst/>
+  </dgm:styleLbl>
+  <dgm:styleLbl name="trBgShp">
+    <dgm:fillClrLst meth="repeat">
+      <a:schemeClr val="accent1">
+        <a:tint val="50000"/>
+        <a:alpha val="40000"/>
+      </a:schemeClr>
+    </dgm:fillClrLst>
+    <dgm:linClrLst meth="repeat">
+      <a:schemeClr val="accent1"/>
+    </dgm:linClrLst>
+    <dgm:effectClrLst/>
+    <dgm:txLinClrLst/>
+    <dgm:txFillClrLst meth="repeat">
+      <a:schemeClr val="lt1"/>
+    </dgm:txFillClrLst>
+    <dgm:txEffectClrLst/>
+  </dgm:styleLbl>
+  <dgm:styleLbl name="fgShp">
+    <dgm:fillClrLst meth="repeat">
+      <a:schemeClr val="accent1">
+        <a:tint val="60000"/>
+      </a:schemeClr>
+    </dgm:fillClrLst>
+    <dgm:linClrLst meth="repeat">
+      <a:schemeClr val="lt1"/>
+    </dgm:linClrLst>
+    <dgm:effectClrLst/>
+    <dgm:txLinClrLst/>
+    <dgm:txFillClrLst meth="repeat">
+      <a:schemeClr val="dk1"/>
+    </dgm:txFillClrLst>
+    <dgm:txEffectClrLst/>
+  </dgm:styleLbl>
+  <dgm:styleLbl name="revTx">
+    <dgm:fillClrLst meth="repeat">
+      <a:schemeClr val="lt1">
+        <a:alpha val="0"/>
+      </a:schemeClr>
+    </dgm:fillClrLst>
+    <dgm:linClrLst meth="repeat">
+      <a:schemeClr val="dk1">
+        <a:alpha val="0"/>
+      </a:schemeClr>
+    </dgm:linClrLst>
+    <dgm:effectClrLst/>
+    <dgm:txLinClrLst/>
+    <dgm:txFillClrLst meth="repeat">
+      <a:schemeClr val="tx1"/>
+    </dgm:txFillClrLst>
+    <dgm:txEffectClrLst/>
+  </dgm:styleLbl>
+</dgm:colorsDef>
+</file>
+
+<file path=ppt/diagrams/colors4.xml><?xml version="1.0" encoding="utf-8"?>
 <dgm:colorsDef xmlns:dgm="http://schemas.openxmlformats.org/drawingml/2006/diagram" xmlns:a="http://schemas.openxmlformats.org/drawingml/2006/main" uniqueId="urn:microsoft.com/office/officeart/2005/8/colors/accent1_2">
   <dgm:title val=""/>
   <dgm:desc val=""/>
@@ -3824,6 +4572,482 @@
     <dgm:cxn modelId="{55C49C49-A93D-9F47-A511-AC6C564AA438}" type="presParOf" srcId="{613B2D7E-F669-F647-A303-00E6A4935F12}" destId="{2B15D6E0-9CF6-E84B-8CB3-9D9EA0B5687C}" srcOrd="0" destOrd="0" presId="urn:microsoft.com/office/officeart/2005/8/layout/hierarchy1"/>
     <dgm:cxn modelId="{9CA03581-CC51-1D4E-A0D4-B30A7D328A8F}" type="presParOf" srcId="{613B2D7E-F669-F647-A303-00E6A4935F12}" destId="{3D99DD3E-FD6B-E44E-9E3C-06B25A7F1665}" srcOrd="1" destOrd="0" presId="urn:microsoft.com/office/officeart/2005/8/layout/hierarchy1"/>
     <dgm:cxn modelId="{5100097D-74D9-2D47-9383-A7AD05A69E02}" type="presParOf" srcId="{7C1B620A-0BE3-C540-9FBC-C3E03E268BBF}" destId="{4945D78D-D44A-EE49-B20B-FA344F504ABB}" srcOrd="1" destOrd="0" presId="urn:microsoft.com/office/officeart/2005/8/layout/hierarchy1"/>
+  </dgm:cxnLst>
+  <dgm:bg/>
+  <dgm:whole/>
+  <dgm:extLst>
+    <a:ext uri="http://schemas.microsoft.com/office/drawing/2008/diagram">
+      <dsp:dataModelExt xmlns:dsp="http://schemas.microsoft.com/office/drawing/2008/diagram" relId="rId6" minVer="http://schemas.openxmlformats.org/drawingml/2006/diagram"/>
+    </a:ext>
+  </dgm:extLst>
+</dgm:dataModel>
+</file>
+
+<file path=ppt/diagrams/data4.xml><?xml version="1.0" encoding="utf-8"?>
+<dgm:dataModel xmlns:dgm="http://schemas.openxmlformats.org/drawingml/2006/diagram" xmlns:a="http://schemas.openxmlformats.org/drawingml/2006/main">
+  <dgm:ptLst>
+    <dgm:pt modelId="{7AD4DA6A-4FA8-7E4D-A6CE-F654B9A0DC33}" type="doc">
+      <dgm:prSet loTypeId="urn:microsoft.com/office/officeart/2005/8/layout/hierarchy2" loCatId="" qsTypeId="urn:microsoft.com/office/officeart/2005/8/quickstyle/simple4" qsCatId="simple" csTypeId="urn:microsoft.com/office/officeart/2005/8/colors/accent1_2" csCatId="accent1" phldr="1"/>
+      <dgm:spPr/>
+      <dgm:t>
+        <a:bodyPr/>
+        <a:lstStyle/>
+        <a:p>
+          <a:endParaRPr lang="en-US"/>
+        </a:p>
+      </dgm:t>
+    </dgm:pt>
+    <dgm:pt modelId="{55B488F0-FECF-2448-870C-17BE163CDC93}">
+      <dgm:prSet phldrT="[Text]"/>
+      <dgm:spPr/>
+      <dgm:t>
+        <a:bodyPr/>
+        <a:lstStyle/>
+        <a:p>
+          <a:r>
+            <a:rPr lang="en-US" altLang="zh-CN" dirty="0" err="1" smtClean="0"/>
+            <a:t>Expr</a:t>
+          </a:r>
+          <a:endParaRPr lang="en-US" dirty="0"/>
+        </a:p>
+      </dgm:t>
+    </dgm:pt>
+    <dgm:pt modelId="{AE31C4CD-0812-CB43-87AB-BCA7D4F68083}" type="parTrans" cxnId="{9369B860-BA54-E949-B22A-3CEB050328B2}">
+      <dgm:prSet/>
+      <dgm:spPr/>
+      <dgm:t>
+        <a:bodyPr/>
+        <a:lstStyle/>
+        <a:p>
+          <a:endParaRPr lang="en-US"/>
+        </a:p>
+      </dgm:t>
+    </dgm:pt>
+    <dgm:pt modelId="{5F3B0173-B483-5A4E-A3E8-9DE6CC71A8DF}" type="sibTrans" cxnId="{9369B860-BA54-E949-B22A-3CEB050328B2}">
+      <dgm:prSet/>
+      <dgm:spPr/>
+      <dgm:t>
+        <a:bodyPr/>
+        <a:lstStyle/>
+        <a:p>
+          <a:endParaRPr lang="en-US"/>
+        </a:p>
+      </dgm:t>
+    </dgm:pt>
+    <dgm:pt modelId="{514AD491-88C0-B443-922B-AB95140136EB}">
+      <dgm:prSet phldrT="[Text]"/>
+      <dgm:spPr/>
+      <dgm:t>
+        <a:bodyPr/>
+        <a:lstStyle/>
+        <a:p>
+          <a:r>
+            <a:rPr lang="en-US" altLang="zh-CN" dirty="0" err="1" smtClean="0"/>
+            <a:t>LvalueExpr</a:t>
+          </a:r>
+          <a:endParaRPr lang="en-US" dirty="0"/>
+        </a:p>
+      </dgm:t>
+    </dgm:pt>
+    <dgm:pt modelId="{141E6B2F-BF45-4A4F-ACEE-2268C53ED87B}" type="parTrans" cxnId="{715D43DD-6086-ED4D-B97A-F74D122AB709}">
+      <dgm:prSet/>
+      <dgm:spPr/>
+      <dgm:t>
+        <a:bodyPr/>
+        <a:lstStyle/>
+        <a:p>
+          <a:endParaRPr lang="en-US"/>
+        </a:p>
+      </dgm:t>
+    </dgm:pt>
+    <dgm:pt modelId="{4D7F18C8-2293-8946-ACB5-42755F25CE8D}" type="sibTrans" cxnId="{715D43DD-6086-ED4D-B97A-F74D122AB709}">
+      <dgm:prSet/>
+      <dgm:spPr/>
+      <dgm:t>
+        <a:bodyPr/>
+        <a:lstStyle/>
+        <a:p>
+          <a:endParaRPr lang="en-US"/>
+        </a:p>
+      </dgm:t>
+    </dgm:pt>
+    <dgm:pt modelId="{82620A66-6382-254F-AAB0-C3798D573B3F}">
+      <dgm:prSet phldrT="[Text]"/>
+      <dgm:spPr/>
+      <dgm:t>
+        <a:bodyPr/>
+        <a:lstStyle/>
+        <a:p>
+          <a:r>
+            <a:rPr lang="en-US" altLang="zh-CN" dirty="0" err="1" smtClean="0"/>
+            <a:t>SubMatExpr</a:t>
+          </a:r>
+          <a:endParaRPr lang="en-US" dirty="0"/>
+        </a:p>
+      </dgm:t>
+    </dgm:pt>
+    <dgm:pt modelId="{707803DB-F54A-304C-877A-6A218A55C751}" type="parTrans" cxnId="{559ABD2F-93A7-F246-883C-61058B8A3259}">
+      <dgm:prSet/>
+      <dgm:spPr/>
+      <dgm:t>
+        <a:bodyPr/>
+        <a:lstStyle/>
+        <a:p>
+          <a:endParaRPr lang="en-US"/>
+        </a:p>
+      </dgm:t>
+    </dgm:pt>
+    <dgm:pt modelId="{D1557D0E-8058-3E41-A8EC-994A760837E5}" type="sibTrans" cxnId="{559ABD2F-93A7-F246-883C-61058B8A3259}">
+      <dgm:prSet/>
+      <dgm:spPr/>
+      <dgm:t>
+        <a:bodyPr/>
+        <a:lstStyle/>
+        <a:p>
+          <a:endParaRPr lang="en-US"/>
+        </a:p>
+      </dgm:t>
+    </dgm:pt>
+    <dgm:pt modelId="{2B8FB9FC-44DF-1D4D-8DCC-45F020DD6D27}">
+      <dgm:prSet phldrT="[Text]"/>
+      <dgm:spPr/>
+      <dgm:t>
+        <a:bodyPr/>
+        <a:lstStyle/>
+        <a:p>
+          <a:r>
+            <a:rPr lang="en-US" altLang="zh-CN" dirty="0" err="1" smtClean="0"/>
+            <a:t>MultiplyExpr</a:t>
+          </a:r>
+          <a:endParaRPr lang="en-US" dirty="0"/>
+        </a:p>
+      </dgm:t>
+    </dgm:pt>
+    <dgm:pt modelId="{00E7CD73-14F1-B54C-94CB-B7C498B81A6A}" type="parTrans" cxnId="{248A4D69-25D8-4342-A5A5-6659946AF76F}">
+      <dgm:prSet/>
+      <dgm:spPr/>
+      <dgm:t>
+        <a:bodyPr/>
+        <a:lstStyle/>
+        <a:p>
+          <a:endParaRPr lang="en-US"/>
+        </a:p>
+      </dgm:t>
+    </dgm:pt>
+    <dgm:pt modelId="{99BC3E05-7BC6-6E42-8F98-8A4D80838680}" type="sibTrans" cxnId="{248A4D69-25D8-4342-A5A5-6659946AF76F}">
+      <dgm:prSet/>
+      <dgm:spPr/>
+      <dgm:t>
+        <a:bodyPr/>
+        <a:lstStyle/>
+        <a:p>
+          <a:endParaRPr lang="en-US"/>
+        </a:p>
+      </dgm:t>
+    </dgm:pt>
+    <dgm:pt modelId="{DF7BA481-20FB-A747-9AFA-E73DB9648E43}">
+      <dgm:prSet phldrT="[Text]"/>
+      <dgm:spPr/>
+      <dgm:t>
+        <a:bodyPr/>
+        <a:lstStyle/>
+        <a:p>
+          <a:r>
+            <a:rPr lang="en-US" altLang="zh-CN" dirty="0" err="1" smtClean="0"/>
+            <a:t>BinaryCwiseExpr</a:t>
+          </a:r>
+          <a:endParaRPr lang="en-US" dirty="0"/>
+        </a:p>
+      </dgm:t>
+    </dgm:pt>
+    <dgm:pt modelId="{EDF14DFA-E6C7-3C43-AE91-B9B325DA30C5}" type="parTrans" cxnId="{CAD5D8F5-B748-2D4B-91DE-2D72A95DA81A}">
+      <dgm:prSet/>
+      <dgm:spPr/>
+      <dgm:t>
+        <a:bodyPr/>
+        <a:lstStyle/>
+        <a:p>
+          <a:endParaRPr lang="en-US"/>
+        </a:p>
+      </dgm:t>
+    </dgm:pt>
+    <dgm:pt modelId="{88647A73-6550-B34F-AA16-0E5B04876842}" type="sibTrans" cxnId="{CAD5D8F5-B748-2D4B-91DE-2D72A95DA81A}">
+      <dgm:prSet/>
+      <dgm:spPr/>
+      <dgm:t>
+        <a:bodyPr/>
+        <a:lstStyle/>
+        <a:p>
+          <a:endParaRPr lang="en-US"/>
+        </a:p>
+      </dgm:t>
+    </dgm:pt>
+    <dgm:pt modelId="{74F1425A-2DBD-1F46-9E6B-310B07765D81}">
+      <dgm:prSet phldrT="[Text]"/>
+      <dgm:spPr/>
+      <dgm:t>
+        <a:bodyPr/>
+        <a:lstStyle/>
+        <a:p>
+          <a:r>
+            <a:rPr lang="en-US" altLang="zh-CN" dirty="0" err="1" smtClean="0"/>
+            <a:t>IMatrix</a:t>
+          </a:r>
+          <a:endParaRPr lang="en-US" dirty="0"/>
+        </a:p>
+      </dgm:t>
+    </dgm:pt>
+    <dgm:pt modelId="{73607E72-7992-E940-A68C-58F21E93BDE8}" type="parTrans" cxnId="{3725EA58-FB14-FA48-8B07-6374956F862C}">
+      <dgm:prSet/>
+      <dgm:spPr/>
+      <dgm:t>
+        <a:bodyPr/>
+        <a:lstStyle/>
+        <a:p>
+          <a:endParaRPr lang="en-US"/>
+        </a:p>
+      </dgm:t>
+    </dgm:pt>
+    <dgm:pt modelId="{38355EB8-A98D-BF43-BDF3-5BE4B15E681E}" type="sibTrans" cxnId="{3725EA58-FB14-FA48-8B07-6374956F862C}">
+      <dgm:prSet/>
+      <dgm:spPr/>
+      <dgm:t>
+        <a:bodyPr/>
+        <a:lstStyle/>
+        <a:p>
+          <a:endParaRPr lang="en-US"/>
+        </a:p>
+      </dgm:t>
+    </dgm:pt>
+    <dgm:pt modelId="{EDD2B0E7-C6A2-BB40-A7BD-E30A9D15D5D2}" type="pres">
+      <dgm:prSet presAssocID="{7AD4DA6A-4FA8-7E4D-A6CE-F654B9A0DC33}" presName="diagram" presStyleCnt="0">
+        <dgm:presLayoutVars>
+          <dgm:chPref val="1"/>
+          <dgm:dir/>
+          <dgm:animOne val="branch"/>
+          <dgm:animLvl val="lvl"/>
+          <dgm:resizeHandles val="exact"/>
+        </dgm:presLayoutVars>
+      </dgm:prSet>
+      <dgm:spPr/>
+    </dgm:pt>
+    <dgm:pt modelId="{0995F38A-50AA-8941-AAF0-BD1827DDD962}" type="pres">
+      <dgm:prSet presAssocID="{55B488F0-FECF-2448-870C-17BE163CDC93}" presName="root1" presStyleCnt="0"/>
+      <dgm:spPr/>
+    </dgm:pt>
+    <dgm:pt modelId="{4CADC761-2757-5746-95D4-F9C1D6A636F2}" type="pres">
+      <dgm:prSet presAssocID="{55B488F0-FECF-2448-870C-17BE163CDC93}" presName="LevelOneTextNode" presStyleLbl="node0" presStyleIdx="0" presStyleCnt="1">
+        <dgm:presLayoutVars>
+          <dgm:chPref val="3"/>
+        </dgm:presLayoutVars>
+      </dgm:prSet>
+      <dgm:spPr/>
+      <dgm:t>
+        <a:bodyPr/>
+        <a:lstStyle/>
+        <a:p>
+          <a:endParaRPr lang="en-US"/>
+        </a:p>
+      </dgm:t>
+    </dgm:pt>
+    <dgm:pt modelId="{2B1B218B-22F5-4C40-9927-62E22DB1A87A}" type="pres">
+      <dgm:prSet presAssocID="{55B488F0-FECF-2448-870C-17BE163CDC93}" presName="level2hierChild" presStyleCnt="0"/>
+      <dgm:spPr/>
+    </dgm:pt>
+    <dgm:pt modelId="{13EE8C50-F46F-964B-B607-9474A3073766}" type="pres">
+      <dgm:prSet presAssocID="{141E6B2F-BF45-4A4F-ACEE-2268C53ED87B}" presName="conn2-1" presStyleLbl="parChTrans1D2" presStyleIdx="0" presStyleCnt="3"/>
+      <dgm:spPr/>
+    </dgm:pt>
+    <dgm:pt modelId="{791E427B-1A14-DA4B-91BB-CD61E2C930CB}" type="pres">
+      <dgm:prSet presAssocID="{141E6B2F-BF45-4A4F-ACEE-2268C53ED87B}" presName="connTx" presStyleLbl="parChTrans1D2" presStyleIdx="0" presStyleCnt="3"/>
+      <dgm:spPr/>
+    </dgm:pt>
+    <dgm:pt modelId="{8DEC808C-3681-684D-8AE9-A313CEBD13B4}" type="pres">
+      <dgm:prSet presAssocID="{514AD491-88C0-B443-922B-AB95140136EB}" presName="root2" presStyleCnt="0"/>
+      <dgm:spPr/>
+    </dgm:pt>
+    <dgm:pt modelId="{003565BD-9A51-AA4D-8D98-1EC02AB39256}" type="pres">
+      <dgm:prSet presAssocID="{514AD491-88C0-B443-922B-AB95140136EB}" presName="LevelTwoTextNode" presStyleLbl="node2" presStyleIdx="0" presStyleCnt="3">
+        <dgm:presLayoutVars>
+          <dgm:chPref val="3"/>
+        </dgm:presLayoutVars>
+      </dgm:prSet>
+      <dgm:spPr/>
+      <dgm:t>
+        <a:bodyPr/>
+        <a:lstStyle/>
+        <a:p>
+          <a:endParaRPr lang="en-US"/>
+        </a:p>
+      </dgm:t>
+    </dgm:pt>
+    <dgm:pt modelId="{8C4D20BA-AF6D-6F4D-933F-BC67944BEABF}" type="pres">
+      <dgm:prSet presAssocID="{514AD491-88C0-B443-922B-AB95140136EB}" presName="level3hierChild" presStyleCnt="0"/>
+      <dgm:spPr/>
+    </dgm:pt>
+    <dgm:pt modelId="{0CBDFEDF-49B5-8349-8030-D04FB546E8EC}" type="pres">
+      <dgm:prSet presAssocID="{707803DB-F54A-304C-877A-6A218A55C751}" presName="conn2-1" presStyleLbl="parChTrans1D3" presStyleIdx="0" presStyleCnt="2"/>
+      <dgm:spPr/>
+    </dgm:pt>
+    <dgm:pt modelId="{9A406E90-FFED-BE47-916F-A3154269FD35}" type="pres">
+      <dgm:prSet presAssocID="{707803DB-F54A-304C-877A-6A218A55C751}" presName="connTx" presStyleLbl="parChTrans1D3" presStyleIdx="0" presStyleCnt="2"/>
+      <dgm:spPr/>
+    </dgm:pt>
+    <dgm:pt modelId="{07BF4FFE-700C-FB4C-B37A-B04B13BAB848}" type="pres">
+      <dgm:prSet presAssocID="{82620A66-6382-254F-AAB0-C3798D573B3F}" presName="root2" presStyleCnt="0"/>
+      <dgm:spPr/>
+    </dgm:pt>
+    <dgm:pt modelId="{182C68B4-79CA-9342-B83A-6BED7BCB2CC7}" type="pres">
+      <dgm:prSet presAssocID="{82620A66-6382-254F-AAB0-C3798D573B3F}" presName="LevelTwoTextNode" presStyleLbl="node3" presStyleIdx="0" presStyleCnt="2">
+        <dgm:presLayoutVars>
+          <dgm:chPref val="3"/>
+        </dgm:presLayoutVars>
+      </dgm:prSet>
+      <dgm:spPr/>
+      <dgm:t>
+        <a:bodyPr/>
+        <a:lstStyle/>
+        <a:p>
+          <a:endParaRPr lang="en-US"/>
+        </a:p>
+      </dgm:t>
+    </dgm:pt>
+    <dgm:pt modelId="{5FB82A05-6405-EF48-BF9E-236CB8E77E62}" type="pres">
+      <dgm:prSet presAssocID="{82620A66-6382-254F-AAB0-C3798D573B3F}" presName="level3hierChild" presStyleCnt="0"/>
+      <dgm:spPr/>
+    </dgm:pt>
+    <dgm:pt modelId="{451E6AE6-14B7-B14F-9786-9F92AC7B6FB7}" type="pres">
+      <dgm:prSet presAssocID="{73607E72-7992-E940-A68C-58F21E93BDE8}" presName="conn2-1" presStyleLbl="parChTrans1D3" presStyleIdx="1" presStyleCnt="2"/>
+      <dgm:spPr/>
+    </dgm:pt>
+    <dgm:pt modelId="{677350F3-0E4B-5B47-AD32-73DFBEDC342A}" type="pres">
+      <dgm:prSet presAssocID="{73607E72-7992-E940-A68C-58F21E93BDE8}" presName="connTx" presStyleLbl="parChTrans1D3" presStyleIdx="1" presStyleCnt="2"/>
+      <dgm:spPr/>
+    </dgm:pt>
+    <dgm:pt modelId="{66CA049A-6989-4040-9530-1497CCE919FC}" type="pres">
+      <dgm:prSet presAssocID="{74F1425A-2DBD-1F46-9E6B-310B07765D81}" presName="root2" presStyleCnt="0"/>
+      <dgm:spPr/>
+    </dgm:pt>
+    <dgm:pt modelId="{98AE92B5-B028-3446-BC11-699B4F8CA3F3}" type="pres">
+      <dgm:prSet presAssocID="{74F1425A-2DBD-1F46-9E6B-310B07765D81}" presName="LevelTwoTextNode" presStyleLbl="node3" presStyleIdx="1" presStyleCnt="2">
+        <dgm:presLayoutVars>
+          <dgm:chPref val="3"/>
+        </dgm:presLayoutVars>
+      </dgm:prSet>
+      <dgm:spPr/>
+    </dgm:pt>
+    <dgm:pt modelId="{7E3B284B-43D3-8D43-965C-06BB86573656}" type="pres">
+      <dgm:prSet presAssocID="{74F1425A-2DBD-1F46-9E6B-310B07765D81}" presName="level3hierChild" presStyleCnt="0"/>
+      <dgm:spPr/>
+    </dgm:pt>
+    <dgm:pt modelId="{E62D1BC8-AF85-8C4C-B983-CF52A0E074E9}" type="pres">
+      <dgm:prSet presAssocID="{00E7CD73-14F1-B54C-94CB-B7C498B81A6A}" presName="conn2-1" presStyleLbl="parChTrans1D2" presStyleIdx="1" presStyleCnt="3"/>
+      <dgm:spPr/>
+    </dgm:pt>
+    <dgm:pt modelId="{CC24E06F-29F5-5846-A3E4-EDA217935D65}" type="pres">
+      <dgm:prSet presAssocID="{00E7CD73-14F1-B54C-94CB-B7C498B81A6A}" presName="connTx" presStyleLbl="parChTrans1D2" presStyleIdx="1" presStyleCnt="3"/>
+      <dgm:spPr/>
+    </dgm:pt>
+    <dgm:pt modelId="{FCBD2392-15DB-774D-BAA5-19B9F4758B99}" type="pres">
+      <dgm:prSet presAssocID="{2B8FB9FC-44DF-1D4D-8DCC-45F020DD6D27}" presName="root2" presStyleCnt="0"/>
+      <dgm:spPr/>
+    </dgm:pt>
+    <dgm:pt modelId="{78B9D6EB-F615-EE42-A87E-6C703260E48A}" type="pres">
+      <dgm:prSet presAssocID="{2B8FB9FC-44DF-1D4D-8DCC-45F020DD6D27}" presName="LevelTwoTextNode" presStyleLbl="node2" presStyleIdx="1" presStyleCnt="3">
+        <dgm:presLayoutVars>
+          <dgm:chPref val="3"/>
+        </dgm:presLayoutVars>
+      </dgm:prSet>
+      <dgm:spPr/>
+      <dgm:t>
+        <a:bodyPr/>
+        <a:lstStyle/>
+        <a:p>
+          <a:endParaRPr lang="en-US"/>
+        </a:p>
+      </dgm:t>
+    </dgm:pt>
+    <dgm:pt modelId="{124623CC-D13C-2B44-9A63-A442F7EC9F6E}" type="pres">
+      <dgm:prSet presAssocID="{2B8FB9FC-44DF-1D4D-8DCC-45F020DD6D27}" presName="level3hierChild" presStyleCnt="0"/>
+      <dgm:spPr/>
+    </dgm:pt>
+    <dgm:pt modelId="{EB314146-9717-9D41-B611-8D570E1439FC}" type="pres">
+      <dgm:prSet presAssocID="{EDF14DFA-E6C7-3C43-AE91-B9B325DA30C5}" presName="conn2-1" presStyleLbl="parChTrans1D2" presStyleIdx="2" presStyleCnt="3"/>
+      <dgm:spPr/>
+    </dgm:pt>
+    <dgm:pt modelId="{7FF0359D-2261-2545-AD94-1157F1630EA4}" type="pres">
+      <dgm:prSet presAssocID="{EDF14DFA-E6C7-3C43-AE91-B9B325DA30C5}" presName="connTx" presStyleLbl="parChTrans1D2" presStyleIdx="2" presStyleCnt="3"/>
+      <dgm:spPr/>
+    </dgm:pt>
+    <dgm:pt modelId="{031CE198-5DAF-2349-8FB1-B7420A887A82}" type="pres">
+      <dgm:prSet presAssocID="{DF7BA481-20FB-A747-9AFA-E73DB9648E43}" presName="root2" presStyleCnt="0"/>
+      <dgm:spPr/>
+    </dgm:pt>
+    <dgm:pt modelId="{B6A34FCE-A213-6044-A882-DB2C614427AF}" type="pres">
+      <dgm:prSet presAssocID="{DF7BA481-20FB-A747-9AFA-E73DB9648E43}" presName="LevelTwoTextNode" presStyleLbl="node2" presStyleIdx="2" presStyleCnt="3">
+        <dgm:presLayoutVars>
+          <dgm:chPref val="3"/>
+        </dgm:presLayoutVars>
+      </dgm:prSet>
+      <dgm:spPr/>
+    </dgm:pt>
+    <dgm:pt modelId="{FCBCCE5F-1A42-AF47-B829-3580CA06A34A}" type="pres">
+      <dgm:prSet presAssocID="{DF7BA481-20FB-A747-9AFA-E73DB9648E43}" presName="level3hierChild" presStyleCnt="0"/>
+      <dgm:spPr/>
+    </dgm:pt>
+  </dgm:ptLst>
+  <dgm:cxnLst>
+    <dgm:cxn modelId="{BF496AC0-754E-314D-93E6-803EEBED1881}" type="presOf" srcId="{EDF14DFA-E6C7-3C43-AE91-B9B325DA30C5}" destId="{7FF0359D-2261-2545-AD94-1157F1630EA4}" srcOrd="1" destOrd="0" presId="urn:microsoft.com/office/officeart/2005/8/layout/hierarchy2"/>
+    <dgm:cxn modelId="{559ABD2F-93A7-F246-883C-61058B8A3259}" srcId="{514AD491-88C0-B443-922B-AB95140136EB}" destId="{82620A66-6382-254F-AAB0-C3798D573B3F}" srcOrd="0" destOrd="0" parTransId="{707803DB-F54A-304C-877A-6A218A55C751}" sibTransId="{D1557D0E-8058-3E41-A8EC-994A760837E5}"/>
+    <dgm:cxn modelId="{1A39B1E6-57E8-8F44-9B92-4A19E7173155}" type="presOf" srcId="{82620A66-6382-254F-AAB0-C3798D573B3F}" destId="{182C68B4-79CA-9342-B83A-6BED7BCB2CC7}" srcOrd="0" destOrd="0" presId="urn:microsoft.com/office/officeart/2005/8/layout/hierarchy2"/>
+    <dgm:cxn modelId="{D96075DA-212F-E448-A9CE-86921DEBB1CB}" type="presOf" srcId="{EDF14DFA-E6C7-3C43-AE91-B9B325DA30C5}" destId="{EB314146-9717-9D41-B611-8D570E1439FC}" srcOrd="0" destOrd="0" presId="urn:microsoft.com/office/officeart/2005/8/layout/hierarchy2"/>
+    <dgm:cxn modelId="{B8732959-19A2-7249-9E44-8616384307B7}" type="presOf" srcId="{73607E72-7992-E940-A68C-58F21E93BDE8}" destId="{451E6AE6-14B7-B14F-9786-9F92AC7B6FB7}" srcOrd="0" destOrd="0" presId="urn:microsoft.com/office/officeart/2005/8/layout/hierarchy2"/>
+    <dgm:cxn modelId="{CAD5D8F5-B748-2D4B-91DE-2D72A95DA81A}" srcId="{55B488F0-FECF-2448-870C-17BE163CDC93}" destId="{DF7BA481-20FB-A747-9AFA-E73DB9648E43}" srcOrd="2" destOrd="0" parTransId="{EDF14DFA-E6C7-3C43-AE91-B9B325DA30C5}" sibTransId="{88647A73-6550-B34F-AA16-0E5B04876842}"/>
+    <dgm:cxn modelId="{9369B860-BA54-E949-B22A-3CEB050328B2}" srcId="{7AD4DA6A-4FA8-7E4D-A6CE-F654B9A0DC33}" destId="{55B488F0-FECF-2448-870C-17BE163CDC93}" srcOrd="0" destOrd="0" parTransId="{AE31C4CD-0812-CB43-87AB-BCA7D4F68083}" sibTransId="{5F3B0173-B483-5A4E-A3E8-9DE6CC71A8DF}"/>
+    <dgm:cxn modelId="{B19CF5C4-5724-A944-BECF-952019523013}" type="presOf" srcId="{514AD491-88C0-B443-922B-AB95140136EB}" destId="{003565BD-9A51-AA4D-8D98-1EC02AB39256}" srcOrd="0" destOrd="0" presId="urn:microsoft.com/office/officeart/2005/8/layout/hierarchy2"/>
+    <dgm:cxn modelId="{248A4D69-25D8-4342-A5A5-6659946AF76F}" srcId="{55B488F0-FECF-2448-870C-17BE163CDC93}" destId="{2B8FB9FC-44DF-1D4D-8DCC-45F020DD6D27}" srcOrd="1" destOrd="0" parTransId="{00E7CD73-14F1-B54C-94CB-B7C498B81A6A}" sibTransId="{99BC3E05-7BC6-6E42-8F98-8A4D80838680}"/>
+    <dgm:cxn modelId="{7F0EB9D9-07B1-F84D-A81F-4336CD5C44F7}" type="presOf" srcId="{707803DB-F54A-304C-877A-6A218A55C751}" destId="{9A406E90-FFED-BE47-916F-A3154269FD35}" srcOrd="1" destOrd="0" presId="urn:microsoft.com/office/officeart/2005/8/layout/hierarchy2"/>
+    <dgm:cxn modelId="{81C4B436-BB00-5044-ADC0-E4256D0491E0}" type="presOf" srcId="{00E7CD73-14F1-B54C-94CB-B7C498B81A6A}" destId="{CC24E06F-29F5-5846-A3E4-EDA217935D65}" srcOrd="1" destOrd="0" presId="urn:microsoft.com/office/officeart/2005/8/layout/hierarchy2"/>
+    <dgm:cxn modelId="{3725EA58-FB14-FA48-8B07-6374956F862C}" srcId="{514AD491-88C0-B443-922B-AB95140136EB}" destId="{74F1425A-2DBD-1F46-9E6B-310B07765D81}" srcOrd="1" destOrd="0" parTransId="{73607E72-7992-E940-A68C-58F21E93BDE8}" sibTransId="{38355EB8-A98D-BF43-BDF3-5BE4B15E681E}"/>
+    <dgm:cxn modelId="{644F6324-C7C5-0A44-BC9F-A80200729D49}" type="presOf" srcId="{73607E72-7992-E940-A68C-58F21E93BDE8}" destId="{677350F3-0E4B-5B47-AD32-73DFBEDC342A}" srcOrd="1" destOrd="0" presId="urn:microsoft.com/office/officeart/2005/8/layout/hierarchy2"/>
+    <dgm:cxn modelId="{B21D73E5-D69A-7E45-A001-3C777E8752B8}" type="presOf" srcId="{55B488F0-FECF-2448-870C-17BE163CDC93}" destId="{4CADC761-2757-5746-95D4-F9C1D6A636F2}" srcOrd="0" destOrd="0" presId="urn:microsoft.com/office/officeart/2005/8/layout/hierarchy2"/>
+    <dgm:cxn modelId="{3261DEDD-2516-3F40-8084-7CB00D3D7402}" type="presOf" srcId="{707803DB-F54A-304C-877A-6A218A55C751}" destId="{0CBDFEDF-49B5-8349-8030-D04FB546E8EC}" srcOrd="0" destOrd="0" presId="urn:microsoft.com/office/officeart/2005/8/layout/hierarchy2"/>
+    <dgm:cxn modelId="{DDABA965-3CDF-1344-B6C1-7F19CE621BC8}" type="presOf" srcId="{7AD4DA6A-4FA8-7E4D-A6CE-F654B9A0DC33}" destId="{EDD2B0E7-C6A2-BB40-A7BD-E30A9D15D5D2}" srcOrd="0" destOrd="0" presId="urn:microsoft.com/office/officeart/2005/8/layout/hierarchy2"/>
+    <dgm:cxn modelId="{B00800F4-ACF5-5E42-8A58-77AF2FDF0D21}" type="presOf" srcId="{141E6B2F-BF45-4A4F-ACEE-2268C53ED87B}" destId="{791E427B-1A14-DA4B-91BB-CD61E2C930CB}" srcOrd="1" destOrd="0" presId="urn:microsoft.com/office/officeart/2005/8/layout/hierarchy2"/>
+    <dgm:cxn modelId="{047EE8B0-6E55-E449-A488-7F1577D3E568}" type="presOf" srcId="{00E7CD73-14F1-B54C-94CB-B7C498B81A6A}" destId="{E62D1BC8-AF85-8C4C-B983-CF52A0E074E9}" srcOrd="0" destOrd="0" presId="urn:microsoft.com/office/officeart/2005/8/layout/hierarchy2"/>
+    <dgm:cxn modelId="{7DC33BFD-2ABA-254A-BD53-7F66EB61C8B3}" type="presOf" srcId="{74F1425A-2DBD-1F46-9E6B-310B07765D81}" destId="{98AE92B5-B028-3446-BC11-699B4F8CA3F3}" srcOrd="0" destOrd="0" presId="urn:microsoft.com/office/officeart/2005/8/layout/hierarchy2"/>
+    <dgm:cxn modelId="{DCA111D7-C77F-EF4C-A745-B63B760CA8C9}" type="presOf" srcId="{2B8FB9FC-44DF-1D4D-8DCC-45F020DD6D27}" destId="{78B9D6EB-F615-EE42-A87E-6C703260E48A}" srcOrd="0" destOrd="0" presId="urn:microsoft.com/office/officeart/2005/8/layout/hierarchy2"/>
+    <dgm:cxn modelId="{715D43DD-6086-ED4D-B97A-F74D122AB709}" srcId="{55B488F0-FECF-2448-870C-17BE163CDC93}" destId="{514AD491-88C0-B443-922B-AB95140136EB}" srcOrd="0" destOrd="0" parTransId="{141E6B2F-BF45-4A4F-ACEE-2268C53ED87B}" sibTransId="{4D7F18C8-2293-8946-ACB5-42755F25CE8D}"/>
+    <dgm:cxn modelId="{EB9E3EC5-0B7B-1247-9B96-0ADB8ACCBA2B}" type="presOf" srcId="{DF7BA481-20FB-A747-9AFA-E73DB9648E43}" destId="{B6A34FCE-A213-6044-A882-DB2C614427AF}" srcOrd="0" destOrd="0" presId="urn:microsoft.com/office/officeart/2005/8/layout/hierarchy2"/>
+    <dgm:cxn modelId="{5DE1FADC-536F-EC47-9FAD-412C199D0FDC}" type="presOf" srcId="{141E6B2F-BF45-4A4F-ACEE-2268C53ED87B}" destId="{13EE8C50-F46F-964B-B607-9474A3073766}" srcOrd="0" destOrd="0" presId="urn:microsoft.com/office/officeart/2005/8/layout/hierarchy2"/>
+    <dgm:cxn modelId="{DBA41813-EBD2-BE4D-B102-351B2840F92B}" type="presParOf" srcId="{EDD2B0E7-C6A2-BB40-A7BD-E30A9D15D5D2}" destId="{0995F38A-50AA-8941-AAF0-BD1827DDD962}" srcOrd="0" destOrd="0" presId="urn:microsoft.com/office/officeart/2005/8/layout/hierarchy2"/>
+    <dgm:cxn modelId="{1E63BEF2-31A5-3F4F-8C58-9E5F0BC66A39}" type="presParOf" srcId="{0995F38A-50AA-8941-AAF0-BD1827DDD962}" destId="{4CADC761-2757-5746-95D4-F9C1D6A636F2}" srcOrd="0" destOrd="0" presId="urn:microsoft.com/office/officeart/2005/8/layout/hierarchy2"/>
+    <dgm:cxn modelId="{6E573215-EABE-C84A-81C2-C5736DF0BE31}" type="presParOf" srcId="{0995F38A-50AA-8941-AAF0-BD1827DDD962}" destId="{2B1B218B-22F5-4C40-9927-62E22DB1A87A}" srcOrd="1" destOrd="0" presId="urn:microsoft.com/office/officeart/2005/8/layout/hierarchy2"/>
+    <dgm:cxn modelId="{9157288D-58D1-FB42-A2B4-58321C2B6BBF}" type="presParOf" srcId="{2B1B218B-22F5-4C40-9927-62E22DB1A87A}" destId="{13EE8C50-F46F-964B-B607-9474A3073766}" srcOrd="0" destOrd="0" presId="urn:microsoft.com/office/officeart/2005/8/layout/hierarchy2"/>
+    <dgm:cxn modelId="{A828F2A3-EE8E-3945-9033-0B667593D1C4}" type="presParOf" srcId="{13EE8C50-F46F-964B-B607-9474A3073766}" destId="{791E427B-1A14-DA4B-91BB-CD61E2C930CB}" srcOrd="0" destOrd="0" presId="urn:microsoft.com/office/officeart/2005/8/layout/hierarchy2"/>
+    <dgm:cxn modelId="{FC1A6633-64ED-5441-B3FF-93C74896F323}" type="presParOf" srcId="{2B1B218B-22F5-4C40-9927-62E22DB1A87A}" destId="{8DEC808C-3681-684D-8AE9-A313CEBD13B4}" srcOrd="1" destOrd="0" presId="urn:microsoft.com/office/officeart/2005/8/layout/hierarchy2"/>
+    <dgm:cxn modelId="{4D15CC60-C45E-D84A-BC20-386B4CA97D10}" type="presParOf" srcId="{8DEC808C-3681-684D-8AE9-A313CEBD13B4}" destId="{003565BD-9A51-AA4D-8D98-1EC02AB39256}" srcOrd="0" destOrd="0" presId="urn:microsoft.com/office/officeart/2005/8/layout/hierarchy2"/>
+    <dgm:cxn modelId="{8DD20D9A-DE41-E14A-B3B8-6B51591FFA10}" type="presParOf" srcId="{8DEC808C-3681-684D-8AE9-A313CEBD13B4}" destId="{8C4D20BA-AF6D-6F4D-933F-BC67944BEABF}" srcOrd="1" destOrd="0" presId="urn:microsoft.com/office/officeart/2005/8/layout/hierarchy2"/>
+    <dgm:cxn modelId="{4F1691EA-2504-D742-B2A9-21EE58B16708}" type="presParOf" srcId="{8C4D20BA-AF6D-6F4D-933F-BC67944BEABF}" destId="{0CBDFEDF-49B5-8349-8030-D04FB546E8EC}" srcOrd="0" destOrd="0" presId="urn:microsoft.com/office/officeart/2005/8/layout/hierarchy2"/>
+    <dgm:cxn modelId="{1AAFB62E-69F1-A743-AFF5-7D3A4AE8BFB0}" type="presParOf" srcId="{0CBDFEDF-49B5-8349-8030-D04FB546E8EC}" destId="{9A406E90-FFED-BE47-916F-A3154269FD35}" srcOrd="0" destOrd="0" presId="urn:microsoft.com/office/officeart/2005/8/layout/hierarchy2"/>
+    <dgm:cxn modelId="{7D3147B1-BE5E-2342-AEE7-6A1CA7FAC320}" type="presParOf" srcId="{8C4D20BA-AF6D-6F4D-933F-BC67944BEABF}" destId="{07BF4FFE-700C-FB4C-B37A-B04B13BAB848}" srcOrd="1" destOrd="0" presId="urn:microsoft.com/office/officeart/2005/8/layout/hierarchy2"/>
+    <dgm:cxn modelId="{217313E2-7F83-614A-88D0-521D5494DEBD}" type="presParOf" srcId="{07BF4FFE-700C-FB4C-B37A-B04B13BAB848}" destId="{182C68B4-79CA-9342-B83A-6BED7BCB2CC7}" srcOrd="0" destOrd="0" presId="urn:microsoft.com/office/officeart/2005/8/layout/hierarchy2"/>
+    <dgm:cxn modelId="{80F972D3-0C3B-BF48-A866-36B44B7E4A0F}" type="presParOf" srcId="{07BF4FFE-700C-FB4C-B37A-B04B13BAB848}" destId="{5FB82A05-6405-EF48-BF9E-236CB8E77E62}" srcOrd="1" destOrd="0" presId="urn:microsoft.com/office/officeart/2005/8/layout/hierarchy2"/>
+    <dgm:cxn modelId="{19A14E1A-3C67-154B-B95C-B3FC0F6CD961}" type="presParOf" srcId="{8C4D20BA-AF6D-6F4D-933F-BC67944BEABF}" destId="{451E6AE6-14B7-B14F-9786-9F92AC7B6FB7}" srcOrd="2" destOrd="0" presId="urn:microsoft.com/office/officeart/2005/8/layout/hierarchy2"/>
+    <dgm:cxn modelId="{C76D6F40-3365-984E-8FDA-2AB85475C5EE}" type="presParOf" srcId="{451E6AE6-14B7-B14F-9786-9F92AC7B6FB7}" destId="{677350F3-0E4B-5B47-AD32-73DFBEDC342A}" srcOrd="0" destOrd="0" presId="urn:microsoft.com/office/officeart/2005/8/layout/hierarchy2"/>
+    <dgm:cxn modelId="{EF8E2BE9-811E-9E41-B23C-1777DBB94F92}" type="presParOf" srcId="{8C4D20BA-AF6D-6F4D-933F-BC67944BEABF}" destId="{66CA049A-6989-4040-9530-1497CCE919FC}" srcOrd="3" destOrd="0" presId="urn:microsoft.com/office/officeart/2005/8/layout/hierarchy2"/>
+    <dgm:cxn modelId="{3580223D-3321-1C42-9751-A753A5A8072A}" type="presParOf" srcId="{66CA049A-6989-4040-9530-1497CCE919FC}" destId="{98AE92B5-B028-3446-BC11-699B4F8CA3F3}" srcOrd="0" destOrd="0" presId="urn:microsoft.com/office/officeart/2005/8/layout/hierarchy2"/>
+    <dgm:cxn modelId="{6BF02C94-2C1D-2D48-A20A-87D81E4134D1}" type="presParOf" srcId="{66CA049A-6989-4040-9530-1497CCE919FC}" destId="{7E3B284B-43D3-8D43-965C-06BB86573656}" srcOrd="1" destOrd="0" presId="urn:microsoft.com/office/officeart/2005/8/layout/hierarchy2"/>
+    <dgm:cxn modelId="{726A0B3B-E94D-A748-BCB0-5EE25C4CA803}" type="presParOf" srcId="{2B1B218B-22F5-4C40-9927-62E22DB1A87A}" destId="{E62D1BC8-AF85-8C4C-B983-CF52A0E074E9}" srcOrd="2" destOrd="0" presId="urn:microsoft.com/office/officeart/2005/8/layout/hierarchy2"/>
+    <dgm:cxn modelId="{FEE09880-E965-8040-A732-D358171791EE}" type="presParOf" srcId="{E62D1BC8-AF85-8C4C-B983-CF52A0E074E9}" destId="{CC24E06F-29F5-5846-A3E4-EDA217935D65}" srcOrd="0" destOrd="0" presId="urn:microsoft.com/office/officeart/2005/8/layout/hierarchy2"/>
+    <dgm:cxn modelId="{16FCAC87-B8F2-B549-9D52-FC5E3EA046E5}" type="presParOf" srcId="{2B1B218B-22F5-4C40-9927-62E22DB1A87A}" destId="{FCBD2392-15DB-774D-BAA5-19B9F4758B99}" srcOrd="3" destOrd="0" presId="urn:microsoft.com/office/officeart/2005/8/layout/hierarchy2"/>
+    <dgm:cxn modelId="{E668DDD2-EE7B-6049-BAEE-24869D27FED4}" type="presParOf" srcId="{FCBD2392-15DB-774D-BAA5-19B9F4758B99}" destId="{78B9D6EB-F615-EE42-A87E-6C703260E48A}" srcOrd="0" destOrd="0" presId="urn:microsoft.com/office/officeart/2005/8/layout/hierarchy2"/>
+    <dgm:cxn modelId="{48FF4A3A-C828-BC46-94E7-C0984850F12B}" type="presParOf" srcId="{FCBD2392-15DB-774D-BAA5-19B9F4758B99}" destId="{124623CC-D13C-2B44-9A63-A442F7EC9F6E}" srcOrd="1" destOrd="0" presId="urn:microsoft.com/office/officeart/2005/8/layout/hierarchy2"/>
+    <dgm:cxn modelId="{04D2C09F-B380-DF4D-A37D-73F2C09FD18F}" type="presParOf" srcId="{2B1B218B-22F5-4C40-9927-62E22DB1A87A}" destId="{EB314146-9717-9D41-B611-8D570E1439FC}" srcOrd="4" destOrd="0" presId="urn:microsoft.com/office/officeart/2005/8/layout/hierarchy2"/>
+    <dgm:cxn modelId="{19A074C8-F209-B84F-A21A-9FACE3F333A8}" type="presParOf" srcId="{EB314146-9717-9D41-B611-8D570E1439FC}" destId="{7FF0359D-2261-2545-AD94-1157F1630EA4}" srcOrd="0" destOrd="0" presId="urn:microsoft.com/office/officeart/2005/8/layout/hierarchy2"/>
+    <dgm:cxn modelId="{A75B829F-AD58-4E48-BDAF-0080D7174538}" type="presParOf" srcId="{2B1B218B-22F5-4C40-9927-62E22DB1A87A}" destId="{031CE198-5DAF-2349-8FB1-B7420A887A82}" srcOrd="5" destOrd="0" presId="urn:microsoft.com/office/officeart/2005/8/layout/hierarchy2"/>
+    <dgm:cxn modelId="{7DBE8F1F-F987-E844-9A4E-C4D44815E9AD}" type="presParOf" srcId="{031CE198-5DAF-2349-8FB1-B7420A887A82}" destId="{B6A34FCE-A213-6044-A882-DB2C614427AF}" srcOrd="0" destOrd="0" presId="urn:microsoft.com/office/officeart/2005/8/layout/hierarchy2"/>
+    <dgm:cxn modelId="{4F2D5478-C6A5-354D-ACE5-D91A8027E84D}" type="presParOf" srcId="{031CE198-5DAF-2349-8FB1-B7420A887A82}" destId="{FCBCCE5F-1A42-AF47-B829-3580CA06A34A}" srcOrd="1" destOrd="0" presId="urn:microsoft.com/office/officeart/2005/8/layout/hierarchy2"/>
   </dgm:cxnLst>
   <dgm:bg/>
   <dgm:whole/>
@@ -6963,6 +8187,1013 @@
 </dsp:drawing>
 </file>
 
+<file path=ppt/diagrams/drawing4.xml><?xml version="1.0" encoding="utf-8"?>
+<dsp:drawing xmlns:dgm="http://schemas.openxmlformats.org/drawingml/2006/diagram" xmlns:dsp="http://schemas.microsoft.com/office/drawing/2008/diagram" xmlns:a="http://schemas.openxmlformats.org/drawingml/2006/main">
+  <dsp:spTree>
+    <dsp:nvGrpSpPr>
+      <dsp:cNvPr id="0" name=""/>
+      <dsp:cNvGrpSpPr/>
+    </dsp:nvGrpSpPr>
+    <dsp:grpSpPr/>
+    <dsp:sp modelId="{4CADC761-2757-5746-95D4-F9C1D6A636F2}">
+      <dsp:nvSpPr>
+        <dsp:cNvPr id="0" name=""/>
+        <dsp:cNvSpPr/>
+      </dsp:nvSpPr>
+      <dsp:spPr>
+        <a:xfrm>
+          <a:off x="2115" y="2481542"/>
+          <a:ext cx="2137276" cy="1068638"/>
+        </a:xfrm>
+        <a:prstGeom prst="roundRect">
+          <a:avLst>
+            <a:gd name="adj" fmla="val 10000"/>
+          </a:avLst>
+        </a:prstGeom>
+        <a:gradFill rotWithShape="0">
+          <a:gsLst>
+            <a:gs pos="0">
+              <a:schemeClr val="accent1">
+                <a:hueOff val="0"/>
+                <a:satOff val="0"/>
+                <a:lumOff val="0"/>
+                <a:alphaOff val="0"/>
+                <a:tint val="100000"/>
+                <a:shade val="100000"/>
+                <a:satMod val="100000"/>
+                <a:lumMod val="90000"/>
+              </a:schemeClr>
+            </a:gs>
+            <a:gs pos="100000">
+              <a:schemeClr val="accent1">
+                <a:hueOff val="0"/>
+                <a:satOff val="0"/>
+                <a:lumOff val="0"/>
+                <a:alphaOff val="0"/>
+                <a:tint val="95000"/>
+                <a:shade val="100000"/>
+                <a:satMod val="110000"/>
+                <a:lumMod val="105000"/>
+              </a:schemeClr>
+            </a:gs>
+          </a:gsLst>
+          <a:path path="circle">
+            <a:fillToRect l="40000" t="100000" r="40000" b="100000"/>
+          </a:path>
+        </a:gradFill>
+        <a:ln>
+          <a:noFill/>
+        </a:ln>
+        <a:effectLst>
+          <a:outerShdw blurRad="50800" dist="12700" dir="5400000" rotWithShape="0">
+            <a:srgbClr val="000000">
+              <a:alpha val="37000"/>
+            </a:srgbClr>
+          </a:outerShdw>
+        </a:effectLst>
+      </dsp:spPr>
+      <dsp:style>
+        <a:lnRef idx="0">
+          <a:scrgbClr r="0" g="0" b="0"/>
+        </a:lnRef>
+        <a:fillRef idx="3">
+          <a:scrgbClr r="0" g="0" b="0"/>
+        </a:fillRef>
+        <a:effectRef idx="2">
+          <a:scrgbClr r="0" g="0" b="0"/>
+        </a:effectRef>
+        <a:fontRef idx="minor">
+          <a:schemeClr val="lt1"/>
+        </a:fontRef>
+      </dsp:style>
+      <dsp:txBody>
+        <a:bodyPr spcFirstLastPara="0" vert="horz" wrap="square" lIns="13335" tIns="13335" rIns="13335" bIns="13335" numCol="1" spcCol="1270" anchor="ctr" anchorCtr="0">
+          <a:noAutofit/>
+        </a:bodyPr>
+        <a:lstStyle/>
+        <a:p>
+          <a:pPr lvl="0" algn="ctr" defTabSz="933450">
+            <a:lnSpc>
+              <a:spcPct val="90000"/>
+            </a:lnSpc>
+            <a:spcBef>
+              <a:spcPct val="0"/>
+            </a:spcBef>
+            <a:spcAft>
+              <a:spcPct val="35000"/>
+            </a:spcAft>
+          </a:pPr>
+          <a:r>
+            <a:rPr lang="en-US" altLang="zh-CN" sz="2100" kern="1200" dirty="0" err="1" smtClean="0"/>
+            <a:t>Expr</a:t>
+          </a:r>
+          <a:endParaRPr lang="en-US" sz="2100" kern="1200" dirty="0"/>
+        </a:p>
+      </dsp:txBody>
+      <dsp:txXfrm>
+        <a:off x="33414" y="2512841"/>
+        <a:ext cx="2074678" cy="1006040"/>
+      </dsp:txXfrm>
+    </dsp:sp>
+    <dsp:sp modelId="{13EE8C50-F46F-964B-B607-9474A3073766}">
+      <dsp:nvSpPr>
+        <dsp:cNvPr id="0" name=""/>
+        <dsp:cNvSpPr/>
+      </dsp:nvSpPr>
+      <dsp:spPr>
+        <a:xfrm rot="18289469">
+          <a:off x="1818323" y="2383640"/>
+          <a:ext cx="1497047" cy="35507"/>
+        </a:xfrm>
+        <a:custGeom>
+          <a:avLst/>
+          <a:gdLst/>
+          <a:ahLst/>
+          <a:cxnLst/>
+          <a:rect l="0" t="0" r="0" b="0"/>
+          <a:pathLst>
+            <a:path>
+              <a:moveTo>
+                <a:pt x="0" y="17753"/>
+              </a:moveTo>
+              <a:lnTo>
+                <a:pt x="1497047" y="17753"/>
+              </a:lnTo>
+            </a:path>
+          </a:pathLst>
+        </a:custGeom>
+        <a:noFill/>
+        <a:ln w="9525" cap="flat" cmpd="sng" algn="ctr">
+          <a:solidFill>
+            <a:schemeClr val="accent1">
+              <a:shade val="60000"/>
+              <a:hueOff val="0"/>
+              <a:satOff val="0"/>
+              <a:lumOff val="0"/>
+              <a:alphaOff val="0"/>
+            </a:schemeClr>
+          </a:solidFill>
+          <a:prstDash val="solid"/>
+        </a:ln>
+        <a:effectLst/>
+      </dsp:spPr>
+      <dsp:style>
+        <a:lnRef idx="1">
+          <a:scrgbClr r="0" g="0" b="0"/>
+        </a:lnRef>
+        <a:fillRef idx="0">
+          <a:scrgbClr r="0" g="0" b="0"/>
+        </a:fillRef>
+        <a:effectRef idx="0">
+          <a:scrgbClr r="0" g="0" b="0"/>
+        </a:effectRef>
+        <a:fontRef idx="minor"/>
+      </dsp:style>
+      <dsp:txBody>
+        <a:bodyPr spcFirstLastPara="0" vert="horz" wrap="square" lIns="12700" tIns="0" rIns="12700" bIns="0" numCol="1" spcCol="1270" anchor="ctr" anchorCtr="0">
+          <a:noAutofit/>
+        </a:bodyPr>
+        <a:lstStyle/>
+        <a:p>
+          <a:pPr lvl="0" algn="ctr" defTabSz="222250">
+            <a:lnSpc>
+              <a:spcPct val="90000"/>
+            </a:lnSpc>
+            <a:spcBef>
+              <a:spcPct val="0"/>
+            </a:spcBef>
+            <a:spcAft>
+              <a:spcPct val="35000"/>
+            </a:spcAft>
+          </a:pPr>
+          <a:endParaRPr lang="en-US" sz="500" kern="1200"/>
+        </a:p>
+      </dsp:txBody>
+      <dsp:txXfrm>
+        <a:off x="2529421" y="2363968"/>
+        <a:ext cx="74852" cy="74852"/>
+      </dsp:txXfrm>
+    </dsp:sp>
+    <dsp:sp modelId="{003565BD-9A51-AA4D-8D98-1EC02AB39256}">
+      <dsp:nvSpPr>
+        <dsp:cNvPr id="0" name=""/>
+        <dsp:cNvSpPr/>
+      </dsp:nvSpPr>
+      <dsp:spPr>
+        <a:xfrm>
+          <a:off x="2994303" y="1252608"/>
+          <a:ext cx="2137276" cy="1068638"/>
+        </a:xfrm>
+        <a:prstGeom prst="roundRect">
+          <a:avLst>
+            <a:gd name="adj" fmla="val 10000"/>
+          </a:avLst>
+        </a:prstGeom>
+        <a:gradFill rotWithShape="0">
+          <a:gsLst>
+            <a:gs pos="0">
+              <a:schemeClr val="accent1">
+                <a:hueOff val="0"/>
+                <a:satOff val="0"/>
+                <a:lumOff val="0"/>
+                <a:alphaOff val="0"/>
+                <a:tint val="100000"/>
+                <a:shade val="100000"/>
+                <a:satMod val="100000"/>
+                <a:lumMod val="90000"/>
+              </a:schemeClr>
+            </a:gs>
+            <a:gs pos="100000">
+              <a:schemeClr val="accent1">
+                <a:hueOff val="0"/>
+                <a:satOff val="0"/>
+                <a:lumOff val="0"/>
+                <a:alphaOff val="0"/>
+                <a:tint val="95000"/>
+                <a:shade val="100000"/>
+                <a:satMod val="110000"/>
+                <a:lumMod val="105000"/>
+              </a:schemeClr>
+            </a:gs>
+          </a:gsLst>
+          <a:path path="circle">
+            <a:fillToRect l="40000" t="100000" r="40000" b="100000"/>
+          </a:path>
+        </a:gradFill>
+        <a:ln>
+          <a:noFill/>
+        </a:ln>
+        <a:effectLst>
+          <a:outerShdw blurRad="50800" dist="12700" dir="5400000" rotWithShape="0">
+            <a:srgbClr val="000000">
+              <a:alpha val="37000"/>
+            </a:srgbClr>
+          </a:outerShdw>
+        </a:effectLst>
+      </dsp:spPr>
+      <dsp:style>
+        <a:lnRef idx="0">
+          <a:scrgbClr r="0" g="0" b="0"/>
+        </a:lnRef>
+        <a:fillRef idx="3">
+          <a:scrgbClr r="0" g="0" b="0"/>
+        </a:fillRef>
+        <a:effectRef idx="2">
+          <a:scrgbClr r="0" g="0" b="0"/>
+        </a:effectRef>
+        <a:fontRef idx="minor">
+          <a:schemeClr val="lt1"/>
+        </a:fontRef>
+      </dsp:style>
+      <dsp:txBody>
+        <a:bodyPr spcFirstLastPara="0" vert="horz" wrap="square" lIns="13335" tIns="13335" rIns="13335" bIns="13335" numCol="1" spcCol="1270" anchor="ctr" anchorCtr="0">
+          <a:noAutofit/>
+        </a:bodyPr>
+        <a:lstStyle/>
+        <a:p>
+          <a:pPr lvl="0" algn="ctr" defTabSz="933450">
+            <a:lnSpc>
+              <a:spcPct val="90000"/>
+            </a:lnSpc>
+            <a:spcBef>
+              <a:spcPct val="0"/>
+            </a:spcBef>
+            <a:spcAft>
+              <a:spcPct val="35000"/>
+            </a:spcAft>
+          </a:pPr>
+          <a:r>
+            <a:rPr lang="en-US" altLang="zh-CN" sz="2100" kern="1200" dirty="0" err="1" smtClean="0"/>
+            <a:t>LvalueExpr</a:t>
+          </a:r>
+          <a:endParaRPr lang="en-US" sz="2100" kern="1200" dirty="0"/>
+        </a:p>
+      </dsp:txBody>
+      <dsp:txXfrm>
+        <a:off x="3025602" y="1283907"/>
+        <a:ext cx="2074678" cy="1006040"/>
+      </dsp:txXfrm>
+    </dsp:sp>
+    <dsp:sp modelId="{0CBDFEDF-49B5-8349-8030-D04FB546E8EC}">
+      <dsp:nvSpPr>
+        <dsp:cNvPr id="0" name=""/>
+        <dsp:cNvSpPr/>
+      </dsp:nvSpPr>
+      <dsp:spPr>
+        <a:xfrm rot="19457599">
+          <a:off x="5032622" y="1461939"/>
+          <a:ext cx="1052825" cy="35507"/>
+        </a:xfrm>
+        <a:custGeom>
+          <a:avLst/>
+          <a:gdLst/>
+          <a:ahLst/>
+          <a:cxnLst/>
+          <a:rect l="0" t="0" r="0" b="0"/>
+          <a:pathLst>
+            <a:path>
+              <a:moveTo>
+                <a:pt x="0" y="17753"/>
+              </a:moveTo>
+              <a:lnTo>
+                <a:pt x="1052825" y="17753"/>
+              </a:lnTo>
+            </a:path>
+          </a:pathLst>
+        </a:custGeom>
+        <a:noFill/>
+        <a:ln w="9525" cap="flat" cmpd="sng" algn="ctr">
+          <a:solidFill>
+            <a:schemeClr val="accent1">
+              <a:shade val="80000"/>
+              <a:hueOff val="0"/>
+              <a:satOff val="0"/>
+              <a:lumOff val="0"/>
+              <a:alphaOff val="0"/>
+            </a:schemeClr>
+          </a:solidFill>
+          <a:prstDash val="solid"/>
+        </a:ln>
+        <a:effectLst/>
+      </dsp:spPr>
+      <dsp:style>
+        <a:lnRef idx="1">
+          <a:scrgbClr r="0" g="0" b="0"/>
+        </a:lnRef>
+        <a:fillRef idx="0">
+          <a:scrgbClr r="0" g="0" b="0"/>
+        </a:fillRef>
+        <a:effectRef idx="0">
+          <a:scrgbClr r="0" g="0" b="0"/>
+        </a:effectRef>
+        <a:fontRef idx="minor"/>
+      </dsp:style>
+      <dsp:txBody>
+        <a:bodyPr spcFirstLastPara="0" vert="horz" wrap="square" lIns="12700" tIns="0" rIns="12700" bIns="0" numCol="1" spcCol="1270" anchor="ctr" anchorCtr="0">
+          <a:noAutofit/>
+        </a:bodyPr>
+        <a:lstStyle/>
+        <a:p>
+          <a:pPr lvl="0" algn="ctr" defTabSz="222250">
+            <a:lnSpc>
+              <a:spcPct val="90000"/>
+            </a:lnSpc>
+            <a:spcBef>
+              <a:spcPct val="0"/>
+            </a:spcBef>
+            <a:spcAft>
+              <a:spcPct val="35000"/>
+            </a:spcAft>
+          </a:pPr>
+          <a:endParaRPr lang="en-US" sz="500" kern="1200"/>
+        </a:p>
+      </dsp:txBody>
+      <dsp:txXfrm>
+        <a:off x="5532714" y="1453373"/>
+        <a:ext cx="52641" cy="52641"/>
+      </dsp:txXfrm>
+    </dsp:sp>
+    <dsp:sp modelId="{182C68B4-79CA-9342-B83A-6BED7BCB2CC7}">
+      <dsp:nvSpPr>
+        <dsp:cNvPr id="0" name=""/>
+        <dsp:cNvSpPr/>
+      </dsp:nvSpPr>
+      <dsp:spPr>
+        <a:xfrm>
+          <a:off x="5986490" y="638141"/>
+          <a:ext cx="2137276" cy="1068638"/>
+        </a:xfrm>
+        <a:prstGeom prst="roundRect">
+          <a:avLst>
+            <a:gd name="adj" fmla="val 10000"/>
+          </a:avLst>
+        </a:prstGeom>
+        <a:gradFill rotWithShape="0">
+          <a:gsLst>
+            <a:gs pos="0">
+              <a:schemeClr val="accent1">
+                <a:hueOff val="0"/>
+                <a:satOff val="0"/>
+                <a:lumOff val="0"/>
+                <a:alphaOff val="0"/>
+                <a:tint val="100000"/>
+                <a:shade val="100000"/>
+                <a:satMod val="100000"/>
+                <a:lumMod val="90000"/>
+              </a:schemeClr>
+            </a:gs>
+            <a:gs pos="100000">
+              <a:schemeClr val="accent1">
+                <a:hueOff val="0"/>
+                <a:satOff val="0"/>
+                <a:lumOff val="0"/>
+                <a:alphaOff val="0"/>
+                <a:tint val="95000"/>
+                <a:shade val="100000"/>
+                <a:satMod val="110000"/>
+                <a:lumMod val="105000"/>
+              </a:schemeClr>
+            </a:gs>
+          </a:gsLst>
+          <a:path path="circle">
+            <a:fillToRect l="40000" t="100000" r="40000" b="100000"/>
+          </a:path>
+        </a:gradFill>
+        <a:ln>
+          <a:noFill/>
+        </a:ln>
+        <a:effectLst>
+          <a:outerShdw blurRad="50800" dist="12700" dir="5400000" rotWithShape="0">
+            <a:srgbClr val="000000">
+              <a:alpha val="37000"/>
+            </a:srgbClr>
+          </a:outerShdw>
+        </a:effectLst>
+      </dsp:spPr>
+      <dsp:style>
+        <a:lnRef idx="0">
+          <a:scrgbClr r="0" g="0" b="0"/>
+        </a:lnRef>
+        <a:fillRef idx="3">
+          <a:scrgbClr r="0" g="0" b="0"/>
+        </a:fillRef>
+        <a:effectRef idx="2">
+          <a:scrgbClr r="0" g="0" b="0"/>
+        </a:effectRef>
+        <a:fontRef idx="minor">
+          <a:schemeClr val="lt1"/>
+        </a:fontRef>
+      </dsp:style>
+      <dsp:txBody>
+        <a:bodyPr spcFirstLastPara="0" vert="horz" wrap="square" lIns="13335" tIns="13335" rIns="13335" bIns="13335" numCol="1" spcCol="1270" anchor="ctr" anchorCtr="0">
+          <a:noAutofit/>
+        </a:bodyPr>
+        <a:lstStyle/>
+        <a:p>
+          <a:pPr lvl="0" algn="ctr" defTabSz="933450">
+            <a:lnSpc>
+              <a:spcPct val="90000"/>
+            </a:lnSpc>
+            <a:spcBef>
+              <a:spcPct val="0"/>
+            </a:spcBef>
+            <a:spcAft>
+              <a:spcPct val="35000"/>
+            </a:spcAft>
+          </a:pPr>
+          <a:r>
+            <a:rPr lang="en-US" altLang="zh-CN" sz="2100" kern="1200" dirty="0" err="1" smtClean="0"/>
+            <a:t>SubMatExpr</a:t>
+          </a:r>
+          <a:endParaRPr lang="en-US" sz="2100" kern="1200" dirty="0"/>
+        </a:p>
+      </dsp:txBody>
+      <dsp:txXfrm>
+        <a:off x="6017789" y="669440"/>
+        <a:ext cx="2074678" cy="1006040"/>
+      </dsp:txXfrm>
+    </dsp:sp>
+    <dsp:sp modelId="{451E6AE6-14B7-B14F-9786-9F92AC7B6FB7}">
+      <dsp:nvSpPr>
+        <dsp:cNvPr id="0" name=""/>
+        <dsp:cNvSpPr/>
+      </dsp:nvSpPr>
+      <dsp:spPr>
+        <a:xfrm rot="2142401">
+          <a:off x="5032622" y="2076407"/>
+          <a:ext cx="1052825" cy="35507"/>
+        </a:xfrm>
+        <a:custGeom>
+          <a:avLst/>
+          <a:gdLst/>
+          <a:ahLst/>
+          <a:cxnLst/>
+          <a:rect l="0" t="0" r="0" b="0"/>
+          <a:pathLst>
+            <a:path>
+              <a:moveTo>
+                <a:pt x="0" y="17753"/>
+              </a:moveTo>
+              <a:lnTo>
+                <a:pt x="1052825" y="17753"/>
+              </a:lnTo>
+            </a:path>
+          </a:pathLst>
+        </a:custGeom>
+        <a:noFill/>
+        <a:ln w="9525" cap="flat" cmpd="sng" algn="ctr">
+          <a:solidFill>
+            <a:schemeClr val="accent1">
+              <a:shade val="80000"/>
+              <a:hueOff val="0"/>
+              <a:satOff val="0"/>
+              <a:lumOff val="0"/>
+              <a:alphaOff val="0"/>
+            </a:schemeClr>
+          </a:solidFill>
+          <a:prstDash val="solid"/>
+        </a:ln>
+        <a:effectLst/>
+      </dsp:spPr>
+      <dsp:style>
+        <a:lnRef idx="1">
+          <a:scrgbClr r="0" g="0" b="0"/>
+        </a:lnRef>
+        <a:fillRef idx="0">
+          <a:scrgbClr r="0" g="0" b="0"/>
+        </a:fillRef>
+        <a:effectRef idx="0">
+          <a:scrgbClr r="0" g="0" b="0"/>
+        </a:effectRef>
+        <a:fontRef idx="minor"/>
+      </dsp:style>
+      <dsp:txBody>
+        <a:bodyPr spcFirstLastPara="0" vert="horz" wrap="square" lIns="12700" tIns="0" rIns="12700" bIns="0" numCol="1" spcCol="1270" anchor="ctr" anchorCtr="0">
+          <a:noAutofit/>
+        </a:bodyPr>
+        <a:lstStyle/>
+        <a:p>
+          <a:pPr lvl="0" algn="ctr" defTabSz="222250">
+            <a:lnSpc>
+              <a:spcPct val="90000"/>
+            </a:lnSpc>
+            <a:spcBef>
+              <a:spcPct val="0"/>
+            </a:spcBef>
+            <a:spcAft>
+              <a:spcPct val="35000"/>
+            </a:spcAft>
+          </a:pPr>
+          <a:endParaRPr lang="en-US" sz="500" kern="1200"/>
+        </a:p>
+      </dsp:txBody>
+      <dsp:txXfrm>
+        <a:off x="5532714" y="2067840"/>
+        <a:ext cx="52641" cy="52641"/>
+      </dsp:txXfrm>
+    </dsp:sp>
+    <dsp:sp modelId="{98AE92B5-B028-3446-BC11-699B4F8CA3F3}">
+      <dsp:nvSpPr>
+        <dsp:cNvPr id="0" name=""/>
+        <dsp:cNvSpPr/>
+      </dsp:nvSpPr>
+      <dsp:spPr>
+        <a:xfrm>
+          <a:off x="5986490" y="1867075"/>
+          <a:ext cx="2137276" cy="1068638"/>
+        </a:xfrm>
+        <a:prstGeom prst="roundRect">
+          <a:avLst>
+            <a:gd name="adj" fmla="val 10000"/>
+          </a:avLst>
+        </a:prstGeom>
+        <a:gradFill rotWithShape="0">
+          <a:gsLst>
+            <a:gs pos="0">
+              <a:schemeClr val="accent1">
+                <a:hueOff val="0"/>
+                <a:satOff val="0"/>
+                <a:lumOff val="0"/>
+                <a:alphaOff val="0"/>
+                <a:tint val="100000"/>
+                <a:shade val="100000"/>
+                <a:satMod val="100000"/>
+                <a:lumMod val="90000"/>
+              </a:schemeClr>
+            </a:gs>
+            <a:gs pos="100000">
+              <a:schemeClr val="accent1">
+                <a:hueOff val="0"/>
+                <a:satOff val="0"/>
+                <a:lumOff val="0"/>
+                <a:alphaOff val="0"/>
+                <a:tint val="95000"/>
+                <a:shade val="100000"/>
+                <a:satMod val="110000"/>
+                <a:lumMod val="105000"/>
+              </a:schemeClr>
+            </a:gs>
+          </a:gsLst>
+          <a:path path="circle">
+            <a:fillToRect l="40000" t="100000" r="40000" b="100000"/>
+          </a:path>
+        </a:gradFill>
+        <a:ln>
+          <a:noFill/>
+        </a:ln>
+        <a:effectLst>
+          <a:outerShdw blurRad="50800" dist="12700" dir="5400000" rotWithShape="0">
+            <a:srgbClr val="000000">
+              <a:alpha val="37000"/>
+            </a:srgbClr>
+          </a:outerShdw>
+        </a:effectLst>
+      </dsp:spPr>
+      <dsp:style>
+        <a:lnRef idx="0">
+          <a:scrgbClr r="0" g="0" b="0"/>
+        </a:lnRef>
+        <a:fillRef idx="3">
+          <a:scrgbClr r="0" g="0" b="0"/>
+        </a:fillRef>
+        <a:effectRef idx="2">
+          <a:scrgbClr r="0" g="0" b="0"/>
+        </a:effectRef>
+        <a:fontRef idx="minor">
+          <a:schemeClr val="lt1"/>
+        </a:fontRef>
+      </dsp:style>
+      <dsp:txBody>
+        <a:bodyPr spcFirstLastPara="0" vert="horz" wrap="square" lIns="13335" tIns="13335" rIns="13335" bIns="13335" numCol="1" spcCol="1270" anchor="ctr" anchorCtr="0">
+          <a:noAutofit/>
+        </a:bodyPr>
+        <a:lstStyle/>
+        <a:p>
+          <a:pPr lvl="0" algn="ctr" defTabSz="933450">
+            <a:lnSpc>
+              <a:spcPct val="90000"/>
+            </a:lnSpc>
+            <a:spcBef>
+              <a:spcPct val="0"/>
+            </a:spcBef>
+            <a:spcAft>
+              <a:spcPct val="35000"/>
+            </a:spcAft>
+          </a:pPr>
+          <a:r>
+            <a:rPr lang="en-US" altLang="zh-CN" sz="2100" kern="1200" dirty="0" err="1" smtClean="0"/>
+            <a:t>IMatrix</a:t>
+          </a:r>
+          <a:endParaRPr lang="en-US" sz="2100" kern="1200" dirty="0"/>
+        </a:p>
+      </dsp:txBody>
+      <dsp:txXfrm>
+        <a:off x="6017789" y="1898374"/>
+        <a:ext cx="2074678" cy="1006040"/>
+      </dsp:txXfrm>
+    </dsp:sp>
+    <dsp:sp modelId="{E62D1BC8-AF85-8C4C-B983-CF52A0E074E9}">
+      <dsp:nvSpPr>
+        <dsp:cNvPr id="0" name=""/>
+        <dsp:cNvSpPr/>
+      </dsp:nvSpPr>
+      <dsp:spPr>
+        <a:xfrm>
+          <a:off x="2139392" y="2998107"/>
+          <a:ext cx="854910" cy="35507"/>
+        </a:xfrm>
+        <a:custGeom>
+          <a:avLst/>
+          <a:gdLst/>
+          <a:ahLst/>
+          <a:cxnLst/>
+          <a:rect l="0" t="0" r="0" b="0"/>
+          <a:pathLst>
+            <a:path>
+              <a:moveTo>
+                <a:pt x="0" y="17753"/>
+              </a:moveTo>
+              <a:lnTo>
+                <a:pt x="854910" y="17753"/>
+              </a:lnTo>
+            </a:path>
+          </a:pathLst>
+        </a:custGeom>
+        <a:noFill/>
+        <a:ln w="9525" cap="flat" cmpd="sng" algn="ctr">
+          <a:solidFill>
+            <a:schemeClr val="accent1">
+              <a:shade val="60000"/>
+              <a:hueOff val="0"/>
+              <a:satOff val="0"/>
+              <a:lumOff val="0"/>
+              <a:alphaOff val="0"/>
+            </a:schemeClr>
+          </a:solidFill>
+          <a:prstDash val="solid"/>
+        </a:ln>
+        <a:effectLst/>
+      </dsp:spPr>
+      <dsp:style>
+        <a:lnRef idx="1">
+          <a:scrgbClr r="0" g="0" b="0"/>
+        </a:lnRef>
+        <a:fillRef idx="0">
+          <a:scrgbClr r="0" g="0" b="0"/>
+        </a:fillRef>
+        <a:effectRef idx="0">
+          <a:scrgbClr r="0" g="0" b="0"/>
+        </a:effectRef>
+        <a:fontRef idx="minor"/>
+      </dsp:style>
+      <dsp:txBody>
+        <a:bodyPr spcFirstLastPara="0" vert="horz" wrap="square" lIns="12700" tIns="0" rIns="12700" bIns="0" numCol="1" spcCol="1270" anchor="ctr" anchorCtr="0">
+          <a:noAutofit/>
+        </a:bodyPr>
+        <a:lstStyle/>
+        <a:p>
+          <a:pPr lvl="0" algn="ctr" defTabSz="222250">
+            <a:lnSpc>
+              <a:spcPct val="90000"/>
+            </a:lnSpc>
+            <a:spcBef>
+              <a:spcPct val="0"/>
+            </a:spcBef>
+            <a:spcAft>
+              <a:spcPct val="35000"/>
+            </a:spcAft>
+          </a:pPr>
+          <a:endParaRPr lang="en-US" sz="500" kern="1200"/>
+        </a:p>
+      </dsp:txBody>
+      <dsp:txXfrm>
+        <a:off x="2545474" y="2994488"/>
+        <a:ext cx="42745" cy="42745"/>
+      </dsp:txXfrm>
+    </dsp:sp>
+    <dsp:sp modelId="{78B9D6EB-F615-EE42-A87E-6C703260E48A}">
+      <dsp:nvSpPr>
+        <dsp:cNvPr id="0" name=""/>
+        <dsp:cNvSpPr/>
+      </dsp:nvSpPr>
+      <dsp:spPr>
+        <a:xfrm>
+          <a:off x="2994303" y="2481542"/>
+          <a:ext cx="2137276" cy="1068638"/>
+        </a:xfrm>
+        <a:prstGeom prst="roundRect">
+          <a:avLst>
+            <a:gd name="adj" fmla="val 10000"/>
+          </a:avLst>
+        </a:prstGeom>
+        <a:gradFill rotWithShape="0">
+          <a:gsLst>
+            <a:gs pos="0">
+              <a:schemeClr val="accent1">
+                <a:hueOff val="0"/>
+                <a:satOff val="0"/>
+                <a:lumOff val="0"/>
+                <a:alphaOff val="0"/>
+                <a:tint val="100000"/>
+                <a:shade val="100000"/>
+                <a:satMod val="100000"/>
+                <a:lumMod val="90000"/>
+              </a:schemeClr>
+            </a:gs>
+            <a:gs pos="100000">
+              <a:schemeClr val="accent1">
+                <a:hueOff val="0"/>
+                <a:satOff val="0"/>
+                <a:lumOff val="0"/>
+                <a:alphaOff val="0"/>
+                <a:tint val="95000"/>
+                <a:shade val="100000"/>
+                <a:satMod val="110000"/>
+                <a:lumMod val="105000"/>
+              </a:schemeClr>
+            </a:gs>
+          </a:gsLst>
+          <a:path path="circle">
+            <a:fillToRect l="40000" t="100000" r="40000" b="100000"/>
+          </a:path>
+        </a:gradFill>
+        <a:ln>
+          <a:noFill/>
+        </a:ln>
+        <a:effectLst>
+          <a:outerShdw blurRad="50800" dist="12700" dir="5400000" rotWithShape="0">
+            <a:srgbClr val="000000">
+              <a:alpha val="37000"/>
+            </a:srgbClr>
+          </a:outerShdw>
+        </a:effectLst>
+      </dsp:spPr>
+      <dsp:style>
+        <a:lnRef idx="0">
+          <a:scrgbClr r="0" g="0" b="0"/>
+        </a:lnRef>
+        <a:fillRef idx="3">
+          <a:scrgbClr r="0" g="0" b="0"/>
+        </a:fillRef>
+        <a:effectRef idx="2">
+          <a:scrgbClr r="0" g="0" b="0"/>
+        </a:effectRef>
+        <a:fontRef idx="minor">
+          <a:schemeClr val="lt1"/>
+        </a:fontRef>
+      </dsp:style>
+      <dsp:txBody>
+        <a:bodyPr spcFirstLastPara="0" vert="horz" wrap="square" lIns="13335" tIns="13335" rIns="13335" bIns="13335" numCol="1" spcCol="1270" anchor="ctr" anchorCtr="0">
+          <a:noAutofit/>
+        </a:bodyPr>
+        <a:lstStyle/>
+        <a:p>
+          <a:pPr lvl="0" algn="ctr" defTabSz="933450">
+            <a:lnSpc>
+              <a:spcPct val="90000"/>
+            </a:lnSpc>
+            <a:spcBef>
+              <a:spcPct val="0"/>
+            </a:spcBef>
+            <a:spcAft>
+              <a:spcPct val="35000"/>
+            </a:spcAft>
+          </a:pPr>
+          <a:r>
+            <a:rPr lang="en-US" altLang="zh-CN" sz="2100" kern="1200" dirty="0" err="1" smtClean="0"/>
+            <a:t>MultiplyExpr</a:t>
+          </a:r>
+          <a:endParaRPr lang="en-US" sz="2100" kern="1200" dirty="0"/>
+        </a:p>
+      </dsp:txBody>
+      <dsp:txXfrm>
+        <a:off x="3025602" y="2512841"/>
+        <a:ext cx="2074678" cy="1006040"/>
+      </dsp:txXfrm>
+    </dsp:sp>
+    <dsp:sp modelId="{EB314146-9717-9D41-B611-8D570E1439FC}">
+      <dsp:nvSpPr>
+        <dsp:cNvPr id="0" name=""/>
+        <dsp:cNvSpPr/>
+      </dsp:nvSpPr>
+      <dsp:spPr>
+        <a:xfrm rot="3310531">
+          <a:off x="1818323" y="3612574"/>
+          <a:ext cx="1497047" cy="35507"/>
+        </a:xfrm>
+        <a:custGeom>
+          <a:avLst/>
+          <a:gdLst/>
+          <a:ahLst/>
+          <a:cxnLst/>
+          <a:rect l="0" t="0" r="0" b="0"/>
+          <a:pathLst>
+            <a:path>
+              <a:moveTo>
+                <a:pt x="0" y="17753"/>
+              </a:moveTo>
+              <a:lnTo>
+                <a:pt x="1497047" y="17753"/>
+              </a:lnTo>
+            </a:path>
+          </a:pathLst>
+        </a:custGeom>
+        <a:noFill/>
+        <a:ln w="9525" cap="flat" cmpd="sng" algn="ctr">
+          <a:solidFill>
+            <a:schemeClr val="accent1">
+              <a:shade val="60000"/>
+              <a:hueOff val="0"/>
+              <a:satOff val="0"/>
+              <a:lumOff val="0"/>
+              <a:alphaOff val="0"/>
+            </a:schemeClr>
+          </a:solidFill>
+          <a:prstDash val="solid"/>
+        </a:ln>
+        <a:effectLst/>
+      </dsp:spPr>
+      <dsp:style>
+        <a:lnRef idx="1">
+          <a:scrgbClr r="0" g="0" b="0"/>
+        </a:lnRef>
+        <a:fillRef idx="0">
+          <a:scrgbClr r="0" g="0" b="0"/>
+        </a:fillRef>
+        <a:effectRef idx="0">
+          <a:scrgbClr r="0" g="0" b="0"/>
+        </a:effectRef>
+        <a:fontRef idx="minor"/>
+      </dsp:style>
+      <dsp:txBody>
+        <a:bodyPr spcFirstLastPara="0" vert="horz" wrap="square" lIns="12700" tIns="0" rIns="12700" bIns="0" numCol="1" spcCol="1270" anchor="ctr" anchorCtr="0">
+          <a:noAutofit/>
+        </a:bodyPr>
+        <a:lstStyle/>
+        <a:p>
+          <a:pPr lvl="0" algn="ctr" defTabSz="222250">
+            <a:lnSpc>
+              <a:spcPct val="90000"/>
+            </a:lnSpc>
+            <a:spcBef>
+              <a:spcPct val="0"/>
+            </a:spcBef>
+            <a:spcAft>
+              <a:spcPct val="35000"/>
+            </a:spcAft>
+          </a:pPr>
+          <a:endParaRPr lang="en-US" sz="500" kern="1200"/>
+        </a:p>
+      </dsp:txBody>
+      <dsp:txXfrm>
+        <a:off x="2529421" y="3592902"/>
+        <a:ext cx="74852" cy="74852"/>
+      </dsp:txXfrm>
+    </dsp:sp>
+    <dsp:sp modelId="{B6A34FCE-A213-6044-A882-DB2C614427AF}">
+      <dsp:nvSpPr>
+        <dsp:cNvPr id="0" name=""/>
+        <dsp:cNvSpPr/>
+      </dsp:nvSpPr>
+      <dsp:spPr>
+        <a:xfrm>
+          <a:off x="2994303" y="3710476"/>
+          <a:ext cx="2137276" cy="1068638"/>
+        </a:xfrm>
+        <a:prstGeom prst="roundRect">
+          <a:avLst>
+            <a:gd name="adj" fmla="val 10000"/>
+          </a:avLst>
+        </a:prstGeom>
+        <a:gradFill rotWithShape="0">
+          <a:gsLst>
+            <a:gs pos="0">
+              <a:schemeClr val="accent1">
+                <a:hueOff val="0"/>
+                <a:satOff val="0"/>
+                <a:lumOff val="0"/>
+                <a:alphaOff val="0"/>
+                <a:tint val="100000"/>
+                <a:shade val="100000"/>
+                <a:satMod val="100000"/>
+                <a:lumMod val="90000"/>
+              </a:schemeClr>
+            </a:gs>
+            <a:gs pos="100000">
+              <a:schemeClr val="accent1">
+                <a:hueOff val="0"/>
+                <a:satOff val="0"/>
+                <a:lumOff val="0"/>
+                <a:alphaOff val="0"/>
+                <a:tint val="95000"/>
+                <a:shade val="100000"/>
+                <a:satMod val="110000"/>
+                <a:lumMod val="105000"/>
+              </a:schemeClr>
+            </a:gs>
+          </a:gsLst>
+          <a:path path="circle">
+            <a:fillToRect l="40000" t="100000" r="40000" b="100000"/>
+          </a:path>
+        </a:gradFill>
+        <a:ln>
+          <a:noFill/>
+        </a:ln>
+        <a:effectLst>
+          <a:outerShdw blurRad="50800" dist="12700" dir="5400000" rotWithShape="0">
+            <a:srgbClr val="000000">
+              <a:alpha val="37000"/>
+            </a:srgbClr>
+          </a:outerShdw>
+        </a:effectLst>
+      </dsp:spPr>
+      <dsp:style>
+        <a:lnRef idx="0">
+          <a:scrgbClr r="0" g="0" b="0"/>
+        </a:lnRef>
+        <a:fillRef idx="3">
+          <a:scrgbClr r="0" g="0" b="0"/>
+        </a:fillRef>
+        <a:effectRef idx="2">
+          <a:scrgbClr r="0" g="0" b="0"/>
+        </a:effectRef>
+        <a:fontRef idx="minor">
+          <a:schemeClr val="lt1"/>
+        </a:fontRef>
+      </dsp:style>
+      <dsp:txBody>
+        <a:bodyPr spcFirstLastPara="0" vert="horz" wrap="square" lIns="13335" tIns="13335" rIns="13335" bIns="13335" numCol="1" spcCol="1270" anchor="ctr" anchorCtr="0">
+          <a:noAutofit/>
+        </a:bodyPr>
+        <a:lstStyle/>
+        <a:p>
+          <a:pPr lvl="0" algn="ctr" defTabSz="933450">
+            <a:lnSpc>
+              <a:spcPct val="90000"/>
+            </a:lnSpc>
+            <a:spcBef>
+              <a:spcPct val="0"/>
+            </a:spcBef>
+            <a:spcAft>
+              <a:spcPct val="35000"/>
+            </a:spcAft>
+          </a:pPr>
+          <a:r>
+            <a:rPr lang="en-US" altLang="zh-CN" sz="2100" kern="1200" dirty="0" err="1" smtClean="0"/>
+            <a:t>BinaryCwiseExpr</a:t>
+          </a:r>
+          <a:endParaRPr lang="en-US" sz="2100" kern="1200" dirty="0"/>
+        </a:p>
+      </dsp:txBody>
+      <dsp:txXfrm>
+        <a:off x="3025602" y="3741775"/>
+        <a:ext cx="2074678" cy="1006040"/>
+      </dsp:txXfrm>
+    </dsp:sp>
+  </dsp:spTree>
+</dsp:drawing>
+</file>
+
 <file path=ppt/diagrams/layout1.xml><?xml version="1.0" encoding="utf-8"?>
 <dgm:layoutDef xmlns:dgm="http://schemas.openxmlformats.org/drawingml/2006/diagram" xmlns:a="http://schemas.openxmlformats.org/drawingml/2006/main" uniqueId="urn:microsoft.com/office/officeart/2005/8/layout/hierarchy1">
   <dgm:title val=""/>
@@ -8652,6 +10883,326 @@
 </dgm:layoutDef>
 </file>
 
+<file path=ppt/diagrams/layout4.xml><?xml version="1.0" encoding="utf-8"?>
+<dgm:layoutDef xmlns:dgm="http://schemas.openxmlformats.org/drawingml/2006/diagram" xmlns:a="http://schemas.openxmlformats.org/drawingml/2006/main" uniqueId="urn:microsoft.com/office/officeart/2005/8/layout/hierarchy2">
+  <dgm:title val=""/>
+  <dgm:desc val=""/>
+  <dgm:catLst>
+    <dgm:cat type="hierarchy" pri="5000"/>
+  </dgm:catLst>
+  <dgm:sampData>
+    <dgm:dataModel>
+      <dgm:ptLst>
+        <dgm:pt modelId="0" type="doc"/>
+        <dgm:pt modelId="1">
+          <dgm:prSet phldr="1"/>
+        </dgm:pt>
+        <dgm:pt modelId="2">
+          <dgm:prSet phldr="1"/>
+        </dgm:pt>
+        <dgm:pt modelId="21">
+          <dgm:prSet phldr="1"/>
+        </dgm:pt>
+        <dgm:pt modelId="22">
+          <dgm:prSet phldr="1"/>
+        </dgm:pt>
+        <dgm:pt modelId="3">
+          <dgm:prSet phldr="1"/>
+        </dgm:pt>
+        <dgm:pt modelId="31">
+          <dgm:prSet phldr="1"/>
+        </dgm:pt>
+      </dgm:ptLst>
+      <dgm:cxnLst>
+        <dgm:cxn modelId="4" srcId="0" destId="1" srcOrd="0" destOrd="0"/>
+        <dgm:cxn modelId="5" srcId="1" destId="2" srcOrd="0" destOrd="0"/>
+        <dgm:cxn modelId="6" srcId="1" destId="3" srcOrd="1" destOrd="0"/>
+        <dgm:cxn modelId="23" srcId="2" destId="21" srcOrd="0" destOrd="0"/>
+        <dgm:cxn modelId="24" srcId="2" destId="22" srcOrd="1" destOrd="0"/>
+        <dgm:cxn modelId="33" srcId="3" destId="31" srcOrd="0" destOrd="0"/>
+      </dgm:cxnLst>
+      <dgm:bg/>
+      <dgm:whole/>
+    </dgm:dataModel>
+  </dgm:sampData>
+  <dgm:styleData>
+    <dgm:dataModel>
+      <dgm:ptLst>
+        <dgm:pt modelId="0" type="doc"/>
+        <dgm:pt modelId="1"/>
+        <dgm:pt modelId="11"/>
+        <dgm:pt modelId="12"/>
+      </dgm:ptLst>
+      <dgm:cxnLst>
+        <dgm:cxn modelId="2" srcId="0" destId="1" srcOrd="0" destOrd="0"/>
+        <dgm:cxn modelId="13" srcId="1" destId="11" srcOrd="0" destOrd="0"/>
+        <dgm:cxn modelId="14" srcId="1" destId="12" srcOrd="1" destOrd="0"/>
+      </dgm:cxnLst>
+      <dgm:bg/>
+      <dgm:whole/>
+    </dgm:dataModel>
+  </dgm:styleData>
+  <dgm:clrData>
+    <dgm:dataModel>
+      <dgm:ptLst>
+        <dgm:pt modelId="0" type="doc"/>
+        <dgm:pt modelId="1"/>
+        <dgm:pt modelId="2"/>
+        <dgm:pt modelId="21"/>
+        <dgm:pt modelId="211"/>
+        <dgm:pt modelId="3"/>
+        <dgm:pt modelId="31"/>
+        <dgm:pt modelId="311"/>
+      </dgm:ptLst>
+      <dgm:cxnLst>
+        <dgm:cxn modelId="4" srcId="0" destId="1" srcOrd="0" destOrd="0"/>
+        <dgm:cxn modelId="5" srcId="1" destId="2" srcOrd="0" destOrd="0"/>
+        <dgm:cxn modelId="6" srcId="1" destId="3" srcOrd="1" destOrd="0"/>
+        <dgm:cxn modelId="23" srcId="2" destId="21" srcOrd="0" destOrd="0"/>
+        <dgm:cxn modelId="24" srcId="21" destId="211" srcOrd="0" destOrd="0"/>
+        <dgm:cxn modelId="33" srcId="3" destId="31" srcOrd="0" destOrd="0"/>
+        <dgm:cxn modelId="34" srcId="31" destId="311" srcOrd="0" destOrd="0"/>
+      </dgm:cxnLst>
+      <dgm:bg/>
+      <dgm:whole/>
+    </dgm:dataModel>
+  </dgm:clrData>
+  <dgm:layoutNode name="diagram">
+    <dgm:varLst>
+      <dgm:chPref val="1"/>
+      <dgm:dir/>
+      <dgm:animOne val="branch"/>
+      <dgm:animLvl val="lvl"/>
+      <dgm:resizeHandles val="exact"/>
+    </dgm:varLst>
+    <dgm:choose name="Name0">
+      <dgm:if name="Name1" func="var" arg="dir" op="equ" val="norm">
+        <dgm:alg type="hierChild">
+          <dgm:param type="linDir" val="fromT"/>
+          <dgm:param type="chAlign" val="l"/>
+        </dgm:alg>
+      </dgm:if>
+      <dgm:else name="Name2">
+        <dgm:alg type="hierChild">
+          <dgm:param type="linDir" val="fromT"/>
+          <dgm:param type="chAlign" val="r"/>
+        </dgm:alg>
+      </dgm:else>
+    </dgm:choose>
+    <dgm:shape xmlns:r="http://schemas.openxmlformats.org/officeDocument/2006/relationships" r:blip="">
+      <dgm:adjLst/>
+    </dgm:shape>
+    <dgm:presOf/>
+    <dgm:constrLst>
+      <dgm:constr type="h" for="des" ptType="node" refType="h"/>
+      <dgm:constr type="w" for="des" ptType="node" refType="h" refFor="des" refPtType="node" fact="2"/>
+      <dgm:constr type="sibSp" refType="h" refFor="des" refPtType="node" op="equ" fact="0.15"/>
+      <dgm:constr type="sibSp" for="des" forName="level2hierChild" refType="h" refFor="des" refPtType="node" op="equ" fact="0.15"/>
+      <dgm:constr type="sibSp" for="des" forName="level3hierChild" refType="h" refFor="des" refPtType="node" op="equ" fact="0.15"/>
+      <dgm:constr type="sp" for="des" forName="root1" refType="w" refFor="des" refPtType="node" fact="0.4"/>
+      <dgm:constr type="sp" for="des" forName="root2" refType="sp" refFor="des" refForName="root1" op="equ"/>
+      <dgm:constr type="primFontSz" for="des" ptType="node" op="equ" val="65"/>
+      <dgm:constr type="primFontSz" for="des" forName="connTx" op="equ" val="55"/>
+      <dgm:constr type="primFontSz" for="des" forName="connTx" refType="primFontSz" refFor="des" refPtType="node" op="lte" fact="0.8"/>
+    </dgm:constrLst>
+    <dgm:ruleLst/>
+    <dgm:forEach name="Name3" axis="ch">
+      <dgm:forEach name="Name4" axis="self" ptType="node">
+        <dgm:layoutNode name="root1">
+          <dgm:choose name="Name5">
+            <dgm:if name="Name6" func="var" arg="dir" op="equ" val="norm">
+              <dgm:alg type="hierRoot">
+                <dgm:param type="hierAlign" val="lCtrCh"/>
+              </dgm:alg>
+            </dgm:if>
+            <dgm:else name="Name7">
+              <dgm:alg type="hierRoot">
+                <dgm:param type="hierAlign" val="rCtrCh"/>
+              </dgm:alg>
+            </dgm:else>
+          </dgm:choose>
+          <dgm:shape xmlns:r="http://schemas.openxmlformats.org/officeDocument/2006/relationships" r:blip="">
+            <dgm:adjLst/>
+          </dgm:shape>
+          <dgm:presOf/>
+          <dgm:constrLst/>
+          <dgm:ruleLst/>
+          <dgm:layoutNode name="LevelOneTextNode" styleLbl="node0">
+            <dgm:varLst>
+              <dgm:chPref val="3"/>
+            </dgm:varLst>
+            <dgm:alg type="tx"/>
+            <dgm:shape xmlns:r="http://schemas.openxmlformats.org/officeDocument/2006/relationships" type="roundRect" r:blip="">
+              <dgm:adjLst>
+                <dgm:adj idx="1" val="0.1"/>
+              </dgm:adjLst>
+            </dgm:shape>
+            <dgm:presOf axis="self"/>
+            <dgm:constrLst>
+              <dgm:constr type="tMarg" refType="primFontSz" fact="0.05"/>
+              <dgm:constr type="bMarg" refType="primFontSz" fact="0.05"/>
+              <dgm:constr type="lMarg" refType="primFontSz" fact="0.05"/>
+              <dgm:constr type="rMarg" refType="primFontSz" fact="0.05"/>
+            </dgm:constrLst>
+            <dgm:ruleLst>
+              <dgm:rule type="primFontSz" val="5" fact="NaN" max="NaN"/>
+            </dgm:ruleLst>
+          </dgm:layoutNode>
+          <dgm:layoutNode name="level2hierChild">
+            <dgm:choose name="Name8">
+              <dgm:if name="Name9" func="var" arg="dir" op="equ" val="norm">
+                <dgm:alg type="hierChild">
+                  <dgm:param type="linDir" val="fromT"/>
+                  <dgm:param type="chAlign" val="l"/>
+                </dgm:alg>
+              </dgm:if>
+              <dgm:else name="Name10">
+                <dgm:alg type="hierChild">
+                  <dgm:param type="linDir" val="fromT"/>
+                  <dgm:param type="chAlign" val="r"/>
+                </dgm:alg>
+              </dgm:else>
+            </dgm:choose>
+            <dgm:shape xmlns:r="http://schemas.openxmlformats.org/officeDocument/2006/relationships" r:blip="">
+              <dgm:adjLst/>
+            </dgm:shape>
+            <dgm:presOf/>
+            <dgm:constrLst/>
+            <dgm:ruleLst/>
+            <dgm:forEach name="repeat" axis="ch">
+              <dgm:forEach name="Name11" axis="self" ptType="parTrans" cnt="1">
+                <dgm:layoutNode name="conn2-1">
+                  <dgm:choose name="Name12">
+                    <dgm:if name="Name13" func="var" arg="dir" op="equ" val="norm">
+                      <dgm:alg type="conn">
+                        <dgm:param type="dim" val="1D"/>
+                        <dgm:param type="begPts" val="midR"/>
+                        <dgm:param type="endPts" val="midL"/>
+                        <dgm:param type="endSty" val="noArr"/>
+                      </dgm:alg>
+                    </dgm:if>
+                    <dgm:else name="Name14">
+                      <dgm:alg type="conn">
+                        <dgm:param type="dim" val="1D"/>
+                        <dgm:param type="begPts" val="midL"/>
+                        <dgm:param type="endPts" val="midR"/>
+                        <dgm:param type="endSty" val="noArr"/>
+                      </dgm:alg>
+                    </dgm:else>
+                  </dgm:choose>
+                  <dgm:shape xmlns:r="http://schemas.openxmlformats.org/officeDocument/2006/relationships" type="conn" r:blip="">
+                    <dgm:adjLst/>
+                  </dgm:shape>
+                  <dgm:presOf axis="self"/>
+                  <dgm:constrLst>
+                    <dgm:constr type="w" val="1"/>
+                    <dgm:constr type="h" val="5"/>
+                    <dgm:constr type="connDist"/>
+                    <dgm:constr type="begPad"/>
+                    <dgm:constr type="endPad"/>
+                    <dgm:constr type="userA" for="ch" refType="connDist"/>
+                  </dgm:constrLst>
+                  <dgm:ruleLst/>
+                  <dgm:layoutNode name="connTx">
+                    <dgm:alg type="tx">
+                      <dgm:param type="autoTxRot" val="grav"/>
+                    </dgm:alg>
+                    <dgm:shape xmlns:r="http://schemas.openxmlformats.org/officeDocument/2006/relationships" type="rect" r:blip="" hideGeom="1">
+                      <dgm:adjLst/>
+                    </dgm:shape>
+                    <dgm:presOf axis="self"/>
+                    <dgm:constrLst>
+                      <dgm:constr type="userA"/>
+                      <dgm:constr type="w" refType="userA" fact="0.05"/>
+                      <dgm:constr type="h" refType="userA" fact="0.05"/>
+                      <dgm:constr type="lMarg" val="1"/>
+                      <dgm:constr type="rMarg" val="1"/>
+                      <dgm:constr type="tMarg"/>
+                      <dgm:constr type="bMarg"/>
+                    </dgm:constrLst>
+                    <dgm:ruleLst>
+                      <dgm:rule type="h" val="NaN" fact="0.25" max="NaN"/>
+                      <dgm:rule type="w" val="NaN" fact="0.8" max="NaN"/>
+                      <dgm:rule type="primFontSz" val="5" fact="NaN" max="NaN"/>
+                    </dgm:ruleLst>
+                  </dgm:layoutNode>
+                </dgm:layoutNode>
+              </dgm:forEach>
+              <dgm:forEach name="Name15" axis="self" ptType="node">
+                <dgm:layoutNode name="root2">
+                  <dgm:choose name="Name16">
+                    <dgm:if name="Name17" func="var" arg="dir" op="equ" val="norm">
+                      <dgm:alg type="hierRoot">
+                        <dgm:param type="hierAlign" val="lCtrCh"/>
+                      </dgm:alg>
+                    </dgm:if>
+                    <dgm:else name="Name18">
+                      <dgm:alg type="hierRoot">
+                        <dgm:param type="hierAlign" val="rCtrCh"/>
+                      </dgm:alg>
+                    </dgm:else>
+                  </dgm:choose>
+                  <dgm:shape xmlns:r="http://schemas.openxmlformats.org/officeDocument/2006/relationships" r:blip="">
+                    <dgm:adjLst/>
+                  </dgm:shape>
+                  <dgm:presOf/>
+                  <dgm:constrLst/>
+                  <dgm:ruleLst/>
+                  <dgm:layoutNode name="LevelTwoTextNode">
+                    <dgm:varLst>
+                      <dgm:chPref val="3"/>
+                    </dgm:varLst>
+                    <dgm:alg type="tx"/>
+                    <dgm:shape xmlns:r="http://schemas.openxmlformats.org/officeDocument/2006/relationships" type="roundRect" r:blip="">
+                      <dgm:adjLst>
+                        <dgm:adj idx="1" val="0.1"/>
+                      </dgm:adjLst>
+                    </dgm:shape>
+                    <dgm:presOf axis="self"/>
+                    <dgm:constrLst>
+                      <dgm:constr type="tMarg" refType="primFontSz" fact="0.05"/>
+                      <dgm:constr type="bMarg" refType="primFontSz" fact="0.05"/>
+                      <dgm:constr type="lMarg" refType="primFontSz" fact="0.05"/>
+                      <dgm:constr type="rMarg" refType="primFontSz" fact="0.05"/>
+                    </dgm:constrLst>
+                    <dgm:ruleLst>
+                      <dgm:rule type="primFontSz" val="5" fact="NaN" max="NaN"/>
+                    </dgm:ruleLst>
+                  </dgm:layoutNode>
+                  <dgm:layoutNode name="level3hierChild">
+                    <dgm:choose name="Name19">
+                      <dgm:if name="Name20" func="var" arg="dir" op="equ" val="norm">
+                        <dgm:alg type="hierChild">
+                          <dgm:param type="linDir" val="fromT"/>
+                          <dgm:param type="chAlign" val="l"/>
+                        </dgm:alg>
+                      </dgm:if>
+                      <dgm:else name="Name21">
+                        <dgm:alg type="hierChild">
+                          <dgm:param type="linDir" val="fromT"/>
+                          <dgm:param type="chAlign" val="r"/>
+                        </dgm:alg>
+                      </dgm:else>
+                    </dgm:choose>
+                    <dgm:shape xmlns:r="http://schemas.openxmlformats.org/officeDocument/2006/relationships" r:blip="">
+                      <dgm:adjLst/>
+                    </dgm:shape>
+                    <dgm:presOf/>
+                    <dgm:constrLst/>
+                    <dgm:ruleLst/>
+                    <dgm:forEach name="Name22" ref="repeat"/>
+                  </dgm:layoutNode>
+                </dgm:layoutNode>
+              </dgm:forEach>
+            </dgm:forEach>
+          </dgm:layoutNode>
+        </dgm:layoutNode>
+      </dgm:forEach>
+    </dgm:forEach>
+  </dgm:layoutNode>
+</dgm:layoutDef>
+</file>
+
 <file path=ppt/diagrams/quickStyle1.xml><?xml version="1.0" encoding="utf-8"?>
 <dgm:styleDef xmlns:dgm="http://schemas.openxmlformats.org/drawingml/2006/diagram" xmlns:a="http://schemas.openxmlformats.org/drawingml/2006/main" uniqueId="urn:microsoft.com/office/officeart/2005/8/quickstyle/simple4">
   <dgm:title val=""/>
@@ -10721,6 +13272,1040 @@
 </file>
 
 <file path=ppt/diagrams/quickStyle3.xml><?xml version="1.0" encoding="utf-8"?>
+<dgm:styleDef xmlns:dgm="http://schemas.openxmlformats.org/drawingml/2006/diagram" xmlns:a="http://schemas.openxmlformats.org/drawingml/2006/main" uniqueId="urn:microsoft.com/office/officeart/2005/8/quickstyle/simple4">
+  <dgm:title val=""/>
+  <dgm:desc val=""/>
+  <dgm:catLst>
+    <dgm:cat type="simple" pri="10400"/>
+  </dgm:catLst>
+  <dgm:scene3d>
+    <a:camera prst="orthographicFront"/>
+    <a:lightRig rig="threePt" dir="t"/>
+  </dgm:scene3d>
+  <dgm:styleLbl name="node0">
+    <dgm:scene3d>
+      <a:camera prst="orthographicFront"/>
+      <a:lightRig rig="threePt" dir="t"/>
+    </dgm:scene3d>
+    <dgm:sp3d/>
+    <dgm:txPr/>
+    <dgm:style>
+      <a:lnRef idx="0">
+        <a:scrgbClr r="0" g="0" b="0"/>
+      </a:lnRef>
+      <a:fillRef idx="3">
+        <a:scrgbClr r="0" g="0" b="0"/>
+      </a:fillRef>
+      <a:effectRef idx="2">
+        <a:scrgbClr r="0" g="0" b="0"/>
+      </a:effectRef>
+      <a:fontRef idx="minor">
+        <a:schemeClr val="lt1"/>
+      </a:fontRef>
+    </dgm:style>
+  </dgm:styleLbl>
+  <dgm:styleLbl name="lnNode1">
+    <dgm:scene3d>
+      <a:camera prst="orthographicFront"/>
+      <a:lightRig rig="threePt" dir="t"/>
+    </dgm:scene3d>
+    <dgm:sp3d/>
+    <dgm:txPr/>
+    <dgm:style>
+      <a:lnRef idx="1">
+        <a:scrgbClr r="0" g="0" b="0"/>
+      </a:lnRef>
+      <a:fillRef idx="3">
+        <a:scrgbClr r="0" g="0" b="0"/>
+      </a:fillRef>
+      <a:effectRef idx="2">
+        <a:scrgbClr r="0" g="0" b="0"/>
+      </a:effectRef>
+      <a:fontRef idx="minor">
+        <a:schemeClr val="lt1"/>
+      </a:fontRef>
+    </dgm:style>
+  </dgm:styleLbl>
+  <dgm:styleLbl name="vennNode1">
+    <dgm:scene3d>
+      <a:camera prst="orthographicFront"/>
+      <a:lightRig rig="threePt" dir="t"/>
+    </dgm:scene3d>
+    <dgm:sp3d/>
+    <dgm:txPr/>
+    <dgm:style>
+      <a:lnRef idx="0">
+        <a:scrgbClr r="0" g="0" b="0"/>
+      </a:lnRef>
+      <a:fillRef idx="3">
+        <a:scrgbClr r="0" g="0" b="0"/>
+      </a:fillRef>
+      <a:effectRef idx="0">
+        <a:scrgbClr r="0" g="0" b="0"/>
+      </a:effectRef>
+      <a:fontRef idx="minor">
+        <a:schemeClr val="tx1"/>
+      </a:fontRef>
+    </dgm:style>
+  </dgm:styleLbl>
+  <dgm:styleLbl name="alignNode1">
+    <dgm:scene3d>
+      <a:camera prst="orthographicFront"/>
+      <a:lightRig rig="threePt" dir="t"/>
+    </dgm:scene3d>
+    <dgm:sp3d/>
+    <dgm:txPr/>
+    <dgm:style>
+      <a:lnRef idx="1">
+        <a:scrgbClr r="0" g="0" b="0"/>
+      </a:lnRef>
+      <a:fillRef idx="3">
+        <a:scrgbClr r="0" g="0" b="0"/>
+      </a:fillRef>
+      <a:effectRef idx="2">
+        <a:scrgbClr r="0" g="0" b="0"/>
+      </a:effectRef>
+      <a:fontRef idx="minor">
+        <a:schemeClr val="lt1"/>
+      </a:fontRef>
+    </dgm:style>
+  </dgm:styleLbl>
+  <dgm:styleLbl name="node1">
+    <dgm:scene3d>
+      <a:camera prst="orthographicFront"/>
+      <a:lightRig rig="threePt" dir="t"/>
+    </dgm:scene3d>
+    <dgm:sp3d/>
+    <dgm:txPr/>
+    <dgm:style>
+      <a:lnRef idx="0">
+        <a:scrgbClr r="0" g="0" b="0"/>
+      </a:lnRef>
+      <a:fillRef idx="3">
+        <a:scrgbClr r="0" g="0" b="0"/>
+      </a:fillRef>
+      <a:effectRef idx="2">
+        <a:scrgbClr r="0" g="0" b="0"/>
+      </a:effectRef>
+      <a:fontRef idx="minor">
+        <a:schemeClr val="lt1"/>
+      </a:fontRef>
+    </dgm:style>
+  </dgm:styleLbl>
+  <dgm:styleLbl name="node2">
+    <dgm:scene3d>
+      <a:camera prst="orthographicFront"/>
+      <a:lightRig rig="threePt" dir="t"/>
+    </dgm:scene3d>
+    <dgm:sp3d/>
+    <dgm:txPr/>
+    <dgm:style>
+      <a:lnRef idx="0">
+        <a:scrgbClr r="0" g="0" b="0"/>
+      </a:lnRef>
+      <a:fillRef idx="3">
+        <a:scrgbClr r="0" g="0" b="0"/>
+      </a:fillRef>
+      <a:effectRef idx="2">
+        <a:scrgbClr r="0" g="0" b="0"/>
+      </a:effectRef>
+      <a:fontRef idx="minor">
+        <a:schemeClr val="lt1"/>
+      </a:fontRef>
+    </dgm:style>
+  </dgm:styleLbl>
+  <dgm:styleLbl name="node3">
+    <dgm:scene3d>
+      <a:camera prst="orthographicFront"/>
+      <a:lightRig rig="threePt" dir="t"/>
+    </dgm:scene3d>
+    <dgm:sp3d/>
+    <dgm:txPr/>
+    <dgm:style>
+      <a:lnRef idx="0">
+        <a:scrgbClr r="0" g="0" b="0"/>
+      </a:lnRef>
+      <a:fillRef idx="3">
+        <a:scrgbClr r="0" g="0" b="0"/>
+      </a:fillRef>
+      <a:effectRef idx="2">
+        <a:scrgbClr r="0" g="0" b="0"/>
+      </a:effectRef>
+      <a:fontRef idx="minor">
+        <a:schemeClr val="lt1"/>
+      </a:fontRef>
+    </dgm:style>
+  </dgm:styleLbl>
+  <dgm:styleLbl name="node4">
+    <dgm:scene3d>
+      <a:camera prst="orthographicFront"/>
+      <a:lightRig rig="threePt" dir="t"/>
+    </dgm:scene3d>
+    <dgm:sp3d/>
+    <dgm:txPr/>
+    <dgm:style>
+      <a:lnRef idx="0">
+        <a:scrgbClr r="0" g="0" b="0"/>
+      </a:lnRef>
+      <a:fillRef idx="3">
+        <a:scrgbClr r="0" g="0" b="0"/>
+      </a:fillRef>
+      <a:effectRef idx="2">
+        <a:scrgbClr r="0" g="0" b="0"/>
+      </a:effectRef>
+      <a:fontRef idx="minor">
+        <a:schemeClr val="lt1"/>
+      </a:fontRef>
+    </dgm:style>
+  </dgm:styleLbl>
+  <dgm:styleLbl name="fgImgPlace1">
+    <dgm:scene3d>
+      <a:camera prst="orthographicFront"/>
+      <a:lightRig rig="threePt" dir="t"/>
+    </dgm:scene3d>
+    <dgm:sp3d/>
+    <dgm:txPr/>
+    <dgm:style>
+      <a:lnRef idx="0">
+        <a:scrgbClr r="0" g="0" b="0"/>
+      </a:lnRef>
+      <a:fillRef idx="1">
+        <a:scrgbClr r="0" g="0" b="0"/>
+      </a:fillRef>
+      <a:effectRef idx="2">
+        <a:scrgbClr r="0" g="0" b="0"/>
+      </a:effectRef>
+      <a:fontRef idx="minor"/>
+    </dgm:style>
+  </dgm:styleLbl>
+  <dgm:styleLbl name="alignImgPlace1">
+    <dgm:scene3d>
+      <a:camera prst="orthographicFront"/>
+      <a:lightRig rig="threePt" dir="t"/>
+    </dgm:scene3d>
+    <dgm:sp3d/>
+    <dgm:txPr/>
+    <dgm:style>
+      <a:lnRef idx="0">
+        <a:scrgbClr r="0" g="0" b="0"/>
+      </a:lnRef>
+      <a:fillRef idx="1">
+        <a:scrgbClr r="0" g="0" b="0"/>
+      </a:fillRef>
+      <a:effectRef idx="2">
+        <a:scrgbClr r="0" g="0" b="0"/>
+      </a:effectRef>
+      <a:fontRef idx="minor"/>
+    </dgm:style>
+  </dgm:styleLbl>
+  <dgm:styleLbl name="bgImgPlace1">
+    <dgm:scene3d>
+      <a:camera prst="orthographicFront"/>
+      <a:lightRig rig="threePt" dir="t"/>
+    </dgm:scene3d>
+    <dgm:sp3d/>
+    <dgm:txPr/>
+    <dgm:style>
+      <a:lnRef idx="0">
+        <a:scrgbClr r="0" g="0" b="0"/>
+      </a:lnRef>
+      <a:fillRef idx="1">
+        <a:scrgbClr r="0" g="0" b="0"/>
+      </a:fillRef>
+      <a:effectRef idx="2">
+        <a:scrgbClr r="0" g="0" b="0"/>
+      </a:effectRef>
+      <a:fontRef idx="minor"/>
+    </dgm:style>
+  </dgm:styleLbl>
+  <dgm:styleLbl name="sibTrans2D1">
+    <dgm:scene3d>
+      <a:camera prst="orthographicFront"/>
+      <a:lightRig rig="threePt" dir="t"/>
+    </dgm:scene3d>
+    <dgm:sp3d/>
+    <dgm:txPr/>
+    <dgm:style>
+      <a:lnRef idx="0">
+        <a:scrgbClr r="0" g="0" b="0"/>
+      </a:lnRef>
+      <a:fillRef idx="3">
+        <a:scrgbClr r="0" g="0" b="0"/>
+      </a:fillRef>
+      <a:effectRef idx="2">
+        <a:scrgbClr r="0" g="0" b="0"/>
+      </a:effectRef>
+      <a:fontRef idx="minor">
+        <a:schemeClr val="lt1"/>
+      </a:fontRef>
+    </dgm:style>
+  </dgm:styleLbl>
+  <dgm:styleLbl name="fgSibTrans2D1">
+    <dgm:scene3d>
+      <a:camera prst="orthographicFront"/>
+      <a:lightRig rig="threePt" dir="t"/>
+    </dgm:scene3d>
+    <dgm:sp3d/>
+    <dgm:txPr/>
+    <dgm:style>
+      <a:lnRef idx="0">
+        <a:scrgbClr r="0" g="0" b="0"/>
+      </a:lnRef>
+      <a:fillRef idx="3">
+        <a:scrgbClr r="0" g="0" b="0"/>
+      </a:fillRef>
+      <a:effectRef idx="2">
+        <a:scrgbClr r="0" g="0" b="0"/>
+      </a:effectRef>
+      <a:fontRef idx="minor">
+        <a:schemeClr val="lt1"/>
+      </a:fontRef>
+    </dgm:style>
+  </dgm:styleLbl>
+  <dgm:styleLbl name="bgSibTrans2D1">
+    <dgm:scene3d>
+      <a:camera prst="orthographicFront"/>
+      <a:lightRig rig="threePt" dir="t"/>
+    </dgm:scene3d>
+    <dgm:sp3d/>
+    <dgm:txPr/>
+    <dgm:style>
+      <a:lnRef idx="0">
+        <a:scrgbClr r="0" g="0" b="0"/>
+      </a:lnRef>
+      <a:fillRef idx="3">
+        <a:scrgbClr r="0" g="0" b="0"/>
+      </a:fillRef>
+      <a:effectRef idx="2">
+        <a:scrgbClr r="0" g="0" b="0"/>
+      </a:effectRef>
+      <a:fontRef idx="minor">
+        <a:schemeClr val="lt1"/>
+      </a:fontRef>
+    </dgm:style>
+  </dgm:styleLbl>
+  <dgm:styleLbl name="sibTrans1D1">
+    <dgm:scene3d>
+      <a:camera prst="orthographicFront"/>
+      <a:lightRig rig="threePt" dir="t"/>
+    </dgm:scene3d>
+    <dgm:sp3d/>
+    <dgm:txPr/>
+    <dgm:style>
+      <a:lnRef idx="1">
+        <a:scrgbClr r="0" g="0" b="0"/>
+      </a:lnRef>
+      <a:fillRef idx="0">
+        <a:scrgbClr r="0" g="0" b="0"/>
+      </a:fillRef>
+      <a:effectRef idx="0">
+        <a:scrgbClr r="0" g="0" b="0"/>
+      </a:effectRef>
+      <a:fontRef idx="minor"/>
+    </dgm:style>
+  </dgm:styleLbl>
+  <dgm:styleLbl name="callout">
+    <dgm:scene3d>
+      <a:camera prst="orthographicFront"/>
+      <a:lightRig rig="threePt" dir="t"/>
+    </dgm:scene3d>
+    <dgm:sp3d/>
+    <dgm:txPr/>
+    <dgm:style>
+      <a:lnRef idx="2">
+        <a:scrgbClr r="0" g="0" b="0"/>
+      </a:lnRef>
+      <a:fillRef idx="1">
+        <a:scrgbClr r="0" g="0" b="0"/>
+      </a:fillRef>
+      <a:effectRef idx="1">
+        <a:scrgbClr r="0" g="0" b="0"/>
+      </a:effectRef>
+      <a:fontRef idx="minor"/>
+    </dgm:style>
+  </dgm:styleLbl>
+  <dgm:styleLbl name="asst0">
+    <dgm:scene3d>
+      <a:camera prst="orthographicFront"/>
+      <a:lightRig rig="threePt" dir="t"/>
+    </dgm:scene3d>
+    <dgm:sp3d/>
+    <dgm:txPr/>
+    <dgm:style>
+      <a:lnRef idx="0">
+        <a:scrgbClr r="0" g="0" b="0"/>
+      </a:lnRef>
+      <a:fillRef idx="3">
+        <a:scrgbClr r="0" g="0" b="0"/>
+      </a:fillRef>
+      <a:effectRef idx="2">
+        <a:scrgbClr r="0" g="0" b="0"/>
+      </a:effectRef>
+      <a:fontRef idx="minor">
+        <a:schemeClr val="lt1"/>
+      </a:fontRef>
+    </dgm:style>
+  </dgm:styleLbl>
+  <dgm:styleLbl name="asst1">
+    <dgm:scene3d>
+      <a:camera prst="orthographicFront"/>
+      <a:lightRig rig="threePt" dir="t"/>
+    </dgm:scene3d>
+    <dgm:sp3d/>
+    <dgm:txPr/>
+    <dgm:style>
+      <a:lnRef idx="0">
+        <a:scrgbClr r="0" g="0" b="0"/>
+      </a:lnRef>
+      <a:fillRef idx="3">
+        <a:scrgbClr r="0" g="0" b="0"/>
+      </a:fillRef>
+      <a:effectRef idx="2">
+        <a:scrgbClr r="0" g="0" b="0"/>
+      </a:effectRef>
+      <a:fontRef idx="minor">
+        <a:schemeClr val="lt1"/>
+      </a:fontRef>
+    </dgm:style>
+  </dgm:styleLbl>
+  <dgm:styleLbl name="asst2">
+    <dgm:scene3d>
+      <a:camera prst="orthographicFront"/>
+      <a:lightRig rig="threePt" dir="t"/>
+    </dgm:scene3d>
+    <dgm:sp3d/>
+    <dgm:txPr/>
+    <dgm:style>
+      <a:lnRef idx="0">
+        <a:scrgbClr r="0" g="0" b="0"/>
+      </a:lnRef>
+      <a:fillRef idx="3">
+        <a:scrgbClr r="0" g="0" b="0"/>
+      </a:fillRef>
+      <a:effectRef idx="2">
+        <a:scrgbClr r="0" g="0" b="0"/>
+      </a:effectRef>
+      <a:fontRef idx="minor">
+        <a:schemeClr val="lt1"/>
+      </a:fontRef>
+    </dgm:style>
+  </dgm:styleLbl>
+  <dgm:styleLbl name="asst3">
+    <dgm:scene3d>
+      <a:camera prst="orthographicFront"/>
+      <a:lightRig rig="threePt" dir="t"/>
+    </dgm:scene3d>
+    <dgm:sp3d/>
+    <dgm:txPr/>
+    <dgm:style>
+      <a:lnRef idx="0">
+        <a:scrgbClr r="0" g="0" b="0"/>
+      </a:lnRef>
+      <a:fillRef idx="3">
+        <a:scrgbClr r="0" g="0" b="0"/>
+      </a:fillRef>
+      <a:effectRef idx="2">
+        <a:scrgbClr r="0" g="0" b="0"/>
+      </a:effectRef>
+      <a:fontRef idx="minor">
+        <a:schemeClr val="lt1"/>
+      </a:fontRef>
+    </dgm:style>
+  </dgm:styleLbl>
+  <dgm:styleLbl name="asst4">
+    <dgm:scene3d>
+      <a:camera prst="orthographicFront"/>
+      <a:lightRig rig="threePt" dir="t"/>
+    </dgm:scene3d>
+    <dgm:sp3d/>
+    <dgm:txPr/>
+    <dgm:style>
+      <a:lnRef idx="0">
+        <a:scrgbClr r="0" g="0" b="0"/>
+      </a:lnRef>
+      <a:fillRef idx="3">
+        <a:scrgbClr r="0" g="0" b="0"/>
+      </a:fillRef>
+      <a:effectRef idx="2">
+        <a:scrgbClr r="0" g="0" b="0"/>
+      </a:effectRef>
+      <a:fontRef idx="minor">
+        <a:schemeClr val="lt1"/>
+      </a:fontRef>
+    </dgm:style>
+  </dgm:styleLbl>
+  <dgm:styleLbl name="parChTrans2D1">
+    <dgm:scene3d>
+      <a:camera prst="orthographicFront"/>
+      <a:lightRig rig="threePt" dir="t"/>
+    </dgm:scene3d>
+    <dgm:sp3d/>
+    <dgm:txPr/>
+    <dgm:style>
+      <a:lnRef idx="0">
+        <a:scrgbClr r="0" g="0" b="0"/>
+      </a:lnRef>
+      <a:fillRef idx="3">
+        <a:scrgbClr r="0" g="0" b="0"/>
+      </a:fillRef>
+      <a:effectRef idx="2">
+        <a:scrgbClr r="0" g="0" b="0"/>
+      </a:effectRef>
+      <a:fontRef idx="minor">
+        <a:schemeClr val="lt1"/>
+      </a:fontRef>
+    </dgm:style>
+  </dgm:styleLbl>
+  <dgm:styleLbl name="parChTrans2D2">
+    <dgm:scene3d>
+      <a:camera prst="orthographicFront"/>
+      <a:lightRig rig="threePt" dir="t"/>
+    </dgm:scene3d>
+    <dgm:sp3d/>
+    <dgm:txPr/>
+    <dgm:style>
+      <a:lnRef idx="0">
+        <a:scrgbClr r="0" g="0" b="0"/>
+      </a:lnRef>
+      <a:fillRef idx="3">
+        <a:scrgbClr r="0" g="0" b="0"/>
+      </a:fillRef>
+      <a:effectRef idx="2">
+        <a:scrgbClr r="0" g="0" b="0"/>
+      </a:effectRef>
+      <a:fontRef idx="minor">
+        <a:schemeClr val="lt1"/>
+      </a:fontRef>
+    </dgm:style>
+  </dgm:styleLbl>
+  <dgm:styleLbl name="parChTrans2D3">
+    <dgm:scene3d>
+      <a:camera prst="orthographicFront"/>
+      <a:lightRig rig="threePt" dir="t"/>
+    </dgm:scene3d>
+    <dgm:sp3d/>
+    <dgm:txPr/>
+    <dgm:style>
+      <a:lnRef idx="1">
+        <a:scrgbClr r="0" g="0" b="0"/>
+      </a:lnRef>
+      <a:fillRef idx="3">
+        <a:scrgbClr r="0" g="0" b="0"/>
+      </a:fillRef>
+      <a:effectRef idx="2">
+        <a:scrgbClr r="0" g="0" b="0"/>
+      </a:effectRef>
+      <a:fontRef idx="minor">
+        <a:schemeClr val="lt1"/>
+      </a:fontRef>
+    </dgm:style>
+  </dgm:styleLbl>
+  <dgm:styleLbl name="parChTrans2D4">
+    <dgm:scene3d>
+      <a:camera prst="orthographicFront"/>
+      <a:lightRig rig="threePt" dir="t"/>
+    </dgm:scene3d>
+    <dgm:sp3d/>
+    <dgm:txPr/>
+    <dgm:style>
+      <a:lnRef idx="1">
+        <a:scrgbClr r="0" g="0" b="0"/>
+      </a:lnRef>
+      <a:fillRef idx="3">
+        <a:scrgbClr r="0" g="0" b="0"/>
+      </a:fillRef>
+      <a:effectRef idx="2">
+        <a:scrgbClr r="0" g="0" b="0"/>
+      </a:effectRef>
+      <a:fontRef idx="minor">
+        <a:schemeClr val="lt1"/>
+      </a:fontRef>
+    </dgm:style>
+  </dgm:styleLbl>
+  <dgm:styleLbl name="parChTrans1D1">
+    <dgm:scene3d>
+      <a:camera prst="orthographicFront"/>
+      <a:lightRig rig="threePt" dir="t"/>
+    </dgm:scene3d>
+    <dgm:sp3d/>
+    <dgm:txPr/>
+    <dgm:style>
+      <a:lnRef idx="1">
+        <a:scrgbClr r="0" g="0" b="0"/>
+      </a:lnRef>
+      <a:fillRef idx="0">
+        <a:scrgbClr r="0" g="0" b="0"/>
+      </a:fillRef>
+      <a:effectRef idx="0">
+        <a:scrgbClr r="0" g="0" b="0"/>
+      </a:effectRef>
+      <a:fontRef idx="minor"/>
+    </dgm:style>
+  </dgm:styleLbl>
+  <dgm:styleLbl name="parChTrans1D2">
+    <dgm:scene3d>
+      <a:camera prst="orthographicFront"/>
+      <a:lightRig rig="threePt" dir="t"/>
+    </dgm:scene3d>
+    <dgm:sp3d/>
+    <dgm:txPr/>
+    <dgm:style>
+      <a:lnRef idx="1">
+        <a:scrgbClr r="0" g="0" b="0"/>
+      </a:lnRef>
+      <a:fillRef idx="0">
+        <a:scrgbClr r="0" g="0" b="0"/>
+      </a:fillRef>
+      <a:effectRef idx="0">
+        <a:scrgbClr r="0" g="0" b="0"/>
+      </a:effectRef>
+      <a:fontRef idx="minor"/>
+    </dgm:style>
+  </dgm:styleLbl>
+  <dgm:styleLbl name="parChTrans1D3">
+    <dgm:scene3d>
+      <a:camera prst="orthographicFront"/>
+      <a:lightRig rig="threePt" dir="t"/>
+    </dgm:scene3d>
+    <dgm:sp3d/>
+    <dgm:txPr/>
+    <dgm:style>
+      <a:lnRef idx="1">
+        <a:scrgbClr r="0" g="0" b="0"/>
+      </a:lnRef>
+      <a:fillRef idx="0">
+        <a:scrgbClr r="0" g="0" b="0"/>
+      </a:fillRef>
+      <a:effectRef idx="0">
+        <a:scrgbClr r="0" g="0" b="0"/>
+      </a:effectRef>
+      <a:fontRef idx="minor"/>
+    </dgm:style>
+  </dgm:styleLbl>
+  <dgm:styleLbl name="parChTrans1D4">
+    <dgm:scene3d>
+      <a:camera prst="orthographicFront"/>
+      <a:lightRig rig="threePt" dir="t"/>
+    </dgm:scene3d>
+    <dgm:sp3d/>
+    <dgm:txPr/>
+    <dgm:style>
+      <a:lnRef idx="1">
+        <a:scrgbClr r="0" g="0" b="0"/>
+      </a:lnRef>
+      <a:fillRef idx="0">
+        <a:scrgbClr r="0" g="0" b="0"/>
+      </a:fillRef>
+      <a:effectRef idx="0">
+        <a:scrgbClr r="0" g="0" b="0"/>
+      </a:effectRef>
+      <a:fontRef idx="minor"/>
+    </dgm:style>
+  </dgm:styleLbl>
+  <dgm:styleLbl name="fgAcc1">
+    <dgm:scene3d>
+      <a:camera prst="orthographicFront"/>
+      <a:lightRig rig="threePt" dir="t"/>
+    </dgm:scene3d>
+    <dgm:sp3d/>
+    <dgm:txPr/>
+    <dgm:style>
+      <a:lnRef idx="1">
+        <a:scrgbClr r="0" g="0" b="0"/>
+      </a:lnRef>
+      <a:fillRef idx="1">
+        <a:scrgbClr r="0" g="0" b="0"/>
+      </a:fillRef>
+      <a:effectRef idx="0">
+        <a:scrgbClr r="0" g="0" b="0"/>
+      </a:effectRef>
+      <a:fontRef idx="minor"/>
+    </dgm:style>
+  </dgm:styleLbl>
+  <dgm:styleLbl name="conFgAcc1">
+    <dgm:scene3d>
+      <a:camera prst="orthographicFront"/>
+      <a:lightRig rig="threePt" dir="t"/>
+    </dgm:scene3d>
+    <dgm:sp3d/>
+    <dgm:txPr/>
+    <dgm:style>
+      <a:lnRef idx="1">
+        <a:scrgbClr r="0" g="0" b="0"/>
+      </a:lnRef>
+      <a:fillRef idx="1">
+        <a:scrgbClr r="0" g="0" b="0"/>
+      </a:fillRef>
+      <a:effectRef idx="0">
+        <a:scrgbClr r="0" g="0" b="0"/>
+      </a:effectRef>
+      <a:fontRef idx="minor"/>
+    </dgm:style>
+  </dgm:styleLbl>
+  <dgm:styleLbl name="alignAcc1">
+    <dgm:scene3d>
+      <a:camera prst="orthographicFront"/>
+      <a:lightRig rig="threePt" dir="t"/>
+    </dgm:scene3d>
+    <dgm:sp3d/>
+    <dgm:txPr/>
+    <dgm:style>
+      <a:lnRef idx="1">
+        <a:scrgbClr r="0" g="0" b="0"/>
+      </a:lnRef>
+      <a:fillRef idx="1">
+        <a:scrgbClr r="0" g="0" b="0"/>
+      </a:fillRef>
+      <a:effectRef idx="0">
+        <a:scrgbClr r="0" g="0" b="0"/>
+      </a:effectRef>
+      <a:fontRef idx="minor"/>
+    </dgm:style>
+  </dgm:styleLbl>
+  <dgm:styleLbl name="trAlignAcc1">
+    <dgm:scene3d>
+      <a:camera prst="orthographicFront"/>
+      <a:lightRig rig="threePt" dir="t"/>
+    </dgm:scene3d>
+    <dgm:sp3d/>
+    <dgm:txPr/>
+    <dgm:style>
+      <a:lnRef idx="1">
+        <a:scrgbClr r="0" g="0" b="0"/>
+      </a:lnRef>
+      <a:fillRef idx="1">
+        <a:scrgbClr r="0" g="0" b="0"/>
+      </a:fillRef>
+      <a:effectRef idx="0">
+        <a:scrgbClr r="0" g="0" b="0"/>
+      </a:effectRef>
+      <a:fontRef idx="minor"/>
+    </dgm:style>
+  </dgm:styleLbl>
+  <dgm:styleLbl name="bgAcc1">
+    <dgm:scene3d>
+      <a:camera prst="orthographicFront"/>
+      <a:lightRig rig="threePt" dir="t"/>
+    </dgm:scene3d>
+    <dgm:sp3d/>
+    <dgm:txPr/>
+    <dgm:style>
+      <a:lnRef idx="1">
+        <a:scrgbClr r="0" g="0" b="0"/>
+      </a:lnRef>
+      <a:fillRef idx="1">
+        <a:scrgbClr r="0" g="0" b="0"/>
+      </a:fillRef>
+      <a:effectRef idx="0">
+        <a:scrgbClr r="0" g="0" b="0"/>
+      </a:effectRef>
+      <a:fontRef idx="minor"/>
+    </dgm:style>
+  </dgm:styleLbl>
+  <dgm:styleLbl name="solidFgAcc1">
+    <dgm:scene3d>
+      <a:camera prst="orthographicFront"/>
+      <a:lightRig rig="threePt" dir="t"/>
+    </dgm:scene3d>
+    <dgm:sp3d/>
+    <dgm:txPr/>
+    <dgm:style>
+      <a:lnRef idx="1">
+        <a:scrgbClr r="0" g="0" b="0"/>
+      </a:lnRef>
+      <a:fillRef idx="1">
+        <a:scrgbClr r="0" g="0" b="0"/>
+      </a:fillRef>
+      <a:effectRef idx="0">
+        <a:scrgbClr r="0" g="0" b="0"/>
+      </a:effectRef>
+      <a:fontRef idx="minor"/>
+    </dgm:style>
+  </dgm:styleLbl>
+  <dgm:styleLbl name="solidAlignAcc1">
+    <dgm:scene3d>
+      <a:camera prst="orthographicFront"/>
+      <a:lightRig rig="threePt" dir="t"/>
+    </dgm:scene3d>
+    <dgm:sp3d/>
+    <dgm:txPr/>
+    <dgm:style>
+      <a:lnRef idx="1">
+        <a:scrgbClr r="0" g="0" b="0"/>
+      </a:lnRef>
+      <a:fillRef idx="1">
+        <a:scrgbClr r="0" g="0" b="0"/>
+      </a:fillRef>
+      <a:effectRef idx="0">
+        <a:scrgbClr r="0" g="0" b="0"/>
+      </a:effectRef>
+      <a:fontRef idx="minor"/>
+    </dgm:style>
+  </dgm:styleLbl>
+  <dgm:styleLbl name="solidBgAcc1">
+    <dgm:scene3d>
+      <a:camera prst="orthographicFront"/>
+      <a:lightRig rig="threePt" dir="t"/>
+    </dgm:scene3d>
+    <dgm:sp3d/>
+    <dgm:txPr/>
+    <dgm:style>
+      <a:lnRef idx="1">
+        <a:scrgbClr r="0" g="0" b="0"/>
+      </a:lnRef>
+      <a:fillRef idx="1">
+        <a:scrgbClr r="0" g="0" b="0"/>
+      </a:fillRef>
+      <a:effectRef idx="0">
+        <a:scrgbClr r="0" g="0" b="0"/>
+      </a:effectRef>
+      <a:fontRef idx="minor"/>
+    </dgm:style>
+  </dgm:styleLbl>
+  <dgm:styleLbl name="fgAccFollowNode1">
+    <dgm:scene3d>
+      <a:camera prst="orthographicFront"/>
+      <a:lightRig rig="threePt" dir="t"/>
+    </dgm:scene3d>
+    <dgm:sp3d/>
+    <dgm:txPr/>
+    <dgm:style>
+      <a:lnRef idx="1">
+        <a:scrgbClr r="0" g="0" b="0"/>
+      </a:lnRef>
+      <a:fillRef idx="1">
+        <a:scrgbClr r="0" g="0" b="0"/>
+      </a:fillRef>
+      <a:effectRef idx="0">
+        <a:scrgbClr r="0" g="0" b="0"/>
+      </a:effectRef>
+      <a:fontRef idx="minor"/>
+    </dgm:style>
+  </dgm:styleLbl>
+  <dgm:styleLbl name="alignAccFollowNode1">
+    <dgm:scene3d>
+      <a:camera prst="orthographicFront"/>
+      <a:lightRig rig="threePt" dir="t"/>
+    </dgm:scene3d>
+    <dgm:sp3d/>
+    <dgm:txPr/>
+    <dgm:style>
+      <a:lnRef idx="1">
+        <a:scrgbClr r="0" g="0" b="0"/>
+      </a:lnRef>
+      <a:fillRef idx="1">
+        <a:scrgbClr r="0" g="0" b="0"/>
+      </a:fillRef>
+      <a:effectRef idx="0">
+        <a:scrgbClr r="0" g="0" b="0"/>
+      </a:effectRef>
+      <a:fontRef idx="minor"/>
+    </dgm:style>
+  </dgm:styleLbl>
+  <dgm:styleLbl name="bgAccFollowNode1">
+    <dgm:scene3d>
+      <a:camera prst="orthographicFront"/>
+      <a:lightRig rig="threePt" dir="t"/>
+    </dgm:scene3d>
+    <dgm:sp3d/>
+    <dgm:txPr/>
+    <dgm:style>
+      <a:lnRef idx="1">
+        <a:scrgbClr r="0" g="0" b="0"/>
+      </a:lnRef>
+      <a:fillRef idx="1">
+        <a:scrgbClr r="0" g="0" b="0"/>
+      </a:fillRef>
+      <a:effectRef idx="0">
+        <a:scrgbClr r="0" g="0" b="0"/>
+      </a:effectRef>
+      <a:fontRef idx="minor"/>
+    </dgm:style>
+  </dgm:styleLbl>
+  <dgm:styleLbl name="fgAcc0">
+    <dgm:scene3d>
+      <a:camera prst="orthographicFront"/>
+      <a:lightRig rig="threePt" dir="t"/>
+    </dgm:scene3d>
+    <dgm:sp3d/>
+    <dgm:txPr/>
+    <dgm:style>
+      <a:lnRef idx="1">
+        <a:scrgbClr r="0" g="0" b="0"/>
+      </a:lnRef>
+      <a:fillRef idx="1">
+        <a:scrgbClr r="0" g="0" b="0"/>
+      </a:fillRef>
+      <a:effectRef idx="0">
+        <a:scrgbClr r="0" g="0" b="0"/>
+      </a:effectRef>
+      <a:fontRef idx="minor"/>
+    </dgm:style>
+  </dgm:styleLbl>
+  <dgm:styleLbl name="fgAcc2">
+    <dgm:scene3d>
+      <a:camera prst="orthographicFront"/>
+      <a:lightRig rig="threePt" dir="t"/>
+    </dgm:scene3d>
+    <dgm:sp3d/>
+    <dgm:txPr/>
+    <dgm:style>
+      <a:lnRef idx="1">
+        <a:scrgbClr r="0" g="0" b="0"/>
+      </a:lnRef>
+      <a:fillRef idx="1">
+        <a:scrgbClr r="0" g="0" b="0"/>
+      </a:fillRef>
+      <a:effectRef idx="0">
+        <a:scrgbClr r="0" g="0" b="0"/>
+      </a:effectRef>
+      <a:fontRef idx="minor"/>
+    </dgm:style>
+  </dgm:styleLbl>
+  <dgm:styleLbl name="fgAcc3">
+    <dgm:scene3d>
+      <a:camera prst="orthographicFront"/>
+      <a:lightRig rig="threePt" dir="t"/>
+    </dgm:scene3d>
+    <dgm:sp3d/>
+    <dgm:txPr/>
+    <dgm:style>
+      <a:lnRef idx="1">
+        <a:scrgbClr r="0" g="0" b="0"/>
+      </a:lnRef>
+      <a:fillRef idx="1">
+        <a:scrgbClr r="0" g="0" b="0"/>
+      </a:fillRef>
+      <a:effectRef idx="0">
+        <a:scrgbClr r="0" g="0" b="0"/>
+      </a:effectRef>
+      <a:fontRef idx="minor"/>
+    </dgm:style>
+  </dgm:styleLbl>
+  <dgm:styleLbl name="fgAcc4">
+    <dgm:scene3d>
+      <a:camera prst="orthographicFront"/>
+      <a:lightRig rig="threePt" dir="t"/>
+    </dgm:scene3d>
+    <dgm:sp3d/>
+    <dgm:txPr/>
+    <dgm:style>
+      <a:lnRef idx="1">
+        <a:scrgbClr r="0" g="0" b="0"/>
+      </a:lnRef>
+      <a:fillRef idx="1">
+        <a:scrgbClr r="0" g="0" b="0"/>
+      </a:fillRef>
+      <a:effectRef idx="0">
+        <a:scrgbClr r="0" g="0" b="0"/>
+      </a:effectRef>
+      <a:fontRef idx="minor"/>
+    </dgm:style>
+  </dgm:styleLbl>
+  <dgm:styleLbl name="bgShp">
+    <dgm:scene3d>
+      <a:camera prst="orthographicFront"/>
+      <a:lightRig rig="threePt" dir="t"/>
+    </dgm:scene3d>
+    <dgm:sp3d/>
+    <dgm:txPr/>
+    <dgm:style>
+      <a:lnRef idx="0">
+        <a:scrgbClr r="0" g="0" b="0"/>
+      </a:lnRef>
+      <a:fillRef idx="1">
+        <a:scrgbClr r="0" g="0" b="0"/>
+      </a:fillRef>
+      <a:effectRef idx="2">
+        <a:scrgbClr r="0" g="0" b="0"/>
+      </a:effectRef>
+      <a:fontRef idx="minor"/>
+    </dgm:style>
+  </dgm:styleLbl>
+  <dgm:styleLbl name="dkBgShp">
+    <dgm:scene3d>
+      <a:camera prst="orthographicFront"/>
+      <a:lightRig rig="threePt" dir="t"/>
+    </dgm:scene3d>
+    <dgm:sp3d/>
+    <dgm:txPr/>
+    <dgm:style>
+      <a:lnRef idx="0">
+        <a:scrgbClr r="0" g="0" b="0"/>
+      </a:lnRef>
+      <a:fillRef idx="1">
+        <a:scrgbClr r="0" g="0" b="0"/>
+      </a:fillRef>
+      <a:effectRef idx="2">
+        <a:scrgbClr r="0" g="0" b="0"/>
+      </a:effectRef>
+      <a:fontRef idx="minor"/>
+    </dgm:style>
+  </dgm:styleLbl>
+  <dgm:styleLbl name="trBgShp">
+    <dgm:scene3d>
+      <a:camera prst="orthographicFront"/>
+      <a:lightRig rig="threePt" dir="t"/>
+    </dgm:scene3d>
+    <dgm:sp3d/>
+    <dgm:txPr/>
+    <dgm:style>
+      <a:lnRef idx="0">
+        <a:scrgbClr r="0" g="0" b="0"/>
+      </a:lnRef>
+      <a:fillRef idx="1">
+        <a:scrgbClr r="0" g="0" b="0"/>
+      </a:fillRef>
+      <a:effectRef idx="0">
+        <a:scrgbClr r="0" g="0" b="0"/>
+      </a:effectRef>
+      <a:fontRef idx="minor"/>
+    </dgm:style>
+  </dgm:styleLbl>
+  <dgm:styleLbl name="fgShp">
+    <dgm:scene3d>
+      <a:camera prst="orthographicFront"/>
+      <a:lightRig rig="threePt" dir="t"/>
+    </dgm:scene3d>
+    <dgm:sp3d/>
+    <dgm:txPr/>
+    <dgm:style>
+      <a:lnRef idx="0">
+        <a:scrgbClr r="0" g="0" b="0"/>
+      </a:lnRef>
+      <a:fillRef idx="3">
+        <a:scrgbClr r="0" g="0" b="0"/>
+      </a:fillRef>
+      <a:effectRef idx="2">
+        <a:scrgbClr r="0" g="0" b="0"/>
+      </a:effectRef>
+      <a:fontRef idx="minor"/>
+    </dgm:style>
+  </dgm:styleLbl>
+  <dgm:styleLbl name="revTx">
+    <dgm:scene3d>
+      <a:camera prst="orthographicFront"/>
+      <a:lightRig rig="threePt" dir="t"/>
+    </dgm:scene3d>
+    <dgm:sp3d/>
+    <dgm:txPr/>
+    <dgm:style>
+      <a:lnRef idx="0">
+        <a:scrgbClr r="0" g="0" b="0"/>
+      </a:lnRef>
+      <a:fillRef idx="0">
+        <a:scrgbClr r="0" g="0" b="0"/>
+      </a:fillRef>
+      <a:effectRef idx="0">
+        <a:scrgbClr r="0" g="0" b="0"/>
+      </a:effectRef>
+      <a:fontRef idx="minor"/>
+    </dgm:style>
+  </dgm:styleLbl>
+</dgm:styleDef>
+</file>
+
+<file path=ppt/diagrams/quickStyle4.xml><?xml version="1.0" encoding="utf-8"?>
 <dgm:styleDef xmlns:dgm="http://schemas.openxmlformats.org/drawingml/2006/diagram" xmlns:a="http://schemas.openxmlformats.org/drawingml/2006/main" uniqueId="urn:microsoft.com/office/officeart/2005/8/quickstyle/simple4">
   <dgm:title val=""/>
   <dgm:desc val=""/>
@@ -12250,7 +15835,7 @@
             <a:fld id="{28E80666-FB37-4B36-9149-507F3B0178E3}" type="datetimeFigureOut">
               <a:rPr lang="en-US" smtClean="0"/>
               <a:pPr/>
-              <a:t>6/1/14</a:t>
+              <a:t>6/2/14</a:t>
             </a:fld>
             <a:endParaRPr lang="en-US"/>
           </a:p>
@@ -12477,7 +16062,7 @@
           <a:p>
             <a:fld id="{1AB06FFE-816C-C24B-BA4C-A21B0446977D}" type="datetimeFigureOut">
               <a:rPr lang="en-US" smtClean="0"/>
-              <a:t>6/1/14</a:t>
+              <a:t>6/2/14</a:t>
             </a:fld>
             <a:endParaRPr lang="en-US"/>
           </a:p>
@@ -12652,7 +16237,7 @@
           <a:p>
             <a:fld id="{1AB06FFE-816C-C24B-BA4C-A21B0446977D}" type="datetimeFigureOut">
               <a:rPr lang="en-US" smtClean="0"/>
-              <a:t>6/1/14</a:t>
+              <a:t>6/2/14</a:t>
             </a:fld>
             <a:endParaRPr lang="en-US"/>
           </a:p>
@@ -12817,7 +16402,7 @@
           <a:p>
             <a:fld id="{1AB06FFE-816C-C24B-BA4C-A21B0446977D}" type="datetimeFigureOut">
               <a:rPr lang="en-US" smtClean="0"/>
-              <a:t>6/1/14</a:t>
+              <a:t>6/2/14</a:t>
             </a:fld>
             <a:endParaRPr lang="en-US"/>
           </a:p>
@@ -13059,7 +16644,7 @@
             <a:fld id="{28E80666-FB37-4B36-9149-507F3B0178E3}" type="datetimeFigureOut">
               <a:rPr lang="en-US" smtClean="0"/>
               <a:pPr/>
-              <a:t>6/1/14</a:t>
+              <a:t>6/2/14</a:t>
             </a:fld>
             <a:endParaRPr lang="en-US"/>
           </a:p>
@@ -13173,7 +16758,7 @@
           <a:p>
             <a:fld id="{1AB06FFE-816C-C24B-BA4C-A21B0446977D}" type="datetimeFigureOut">
               <a:rPr lang="en-US" smtClean="0"/>
-              <a:t>6/1/14</a:t>
+              <a:t>6/2/14</a:t>
             </a:fld>
             <a:endParaRPr lang="en-US"/>
           </a:p>
@@ -13550,7 +17135,7 @@
           <a:p>
             <a:fld id="{1AB06FFE-816C-C24B-BA4C-A21B0446977D}" type="datetimeFigureOut">
               <a:rPr lang="en-US" smtClean="0"/>
-              <a:t>6/1/14</a:t>
+              <a:t>6/2/14</a:t>
             </a:fld>
             <a:endParaRPr lang="en-US"/>
           </a:p>
@@ -19195,7 +22780,7 @@
           <a:p>
             <a:fld id="{1AB06FFE-816C-C24B-BA4C-A21B0446977D}" type="datetimeFigureOut">
               <a:rPr lang="en-US" smtClean="0"/>
-              <a:t>6/1/14</a:t>
+              <a:t>6/2/14</a:t>
             </a:fld>
             <a:endParaRPr lang="en-US"/>
           </a:p>
@@ -19285,7 +22870,7 @@
           <a:p>
             <a:fld id="{1AB06FFE-816C-C24B-BA4C-A21B0446977D}" type="datetimeFigureOut">
               <a:rPr lang="en-US" smtClean="0"/>
-              <a:t>6/1/14</a:t>
+              <a:t>6/2/14</a:t>
             </a:fld>
             <a:endParaRPr lang="en-US"/>
           </a:p>
@@ -19557,7 +23142,7 @@
           <a:p>
             <a:fld id="{1AB06FFE-816C-C24B-BA4C-A21B0446977D}" type="datetimeFigureOut">
               <a:rPr lang="en-US" smtClean="0"/>
-              <a:t>6/1/14</a:t>
+              <a:t>6/2/14</a:t>
             </a:fld>
             <a:endParaRPr lang="en-US"/>
           </a:p>
@@ -19866,7 +23451,7 @@
           <a:p>
             <a:fld id="{1AB06FFE-816C-C24B-BA4C-A21B0446977D}" type="datetimeFigureOut">
               <a:rPr lang="en-US" smtClean="0"/>
-              <a:t>6/1/14</a:t>
+              <a:t>6/2/14</a:t>
             </a:fld>
             <a:endParaRPr lang="en-US"/>
           </a:p>
@@ -20103,7 +23688,7 @@
           <a:p>
             <a:fld id="{1AB06FFE-816C-C24B-BA4C-A21B0446977D}" type="datetimeFigureOut">
               <a:rPr lang="en-US" smtClean="0"/>
-              <a:t>6/1/14</a:t>
+              <a:t>6/2/14</a:t>
             </a:fld>
             <a:endParaRPr lang="en-US"/>
           </a:p>
@@ -20641,6 +24226,58 @@
       <p:transition xmlns:p14="http://schemas.microsoft.com/office/powerpoint/2010/main" spd="slow"/>
     </mc:Fallback>
   </mc:AlternateContent>
+</p:sld>
+</file>
+
+<file path=ppt/slides/slide10.xml><?xml version="1.0" encoding="utf-8"?>
+<p:sld xmlns:a="http://schemas.openxmlformats.org/drawingml/2006/main" xmlns:r="http://schemas.openxmlformats.org/officeDocument/2006/relationships" xmlns:p="http://schemas.openxmlformats.org/presentationml/2006/main">
+  <p:cSld>
+    <p:spTree>
+      <p:nvGrpSpPr>
+        <p:cNvPr id="1" name=""/>
+        <p:cNvGrpSpPr/>
+        <p:nvPr/>
+      </p:nvGrpSpPr>
+      <p:grpSpPr>
+        <a:xfrm>
+          <a:off x="0" y="0"/>
+          <a:ext cx="0" cy="0"/>
+          <a:chOff x="0" y="0"/>
+          <a:chExt cx="0" cy="0"/>
+        </a:xfrm>
+      </p:grpSpPr>
+      <p:graphicFrame>
+        <p:nvGraphicFramePr>
+          <p:cNvPr id="2" name="Diagram 1"/>
+          <p:cNvGraphicFramePr/>
+          <p:nvPr>
+            <p:extLst>
+              <p:ext uri="{D42A27DB-BD31-4B8C-83A1-F6EECF244321}">
+                <p14:modId xmlns:p14="http://schemas.microsoft.com/office/powerpoint/2010/main" val="4132892320"/>
+              </p:ext>
+            </p:extLst>
+          </p:nvPr>
+        </p:nvGraphicFramePr>
+        <p:xfrm>
+          <a:off x="2209271" y="567972"/>
+          <a:ext cx="8125883" cy="5417256"/>
+        </p:xfrm>
+        <a:graphic>
+          <a:graphicData uri="http://schemas.openxmlformats.org/drawingml/2006/diagram">
+            <dgm:relIds xmlns:dgm="http://schemas.openxmlformats.org/drawingml/2006/diagram" xmlns:r="http://schemas.openxmlformats.org/officeDocument/2006/relationships" r:dm="rId2" r:lo="rId3" r:qs="rId4" r:cs="rId5"/>
+          </a:graphicData>
+        </a:graphic>
+      </p:graphicFrame>
+    </p:spTree>
+    <p:extLst>
+      <p:ext uri="{BB962C8B-B14F-4D97-AF65-F5344CB8AC3E}">
+        <p14:creationId xmlns:p14="http://schemas.microsoft.com/office/powerpoint/2010/main" val="47647672"/>
+      </p:ext>
+    </p:extLst>
+  </p:cSld>
+  <p:clrMapOvr>
+    <a:masterClrMapping/>
+  </p:clrMapOvr>
 </p:sld>
 </file>
 
